--- a/Powerpoint/Final Project.pptx
+++ b/Powerpoint/Final Project.pptx
@@ -2,10 +2,15 @@
 <file path=ppt/presentation.xml><?xml version="1.0" encoding="utf-8"?>
 <p:presentation xmlns:a="http://schemas.openxmlformats.org/drawingml/2006/main" xmlns:r="http://schemas.openxmlformats.org/officeDocument/2006/relationships" xmlns:p="http://schemas.openxmlformats.org/presentationml/2006/main" saveSubsetFonts="1">
   <p:sldMasterIdLst>
-    <p:sldMasterId id="2147483648" r:id="rId1"/>
+    <p:sldMasterId id="2147483719" r:id="rId1"/>
   </p:sldMasterIdLst>
   <p:sldIdLst>
     <p:sldId id="256" r:id="rId2"/>
+    <p:sldId id="257" r:id="rId3"/>
+    <p:sldId id="258" r:id="rId4"/>
+    <p:sldId id="259" r:id="rId5"/>
+    <p:sldId id="260" r:id="rId6"/>
+    <p:sldId id="261" r:id="rId7"/>
   </p:sldIdLst>
   <p:sldSz cx="12192000" cy="6858000"/>
   <p:notesSz cx="6858000" cy="9144000"/>
@@ -13,7 +18,7 @@
     <a:defPPr>
       <a:defRPr lang="en-US"/>
     </a:defPPr>
-    <a:lvl1pPr marL="0" algn="l" defTabSz="914400" rtl="0" eaLnBrk="1" latinLnBrk="0" hangingPunct="1">
+    <a:lvl1pPr marL="0" algn="l" defTabSz="457200" rtl="0" eaLnBrk="1" latinLnBrk="0" hangingPunct="1">
       <a:defRPr sz="1800" kern="1200">
         <a:solidFill>
           <a:schemeClr val="tx1"/>
@@ -23,7 +28,7 @@
         <a:cs typeface="+mn-cs"/>
       </a:defRPr>
     </a:lvl1pPr>
-    <a:lvl2pPr marL="457200" algn="l" defTabSz="914400" rtl="0" eaLnBrk="1" latinLnBrk="0" hangingPunct="1">
+    <a:lvl2pPr marL="457200" algn="l" defTabSz="457200" rtl="0" eaLnBrk="1" latinLnBrk="0" hangingPunct="1">
       <a:defRPr sz="1800" kern="1200">
         <a:solidFill>
           <a:schemeClr val="tx1"/>
@@ -33,7 +38,7 @@
         <a:cs typeface="+mn-cs"/>
       </a:defRPr>
     </a:lvl2pPr>
-    <a:lvl3pPr marL="914400" algn="l" defTabSz="914400" rtl="0" eaLnBrk="1" latinLnBrk="0" hangingPunct="1">
+    <a:lvl3pPr marL="914400" algn="l" defTabSz="457200" rtl="0" eaLnBrk="1" latinLnBrk="0" hangingPunct="1">
       <a:defRPr sz="1800" kern="1200">
         <a:solidFill>
           <a:schemeClr val="tx1"/>
@@ -43,7 +48,7 @@
         <a:cs typeface="+mn-cs"/>
       </a:defRPr>
     </a:lvl3pPr>
-    <a:lvl4pPr marL="1371600" algn="l" defTabSz="914400" rtl="0" eaLnBrk="1" latinLnBrk="0" hangingPunct="1">
+    <a:lvl4pPr marL="1371600" algn="l" defTabSz="457200" rtl="0" eaLnBrk="1" latinLnBrk="0" hangingPunct="1">
       <a:defRPr sz="1800" kern="1200">
         <a:solidFill>
           <a:schemeClr val="tx1"/>
@@ -53,7 +58,7 @@
         <a:cs typeface="+mn-cs"/>
       </a:defRPr>
     </a:lvl4pPr>
-    <a:lvl5pPr marL="1828800" algn="l" defTabSz="914400" rtl="0" eaLnBrk="1" latinLnBrk="0" hangingPunct="1">
+    <a:lvl5pPr marL="1828800" algn="l" defTabSz="457200" rtl="0" eaLnBrk="1" latinLnBrk="0" hangingPunct="1">
       <a:defRPr sz="1800" kern="1200">
         <a:solidFill>
           <a:schemeClr val="tx1"/>
@@ -63,7 +68,7 @@
         <a:cs typeface="+mn-cs"/>
       </a:defRPr>
     </a:lvl5pPr>
-    <a:lvl6pPr marL="2286000" algn="l" defTabSz="914400" rtl="0" eaLnBrk="1" latinLnBrk="0" hangingPunct="1">
+    <a:lvl6pPr marL="2286000" algn="l" defTabSz="457200" rtl="0" eaLnBrk="1" latinLnBrk="0" hangingPunct="1">
       <a:defRPr sz="1800" kern="1200">
         <a:solidFill>
           <a:schemeClr val="tx1"/>
@@ -73,7 +78,7 @@
         <a:cs typeface="+mn-cs"/>
       </a:defRPr>
     </a:lvl6pPr>
-    <a:lvl7pPr marL="2743200" algn="l" defTabSz="914400" rtl="0" eaLnBrk="1" latinLnBrk="0" hangingPunct="1">
+    <a:lvl7pPr marL="2743200" algn="l" defTabSz="457200" rtl="0" eaLnBrk="1" latinLnBrk="0" hangingPunct="1">
       <a:defRPr sz="1800" kern="1200">
         <a:solidFill>
           <a:schemeClr val="tx1"/>
@@ -83,7 +88,7 @@
         <a:cs typeface="+mn-cs"/>
       </a:defRPr>
     </a:lvl7pPr>
-    <a:lvl8pPr marL="3200400" algn="l" defTabSz="914400" rtl="0" eaLnBrk="1" latinLnBrk="0" hangingPunct="1">
+    <a:lvl8pPr marL="3200400" algn="l" defTabSz="457200" rtl="0" eaLnBrk="1" latinLnBrk="0" hangingPunct="1">
       <a:defRPr sz="1800" kern="1200">
         <a:solidFill>
           <a:schemeClr val="tx1"/>
@@ -93,7 +98,7 @@
         <a:cs typeface="+mn-cs"/>
       </a:defRPr>
     </a:lvl8pPr>
-    <a:lvl9pPr marL="3657600" algn="l" defTabSz="914400" rtl="0" eaLnBrk="1" latinLnBrk="0" hangingPunct="1">
+    <a:lvl9pPr marL="3657600" algn="l" defTabSz="457200" rtl="0" eaLnBrk="1" latinLnBrk="0" hangingPunct="1">
       <a:defRPr sz="1800" kern="1200">
         <a:solidFill>
           <a:schemeClr val="tx1"/>
@@ -104,12 +109,3165 @@
       </a:defRPr>
     </a:lvl9pPr>
   </p:defaultTextStyle>
+  <p:extLst>
+    <p:ext uri="{EFAFB233-063F-42B5-8137-9DF3F51BA10A}">
+      <p15:sldGuideLst xmlns:p15="http://schemas.microsoft.com/office/powerpoint/2012/main"/>
+    </p:ext>
+  </p:extLst>
 </p:presentation>
 </file>
 
+<file path=ppt/revisionInfo.xml><?xml version="1.0" encoding="utf-8"?>
+<p1510:revInfo xmlns:a="http://schemas.openxmlformats.org/drawingml/2006/main" xmlns:r="http://schemas.openxmlformats.org/officeDocument/2006/relationships" xmlns:p1510="http://schemas.microsoft.com/office/powerpoint/2015/10/main">
+  <p1510:revLst>
+    <p1510:client id="{CA335E2A-C0C2-4D7F-9FF6-0E17EA670898}" v="20" dt="2020-04-19T20:13:15.965"/>
+  </p1510:revLst>
+</p1510:revInfo>
+</file>
+
+<file path=ppt/changesInfos/changesInfo1.xml><?xml version="1.0" encoding="utf-8"?>
+<pc:chgInfo xmlns:a="http://schemas.openxmlformats.org/drawingml/2006/main" xmlns:r="http://schemas.openxmlformats.org/officeDocument/2006/relationships" xmlns:ac="http://schemas.microsoft.com/office/drawing/2013/main/command" xmlns:pc="http://schemas.microsoft.com/office/powerpoint/2013/main/command">
+  <pc:docChgLst>
+    <pc:chgData name="Mario Garcia" userId="53bf80f1d6e59a2f" providerId="LiveId" clId="{CA335E2A-C0C2-4D7F-9FF6-0E17EA670898}"/>
+    <pc:docChg chg="undo custSel mod addSld modSld">
+      <pc:chgData name="Mario Garcia" userId="53bf80f1d6e59a2f" providerId="LiveId" clId="{CA335E2A-C0C2-4D7F-9FF6-0E17EA670898}" dt="2020-04-19T20:20:33.066" v="1100" actId="20577"/>
+      <pc:docMkLst>
+        <pc:docMk/>
+      </pc:docMkLst>
+      <pc:sldChg chg="addSp delSp modSp mod setBg setClrOvrMap">
+        <pc:chgData name="Mario Garcia" userId="53bf80f1d6e59a2f" providerId="LiveId" clId="{CA335E2A-C0C2-4D7F-9FF6-0E17EA670898}" dt="2020-04-19T19:59:27.729" v="636" actId="20577"/>
+        <pc:sldMkLst>
+          <pc:docMk/>
+          <pc:sldMk cId="1062641186" sldId="256"/>
+        </pc:sldMkLst>
+        <pc:spChg chg="mod">
+          <ac:chgData name="Mario Garcia" userId="53bf80f1d6e59a2f" providerId="LiveId" clId="{CA335E2A-C0C2-4D7F-9FF6-0E17EA670898}" dt="2020-04-19T19:59:27.729" v="636" actId="20577"/>
+          <ac:spMkLst>
+            <pc:docMk/>
+            <pc:sldMk cId="1062641186" sldId="256"/>
+            <ac:spMk id="2" creationId="{B4706935-1E0C-4D16-A9E2-70BFA2AA8483}"/>
+          </ac:spMkLst>
+        </pc:spChg>
+        <pc:spChg chg="mod">
+          <ac:chgData name="Mario Garcia" userId="53bf80f1d6e59a2f" providerId="LiveId" clId="{CA335E2A-C0C2-4D7F-9FF6-0E17EA670898}" dt="2020-04-19T19:58:58.387" v="605" actId="26606"/>
+          <ac:spMkLst>
+            <pc:docMk/>
+            <pc:sldMk cId="1062641186" sldId="256"/>
+            <ac:spMk id="3" creationId="{8DEE8918-7D24-4A5F-950E-4074575D6264}"/>
+          </ac:spMkLst>
+        </pc:spChg>
+        <pc:spChg chg="add del">
+          <ac:chgData name="Mario Garcia" userId="53bf80f1d6e59a2f" providerId="LiveId" clId="{CA335E2A-C0C2-4D7F-9FF6-0E17EA670898}" dt="2020-04-19T19:58:53.589" v="602" actId="26606"/>
+          <ac:spMkLst>
+            <pc:docMk/>
+            <pc:sldMk cId="1062641186" sldId="256"/>
+            <ac:spMk id="71" creationId="{0B747386-D4D7-4F75-8EA2-DF7F89C385AE}"/>
+          </ac:spMkLst>
+        </pc:spChg>
+        <pc:spChg chg="add del">
+          <ac:chgData name="Mario Garcia" userId="53bf80f1d6e59a2f" providerId="LiveId" clId="{CA335E2A-C0C2-4D7F-9FF6-0E17EA670898}" dt="2020-04-19T19:58:53.589" v="602" actId="26606"/>
+          <ac:spMkLst>
+            <pc:docMk/>
+            <pc:sldMk cId="1062641186" sldId="256"/>
+            <ac:spMk id="73" creationId="{27D08544-84F0-43AA-B817-DB8B5749A43F}"/>
+          </ac:spMkLst>
+        </pc:spChg>
+        <pc:spChg chg="add del">
+          <ac:chgData name="Mario Garcia" userId="53bf80f1d6e59a2f" providerId="LiveId" clId="{CA335E2A-C0C2-4D7F-9FF6-0E17EA670898}" dt="2020-04-19T19:58:58.370" v="604" actId="26606"/>
+          <ac:spMkLst>
+            <pc:docMk/>
+            <pc:sldMk cId="1062641186" sldId="256"/>
+            <ac:spMk id="1028" creationId="{CD541157-D085-45F2-974F-F497D4128FD3}"/>
+          </ac:spMkLst>
+        </pc:spChg>
+        <pc:spChg chg="add del">
+          <ac:chgData name="Mario Garcia" userId="53bf80f1d6e59a2f" providerId="LiveId" clId="{CA335E2A-C0C2-4D7F-9FF6-0E17EA670898}" dt="2020-04-19T19:58:58.370" v="604" actId="26606"/>
+          <ac:spMkLst>
+            <pc:docMk/>
+            <pc:sldMk cId="1062641186" sldId="256"/>
+            <ac:spMk id="1029" creationId="{991A6416-E637-494F-8791-21C34D85AE04}"/>
+          </ac:spMkLst>
+        </pc:spChg>
+        <pc:spChg chg="add">
+          <ac:chgData name="Mario Garcia" userId="53bf80f1d6e59a2f" providerId="LiveId" clId="{CA335E2A-C0C2-4D7F-9FF6-0E17EA670898}" dt="2020-04-19T19:58:58.387" v="605" actId="26606"/>
+          <ac:spMkLst>
+            <pc:docMk/>
+            <pc:sldMk cId="1062641186" sldId="256"/>
+            <ac:spMk id="1031" creationId="{0B747386-D4D7-4F75-8EA2-DF7F89C385AE}"/>
+          </ac:spMkLst>
+        </pc:spChg>
+        <pc:spChg chg="add">
+          <ac:chgData name="Mario Garcia" userId="53bf80f1d6e59a2f" providerId="LiveId" clId="{CA335E2A-C0C2-4D7F-9FF6-0E17EA670898}" dt="2020-04-19T19:58:58.387" v="605" actId="26606"/>
+          <ac:spMkLst>
+            <pc:docMk/>
+            <pc:sldMk cId="1062641186" sldId="256"/>
+            <ac:spMk id="1032" creationId="{27D08544-84F0-43AA-B817-DB8B5749A43F}"/>
+          </ac:spMkLst>
+        </pc:spChg>
+        <pc:picChg chg="add mod ord">
+          <ac:chgData name="Mario Garcia" userId="53bf80f1d6e59a2f" providerId="LiveId" clId="{CA335E2A-C0C2-4D7F-9FF6-0E17EA670898}" dt="2020-04-19T19:58:58.387" v="605" actId="26606"/>
+          <ac:picMkLst>
+            <pc:docMk/>
+            <pc:sldMk cId="1062641186" sldId="256"/>
+            <ac:picMk id="1026" creationId="{18062B0F-B46A-4EAB-9123-90B768A656C3}"/>
+          </ac:picMkLst>
+        </pc:picChg>
+      </pc:sldChg>
+      <pc:sldChg chg="addSp delSp modSp add mod setBg">
+        <pc:chgData name="Mario Garcia" userId="53bf80f1d6e59a2f" providerId="LiveId" clId="{CA335E2A-C0C2-4D7F-9FF6-0E17EA670898}" dt="2020-04-19T19:56:42.736" v="598" actId="20577"/>
+        <pc:sldMkLst>
+          <pc:docMk/>
+          <pc:sldMk cId="1979753910" sldId="257"/>
+        </pc:sldMkLst>
+        <pc:spChg chg="mod">
+          <ac:chgData name="Mario Garcia" userId="53bf80f1d6e59a2f" providerId="LiveId" clId="{CA335E2A-C0C2-4D7F-9FF6-0E17EA670898}" dt="2020-04-19T19:56:30.409" v="595" actId="26606"/>
+          <ac:spMkLst>
+            <pc:docMk/>
+            <pc:sldMk cId="1979753910" sldId="257"/>
+            <ac:spMk id="2" creationId="{008E0CFC-F7B5-4089-9410-099DCAB5AB10}"/>
+          </ac:spMkLst>
+        </pc:spChg>
+        <pc:spChg chg="del mod">
+          <ac:chgData name="Mario Garcia" userId="53bf80f1d6e59a2f" providerId="LiveId" clId="{CA335E2A-C0C2-4D7F-9FF6-0E17EA670898}" dt="2020-04-19T19:56:30.409" v="595" actId="26606"/>
+          <ac:spMkLst>
+            <pc:docMk/>
+            <pc:sldMk cId="1979753910" sldId="257"/>
+            <ac:spMk id="3" creationId="{72B1E903-83CB-469F-874E-444A6DCC0089}"/>
+          </ac:spMkLst>
+        </pc:spChg>
+        <pc:graphicFrameChg chg="add mod">
+          <ac:chgData name="Mario Garcia" userId="53bf80f1d6e59a2f" providerId="LiveId" clId="{CA335E2A-C0C2-4D7F-9FF6-0E17EA670898}" dt="2020-04-19T19:56:42.736" v="598" actId="20577"/>
+          <ac:graphicFrameMkLst>
+            <pc:docMk/>
+            <pc:sldMk cId="1979753910" sldId="257"/>
+            <ac:graphicFrameMk id="5" creationId="{E4F39CFD-BE5B-4D3C-BDE0-81F009B1A840}"/>
+          </ac:graphicFrameMkLst>
+        </pc:graphicFrameChg>
+      </pc:sldChg>
+      <pc:sldChg chg="addSp delSp modSp add mod setBg">
+        <pc:chgData name="Mario Garcia" userId="53bf80f1d6e59a2f" providerId="LiveId" clId="{CA335E2A-C0C2-4D7F-9FF6-0E17EA670898}" dt="2020-04-19T20:20:33.066" v="1100" actId="20577"/>
+        <pc:sldMkLst>
+          <pc:docMk/>
+          <pc:sldMk cId="1912757055" sldId="258"/>
+        </pc:sldMkLst>
+        <pc:spChg chg="mod">
+          <ac:chgData name="Mario Garcia" userId="53bf80f1d6e59a2f" providerId="LiveId" clId="{CA335E2A-C0C2-4D7F-9FF6-0E17EA670898}" dt="2020-04-19T20:07:15.491" v="672" actId="26606"/>
+          <ac:spMkLst>
+            <pc:docMk/>
+            <pc:sldMk cId="1912757055" sldId="258"/>
+            <ac:spMk id="2" creationId="{02ABB9C2-5E1A-4E58-98C5-1291ECF53633}"/>
+          </ac:spMkLst>
+        </pc:spChg>
+        <pc:spChg chg="del">
+          <ac:chgData name="Mario Garcia" userId="53bf80f1d6e59a2f" providerId="LiveId" clId="{CA335E2A-C0C2-4D7F-9FF6-0E17EA670898}" dt="2020-04-19T20:01:21.093" v="637"/>
+          <ac:spMkLst>
+            <pc:docMk/>
+            <pc:sldMk cId="1912757055" sldId="258"/>
+            <ac:spMk id="3" creationId="{3C774295-A6A8-4D9F-AFB4-CB59028E7E7C}"/>
+          </ac:spMkLst>
+        </pc:spChg>
+        <pc:spChg chg="add mod">
+          <ac:chgData name="Mario Garcia" userId="53bf80f1d6e59a2f" providerId="LiveId" clId="{CA335E2A-C0C2-4D7F-9FF6-0E17EA670898}" dt="2020-04-19T20:11:15.811" v="951" actId="20577"/>
+          <ac:spMkLst>
+            <pc:docMk/>
+            <pc:sldMk cId="1912757055" sldId="258"/>
+            <ac:spMk id="11" creationId="{0CD11659-6AEF-457C-A8EE-A5ADF0B6F2A9}"/>
+          </ac:spMkLst>
+        </pc:spChg>
+        <pc:spChg chg="add">
+          <ac:chgData name="Mario Garcia" userId="53bf80f1d6e59a2f" providerId="LiveId" clId="{CA335E2A-C0C2-4D7F-9FF6-0E17EA670898}" dt="2020-04-19T20:07:15.491" v="672" actId="26606"/>
+          <ac:spMkLst>
+            <pc:docMk/>
+            <pc:sldMk cId="1912757055" sldId="258"/>
+            <ac:spMk id="14" creationId="{ACE0B6C6-23FB-4AED-A84E-3A43F4F58069}"/>
+          </ac:spMkLst>
+        </pc:spChg>
+        <pc:spChg chg="add mod">
+          <ac:chgData name="Mario Garcia" userId="53bf80f1d6e59a2f" providerId="LiveId" clId="{CA335E2A-C0C2-4D7F-9FF6-0E17EA670898}" dt="2020-04-19T20:20:33.066" v="1100" actId="20577"/>
+          <ac:spMkLst>
+            <pc:docMk/>
+            <pc:sldMk cId="1912757055" sldId="258"/>
+            <ac:spMk id="15" creationId="{B18F3D55-CA15-4D70-9C46-A3C441E37E48}"/>
+          </ac:spMkLst>
+        </pc:spChg>
+        <pc:spChg chg="add">
+          <ac:chgData name="Mario Garcia" userId="53bf80f1d6e59a2f" providerId="LiveId" clId="{CA335E2A-C0C2-4D7F-9FF6-0E17EA670898}" dt="2020-04-19T20:07:15.491" v="672" actId="26606"/>
+          <ac:spMkLst>
+            <pc:docMk/>
+            <pc:sldMk cId="1912757055" sldId="258"/>
+            <ac:spMk id="16" creationId="{2C086639-06AF-4CBA-893B-5D4CA38F92F1}"/>
+          </ac:spMkLst>
+        </pc:spChg>
+        <pc:spChg chg="add">
+          <ac:chgData name="Mario Garcia" userId="53bf80f1d6e59a2f" providerId="LiveId" clId="{CA335E2A-C0C2-4D7F-9FF6-0E17EA670898}" dt="2020-04-19T20:07:15.491" v="672" actId="26606"/>
+          <ac:spMkLst>
+            <pc:docMk/>
+            <pc:sldMk cId="1912757055" sldId="258"/>
+            <ac:spMk id="18" creationId="{655BB7C8-9C4A-4523-8A89-13FA01544CF0}"/>
+          </ac:spMkLst>
+        </pc:spChg>
+        <pc:spChg chg="add">
+          <ac:chgData name="Mario Garcia" userId="53bf80f1d6e59a2f" providerId="LiveId" clId="{CA335E2A-C0C2-4D7F-9FF6-0E17EA670898}" dt="2020-04-19T20:07:15.491" v="672" actId="26606"/>
+          <ac:spMkLst>
+            <pc:docMk/>
+            <pc:sldMk cId="1912757055" sldId="258"/>
+            <ac:spMk id="20" creationId="{CFA01898-9E68-4951-977D-90E1031312C4}"/>
+          </ac:spMkLst>
+        </pc:spChg>
+        <pc:spChg chg="add">
+          <ac:chgData name="Mario Garcia" userId="53bf80f1d6e59a2f" providerId="LiveId" clId="{CA335E2A-C0C2-4D7F-9FF6-0E17EA670898}" dt="2020-04-19T20:07:15.491" v="672" actId="26606"/>
+          <ac:spMkLst>
+            <pc:docMk/>
+            <pc:sldMk cId="1912757055" sldId="258"/>
+            <ac:spMk id="22" creationId="{7BE2D561-3633-4B37-94F3-DCCAF51570AB}"/>
+          </ac:spMkLst>
+        </pc:spChg>
+        <pc:spChg chg="add">
+          <ac:chgData name="Mario Garcia" userId="53bf80f1d6e59a2f" providerId="LiveId" clId="{CA335E2A-C0C2-4D7F-9FF6-0E17EA670898}" dt="2020-04-19T20:07:15.491" v="672" actId="26606"/>
+          <ac:spMkLst>
+            <pc:docMk/>
+            <pc:sldMk cId="1912757055" sldId="258"/>
+            <ac:spMk id="24" creationId="{E3860AE2-D963-4317-974D-15AB45BA7997}"/>
+          </ac:spMkLst>
+        </pc:spChg>
+        <pc:picChg chg="add mod ord">
+          <ac:chgData name="Mario Garcia" userId="53bf80f1d6e59a2f" providerId="LiveId" clId="{CA335E2A-C0C2-4D7F-9FF6-0E17EA670898}" dt="2020-04-19T20:07:15.491" v="672" actId="26606"/>
+          <ac:picMkLst>
+            <pc:docMk/>
+            <pc:sldMk cId="1912757055" sldId="258"/>
+            <ac:picMk id="4" creationId="{A207B66D-89A1-47FB-89A7-3056B51748C9}"/>
+          </ac:picMkLst>
+        </pc:picChg>
+        <pc:picChg chg="add mod modCrop">
+          <ac:chgData name="Mario Garcia" userId="53bf80f1d6e59a2f" providerId="LiveId" clId="{CA335E2A-C0C2-4D7F-9FF6-0E17EA670898}" dt="2020-04-19T20:07:15.491" v="672" actId="26606"/>
+          <ac:picMkLst>
+            <pc:docMk/>
+            <pc:sldMk cId="1912757055" sldId="258"/>
+            <ac:picMk id="5" creationId="{0C467E5A-9A5B-4B77-A965-CA086D45699A}"/>
+          </ac:picMkLst>
+        </pc:picChg>
+        <pc:picChg chg="add mod">
+          <ac:chgData name="Mario Garcia" userId="53bf80f1d6e59a2f" providerId="LiveId" clId="{CA335E2A-C0C2-4D7F-9FF6-0E17EA670898}" dt="2020-04-19T20:07:15.491" v="672" actId="26606"/>
+          <ac:picMkLst>
+            <pc:docMk/>
+            <pc:sldMk cId="1912757055" sldId="258"/>
+            <ac:picMk id="6" creationId="{D9D68248-65A6-4793-8118-18333E8A465D}"/>
+          </ac:picMkLst>
+        </pc:picChg>
+        <pc:picChg chg="add mod ord">
+          <ac:chgData name="Mario Garcia" userId="53bf80f1d6e59a2f" providerId="LiveId" clId="{CA335E2A-C0C2-4D7F-9FF6-0E17EA670898}" dt="2020-04-19T20:07:15.491" v="672" actId="26606"/>
+          <ac:picMkLst>
+            <pc:docMk/>
+            <pc:sldMk cId="1912757055" sldId="258"/>
+            <ac:picMk id="7" creationId="{8BCF54EF-6C4D-449F-8006-16BF583B38C3}"/>
+          </ac:picMkLst>
+        </pc:picChg>
+      </pc:sldChg>
+      <pc:sldChg chg="modSp add mod">
+        <pc:chgData name="Mario Garcia" userId="53bf80f1d6e59a2f" providerId="LiveId" clId="{CA335E2A-C0C2-4D7F-9FF6-0E17EA670898}" dt="2020-04-19T20:11:41.700" v="968" actId="20577"/>
+        <pc:sldMkLst>
+          <pc:docMk/>
+          <pc:sldMk cId="2042003720" sldId="259"/>
+        </pc:sldMkLst>
+        <pc:spChg chg="mod">
+          <ac:chgData name="Mario Garcia" userId="53bf80f1d6e59a2f" providerId="LiveId" clId="{CA335E2A-C0C2-4D7F-9FF6-0E17EA670898}" dt="2020-04-19T20:11:41.700" v="968" actId="20577"/>
+          <ac:spMkLst>
+            <pc:docMk/>
+            <pc:sldMk cId="2042003720" sldId="259"/>
+            <ac:spMk id="2" creationId="{FAEA37A0-F237-4446-B04E-4F1E2FEC635F}"/>
+          </ac:spMkLst>
+        </pc:spChg>
+      </pc:sldChg>
+      <pc:sldChg chg="add">
+        <pc:chgData name="Mario Garcia" userId="53bf80f1d6e59a2f" providerId="LiveId" clId="{CA335E2A-C0C2-4D7F-9FF6-0E17EA670898}" dt="2020-04-19T19:36:20.415" v="127"/>
+        <pc:sldMkLst>
+          <pc:docMk/>
+          <pc:sldMk cId="910700709" sldId="260"/>
+        </pc:sldMkLst>
+      </pc:sldChg>
+      <pc:sldChg chg="add">
+        <pc:chgData name="Mario Garcia" userId="53bf80f1d6e59a2f" providerId="LiveId" clId="{CA335E2A-C0C2-4D7F-9FF6-0E17EA670898}" dt="2020-04-19T19:36:21.270" v="128"/>
+        <pc:sldMkLst>
+          <pc:docMk/>
+          <pc:sldMk cId="1302814122" sldId="261"/>
+        </pc:sldMkLst>
+      </pc:sldChg>
+    </pc:docChg>
+  </pc:docChgLst>
+</pc:chgInfo>
+</file>
+
+<file path=ppt/diagrams/colors1.xml><?xml version="1.0" encoding="utf-8"?>
+<dgm:colorsDef xmlns:dgm="http://schemas.openxmlformats.org/drawingml/2006/diagram" xmlns:a="http://schemas.openxmlformats.org/drawingml/2006/main" uniqueId="urn:microsoft.com/office/officeart/2005/8/colors/colorful2">
+  <dgm:title val=""/>
+  <dgm:desc val=""/>
+  <dgm:catLst>
+    <dgm:cat type="colorful" pri="10200"/>
+  </dgm:catLst>
+  <dgm:styleLbl name="node0">
+    <dgm:fillClrLst meth="repeat">
+      <a:schemeClr val="accent1"/>
+    </dgm:fillClrLst>
+    <dgm:linClrLst meth="repeat">
+      <a:schemeClr val="lt1"/>
+    </dgm:linClrLst>
+    <dgm:effectClrLst/>
+    <dgm:txLinClrLst/>
+    <dgm:txFillClrLst/>
+    <dgm:txEffectClrLst/>
+  </dgm:styleLbl>
+  <dgm:styleLbl name="node1">
+    <dgm:fillClrLst>
+      <a:schemeClr val="accent2"/>
+      <a:schemeClr val="accent3"/>
+    </dgm:fillClrLst>
+    <dgm:linClrLst meth="repeat">
+      <a:schemeClr val="lt1"/>
+    </dgm:linClrLst>
+    <dgm:effectClrLst/>
+    <dgm:txLinClrLst/>
+    <dgm:txFillClrLst/>
+    <dgm:txEffectClrLst/>
+  </dgm:styleLbl>
+  <dgm:styleLbl name="alignNode1">
+    <dgm:fillClrLst>
+      <a:schemeClr val="accent2"/>
+      <a:schemeClr val="accent3"/>
+    </dgm:fillClrLst>
+    <dgm:linClrLst>
+      <a:schemeClr val="accent2"/>
+      <a:schemeClr val="accent3"/>
+    </dgm:linClrLst>
+    <dgm:effectClrLst/>
+    <dgm:txLinClrLst/>
+    <dgm:txFillClrLst/>
+    <dgm:txEffectClrLst/>
+  </dgm:styleLbl>
+  <dgm:styleLbl name="lnNode1">
+    <dgm:fillClrLst>
+      <a:schemeClr val="accent2"/>
+      <a:schemeClr val="accent3"/>
+    </dgm:fillClrLst>
+    <dgm:linClrLst meth="repeat">
+      <a:schemeClr val="lt1"/>
+    </dgm:linClrLst>
+    <dgm:effectClrLst/>
+    <dgm:txLinClrLst/>
+    <dgm:txFillClrLst/>
+    <dgm:txEffectClrLst/>
+  </dgm:styleLbl>
+  <dgm:styleLbl name="vennNode1">
+    <dgm:fillClrLst>
+      <a:schemeClr val="accent2">
+        <a:alpha val="50000"/>
+      </a:schemeClr>
+      <a:schemeClr val="accent3">
+        <a:alpha val="50000"/>
+      </a:schemeClr>
+    </dgm:fillClrLst>
+    <dgm:linClrLst meth="repeat">
+      <a:schemeClr val="lt1"/>
+    </dgm:linClrLst>
+    <dgm:effectClrLst/>
+    <dgm:txLinClrLst/>
+    <dgm:txFillClrLst/>
+    <dgm:txEffectClrLst/>
+  </dgm:styleLbl>
+  <dgm:styleLbl name="node2">
+    <dgm:fillClrLst>
+      <a:schemeClr val="accent3"/>
+    </dgm:fillClrLst>
+    <dgm:linClrLst meth="repeat">
+      <a:schemeClr val="lt1"/>
+    </dgm:linClrLst>
+    <dgm:effectClrLst/>
+    <dgm:txLinClrLst/>
+    <dgm:txFillClrLst/>
+    <dgm:txEffectClrLst/>
+  </dgm:styleLbl>
+  <dgm:styleLbl name="node3">
+    <dgm:fillClrLst>
+      <a:schemeClr val="accent4"/>
+    </dgm:fillClrLst>
+    <dgm:linClrLst meth="repeat">
+      <a:schemeClr val="lt1"/>
+    </dgm:linClrLst>
+    <dgm:effectClrLst/>
+    <dgm:txLinClrLst/>
+    <dgm:txFillClrLst/>
+    <dgm:txEffectClrLst/>
+  </dgm:styleLbl>
+  <dgm:styleLbl name="node4">
+    <dgm:fillClrLst>
+      <a:schemeClr val="accent5"/>
+    </dgm:fillClrLst>
+    <dgm:linClrLst meth="repeat">
+      <a:schemeClr val="lt1"/>
+    </dgm:linClrLst>
+    <dgm:effectClrLst/>
+    <dgm:txLinClrLst/>
+    <dgm:txFillClrLst/>
+    <dgm:txEffectClrLst/>
+  </dgm:styleLbl>
+  <dgm:styleLbl name="fgImgPlace1">
+    <dgm:fillClrLst>
+      <a:schemeClr val="accent2">
+        <a:tint val="50000"/>
+      </a:schemeClr>
+      <a:schemeClr val="accent3">
+        <a:tint val="50000"/>
+      </a:schemeClr>
+    </dgm:fillClrLst>
+    <dgm:linClrLst meth="repeat">
+      <a:schemeClr val="lt1"/>
+    </dgm:linClrLst>
+    <dgm:effectClrLst/>
+    <dgm:txLinClrLst/>
+    <dgm:txFillClrLst meth="repeat">
+      <a:schemeClr val="lt1"/>
+    </dgm:txFillClrLst>
+    <dgm:txEffectClrLst/>
+  </dgm:styleLbl>
+  <dgm:styleLbl name="alignImgPlace1">
+    <dgm:fillClrLst>
+      <a:schemeClr val="accent2">
+        <a:tint val="50000"/>
+      </a:schemeClr>
+      <a:schemeClr val="accent3">
+        <a:tint val="20000"/>
+      </a:schemeClr>
+    </dgm:fillClrLst>
+    <dgm:linClrLst meth="repeat">
+      <a:schemeClr val="lt1"/>
+    </dgm:linClrLst>
+    <dgm:effectClrLst/>
+    <dgm:txLinClrLst/>
+    <dgm:txFillClrLst meth="repeat">
+      <a:schemeClr val="lt1"/>
+    </dgm:txFillClrLst>
+    <dgm:txEffectClrLst/>
+  </dgm:styleLbl>
+  <dgm:styleLbl name="bgImgPlace1">
+    <dgm:fillClrLst>
+      <a:schemeClr val="accent2">
+        <a:tint val="50000"/>
+      </a:schemeClr>
+      <a:schemeClr val="accent3">
+        <a:tint val="20000"/>
+      </a:schemeClr>
+    </dgm:fillClrLst>
+    <dgm:linClrLst meth="repeat">
+      <a:schemeClr val="lt1"/>
+    </dgm:linClrLst>
+    <dgm:effectClrLst/>
+    <dgm:txLinClrLst/>
+    <dgm:txFillClrLst meth="repeat">
+      <a:schemeClr val="lt1"/>
+    </dgm:txFillClrLst>
+    <dgm:txEffectClrLst/>
+  </dgm:styleLbl>
+  <dgm:styleLbl name="sibTrans2D1">
+    <dgm:fillClrLst>
+      <a:schemeClr val="accent2"/>
+      <a:schemeClr val="accent3"/>
+    </dgm:fillClrLst>
+    <dgm:linClrLst meth="repeat">
+      <a:schemeClr val="lt1"/>
+    </dgm:linClrLst>
+    <dgm:effectClrLst/>
+    <dgm:txLinClrLst/>
+    <dgm:txFillClrLst/>
+    <dgm:txEffectClrLst/>
+  </dgm:styleLbl>
+  <dgm:styleLbl name="fgSibTrans2D1">
+    <dgm:fillClrLst>
+      <a:schemeClr val="accent2"/>
+      <a:schemeClr val="accent3"/>
+    </dgm:fillClrLst>
+    <dgm:linClrLst meth="repeat">
+      <a:schemeClr val="lt1"/>
+    </dgm:linClrLst>
+    <dgm:effectClrLst/>
+    <dgm:txLinClrLst/>
+    <dgm:txFillClrLst meth="repeat">
+      <a:schemeClr val="lt1"/>
+    </dgm:txFillClrLst>
+    <dgm:txEffectClrLst/>
+  </dgm:styleLbl>
+  <dgm:styleLbl name="bgSibTrans2D1">
+    <dgm:fillClrLst>
+      <a:schemeClr val="accent2"/>
+      <a:schemeClr val="accent3"/>
+    </dgm:fillClrLst>
+    <dgm:linClrLst meth="repeat">
+      <a:schemeClr val="lt1"/>
+    </dgm:linClrLst>
+    <dgm:effectClrLst/>
+    <dgm:txLinClrLst/>
+    <dgm:txFillClrLst meth="repeat">
+      <a:schemeClr val="lt1"/>
+    </dgm:txFillClrLst>
+    <dgm:txEffectClrLst/>
+  </dgm:styleLbl>
+  <dgm:styleLbl name="sibTrans1D1">
+    <dgm:fillClrLst/>
+    <dgm:linClrLst>
+      <a:schemeClr val="accent2"/>
+      <a:schemeClr val="accent3"/>
+    </dgm:linClrLst>
+    <dgm:effectClrLst/>
+    <dgm:txLinClrLst/>
+    <dgm:txFillClrLst meth="repeat">
+      <a:schemeClr val="tx1"/>
+    </dgm:txFillClrLst>
+    <dgm:txEffectClrLst/>
+  </dgm:styleLbl>
+  <dgm:styleLbl name="callout">
+    <dgm:fillClrLst meth="repeat">
+      <a:schemeClr val="accent2"/>
+    </dgm:fillClrLst>
+    <dgm:linClrLst meth="repeat">
+      <a:schemeClr val="accent2">
+        <a:tint val="50000"/>
+      </a:schemeClr>
+    </dgm:linClrLst>
+    <dgm:effectClrLst/>
+    <dgm:txLinClrLst/>
+    <dgm:txFillClrLst meth="repeat">
+      <a:schemeClr val="tx1"/>
+    </dgm:txFillClrLst>
+    <dgm:txEffectClrLst/>
+  </dgm:styleLbl>
+  <dgm:styleLbl name="asst0">
+    <dgm:fillClrLst meth="repeat">
+      <a:schemeClr val="accent2"/>
+    </dgm:fillClrLst>
+    <dgm:linClrLst meth="repeat">
+      <a:schemeClr val="lt1">
+        <a:shade val="80000"/>
+      </a:schemeClr>
+    </dgm:linClrLst>
+    <dgm:effectClrLst/>
+    <dgm:txLinClrLst/>
+    <dgm:txFillClrLst/>
+    <dgm:txEffectClrLst/>
+  </dgm:styleLbl>
+  <dgm:styleLbl name="asst1">
+    <dgm:fillClrLst meth="repeat">
+      <a:schemeClr val="accent3"/>
+    </dgm:fillClrLst>
+    <dgm:linClrLst meth="repeat">
+      <a:schemeClr val="lt1">
+        <a:shade val="80000"/>
+      </a:schemeClr>
+    </dgm:linClrLst>
+    <dgm:effectClrLst/>
+    <dgm:txLinClrLst/>
+    <dgm:txFillClrLst/>
+    <dgm:txEffectClrLst/>
+  </dgm:styleLbl>
+  <dgm:styleLbl name="asst2">
+    <dgm:fillClrLst>
+      <a:schemeClr val="accent4"/>
+    </dgm:fillClrLst>
+    <dgm:linClrLst meth="repeat">
+      <a:schemeClr val="lt1"/>
+    </dgm:linClrLst>
+    <dgm:effectClrLst/>
+    <dgm:txLinClrLst/>
+    <dgm:txFillClrLst/>
+    <dgm:txEffectClrLst/>
+  </dgm:styleLbl>
+  <dgm:styleLbl name="asst3">
+    <dgm:fillClrLst>
+      <a:schemeClr val="accent5"/>
+    </dgm:fillClrLst>
+    <dgm:linClrLst meth="repeat">
+      <a:schemeClr val="lt1"/>
+    </dgm:linClrLst>
+    <dgm:effectClrLst/>
+    <dgm:txLinClrLst/>
+    <dgm:txFillClrLst/>
+    <dgm:txEffectClrLst/>
+  </dgm:styleLbl>
+  <dgm:styleLbl name="asst4">
+    <dgm:fillClrLst>
+      <a:schemeClr val="accent6"/>
+    </dgm:fillClrLst>
+    <dgm:linClrLst meth="repeat">
+      <a:schemeClr val="lt1"/>
+    </dgm:linClrLst>
+    <dgm:effectClrLst/>
+    <dgm:txLinClrLst/>
+    <dgm:txFillClrLst/>
+    <dgm:txEffectClrLst/>
+  </dgm:styleLbl>
+  <dgm:styleLbl name="parChTrans2D1">
+    <dgm:fillClrLst meth="repeat">
+      <a:schemeClr val="accent2"/>
+    </dgm:fillClrLst>
+    <dgm:linClrLst meth="repeat">
+      <a:schemeClr val="lt1"/>
+    </dgm:linClrLst>
+    <dgm:effectClrLst/>
+    <dgm:txLinClrLst/>
+    <dgm:txFillClrLst meth="repeat">
+      <a:schemeClr val="lt1"/>
+    </dgm:txFillClrLst>
+    <dgm:txEffectClrLst/>
+  </dgm:styleLbl>
+  <dgm:styleLbl name="parChTrans2D2">
+    <dgm:fillClrLst meth="repeat">
+      <a:schemeClr val="accent3"/>
+    </dgm:fillClrLst>
+    <dgm:linClrLst meth="repeat">
+      <a:schemeClr val="lt1"/>
+    </dgm:linClrLst>
+    <dgm:effectClrLst/>
+    <dgm:txLinClrLst/>
+    <dgm:txFillClrLst/>
+    <dgm:txEffectClrLst/>
+  </dgm:styleLbl>
+  <dgm:styleLbl name="parChTrans2D3">
+    <dgm:fillClrLst meth="repeat">
+      <a:schemeClr val="accent4"/>
+    </dgm:fillClrLst>
+    <dgm:linClrLst meth="repeat">
+      <a:schemeClr val="lt1"/>
+    </dgm:linClrLst>
+    <dgm:effectClrLst/>
+    <dgm:txLinClrLst/>
+    <dgm:txFillClrLst/>
+    <dgm:txEffectClrLst/>
+  </dgm:styleLbl>
+  <dgm:styleLbl name="parChTrans2D4">
+    <dgm:fillClrLst meth="repeat">
+      <a:schemeClr val="accent5"/>
+    </dgm:fillClrLst>
+    <dgm:linClrLst meth="repeat">
+      <a:schemeClr val="lt1"/>
+    </dgm:linClrLst>
+    <dgm:effectClrLst/>
+    <dgm:txLinClrLst/>
+    <dgm:txFillClrLst meth="repeat">
+      <a:schemeClr val="lt1"/>
+    </dgm:txFillClrLst>
+    <dgm:txEffectClrLst/>
+  </dgm:styleLbl>
+  <dgm:styleLbl name="parChTrans1D1">
+    <dgm:fillClrLst meth="repeat">
+      <a:schemeClr val="accent2"/>
+    </dgm:fillClrLst>
+    <dgm:linClrLst meth="repeat">
+      <a:schemeClr val="accent2"/>
+    </dgm:linClrLst>
+    <dgm:effectClrLst/>
+    <dgm:txLinClrLst/>
+    <dgm:txFillClrLst meth="repeat">
+      <a:schemeClr val="tx1"/>
+    </dgm:txFillClrLst>
+    <dgm:txEffectClrLst/>
+  </dgm:styleLbl>
+  <dgm:styleLbl name="parChTrans1D2">
+    <dgm:fillClrLst meth="repeat">
+      <a:schemeClr val="accent2">
+        <a:tint val="90000"/>
+      </a:schemeClr>
+    </dgm:fillClrLst>
+    <dgm:linClrLst meth="repeat">
+      <a:schemeClr val="accent3"/>
+    </dgm:linClrLst>
+    <dgm:effectClrLst/>
+    <dgm:txLinClrLst/>
+    <dgm:txFillClrLst meth="repeat">
+      <a:schemeClr val="tx1"/>
+    </dgm:txFillClrLst>
+    <dgm:txEffectClrLst/>
+  </dgm:styleLbl>
+  <dgm:styleLbl name="parChTrans1D3">
+    <dgm:fillClrLst meth="repeat">
+      <a:schemeClr val="accent2">
+        <a:tint val="70000"/>
+      </a:schemeClr>
+    </dgm:fillClrLst>
+    <dgm:linClrLst meth="repeat">
+      <a:schemeClr val="accent4"/>
+    </dgm:linClrLst>
+    <dgm:effectClrLst/>
+    <dgm:txLinClrLst/>
+    <dgm:txFillClrLst meth="repeat">
+      <a:schemeClr val="tx1"/>
+    </dgm:txFillClrLst>
+    <dgm:txEffectClrLst/>
+  </dgm:styleLbl>
+  <dgm:styleLbl name="parChTrans1D4">
+    <dgm:fillClrLst meth="repeat">
+      <a:schemeClr val="accent2">
+        <a:tint val="50000"/>
+      </a:schemeClr>
+    </dgm:fillClrLst>
+    <dgm:linClrLst meth="repeat">
+      <a:schemeClr val="accent5"/>
+    </dgm:linClrLst>
+    <dgm:effectClrLst/>
+    <dgm:txLinClrLst/>
+    <dgm:txFillClrLst meth="repeat">
+      <a:schemeClr val="tx1"/>
+    </dgm:txFillClrLst>
+    <dgm:txEffectClrLst/>
+  </dgm:styleLbl>
+  <dgm:styleLbl name="fgAcc1">
+    <dgm:fillClrLst meth="repeat">
+      <a:schemeClr val="lt1">
+        <a:alpha val="90000"/>
+      </a:schemeClr>
+    </dgm:fillClrLst>
+    <dgm:linClrLst>
+      <a:schemeClr val="accent2"/>
+      <a:schemeClr val="accent3"/>
+    </dgm:linClrLst>
+    <dgm:effectClrLst/>
+    <dgm:txLinClrLst/>
+    <dgm:txFillClrLst meth="repeat">
+      <a:schemeClr val="dk1"/>
+    </dgm:txFillClrLst>
+    <dgm:txEffectClrLst/>
+  </dgm:styleLbl>
+  <dgm:styleLbl name="conFgAcc1">
+    <dgm:fillClrLst meth="repeat">
+      <a:schemeClr val="lt1">
+        <a:alpha val="90000"/>
+      </a:schemeClr>
+    </dgm:fillClrLst>
+    <dgm:linClrLst>
+      <a:schemeClr val="accent2"/>
+      <a:schemeClr val="accent3"/>
+    </dgm:linClrLst>
+    <dgm:effectClrLst/>
+    <dgm:txLinClrLst/>
+    <dgm:txFillClrLst meth="repeat">
+      <a:schemeClr val="dk1"/>
+    </dgm:txFillClrLst>
+    <dgm:txEffectClrLst/>
+  </dgm:styleLbl>
+  <dgm:styleLbl name="alignAcc1">
+    <dgm:fillClrLst meth="repeat">
+      <a:schemeClr val="lt1">
+        <a:alpha val="90000"/>
+      </a:schemeClr>
+    </dgm:fillClrLst>
+    <dgm:linClrLst>
+      <a:schemeClr val="accent2"/>
+      <a:schemeClr val="accent3"/>
+    </dgm:linClrLst>
+    <dgm:effectClrLst/>
+    <dgm:txLinClrLst/>
+    <dgm:txFillClrLst meth="repeat">
+      <a:schemeClr val="dk1"/>
+    </dgm:txFillClrLst>
+    <dgm:txEffectClrLst/>
+  </dgm:styleLbl>
+  <dgm:styleLbl name="trAlignAcc1">
+    <dgm:fillClrLst meth="repeat">
+      <a:schemeClr val="lt1">
+        <a:alpha val="40000"/>
+      </a:schemeClr>
+    </dgm:fillClrLst>
+    <dgm:linClrLst meth="repeat">
+      <a:schemeClr val="accent2"/>
+    </dgm:linClrLst>
+    <dgm:effectClrLst/>
+    <dgm:txLinClrLst/>
+    <dgm:txFillClrLst meth="repeat">
+      <a:schemeClr val="dk1"/>
+    </dgm:txFillClrLst>
+    <dgm:txEffectClrLst/>
+  </dgm:styleLbl>
+  <dgm:styleLbl name="bgAcc1">
+    <dgm:fillClrLst meth="repeat">
+      <a:schemeClr val="lt1">
+        <a:alpha val="90000"/>
+      </a:schemeClr>
+    </dgm:fillClrLst>
+    <dgm:linClrLst>
+      <a:schemeClr val="accent2"/>
+      <a:schemeClr val="accent3"/>
+    </dgm:linClrLst>
+    <dgm:effectClrLst/>
+    <dgm:txLinClrLst/>
+    <dgm:txFillClrLst meth="repeat">
+      <a:schemeClr val="dk1"/>
+    </dgm:txFillClrLst>
+    <dgm:txEffectClrLst/>
+  </dgm:styleLbl>
+  <dgm:styleLbl name="solidFgAcc1">
+    <dgm:fillClrLst meth="repeat">
+      <a:schemeClr val="lt1"/>
+    </dgm:fillClrLst>
+    <dgm:linClrLst>
+      <a:schemeClr val="accent2"/>
+      <a:schemeClr val="accent3"/>
+    </dgm:linClrLst>
+    <dgm:effectClrLst/>
+    <dgm:txLinClrLst/>
+    <dgm:txFillClrLst meth="repeat">
+      <a:schemeClr val="dk1"/>
+    </dgm:txFillClrLst>
+    <dgm:txEffectClrLst/>
+  </dgm:styleLbl>
+  <dgm:styleLbl name="solidAlignAcc1">
+    <dgm:fillClrLst meth="repeat">
+      <a:schemeClr val="lt1"/>
+    </dgm:fillClrLst>
+    <dgm:linClrLst>
+      <a:schemeClr val="accent2"/>
+      <a:schemeClr val="accent3"/>
+    </dgm:linClrLst>
+    <dgm:effectClrLst/>
+    <dgm:txLinClrLst/>
+    <dgm:txFillClrLst meth="repeat">
+      <a:schemeClr val="dk1"/>
+    </dgm:txFillClrLst>
+    <dgm:txEffectClrLst/>
+  </dgm:styleLbl>
+  <dgm:styleLbl name="solidBgAcc1">
+    <dgm:fillClrLst meth="repeat">
+      <a:schemeClr val="lt1"/>
+    </dgm:fillClrLst>
+    <dgm:linClrLst>
+      <a:schemeClr val="accent2"/>
+      <a:schemeClr val="accent3"/>
+    </dgm:linClrLst>
+    <dgm:effectClrLst/>
+    <dgm:txLinClrLst/>
+    <dgm:txFillClrLst meth="repeat">
+      <a:schemeClr val="dk1"/>
+    </dgm:txFillClrLst>
+    <dgm:txEffectClrLst/>
+  </dgm:styleLbl>
+  <dgm:styleLbl name="fgAccFollowNode1">
+    <dgm:fillClrLst>
+      <a:schemeClr val="accent2">
+        <a:tint val="40000"/>
+        <a:alpha val="90000"/>
+      </a:schemeClr>
+      <a:schemeClr val="accent3">
+        <a:tint val="40000"/>
+        <a:alpha val="90000"/>
+      </a:schemeClr>
+    </dgm:fillClrLst>
+    <dgm:linClrLst>
+      <a:schemeClr val="accent2">
+        <a:tint val="40000"/>
+        <a:alpha val="90000"/>
+      </a:schemeClr>
+      <a:schemeClr val="accent3">
+        <a:tint val="40000"/>
+        <a:alpha val="90000"/>
+      </a:schemeClr>
+    </dgm:linClrLst>
+    <dgm:effectClrLst/>
+    <dgm:txLinClrLst/>
+    <dgm:txFillClrLst meth="repeat">
+      <a:schemeClr val="dk1"/>
+    </dgm:txFillClrLst>
+    <dgm:txEffectClrLst/>
+  </dgm:styleLbl>
+  <dgm:styleLbl name="alignAccFollowNode1">
+    <dgm:fillClrLst>
+      <a:schemeClr val="accent2">
+        <a:tint val="40000"/>
+        <a:alpha val="90000"/>
+      </a:schemeClr>
+      <a:schemeClr val="accent3">
+        <a:tint val="40000"/>
+        <a:alpha val="90000"/>
+      </a:schemeClr>
+    </dgm:fillClrLst>
+    <dgm:linClrLst>
+      <a:schemeClr val="accent2">
+        <a:tint val="40000"/>
+        <a:alpha val="90000"/>
+      </a:schemeClr>
+      <a:schemeClr val="accent3">
+        <a:tint val="40000"/>
+        <a:alpha val="90000"/>
+      </a:schemeClr>
+    </dgm:linClrLst>
+    <dgm:effectClrLst/>
+    <dgm:txLinClrLst/>
+    <dgm:txFillClrLst meth="repeat">
+      <a:schemeClr val="dk1"/>
+    </dgm:txFillClrLst>
+    <dgm:txEffectClrLst/>
+  </dgm:styleLbl>
+  <dgm:styleLbl name="bgAccFollowNode1">
+    <dgm:fillClrLst>
+      <a:schemeClr val="accent2">
+        <a:tint val="40000"/>
+        <a:alpha val="90000"/>
+      </a:schemeClr>
+      <a:schemeClr val="accent3">
+        <a:tint val="40000"/>
+        <a:alpha val="90000"/>
+      </a:schemeClr>
+    </dgm:fillClrLst>
+    <dgm:linClrLst>
+      <a:schemeClr val="accent2">
+        <a:tint val="40000"/>
+        <a:alpha val="90000"/>
+      </a:schemeClr>
+      <a:schemeClr val="accent3">
+        <a:tint val="40000"/>
+        <a:alpha val="90000"/>
+      </a:schemeClr>
+    </dgm:linClrLst>
+    <dgm:effectClrLst/>
+    <dgm:txLinClrLst/>
+    <dgm:txFillClrLst meth="repeat">
+      <a:schemeClr val="dk1"/>
+    </dgm:txFillClrLst>
+    <dgm:txEffectClrLst/>
+  </dgm:styleLbl>
+  <dgm:styleLbl name="fgAcc0">
+    <dgm:fillClrLst meth="repeat">
+      <a:schemeClr val="lt1">
+        <a:alpha val="90000"/>
+      </a:schemeClr>
+    </dgm:fillClrLst>
+    <dgm:linClrLst>
+      <a:schemeClr val="accent1"/>
+    </dgm:linClrLst>
+    <dgm:effectClrLst/>
+    <dgm:txLinClrLst/>
+    <dgm:txFillClrLst meth="repeat">
+      <a:schemeClr val="dk1"/>
+    </dgm:txFillClrLst>
+    <dgm:txEffectClrLst/>
+  </dgm:styleLbl>
+  <dgm:styleLbl name="fgAcc2">
+    <dgm:fillClrLst meth="repeat">
+      <a:schemeClr val="lt1">
+        <a:alpha val="90000"/>
+      </a:schemeClr>
+    </dgm:fillClrLst>
+    <dgm:linClrLst>
+      <a:schemeClr val="accent3"/>
+    </dgm:linClrLst>
+    <dgm:effectClrLst/>
+    <dgm:txLinClrLst/>
+    <dgm:txFillClrLst meth="repeat">
+      <a:schemeClr val="dk1"/>
+    </dgm:txFillClrLst>
+    <dgm:txEffectClrLst/>
+  </dgm:styleLbl>
+  <dgm:styleLbl name="fgAcc3">
+    <dgm:fillClrLst meth="repeat">
+      <a:schemeClr val="lt1">
+        <a:alpha val="90000"/>
+      </a:schemeClr>
+    </dgm:fillClrLst>
+    <dgm:linClrLst>
+      <a:schemeClr val="accent4"/>
+    </dgm:linClrLst>
+    <dgm:effectClrLst/>
+    <dgm:txLinClrLst/>
+    <dgm:txFillClrLst meth="repeat">
+      <a:schemeClr val="dk1"/>
+    </dgm:txFillClrLst>
+    <dgm:txEffectClrLst/>
+  </dgm:styleLbl>
+  <dgm:styleLbl name="fgAcc4">
+    <dgm:fillClrLst meth="repeat">
+      <a:schemeClr val="lt1">
+        <a:alpha val="90000"/>
+      </a:schemeClr>
+    </dgm:fillClrLst>
+    <dgm:linClrLst>
+      <a:schemeClr val="accent5"/>
+    </dgm:linClrLst>
+    <dgm:effectClrLst/>
+    <dgm:txLinClrLst/>
+    <dgm:txFillClrLst meth="repeat">
+      <a:schemeClr val="dk1"/>
+    </dgm:txFillClrLst>
+    <dgm:txEffectClrLst/>
+  </dgm:styleLbl>
+  <dgm:styleLbl name="bgShp">
+    <dgm:fillClrLst meth="repeat">
+      <a:schemeClr val="accent2">
+        <a:tint val="40000"/>
+      </a:schemeClr>
+    </dgm:fillClrLst>
+    <dgm:linClrLst meth="repeat">
+      <a:schemeClr val="dk1"/>
+    </dgm:linClrLst>
+    <dgm:effectClrLst/>
+    <dgm:txLinClrLst/>
+    <dgm:txFillClrLst meth="repeat">
+      <a:schemeClr val="dk1"/>
+    </dgm:txFillClrLst>
+    <dgm:txEffectClrLst/>
+  </dgm:styleLbl>
+  <dgm:styleLbl name="dkBgShp">
+    <dgm:fillClrLst meth="repeat">
+      <a:schemeClr val="accent2">
+        <a:shade val="90000"/>
+      </a:schemeClr>
+    </dgm:fillClrLst>
+    <dgm:linClrLst meth="repeat">
+      <a:schemeClr val="dk1"/>
+    </dgm:linClrLst>
+    <dgm:effectClrLst/>
+    <dgm:txLinClrLst/>
+    <dgm:txFillClrLst meth="repeat">
+      <a:schemeClr val="lt1"/>
+    </dgm:txFillClrLst>
+    <dgm:txEffectClrLst/>
+  </dgm:styleLbl>
+  <dgm:styleLbl name="trBgShp">
+    <dgm:fillClrLst meth="repeat">
+      <a:schemeClr val="accent2">
+        <a:tint val="50000"/>
+        <a:alpha val="40000"/>
+      </a:schemeClr>
+    </dgm:fillClrLst>
+    <dgm:linClrLst meth="repeat">
+      <a:schemeClr val="accent2"/>
+    </dgm:linClrLst>
+    <dgm:effectClrLst/>
+    <dgm:txLinClrLst/>
+    <dgm:txFillClrLst meth="repeat">
+      <a:schemeClr val="lt1"/>
+    </dgm:txFillClrLst>
+    <dgm:txEffectClrLst/>
+  </dgm:styleLbl>
+  <dgm:styleLbl name="fgShp">
+    <dgm:fillClrLst meth="repeat">
+      <a:schemeClr val="accent2">
+        <a:tint val="40000"/>
+      </a:schemeClr>
+    </dgm:fillClrLst>
+    <dgm:linClrLst meth="repeat">
+      <a:schemeClr val="lt1"/>
+    </dgm:linClrLst>
+    <dgm:effectClrLst/>
+    <dgm:txLinClrLst/>
+    <dgm:txFillClrLst meth="repeat">
+      <a:schemeClr val="dk1"/>
+    </dgm:txFillClrLst>
+    <dgm:txEffectClrLst/>
+  </dgm:styleLbl>
+  <dgm:styleLbl name="revTx">
+    <dgm:fillClrLst meth="repeat">
+      <a:schemeClr val="lt1">
+        <a:alpha val="0"/>
+      </a:schemeClr>
+    </dgm:fillClrLst>
+    <dgm:linClrLst meth="repeat">
+      <a:schemeClr val="dk1">
+        <a:alpha val="0"/>
+      </a:schemeClr>
+    </dgm:linClrLst>
+    <dgm:effectClrLst/>
+    <dgm:txLinClrLst/>
+    <dgm:txFillClrLst meth="repeat">
+      <a:schemeClr val="tx1"/>
+    </dgm:txFillClrLst>
+    <dgm:txEffectClrLst/>
+  </dgm:styleLbl>
+</dgm:colorsDef>
+</file>
+
+<file path=ppt/diagrams/data1.xml><?xml version="1.0" encoding="utf-8"?>
+<dgm:dataModel xmlns:dgm="http://schemas.openxmlformats.org/drawingml/2006/diagram" xmlns:a="http://schemas.openxmlformats.org/drawingml/2006/main">
+  <dgm:ptLst>
+    <dgm:pt modelId="{292D9468-647E-4641-AA8F-CA609A2AFF87}" type="doc">
+      <dgm:prSet loTypeId="urn:microsoft.com/office/officeart/2005/8/layout/process4" loCatId="process" qsTypeId="urn:microsoft.com/office/officeart/2005/8/quickstyle/simple1" qsCatId="simple" csTypeId="urn:microsoft.com/office/officeart/2005/8/colors/colorful2" csCatId="colorful" phldr="1"/>
+      <dgm:spPr/>
+      <dgm:t>
+        <a:bodyPr/>
+        <a:lstStyle/>
+        <a:p>
+          <a:endParaRPr lang="en-US"/>
+        </a:p>
+      </dgm:t>
+    </dgm:pt>
+    <dgm:pt modelId="{A78191AB-D268-40CF-B3A9-6D47308C097E}">
+      <dgm:prSet/>
+      <dgm:spPr/>
+      <dgm:t>
+        <a:bodyPr/>
+        <a:lstStyle/>
+        <a:p>
+          <a:r>
+            <a:rPr lang="en-US"/>
+            <a:t>Impact of Covid-19 on Global Business.</a:t>
+          </a:r>
+        </a:p>
+      </dgm:t>
+    </dgm:pt>
+    <dgm:pt modelId="{E36F00D3-2B2F-46F5-8F23-57A094CC1AED}" type="parTrans" cxnId="{AEACF299-6151-4556-BD74-67C8C34B92BA}">
+      <dgm:prSet/>
+      <dgm:spPr/>
+      <dgm:t>
+        <a:bodyPr/>
+        <a:lstStyle/>
+        <a:p>
+          <a:endParaRPr lang="en-US"/>
+        </a:p>
+      </dgm:t>
+    </dgm:pt>
+    <dgm:pt modelId="{92B3A2E8-C347-4B1B-80BF-890745446DB5}" type="sibTrans" cxnId="{AEACF299-6151-4556-BD74-67C8C34B92BA}">
+      <dgm:prSet/>
+      <dgm:spPr/>
+      <dgm:t>
+        <a:bodyPr/>
+        <a:lstStyle/>
+        <a:p>
+          <a:endParaRPr lang="en-US"/>
+        </a:p>
+      </dgm:t>
+    </dgm:pt>
+    <dgm:pt modelId="{47A09193-EA7E-49DD-B4C4-8CEF7FCD27ED}">
+      <dgm:prSet/>
+      <dgm:spPr/>
+      <dgm:t>
+        <a:bodyPr/>
+        <a:lstStyle/>
+        <a:p>
+          <a:r>
+            <a:rPr lang="en-US"/>
+            <a:t>Using Sentiment Analysis to predict fluctuations in stock pricing. Focusing on:</a:t>
+          </a:r>
+        </a:p>
+      </dgm:t>
+    </dgm:pt>
+    <dgm:pt modelId="{CFC26AA0-7367-4275-9C49-C993B86BD172}" type="parTrans" cxnId="{10B48263-5383-4A5A-B0A5-8804E0FE2435}">
+      <dgm:prSet/>
+      <dgm:spPr/>
+      <dgm:t>
+        <a:bodyPr/>
+        <a:lstStyle/>
+        <a:p>
+          <a:endParaRPr lang="en-US"/>
+        </a:p>
+      </dgm:t>
+    </dgm:pt>
+    <dgm:pt modelId="{1D2D7CFB-DC45-4D19-BDB1-E72090D9BD5C}" type="sibTrans" cxnId="{10B48263-5383-4A5A-B0A5-8804E0FE2435}">
+      <dgm:prSet/>
+      <dgm:spPr/>
+      <dgm:t>
+        <a:bodyPr/>
+        <a:lstStyle/>
+        <a:p>
+          <a:endParaRPr lang="en-US"/>
+        </a:p>
+      </dgm:t>
+    </dgm:pt>
+    <dgm:pt modelId="{E83EEE88-46D8-492B-809C-435D120E4E26}">
+      <dgm:prSet/>
+      <dgm:spPr/>
+      <dgm:t>
+        <a:bodyPr/>
+        <a:lstStyle/>
+        <a:p>
+          <a:r>
+            <a:rPr lang="en-US" dirty="0"/>
+            <a:t>Tweets about specific companies.</a:t>
+          </a:r>
+        </a:p>
+      </dgm:t>
+    </dgm:pt>
+    <dgm:pt modelId="{149B68FA-6BD8-44BD-9CCF-BDFFFA6CF6E5}" type="parTrans" cxnId="{2CD2F8FE-17B0-419D-998C-D7C20682175E}">
+      <dgm:prSet/>
+      <dgm:spPr/>
+      <dgm:t>
+        <a:bodyPr/>
+        <a:lstStyle/>
+        <a:p>
+          <a:endParaRPr lang="en-US"/>
+        </a:p>
+      </dgm:t>
+    </dgm:pt>
+    <dgm:pt modelId="{C30B868B-1CC0-428C-ACB3-7BD49A17DFB5}" type="sibTrans" cxnId="{2CD2F8FE-17B0-419D-998C-D7C20682175E}">
+      <dgm:prSet/>
+      <dgm:spPr/>
+      <dgm:t>
+        <a:bodyPr/>
+        <a:lstStyle/>
+        <a:p>
+          <a:endParaRPr lang="en-US"/>
+        </a:p>
+      </dgm:t>
+    </dgm:pt>
+    <dgm:pt modelId="{718585A8-65A5-47C4-9895-9528411EED62}">
+      <dgm:prSet/>
+      <dgm:spPr/>
+      <dgm:t>
+        <a:bodyPr/>
+        <a:lstStyle/>
+        <a:p>
+          <a:r>
+            <a:rPr lang="en-US" dirty="0"/>
+            <a:t>Trending words when stocks spike up/down.</a:t>
+          </a:r>
+        </a:p>
+      </dgm:t>
+    </dgm:pt>
+    <dgm:pt modelId="{32F41769-BE4B-41AB-8900-607F60B900CF}" type="parTrans" cxnId="{31E8065F-2020-459B-8A16-DA7E5FDA2DBE}">
+      <dgm:prSet/>
+      <dgm:spPr/>
+      <dgm:t>
+        <a:bodyPr/>
+        <a:lstStyle/>
+        <a:p>
+          <a:endParaRPr lang="en-US"/>
+        </a:p>
+      </dgm:t>
+    </dgm:pt>
+    <dgm:pt modelId="{F55F25D6-0E20-4726-8C11-19AB5DA86EDD}" type="sibTrans" cxnId="{31E8065F-2020-459B-8A16-DA7E5FDA2DBE}">
+      <dgm:prSet/>
+      <dgm:spPr/>
+      <dgm:t>
+        <a:bodyPr/>
+        <a:lstStyle/>
+        <a:p>
+          <a:endParaRPr lang="en-US"/>
+        </a:p>
+      </dgm:t>
+    </dgm:pt>
+    <dgm:pt modelId="{900F67B6-BE4C-4A7B-ADFE-8061CF8ED3B4}">
+      <dgm:prSet/>
+      <dgm:spPr/>
+      <dgm:t>
+        <a:bodyPr/>
+        <a:lstStyle/>
+        <a:p>
+          <a:r>
+            <a:rPr lang="en-US" dirty="0"/>
+            <a:t>Correlation with these and stock prices.</a:t>
+          </a:r>
+        </a:p>
+      </dgm:t>
+    </dgm:pt>
+    <dgm:pt modelId="{9646ECAC-BD35-4E7F-B866-D4943E2C538B}" type="parTrans" cxnId="{FE38D41E-B44F-4877-BA33-5BBC778AB6A4}">
+      <dgm:prSet/>
+      <dgm:spPr/>
+      <dgm:t>
+        <a:bodyPr/>
+        <a:lstStyle/>
+        <a:p>
+          <a:endParaRPr lang="en-US"/>
+        </a:p>
+      </dgm:t>
+    </dgm:pt>
+    <dgm:pt modelId="{546E833D-75E3-4DA8-A894-61AE58429088}" type="sibTrans" cxnId="{FE38D41E-B44F-4877-BA33-5BBC778AB6A4}">
+      <dgm:prSet/>
+      <dgm:spPr/>
+      <dgm:t>
+        <a:bodyPr/>
+        <a:lstStyle/>
+        <a:p>
+          <a:endParaRPr lang="en-US"/>
+        </a:p>
+      </dgm:t>
+    </dgm:pt>
+    <dgm:pt modelId="{76BED14D-E2A8-444C-A763-FF6259FF78B9}" type="pres">
+      <dgm:prSet presAssocID="{292D9468-647E-4641-AA8F-CA609A2AFF87}" presName="Name0" presStyleCnt="0">
+        <dgm:presLayoutVars>
+          <dgm:dir/>
+          <dgm:animLvl val="lvl"/>
+          <dgm:resizeHandles val="exact"/>
+        </dgm:presLayoutVars>
+      </dgm:prSet>
+      <dgm:spPr/>
+    </dgm:pt>
+    <dgm:pt modelId="{A45A1493-68AB-4A62-9A3F-CE6D62FFF1C7}" type="pres">
+      <dgm:prSet presAssocID="{47A09193-EA7E-49DD-B4C4-8CEF7FCD27ED}" presName="boxAndChildren" presStyleCnt="0"/>
+      <dgm:spPr/>
+    </dgm:pt>
+    <dgm:pt modelId="{8A0C5EA9-C8EF-47D1-A10F-D8D38FFA5BB1}" type="pres">
+      <dgm:prSet presAssocID="{47A09193-EA7E-49DD-B4C4-8CEF7FCD27ED}" presName="parentTextBox" presStyleLbl="node1" presStyleIdx="0" presStyleCnt="2"/>
+      <dgm:spPr/>
+    </dgm:pt>
+    <dgm:pt modelId="{5DBF9901-22CE-4310-8EB0-6E87BB81C94A}" type="pres">
+      <dgm:prSet presAssocID="{47A09193-EA7E-49DD-B4C4-8CEF7FCD27ED}" presName="entireBox" presStyleLbl="node1" presStyleIdx="0" presStyleCnt="2"/>
+      <dgm:spPr/>
+    </dgm:pt>
+    <dgm:pt modelId="{F64AD54A-BFD5-4ACB-BEFD-9552A48ED27B}" type="pres">
+      <dgm:prSet presAssocID="{47A09193-EA7E-49DD-B4C4-8CEF7FCD27ED}" presName="descendantBox" presStyleCnt="0"/>
+      <dgm:spPr/>
+    </dgm:pt>
+    <dgm:pt modelId="{7BED000D-42D0-4255-905E-89E203072B54}" type="pres">
+      <dgm:prSet presAssocID="{E83EEE88-46D8-492B-809C-435D120E4E26}" presName="childTextBox" presStyleLbl="fgAccFollowNode1" presStyleIdx="0" presStyleCnt="3">
+        <dgm:presLayoutVars>
+          <dgm:bulletEnabled val="1"/>
+        </dgm:presLayoutVars>
+      </dgm:prSet>
+      <dgm:spPr/>
+    </dgm:pt>
+    <dgm:pt modelId="{3384AE85-7420-4E9B-BD1A-FB17B4A8CDA7}" type="pres">
+      <dgm:prSet presAssocID="{718585A8-65A5-47C4-9895-9528411EED62}" presName="childTextBox" presStyleLbl="fgAccFollowNode1" presStyleIdx="1" presStyleCnt="3">
+        <dgm:presLayoutVars>
+          <dgm:bulletEnabled val="1"/>
+        </dgm:presLayoutVars>
+      </dgm:prSet>
+      <dgm:spPr/>
+    </dgm:pt>
+    <dgm:pt modelId="{289AB2F1-C237-414A-98EF-B0142E5C5A00}" type="pres">
+      <dgm:prSet presAssocID="{900F67B6-BE4C-4A7B-ADFE-8061CF8ED3B4}" presName="childTextBox" presStyleLbl="fgAccFollowNode1" presStyleIdx="2" presStyleCnt="3">
+        <dgm:presLayoutVars>
+          <dgm:bulletEnabled val="1"/>
+        </dgm:presLayoutVars>
+      </dgm:prSet>
+      <dgm:spPr/>
+    </dgm:pt>
+    <dgm:pt modelId="{A2AADE88-7519-436E-9E52-F37BD55C6BC0}" type="pres">
+      <dgm:prSet presAssocID="{92B3A2E8-C347-4B1B-80BF-890745446DB5}" presName="sp" presStyleCnt="0"/>
+      <dgm:spPr/>
+    </dgm:pt>
+    <dgm:pt modelId="{56213BBD-C4E1-424C-8DD3-7BC90F873CD9}" type="pres">
+      <dgm:prSet presAssocID="{A78191AB-D268-40CF-B3A9-6D47308C097E}" presName="arrowAndChildren" presStyleCnt="0"/>
+      <dgm:spPr/>
+    </dgm:pt>
+    <dgm:pt modelId="{91E7C29C-9F68-4556-8A0C-868E749204E6}" type="pres">
+      <dgm:prSet presAssocID="{A78191AB-D268-40CF-B3A9-6D47308C097E}" presName="parentTextArrow" presStyleLbl="node1" presStyleIdx="1" presStyleCnt="2"/>
+      <dgm:spPr/>
+    </dgm:pt>
+  </dgm:ptLst>
+  <dgm:cxnLst>
+    <dgm:cxn modelId="{76F8A200-2616-41EA-BCAA-4618690C0378}" type="presOf" srcId="{A78191AB-D268-40CF-B3A9-6D47308C097E}" destId="{91E7C29C-9F68-4556-8A0C-868E749204E6}" srcOrd="0" destOrd="0" presId="urn:microsoft.com/office/officeart/2005/8/layout/process4"/>
+    <dgm:cxn modelId="{FE38D41E-B44F-4877-BA33-5BBC778AB6A4}" srcId="{47A09193-EA7E-49DD-B4C4-8CEF7FCD27ED}" destId="{900F67B6-BE4C-4A7B-ADFE-8061CF8ED3B4}" srcOrd="2" destOrd="0" parTransId="{9646ECAC-BD35-4E7F-B866-D4943E2C538B}" sibTransId="{546E833D-75E3-4DA8-A894-61AE58429088}"/>
+    <dgm:cxn modelId="{DC107D31-8E45-4C6D-98AC-E68BF10F8114}" type="presOf" srcId="{E83EEE88-46D8-492B-809C-435D120E4E26}" destId="{7BED000D-42D0-4255-905E-89E203072B54}" srcOrd="0" destOrd="0" presId="urn:microsoft.com/office/officeart/2005/8/layout/process4"/>
+    <dgm:cxn modelId="{31E8065F-2020-459B-8A16-DA7E5FDA2DBE}" srcId="{47A09193-EA7E-49DD-B4C4-8CEF7FCD27ED}" destId="{718585A8-65A5-47C4-9895-9528411EED62}" srcOrd="1" destOrd="0" parTransId="{32F41769-BE4B-41AB-8900-607F60B900CF}" sibTransId="{F55F25D6-0E20-4726-8C11-19AB5DA86EDD}"/>
+    <dgm:cxn modelId="{10B48263-5383-4A5A-B0A5-8804E0FE2435}" srcId="{292D9468-647E-4641-AA8F-CA609A2AFF87}" destId="{47A09193-EA7E-49DD-B4C4-8CEF7FCD27ED}" srcOrd="1" destOrd="0" parTransId="{CFC26AA0-7367-4275-9C49-C993B86BD172}" sibTransId="{1D2D7CFB-DC45-4D19-BDB1-E72090D9BD5C}"/>
+    <dgm:cxn modelId="{8F9CBC55-7705-4859-A879-B134A3E6E81D}" type="presOf" srcId="{292D9468-647E-4641-AA8F-CA609A2AFF87}" destId="{76BED14D-E2A8-444C-A763-FF6259FF78B9}" srcOrd="0" destOrd="0" presId="urn:microsoft.com/office/officeart/2005/8/layout/process4"/>
+    <dgm:cxn modelId="{A9714A77-5A8B-48E2-A37B-ACCC6F8A9557}" type="presOf" srcId="{900F67B6-BE4C-4A7B-ADFE-8061CF8ED3B4}" destId="{289AB2F1-C237-414A-98EF-B0142E5C5A00}" srcOrd="0" destOrd="0" presId="urn:microsoft.com/office/officeart/2005/8/layout/process4"/>
+    <dgm:cxn modelId="{DE1BE278-CE49-43D0-A6BA-AF5E08C95DF2}" type="presOf" srcId="{47A09193-EA7E-49DD-B4C4-8CEF7FCD27ED}" destId="{8A0C5EA9-C8EF-47D1-A10F-D8D38FFA5BB1}" srcOrd="0" destOrd="0" presId="urn:microsoft.com/office/officeart/2005/8/layout/process4"/>
+    <dgm:cxn modelId="{AEACF299-6151-4556-BD74-67C8C34B92BA}" srcId="{292D9468-647E-4641-AA8F-CA609A2AFF87}" destId="{A78191AB-D268-40CF-B3A9-6D47308C097E}" srcOrd="0" destOrd="0" parTransId="{E36F00D3-2B2F-46F5-8F23-57A094CC1AED}" sibTransId="{92B3A2E8-C347-4B1B-80BF-890745446DB5}"/>
+    <dgm:cxn modelId="{AE1CB5D8-F62F-439F-9000-20E94AE25D6C}" type="presOf" srcId="{718585A8-65A5-47C4-9895-9528411EED62}" destId="{3384AE85-7420-4E9B-BD1A-FB17B4A8CDA7}" srcOrd="0" destOrd="0" presId="urn:microsoft.com/office/officeart/2005/8/layout/process4"/>
+    <dgm:cxn modelId="{EED6DBE4-8233-4CBE-8925-B736579178F8}" type="presOf" srcId="{47A09193-EA7E-49DD-B4C4-8CEF7FCD27ED}" destId="{5DBF9901-22CE-4310-8EB0-6E87BB81C94A}" srcOrd="1" destOrd="0" presId="urn:microsoft.com/office/officeart/2005/8/layout/process4"/>
+    <dgm:cxn modelId="{2CD2F8FE-17B0-419D-998C-D7C20682175E}" srcId="{47A09193-EA7E-49DD-B4C4-8CEF7FCD27ED}" destId="{E83EEE88-46D8-492B-809C-435D120E4E26}" srcOrd="0" destOrd="0" parTransId="{149B68FA-6BD8-44BD-9CCF-BDFFFA6CF6E5}" sibTransId="{C30B868B-1CC0-428C-ACB3-7BD49A17DFB5}"/>
+    <dgm:cxn modelId="{0FE20C40-10BD-46A4-A50E-B06020254A22}" type="presParOf" srcId="{76BED14D-E2A8-444C-A763-FF6259FF78B9}" destId="{A45A1493-68AB-4A62-9A3F-CE6D62FFF1C7}" srcOrd="0" destOrd="0" presId="urn:microsoft.com/office/officeart/2005/8/layout/process4"/>
+    <dgm:cxn modelId="{B16424D8-3283-4652-96AC-AD43C30E613A}" type="presParOf" srcId="{A45A1493-68AB-4A62-9A3F-CE6D62FFF1C7}" destId="{8A0C5EA9-C8EF-47D1-A10F-D8D38FFA5BB1}" srcOrd="0" destOrd="0" presId="urn:microsoft.com/office/officeart/2005/8/layout/process4"/>
+    <dgm:cxn modelId="{6E9CBBA6-E6AF-4358-95A5-2045839A23E8}" type="presParOf" srcId="{A45A1493-68AB-4A62-9A3F-CE6D62FFF1C7}" destId="{5DBF9901-22CE-4310-8EB0-6E87BB81C94A}" srcOrd="1" destOrd="0" presId="urn:microsoft.com/office/officeart/2005/8/layout/process4"/>
+    <dgm:cxn modelId="{5C5A1271-FEA1-48AB-B633-0F74E729368F}" type="presParOf" srcId="{A45A1493-68AB-4A62-9A3F-CE6D62FFF1C7}" destId="{F64AD54A-BFD5-4ACB-BEFD-9552A48ED27B}" srcOrd="2" destOrd="0" presId="urn:microsoft.com/office/officeart/2005/8/layout/process4"/>
+    <dgm:cxn modelId="{A6C31566-A3D6-4A39-9E1C-C36F33732C41}" type="presParOf" srcId="{F64AD54A-BFD5-4ACB-BEFD-9552A48ED27B}" destId="{7BED000D-42D0-4255-905E-89E203072B54}" srcOrd="0" destOrd="0" presId="urn:microsoft.com/office/officeart/2005/8/layout/process4"/>
+    <dgm:cxn modelId="{744E92FF-B968-4232-B07F-C67E5AA1B42B}" type="presParOf" srcId="{F64AD54A-BFD5-4ACB-BEFD-9552A48ED27B}" destId="{3384AE85-7420-4E9B-BD1A-FB17B4A8CDA7}" srcOrd="1" destOrd="0" presId="urn:microsoft.com/office/officeart/2005/8/layout/process4"/>
+    <dgm:cxn modelId="{725968E4-7518-4865-8DB8-5CD910CA63DE}" type="presParOf" srcId="{F64AD54A-BFD5-4ACB-BEFD-9552A48ED27B}" destId="{289AB2F1-C237-414A-98EF-B0142E5C5A00}" srcOrd="2" destOrd="0" presId="urn:microsoft.com/office/officeart/2005/8/layout/process4"/>
+    <dgm:cxn modelId="{739D3340-6EC6-4D8B-B6B4-CB10E93036D0}" type="presParOf" srcId="{76BED14D-E2A8-444C-A763-FF6259FF78B9}" destId="{A2AADE88-7519-436E-9E52-F37BD55C6BC0}" srcOrd="1" destOrd="0" presId="urn:microsoft.com/office/officeart/2005/8/layout/process4"/>
+    <dgm:cxn modelId="{4CC2CDB8-8FCF-4D37-A085-E9F3654904D2}" type="presParOf" srcId="{76BED14D-E2A8-444C-A763-FF6259FF78B9}" destId="{56213BBD-C4E1-424C-8DD3-7BC90F873CD9}" srcOrd="2" destOrd="0" presId="urn:microsoft.com/office/officeart/2005/8/layout/process4"/>
+    <dgm:cxn modelId="{CCB3EDF1-0AD2-46E3-A85C-2A78B0A55140}" type="presParOf" srcId="{56213BBD-C4E1-424C-8DD3-7BC90F873CD9}" destId="{91E7C29C-9F68-4556-8A0C-868E749204E6}" srcOrd="0" destOrd="0" presId="urn:microsoft.com/office/officeart/2005/8/layout/process4"/>
+  </dgm:cxnLst>
+  <dgm:bg/>
+  <dgm:whole/>
+  <dgm:extLst>
+    <a:ext uri="http://schemas.microsoft.com/office/drawing/2008/diagram">
+      <dsp:dataModelExt xmlns:dsp="http://schemas.microsoft.com/office/drawing/2008/diagram" relId="rId6" minVer="http://schemas.openxmlformats.org/drawingml/2006/diagram"/>
+    </a:ext>
+  </dgm:extLst>
+</dgm:dataModel>
+</file>
+
+<file path=ppt/diagrams/drawing1.xml><?xml version="1.0" encoding="utf-8"?>
+<dsp:drawing xmlns:dgm="http://schemas.openxmlformats.org/drawingml/2006/diagram" xmlns:dsp="http://schemas.microsoft.com/office/drawing/2008/diagram" xmlns:a="http://schemas.openxmlformats.org/drawingml/2006/main">
+  <dsp:spTree>
+    <dsp:nvGrpSpPr>
+      <dsp:cNvPr id="0" name=""/>
+      <dsp:cNvGrpSpPr/>
+    </dsp:nvGrpSpPr>
+    <dsp:grpSpPr/>
+    <dsp:sp modelId="{5DBF9901-22CE-4310-8EB0-6E87BB81C94A}">
+      <dsp:nvSpPr>
+        <dsp:cNvPr id="0" name=""/>
+        <dsp:cNvSpPr/>
+      </dsp:nvSpPr>
+      <dsp:spPr>
+        <a:xfrm>
+          <a:off x="0" y="2061860"/>
+          <a:ext cx="9783763" cy="1352803"/>
+        </a:xfrm>
+        <a:prstGeom prst="rect">
+          <a:avLst/>
+        </a:prstGeom>
+        <a:solidFill>
+          <a:schemeClr val="accent2">
+            <a:hueOff val="0"/>
+            <a:satOff val="0"/>
+            <a:lumOff val="0"/>
+            <a:alphaOff val="0"/>
+          </a:schemeClr>
+        </a:solidFill>
+        <a:ln w="12700" cap="flat" cmpd="sng" algn="ctr">
+          <a:solidFill>
+            <a:schemeClr val="lt1">
+              <a:hueOff val="0"/>
+              <a:satOff val="0"/>
+              <a:lumOff val="0"/>
+              <a:alphaOff val="0"/>
+            </a:schemeClr>
+          </a:solidFill>
+          <a:prstDash val="solid"/>
+        </a:ln>
+        <a:effectLst/>
+      </dsp:spPr>
+      <dsp:style>
+        <a:lnRef idx="2">
+          <a:scrgbClr r="0" g="0" b="0"/>
+        </a:lnRef>
+        <a:fillRef idx="1">
+          <a:scrgbClr r="0" g="0" b="0"/>
+        </a:fillRef>
+        <a:effectRef idx="0">
+          <a:scrgbClr r="0" g="0" b="0"/>
+        </a:effectRef>
+        <a:fontRef idx="minor">
+          <a:schemeClr val="lt1"/>
+        </a:fontRef>
+      </dsp:style>
+      <dsp:txBody>
+        <a:bodyPr spcFirstLastPara="0" vert="horz" wrap="square" lIns="163576" tIns="163576" rIns="163576" bIns="163576" numCol="1" spcCol="1270" anchor="ctr" anchorCtr="0">
+          <a:noAutofit/>
+        </a:bodyPr>
+        <a:lstStyle/>
+        <a:p>
+          <a:pPr marL="0" lvl="0" indent="0" algn="ctr" defTabSz="1022350">
+            <a:lnSpc>
+              <a:spcPct val="90000"/>
+            </a:lnSpc>
+            <a:spcBef>
+              <a:spcPct val="0"/>
+            </a:spcBef>
+            <a:spcAft>
+              <a:spcPct val="35000"/>
+            </a:spcAft>
+            <a:buNone/>
+          </a:pPr>
+          <a:r>
+            <a:rPr lang="en-US" sz="2300" kern="1200"/>
+            <a:t>Using Sentiment Analysis to predict fluctuations in stock pricing. Focusing on:</a:t>
+          </a:r>
+        </a:p>
+      </dsp:txBody>
+      <dsp:txXfrm>
+        <a:off x="0" y="2061860"/>
+        <a:ext cx="9783763" cy="730514"/>
+      </dsp:txXfrm>
+    </dsp:sp>
+    <dsp:sp modelId="{7BED000D-42D0-4255-905E-89E203072B54}">
+      <dsp:nvSpPr>
+        <dsp:cNvPr id="0" name=""/>
+        <dsp:cNvSpPr/>
+      </dsp:nvSpPr>
+      <dsp:spPr>
+        <a:xfrm>
+          <a:off x="4777" y="2765318"/>
+          <a:ext cx="3258069" cy="622289"/>
+        </a:xfrm>
+        <a:prstGeom prst="rect">
+          <a:avLst/>
+        </a:prstGeom>
+        <a:solidFill>
+          <a:schemeClr val="accent2">
+            <a:tint val="40000"/>
+            <a:alpha val="90000"/>
+            <a:hueOff val="0"/>
+            <a:satOff val="0"/>
+            <a:lumOff val="0"/>
+            <a:alphaOff val="0"/>
+          </a:schemeClr>
+        </a:solidFill>
+        <a:ln w="12700" cap="flat" cmpd="sng" algn="ctr">
+          <a:solidFill>
+            <a:schemeClr val="accent2">
+              <a:tint val="40000"/>
+              <a:alpha val="90000"/>
+              <a:hueOff val="0"/>
+              <a:satOff val="0"/>
+              <a:lumOff val="0"/>
+              <a:alphaOff val="0"/>
+            </a:schemeClr>
+          </a:solidFill>
+          <a:prstDash val="solid"/>
+        </a:ln>
+        <a:effectLst/>
+      </dsp:spPr>
+      <dsp:style>
+        <a:lnRef idx="2">
+          <a:scrgbClr r="0" g="0" b="0"/>
+        </a:lnRef>
+        <a:fillRef idx="1">
+          <a:scrgbClr r="0" g="0" b="0"/>
+        </a:fillRef>
+        <a:effectRef idx="0">
+          <a:scrgbClr r="0" g="0" b="0"/>
+        </a:effectRef>
+        <a:fontRef idx="minor"/>
+      </dsp:style>
+      <dsp:txBody>
+        <a:bodyPr spcFirstLastPara="0" vert="horz" wrap="square" lIns="142240" tIns="25400" rIns="142240" bIns="25400" numCol="1" spcCol="1270" anchor="ctr" anchorCtr="0">
+          <a:noAutofit/>
+        </a:bodyPr>
+        <a:lstStyle/>
+        <a:p>
+          <a:pPr marL="0" lvl="0" indent="0" algn="ctr" defTabSz="889000">
+            <a:lnSpc>
+              <a:spcPct val="90000"/>
+            </a:lnSpc>
+            <a:spcBef>
+              <a:spcPct val="0"/>
+            </a:spcBef>
+            <a:spcAft>
+              <a:spcPct val="35000"/>
+            </a:spcAft>
+            <a:buNone/>
+          </a:pPr>
+          <a:r>
+            <a:rPr lang="en-US" sz="2000" kern="1200" dirty="0"/>
+            <a:t>Tweets about specific companies.</a:t>
+          </a:r>
+        </a:p>
+      </dsp:txBody>
+      <dsp:txXfrm>
+        <a:off x="4777" y="2765318"/>
+        <a:ext cx="3258069" cy="622289"/>
+      </dsp:txXfrm>
+    </dsp:sp>
+    <dsp:sp modelId="{3384AE85-7420-4E9B-BD1A-FB17B4A8CDA7}">
+      <dsp:nvSpPr>
+        <dsp:cNvPr id="0" name=""/>
+        <dsp:cNvSpPr/>
+      </dsp:nvSpPr>
+      <dsp:spPr>
+        <a:xfrm>
+          <a:off x="3262846" y="2765318"/>
+          <a:ext cx="3258069" cy="622289"/>
+        </a:xfrm>
+        <a:prstGeom prst="rect">
+          <a:avLst/>
+        </a:prstGeom>
+        <a:solidFill>
+          <a:schemeClr val="accent2">
+            <a:tint val="40000"/>
+            <a:alpha val="90000"/>
+            <a:hueOff val="123599"/>
+            <a:satOff val="-11908"/>
+            <a:lumOff val="-1255"/>
+            <a:alphaOff val="0"/>
+          </a:schemeClr>
+        </a:solidFill>
+        <a:ln w="12700" cap="flat" cmpd="sng" algn="ctr">
+          <a:solidFill>
+            <a:schemeClr val="accent2">
+              <a:tint val="40000"/>
+              <a:alpha val="90000"/>
+              <a:hueOff val="123599"/>
+              <a:satOff val="-11908"/>
+              <a:lumOff val="-1255"/>
+              <a:alphaOff val="0"/>
+            </a:schemeClr>
+          </a:solidFill>
+          <a:prstDash val="solid"/>
+        </a:ln>
+        <a:effectLst/>
+      </dsp:spPr>
+      <dsp:style>
+        <a:lnRef idx="2">
+          <a:scrgbClr r="0" g="0" b="0"/>
+        </a:lnRef>
+        <a:fillRef idx="1">
+          <a:scrgbClr r="0" g="0" b="0"/>
+        </a:fillRef>
+        <a:effectRef idx="0">
+          <a:scrgbClr r="0" g="0" b="0"/>
+        </a:effectRef>
+        <a:fontRef idx="minor"/>
+      </dsp:style>
+      <dsp:txBody>
+        <a:bodyPr spcFirstLastPara="0" vert="horz" wrap="square" lIns="142240" tIns="25400" rIns="142240" bIns="25400" numCol="1" spcCol="1270" anchor="ctr" anchorCtr="0">
+          <a:noAutofit/>
+        </a:bodyPr>
+        <a:lstStyle/>
+        <a:p>
+          <a:pPr marL="0" lvl="0" indent="0" algn="ctr" defTabSz="889000">
+            <a:lnSpc>
+              <a:spcPct val="90000"/>
+            </a:lnSpc>
+            <a:spcBef>
+              <a:spcPct val="0"/>
+            </a:spcBef>
+            <a:spcAft>
+              <a:spcPct val="35000"/>
+            </a:spcAft>
+            <a:buNone/>
+          </a:pPr>
+          <a:r>
+            <a:rPr lang="en-US" sz="2000" kern="1200" dirty="0"/>
+            <a:t>Trending words when stocks spike up/down.</a:t>
+          </a:r>
+        </a:p>
+      </dsp:txBody>
+      <dsp:txXfrm>
+        <a:off x="3262846" y="2765318"/>
+        <a:ext cx="3258069" cy="622289"/>
+      </dsp:txXfrm>
+    </dsp:sp>
+    <dsp:sp modelId="{289AB2F1-C237-414A-98EF-B0142E5C5A00}">
+      <dsp:nvSpPr>
+        <dsp:cNvPr id="0" name=""/>
+        <dsp:cNvSpPr/>
+      </dsp:nvSpPr>
+      <dsp:spPr>
+        <a:xfrm>
+          <a:off x="6520916" y="2765318"/>
+          <a:ext cx="3258069" cy="622289"/>
+        </a:xfrm>
+        <a:prstGeom prst="rect">
+          <a:avLst/>
+        </a:prstGeom>
+        <a:solidFill>
+          <a:schemeClr val="accent2">
+            <a:tint val="40000"/>
+            <a:alpha val="90000"/>
+            <a:hueOff val="247198"/>
+            <a:satOff val="-23816"/>
+            <a:lumOff val="-2511"/>
+            <a:alphaOff val="0"/>
+          </a:schemeClr>
+        </a:solidFill>
+        <a:ln w="12700" cap="flat" cmpd="sng" algn="ctr">
+          <a:solidFill>
+            <a:schemeClr val="accent2">
+              <a:tint val="40000"/>
+              <a:alpha val="90000"/>
+              <a:hueOff val="247198"/>
+              <a:satOff val="-23816"/>
+              <a:lumOff val="-2511"/>
+              <a:alphaOff val="0"/>
+            </a:schemeClr>
+          </a:solidFill>
+          <a:prstDash val="solid"/>
+        </a:ln>
+        <a:effectLst/>
+      </dsp:spPr>
+      <dsp:style>
+        <a:lnRef idx="2">
+          <a:scrgbClr r="0" g="0" b="0"/>
+        </a:lnRef>
+        <a:fillRef idx="1">
+          <a:scrgbClr r="0" g="0" b="0"/>
+        </a:fillRef>
+        <a:effectRef idx="0">
+          <a:scrgbClr r="0" g="0" b="0"/>
+        </a:effectRef>
+        <a:fontRef idx="minor"/>
+      </dsp:style>
+      <dsp:txBody>
+        <a:bodyPr spcFirstLastPara="0" vert="horz" wrap="square" lIns="142240" tIns="25400" rIns="142240" bIns="25400" numCol="1" spcCol="1270" anchor="ctr" anchorCtr="0">
+          <a:noAutofit/>
+        </a:bodyPr>
+        <a:lstStyle/>
+        <a:p>
+          <a:pPr marL="0" lvl="0" indent="0" algn="ctr" defTabSz="889000">
+            <a:lnSpc>
+              <a:spcPct val="90000"/>
+            </a:lnSpc>
+            <a:spcBef>
+              <a:spcPct val="0"/>
+            </a:spcBef>
+            <a:spcAft>
+              <a:spcPct val="35000"/>
+            </a:spcAft>
+            <a:buNone/>
+          </a:pPr>
+          <a:r>
+            <a:rPr lang="en-US" sz="2000" kern="1200" dirty="0"/>
+            <a:t>Correlation with these and stock prices.</a:t>
+          </a:r>
+        </a:p>
+      </dsp:txBody>
+      <dsp:txXfrm>
+        <a:off x="6520916" y="2765318"/>
+        <a:ext cx="3258069" cy="622289"/>
+      </dsp:txXfrm>
+    </dsp:sp>
+    <dsp:sp modelId="{91E7C29C-9F68-4556-8A0C-868E749204E6}">
+      <dsp:nvSpPr>
+        <dsp:cNvPr id="0" name=""/>
+        <dsp:cNvSpPr/>
+      </dsp:nvSpPr>
+      <dsp:spPr>
+        <a:xfrm rot="10800000">
+          <a:off x="0" y="1540"/>
+          <a:ext cx="9783763" cy="2080612"/>
+        </a:xfrm>
+        <a:prstGeom prst="upArrowCallout">
+          <a:avLst/>
+        </a:prstGeom>
+        <a:solidFill>
+          <a:schemeClr val="accent2">
+            <a:hueOff val="39038"/>
+            <a:satOff val="-26876"/>
+            <a:lumOff val="-6863"/>
+            <a:alphaOff val="0"/>
+          </a:schemeClr>
+        </a:solidFill>
+        <a:ln w="12700" cap="flat" cmpd="sng" algn="ctr">
+          <a:solidFill>
+            <a:schemeClr val="lt1">
+              <a:hueOff val="0"/>
+              <a:satOff val="0"/>
+              <a:lumOff val="0"/>
+              <a:alphaOff val="0"/>
+            </a:schemeClr>
+          </a:solidFill>
+          <a:prstDash val="solid"/>
+        </a:ln>
+        <a:effectLst/>
+      </dsp:spPr>
+      <dsp:style>
+        <a:lnRef idx="2">
+          <a:scrgbClr r="0" g="0" b="0"/>
+        </a:lnRef>
+        <a:fillRef idx="1">
+          <a:scrgbClr r="0" g="0" b="0"/>
+        </a:fillRef>
+        <a:effectRef idx="0">
+          <a:scrgbClr r="0" g="0" b="0"/>
+        </a:effectRef>
+        <a:fontRef idx="minor">
+          <a:schemeClr val="lt1"/>
+        </a:fontRef>
+      </dsp:style>
+      <dsp:txBody>
+        <a:bodyPr spcFirstLastPara="0" vert="horz" wrap="square" lIns="163576" tIns="163576" rIns="163576" bIns="163576" numCol="1" spcCol="1270" anchor="ctr" anchorCtr="0">
+          <a:noAutofit/>
+        </a:bodyPr>
+        <a:lstStyle/>
+        <a:p>
+          <a:pPr marL="0" lvl="0" indent="0" algn="ctr" defTabSz="1022350">
+            <a:lnSpc>
+              <a:spcPct val="90000"/>
+            </a:lnSpc>
+            <a:spcBef>
+              <a:spcPct val="0"/>
+            </a:spcBef>
+            <a:spcAft>
+              <a:spcPct val="35000"/>
+            </a:spcAft>
+            <a:buNone/>
+          </a:pPr>
+          <a:r>
+            <a:rPr lang="en-US" sz="2300" kern="1200"/>
+            <a:t>Impact of Covid-19 on Global Business.</a:t>
+          </a:r>
+        </a:p>
+      </dsp:txBody>
+      <dsp:txXfrm rot="10800000">
+        <a:off x="0" y="1540"/>
+        <a:ext cx="9783763" cy="1351919"/>
+      </dsp:txXfrm>
+    </dsp:sp>
+  </dsp:spTree>
+</dsp:drawing>
+</file>
+
+<file path=ppt/diagrams/layout1.xml><?xml version="1.0" encoding="utf-8"?>
+<dgm:layoutDef xmlns:dgm="http://schemas.openxmlformats.org/drawingml/2006/diagram" xmlns:a="http://schemas.openxmlformats.org/drawingml/2006/main" uniqueId="urn:microsoft.com/office/officeart/2005/8/layout/process4">
+  <dgm:title val=""/>
+  <dgm:desc val=""/>
+  <dgm:catLst>
+    <dgm:cat type="process" pri="16000"/>
+    <dgm:cat type="list" pri="20000"/>
+  </dgm:catLst>
+  <dgm:sampData>
+    <dgm:dataModel>
+      <dgm:ptLst>
+        <dgm:pt modelId="0" type="doc"/>
+        <dgm:pt modelId="1">
+          <dgm:prSet phldr="1"/>
+        </dgm:pt>
+        <dgm:pt modelId="11">
+          <dgm:prSet phldr="1"/>
+        </dgm:pt>
+        <dgm:pt modelId="12">
+          <dgm:prSet phldr="1"/>
+        </dgm:pt>
+        <dgm:pt modelId="2">
+          <dgm:prSet phldr="1"/>
+        </dgm:pt>
+        <dgm:pt modelId="21">
+          <dgm:prSet phldr="1"/>
+        </dgm:pt>
+        <dgm:pt modelId="22">
+          <dgm:prSet phldr="1"/>
+        </dgm:pt>
+        <dgm:pt modelId="3">
+          <dgm:prSet phldr="1"/>
+        </dgm:pt>
+        <dgm:pt modelId="31">
+          <dgm:prSet phldr="1"/>
+        </dgm:pt>
+        <dgm:pt modelId="32">
+          <dgm:prSet phldr="1"/>
+        </dgm:pt>
+      </dgm:ptLst>
+      <dgm:cxnLst>
+        <dgm:cxn modelId="4" srcId="0" destId="1" srcOrd="0" destOrd="0"/>
+        <dgm:cxn modelId="5" srcId="0" destId="2" srcOrd="1" destOrd="0"/>
+        <dgm:cxn modelId="6" srcId="0" destId="3" srcOrd="2" destOrd="0"/>
+        <dgm:cxn modelId="13" srcId="1" destId="11" srcOrd="0" destOrd="0"/>
+        <dgm:cxn modelId="14" srcId="1" destId="12" srcOrd="1" destOrd="0"/>
+        <dgm:cxn modelId="23" srcId="2" destId="21" srcOrd="0" destOrd="0"/>
+        <dgm:cxn modelId="24" srcId="2" destId="22" srcOrd="1" destOrd="0"/>
+        <dgm:cxn modelId="33" srcId="3" destId="31" srcOrd="0" destOrd="0"/>
+        <dgm:cxn modelId="34" srcId="3" destId="32" srcOrd="1" destOrd="0"/>
+      </dgm:cxnLst>
+      <dgm:bg/>
+      <dgm:whole/>
+    </dgm:dataModel>
+  </dgm:sampData>
+  <dgm:styleData>
+    <dgm:dataModel>
+      <dgm:ptLst>
+        <dgm:pt modelId="0" type="doc"/>
+        <dgm:pt modelId="1"/>
+        <dgm:pt modelId="11"/>
+        <dgm:pt modelId="2"/>
+        <dgm:pt modelId="21"/>
+      </dgm:ptLst>
+      <dgm:cxnLst>
+        <dgm:cxn modelId="4" srcId="0" destId="1" srcOrd="0" destOrd="0"/>
+        <dgm:cxn modelId="5" srcId="0" destId="2" srcOrd="1" destOrd="0"/>
+        <dgm:cxn modelId="13" srcId="1" destId="11" srcOrd="0" destOrd="0"/>
+        <dgm:cxn modelId="23" srcId="2" destId="21" srcOrd="0" destOrd="0"/>
+      </dgm:cxnLst>
+      <dgm:bg/>
+      <dgm:whole/>
+    </dgm:dataModel>
+  </dgm:styleData>
+  <dgm:clrData>
+    <dgm:dataModel>
+      <dgm:ptLst>
+        <dgm:pt modelId="0" type="doc"/>
+        <dgm:pt modelId="1"/>
+        <dgm:pt modelId="11"/>
+        <dgm:pt modelId="2"/>
+        <dgm:pt modelId="21"/>
+        <dgm:pt modelId="3"/>
+        <dgm:pt modelId="31"/>
+        <dgm:pt modelId="4"/>
+        <dgm:pt modelId="41"/>
+      </dgm:ptLst>
+      <dgm:cxnLst>
+        <dgm:cxn modelId="5" srcId="0" destId="1" srcOrd="0" destOrd="0"/>
+        <dgm:cxn modelId="6" srcId="0" destId="2" srcOrd="1" destOrd="0"/>
+        <dgm:cxn modelId="7" srcId="0" destId="3" srcOrd="2" destOrd="0"/>
+        <dgm:cxn modelId="8" srcId="0" destId="4" srcOrd="3" destOrd="0"/>
+        <dgm:cxn modelId="13" srcId="1" destId="11" srcOrd="0" destOrd="0"/>
+        <dgm:cxn modelId="23" srcId="2" destId="21" srcOrd="0" destOrd="0"/>
+        <dgm:cxn modelId="33" srcId="3" destId="31" srcOrd="0" destOrd="0"/>
+        <dgm:cxn modelId="43" srcId="4" destId="41" srcOrd="0" destOrd="0"/>
+      </dgm:cxnLst>
+      <dgm:bg/>
+      <dgm:whole/>
+    </dgm:dataModel>
+  </dgm:clrData>
+  <dgm:layoutNode name="Name0">
+    <dgm:varLst>
+      <dgm:dir/>
+      <dgm:animLvl val="lvl"/>
+      <dgm:resizeHandles val="exact"/>
+    </dgm:varLst>
+    <dgm:alg type="lin">
+      <dgm:param type="linDir" val="fromB"/>
+    </dgm:alg>
+    <dgm:shape xmlns:r="http://schemas.openxmlformats.org/officeDocument/2006/relationships" r:blip="">
+      <dgm:adjLst/>
+    </dgm:shape>
+    <dgm:presOf/>
+    <dgm:constrLst>
+      <dgm:constr type="h" for="ch" forName="boxAndChildren" refType="h"/>
+      <dgm:constr type="h" for="ch" forName="arrowAndChildren" refType="h" refFor="ch" refForName="boxAndChildren" op="equ" fact="1.538"/>
+      <dgm:constr type="w" for="ch" forName="arrowAndChildren" refType="w"/>
+      <dgm:constr type="w" for="ch" forName="boxAndChildren" refType="w"/>
+      <dgm:constr type="h" for="ch" forName="sp" refType="h" fact="-0.015"/>
+      <dgm:constr type="primFontSz" for="des" forName="parentTextBox" val="65"/>
+      <dgm:constr type="primFontSz" for="des" forName="parentTextArrow" refType="primFontSz" refFor="des" refForName="parentTextBox" op="equ"/>
+      <dgm:constr type="primFontSz" for="des" forName="childTextArrow" val="65"/>
+      <dgm:constr type="primFontSz" for="des" forName="childTextBox" refType="primFontSz" refFor="des" refForName="childTextArrow" op="equ"/>
+    </dgm:constrLst>
+    <dgm:ruleLst/>
+    <dgm:forEach name="Name1" axis="ch" ptType="node" st="-1" step="-1">
+      <dgm:choose name="Name2">
+        <dgm:if name="Name3" axis="self" ptType="node" func="revPos" op="equ" val="1">
+          <dgm:layoutNode name="boxAndChildren">
+            <dgm:alg type="composite"/>
+            <dgm:shape xmlns:r="http://schemas.openxmlformats.org/officeDocument/2006/relationships" r:blip="">
+              <dgm:adjLst/>
+            </dgm:shape>
+            <dgm:presOf/>
+            <dgm:choose name="Name4">
+              <dgm:if name="Name5" axis="ch" ptType="node" func="cnt" op="gte" val="1">
+                <dgm:constrLst>
+                  <dgm:constr type="w" for="ch" forName="parentTextBox" refType="w"/>
+                  <dgm:constr type="h" for="ch" forName="parentTextBox" refType="h" fact="0.54"/>
+                  <dgm:constr type="t" for="ch" forName="parentTextBox"/>
+                  <dgm:constr type="w" for="ch" forName="entireBox" refType="w"/>
+                  <dgm:constr type="h" for="ch" forName="entireBox" refType="h"/>
+                  <dgm:constr type="w" for="ch" forName="descendantBox" refType="w"/>
+                  <dgm:constr type="b" for="ch" forName="descendantBox" refType="h" fact="0.98"/>
+                  <dgm:constr type="h" for="ch" forName="descendantBox" refType="h" fact="0.46"/>
+                </dgm:constrLst>
+              </dgm:if>
+              <dgm:else name="Name6">
+                <dgm:constrLst>
+                  <dgm:constr type="w" for="ch" forName="parentTextBox" refType="w"/>
+                  <dgm:constr type="h" for="ch" forName="parentTextBox" refType="h"/>
+                </dgm:constrLst>
+              </dgm:else>
+            </dgm:choose>
+            <dgm:ruleLst/>
+            <dgm:layoutNode name="parentTextBox">
+              <dgm:alg type="tx"/>
+              <dgm:choose name="Name7">
+                <dgm:if name="Name8" axis="ch" ptType="node" func="cnt" op="gte" val="1">
+                  <dgm:shape xmlns:r="http://schemas.openxmlformats.org/officeDocument/2006/relationships" type="rect" r:blip="" zOrderOff="1" hideGeom="1">
+                    <dgm:adjLst/>
+                  </dgm:shape>
+                </dgm:if>
+                <dgm:else name="Name9">
+                  <dgm:shape xmlns:r="http://schemas.openxmlformats.org/officeDocument/2006/relationships" type="rect" r:blip="">
+                    <dgm:adjLst/>
+                  </dgm:shape>
+                </dgm:else>
+              </dgm:choose>
+              <dgm:presOf axis="self"/>
+              <dgm:constrLst/>
+              <dgm:ruleLst>
+                <dgm:rule type="primFontSz" val="5" fact="NaN" max="NaN"/>
+              </dgm:ruleLst>
+            </dgm:layoutNode>
+            <dgm:choose name="Name10">
+              <dgm:if name="Name11" axis="ch" ptType="node" func="cnt" op="gte" val="1">
+                <dgm:layoutNode name="entireBox">
+                  <dgm:alg type="sp"/>
+                  <dgm:shape xmlns:r="http://schemas.openxmlformats.org/officeDocument/2006/relationships" type="rect" r:blip="">
+                    <dgm:adjLst/>
+                  </dgm:shape>
+                  <dgm:presOf axis="self"/>
+                  <dgm:constrLst/>
+                  <dgm:ruleLst/>
+                </dgm:layoutNode>
+                <dgm:layoutNode name="descendantBox" styleLbl="fgAccFollowNode1">
+                  <dgm:choose name="Name12">
+                    <dgm:if name="Name13" func="var" arg="dir" op="equ" val="norm">
+                      <dgm:alg type="lin"/>
+                    </dgm:if>
+                    <dgm:else name="Name14">
+                      <dgm:alg type="lin">
+                        <dgm:param type="linDir" val="fromR"/>
+                      </dgm:alg>
+                    </dgm:else>
+                  </dgm:choose>
+                  <dgm:shape xmlns:r="http://schemas.openxmlformats.org/officeDocument/2006/relationships" r:blip="">
+                    <dgm:adjLst/>
+                  </dgm:shape>
+                  <dgm:presOf/>
+                  <dgm:constrLst>
+                    <dgm:constr type="w" for="ch" forName="childTextBox" refType="w"/>
+                    <dgm:constr type="h" for="ch" forName="childTextBox" refType="h"/>
+                  </dgm:constrLst>
+                  <dgm:ruleLst/>
+                  <dgm:forEach name="Name15" axis="ch" ptType="node">
+                    <dgm:layoutNode name="childTextBox" styleLbl="fgAccFollowNode1">
+                      <dgm:varLst>
+                        <dgm:bulletEnabled val="1"/>
+                      </dgm:varLst>
+                      <dgm:alg type="tx"/>
+                      <dgm:shape xmlns:r="http://schemas.openxmlformats.org/officeDocument/2006/relationships" type="rect" r:blip="">
+                        <dgm:adjLst/>
+                      </dgm:shape>
+                      <dgm:presOf axis="desOrSelf" ptType="node"/>
+                      <dgm:constrLst>
+                        <dgm:constr type="tMarg" refType="primFontSz" fact="0.1"/>
+                        <dgm:constr type="bMarg" refType="primFontSz" fact="0.1"/>
+                      </dgm:constrLst>
+                      <dgm:ruleLst>
+                        <dgm:rule type="primFontSz" val="5" fact="NaN" max="NaN"/>
+                      </dgm:ruleLst>
+                    </dgm:layoutNode>
+                  </dgm:forEach>
+                </dgm:layoutNode>
+              </dgm:if>
+              <dgm:else name="Name16"/>
+            </dgm:choose>
+          </dgm:layoutNode>
+        </dgm:if>
+        <dgm:else name="Name17">
+          <dgm:layoutNode name="arrowAndChildren">
+            <dgm:alg type="composite"/>
+            <dgm:shape xmlns:r="http://schemas.openxmlformats.org/officeDocument/2006/relationships" r:blip="">
+              <dgm:adjLst/>
+            </dgm:shape>
+            <dgm:presOf/>
+            <dgm:choose name="Name18">
+              <dgm:if name="Name19" axis="ch" ptType="node" func="cnt" op="gte" val="1">
+                <dgm:constrLst>
+                  <dgm:constr type="w" for="ch" forName="parentTextArrow" refType="w"/>
+                  <dgm:constr type="t" for="ch" forName="parentTextArrow"/>
+                  <dgm:constr type="h" for="ch" forName="parentTextArrow" refType="h" fact="0.351"/>
+                  <dgm:constr type="w" for="ch" forName="arrow" refType="w"/>
+                  <dgm:constr type="h" for="ch" forName="arrow" refType="h"/>
+                  <dgm:constr type="w" for="ch" forName="descendantArrow" refType="w"/>
+                  <dgm:constr type="b" for="ch" forName="descendantArrow" refType="h" fact="0.65"/>
+                  <dgm:constr type="h" for="ch" forName="descendantArrow" refType="h" fact="0.299"/>
+                </dgm:constrLst>
+              </dgm:if>
+              <dgm:else name="Name20">
+                <dgm:constrLst>
+                  <dgm:constr type="w" for="ch" forName="parentTextArrow" refType="w"/>
+                  <dgm:constr type="h" for="ch" forName="parentTextArrow" refType="h"/>
+                </dgm:constrLst>
+              </dgm:else>
+            </dgm:choose>
+            <dgm:ruleLst/>
+            <dgm:layoutNode name="parentTextArrow">
+              <dgm:alg type="tx"/>
+              <dgm:choose name="Name21">
+                <dgm:if name="Name22" axis="ch" ptType="node" func="cnt" op="gte" val="1">
+                  <dgm:shape xmlns:r="http://schemas.openxmlformats.org/officeDocument/2006/relationships" type="rect" r:blip="" zOrderOff="1" hideGeom="1">
+                    <dgm:adjLst/>
+                  </dgm:shape>
+                </dgm:if>
+                <dgm:else name="Name23">
+                  <dgm:shape xmlns:r="http://schemas.openxmlformats.org/officeDocument/2006/relationships" rot="180" type="upArrowCallout" r:blip="">
+                    <dgm:adjLst/>
+                  </dgm:shape>
+                </dgm:else>
+              </dgm:choose>
+              <dgm:presOf axis="self"/>
+              <dgm:constrLst/>
+              <dgm:ruleLst>
+                <dgm:rule type="primFontSz" val="5" fact="NaN" max="NaN"/>
+              </dgm:ruleLst>
+            </dgm:layoutNode>
+            <dgm:choose name="Name24">
+              <dgm:if name="Name25" axis="ch" ptType="node" func="cnt" op="gte" val="1">
+                <dgm:layoutNode name="arrow">
+                  <dgm:alg type="sp"/>
+                  <dgm:shape xmlns:r="http://schemas.openxmlformats.org/officeDocument/2006/relationships" rot="180" type="upArrowCallout" r:blip="">
+                    <dgm:adjLst/>
+                  </dgm:shape>
+                  <dgm:presOf axis="self"/>
+                  <dgm:constrLst/>
+                  <dgm:ruleLst/>
+                </dgm:layoutNode>
+                <dgm:layoutNode name="descendantArrow">
+                  <dgm:choose name="Name26">
+                    <dgm:if name="Name27" func="var" arg="dir" op="equ" val="norm">
+                      <dgm:alg type="lin"/>
+                    </dgm:if>
+                    <dgm:else name="Name28">
+                      <dgm:alg type="lin">
+                        <dgm:param type="linDir" val="fromR"/>
+                      </dgm:alg>
+                    </dgm:else>
+                  </dgm:choose>
+                  <dgm:shape xmlns:r="http://schemas.openxmlformats.org/officeDocument/2006/relationships" r:blip="">
+                    <dgm:adjLst/>
+                  </dgm:shape>
+                  <dgm:presOf/>
+                  <dgm:constrLst>
+                    <dgm:constr type="w" for="ch" forName="childTextArrow" refType="w"/>
+                    <dgm:constr type="h" for="ch" forName="childTextArrow" refType="h"/>
+                  </dgm:constrLst>
+                  <dgm:ruleLst/>
+                  <dgm:forEach name="Name29" axis="ch" ptType="node">
+                    <dgm:layoutNode name="childTextArrow" styleLbl="fgAccFollowNode1">
+                      <dgm:varLst>
+                        <dgm:bulletEnabled val="1"/>
+                      </dgm:varLst>
+                      <dgm:alg type="tx"/>
+                      <dgm:shape xmlns:r="http://schemas.openxmlformats.org/officeDocument/2006/relationships" type="rect" r:blip="">
+                        <dgm:adjLst/>
+                      </dgm:shape>
+                      <dgm:presOf axis="desOrSelf" ptType="node"/>
+                      <dgm:constrLst>
+                        <dgm:constr type="tMarg" refType="primFontSz" fact="0.1"/>
+                        <dgm:constr type="bMarg" refType="primFontSz" fact="0.1"/>
+                      </dgm:constrLst>
+                      <dgm:ruleLst>
+                        <dgm:rule type="primFontSz" val="5" fact="NaN" max="NaN"/>
+                      </dgm:ruleLst>
+                    </dgm:layoutNode>
+                  </dgm:forEach>
+                </dgm:layoutNode>
+              </dgm:if>
+              <dgm:else name="Name30"/>
+            </dgm:choose>
+          </dgm:layoutNode>
+        </dgm:else>
+      </dgm:choose>
+      <dgm:forEach name="Name31" axis="precedSib" ptType="sibTrans" st="-1" cnt="1">
+        <dgm:layoutNode name="sp">
+          <dgm:alg type="sp"/>
+          <dgm:shape xmlns:r="http://schemas.openxmlformats.org/officeDocument/2006/relationships" r:blip="">
+            <dgm:adjLst/>
+          </dgm:shape>
+          <dgm:presOf axis="self"/>
+          <dgm:constrLst/>
+          <dgm:ruleLst/>
+        </dgm:layoutNode>
+      </dgm:forEach>
+    </dgm:forEach>
+  </dgm:layoutNode>
+</dgm:layoutDef>
+</file>
+
+<file path=ppt/diagrams/quickStyle1.xml><?xml version="1.0" encoding="utf-8"?>
+<dgm:styleDef xmlns:dgm="http://schemas.openxmlformats.org/drawingml/2006/diagram" xmlns:a="http://schemas.openxmlformats.org/drawingml/2006/main" uniqueId="urn:microsoft.com/office/officeart/2005/8/quickstyle/simple1">
+  <dgm:title val=""/>
+  <dgm:desc val=""/>
+  <dgm:catLst>
+    <dgm:cat type="simple" pri="10100"/>
+  </dgm:catLst>
+  <dgm:scene3d>
+    <a:camera prst="orthographicFront"/>
+    <a:lightRig rig="threePt" dir="t"/>
+  </dgm:scene3d>
+  <dgm:styleLbl name="node0">
+    <dgm:scene3d>
+      <a:camera prst="orthographicFront"/>
+      <a:lightRig rig="threePt" dir="t"/>
+    </dgm:scene3d>
+    <dgm:sp3d/>
+    <dgm:txPr/>
+    <dgm:style>
+      <a:lnRef idx="2">
+        <a:scrgbClr r="0" g="0" b="0"/>
+      </a:lnRef>
+      <a:fillRef idx="1">
+        <a:scrgbClr r="0" g="0" b="0"/>
+      </a:fillRef>
+      <a:effectRef idx="0">
+        <a:scrgbClr r="0" g="0" b="0"/>
+      </a:effectRef>
+      <a:fontRef idx="minor">
+        <a:schemeClr val="lt1"/>
+      </a:fontRef>
+    </dgm:style>
+  </dgm:styleLbl>
+  <dgm:styleLbl name="lnNode1">
+    <dgm:scene3d>
+      <a:camera prst="orthographicFront"/>
+      <a:lightRig rig="threePt" dir="t"/>
+    </dgm:scene3d>
+    <dgm:sp3d/>
+    <dgm:txPr/>
+    <dgm:style>
+      <a:lnRef idx="2">
+        <a:scrgbClr r="0" g="0" b="0"/>
+      </a:lnRef>
+      <a:fillRef idx="1">
+        <a:scrgbClr r="0" g="0" b="0"/>
+      </a:fillRef>
+      <a:effectRef idx="0">
+        <a:scrgbClr r="0" g="0" b="0"/>
+      </a:effectRef>
+      <a:fontRef idx="minor">
+        <a:schemeClr val="lt1"/>
+      </a:fontRef>
+    </dgm:style>
+  </dgm:styleLbl>
+  <dgm:styleLbl name="vennNode1">
+    <dgm:scene3d>
+      <a:camera prst="orthographicFront"/>
+      <a:lightRig rig="threePt" dir="t"/>
+    </dgm:scene3d>
+    <dgm:sp3d/>
+    <dgm:txPr/>
+    <dgm:style>
+      <a:lnRef idx="2">
+        <a:scrgbClr r="0" g="0" b="0"/>
+      </a:lnRef>
+      <a:fillRef idx="1">
+        <a:scrgbClr r="0" g="0" b="0"/>
+      </a:fillRef>
+      <a:effectRef idx="0">
+        <a:scrgbClr r="0" g="0" b="0"/>
+      </a:effectRef>
+      <a:fontRef idx="minor">
+        <a:schemeClr val="tx1"/>
+      </a:fontRef>
+    </dgm:style>
+  </dgm:styleLbl>
+  <dgm:styleLbl name="alignNode1">
+    <dgm:scene3d>
+      <a:camera prst="orthographicFront"/>
+      <a:lightRig rig="threePt" dir="t"/>
+    </dgm:scene3d>
+    <dgm:sp3d/>
+    <dgm:txPr/>
+    <dgm:style>
+      <a:lnRef idx="2">
+        <a:scrgbClr r="0" g="0" b="0"/>
+      </a:lnRef>
+      <a:fillRef idx="1">
+        <a:scrgbClr r="0" g="0" b="0"/>
+      </a:fillRef>
+      <a:effectRef idx="0">
+        <a:scrgbClr r="0" g="0" b="0"/>
+      </a:effectRef>
+      <a:fontRef idx="minor">
+        <a:schemeClr val="lt1"/>
+      </a:fontRef>
+    </dgm:style>
+  </dgm:styleLbl>
+  <dgm:styleLbl name="node1">
+    <dgm:scene3d>
+      <a:camera prst="orthographicFront"/>
+      <a:lightRig rig="threePt" dir="t"/>
+    </dgm:scene3d>
+    <dgm:sp3d/>
+    <dgm:txPr/>
+    <dgm:style>
+      <a:lnRef idx="2">
+        <a:scrgbClr r="0" g="0" b="0"/>
+      </a:lnRef>
+      <a:fillRef idx="1">
+        <a:scrgbClr r="0" g="0" b="0"/>
+      </a:fillRef>
+      <a:effectRef idx="0">
+        <a:scrgbClr r="0" g="0" b="0"/>
+      </a:effectRef>
+      <a:fontRef idx="minor">
+        <a:schemeClr val="lt1"/>
+      </a:fontRef>
+    </dgm:style>
+  </dgm:styleLbl>
+  <dgm:styleLbl name="node2">
+    <dgm:scene3d>
+      <a:camera prst="orthographicFront"/>
+      <a:lightRig rig="threePt" dir="t"/>
+    </dgm:scene3d>
+    <dgm:sp3d/>
+    <dgm:txPr/>
+    <dgm:style>
+      <a:lnRef idx="2">
+        <a:scrgbClr r="0" g="0" b="0"/>
+      </a:lnRef>
+      <a:fillRef idx="1">
+        <a:scrgbClr r="0" g="0" b="0"/>
+      </a:fillRef>
+      <a:effectRef idx="0">
+        <a:scrgbClr r="0" g="0" b="0"/>
+      </a:effectRef>
+      <a:fontRef idx="minor">
+        <a:schemeClr val="lt1"/>
+      </a:fontRef>
+    </dgm:style>
+  </dgm:styleLbl>
+  <dgm:styleLbl name="node3">
+    <dgm:scene3d>
+      <a:camera prst="orthographicFront"/>
+      <a:lightRig rig="threePt" dir="t"/>
+    </dgm:scene3d>
+    <dgm:sp3d/>
+    <dgm:txPr/>
+    <dgm:style>
+      <a:lnRef idx="2">
+        <a:scrgbClr r="0" g="0" b="0"/>
+      </a:lnRef>
+      <a:fillRef idx="1">
+        <a:scrgbClr r="0" g="0" b="0"/>
+      </a:fillRef>
+      <a:effectRef idx="0">
+        <a:scrgbClr r="0" g="0" b="0"/>
+      </a:effectRef>
+      <a:fontRef idx="minor">
+        <a:schemeClr val="lt1"/>
+      </a:fontRef>
+    </dgm:style>
+  </dgm:styleLbl>
+  <dgm:styleLbl name="node4">
+    <dgm:scene3d>
+      <a:camera prst="orthographicFront"/>
+      <a:lightRig rig="threePt" dir="t"/>
+    </dgm:scene3d>
+    <dgm:sp3d/>
+    <dgm:txPr/>
+    <dgm:style>
+      <a:lnRef idx="2">
+        <a:scrgbClr r="0" g="0" b="0"/>
+      </a:lnRef>
+      <a:fillRef idx="1">
+        <a:scrgbClr r="0" g="0" b="0"/>
+      </a:fillRef>
+      <a:effectRef idx="0">
+        <a:scrgbClr r="0" g="0" b="0"/>
+      </a:effectRef>
+      <a:fontRef idx="minor">
+        <a:schemeClr val="lt1"/>
+      </a:fontRef>
+    </dgm:style>
+  </dgm:styleLbl>
+  <dgm:styleLbl name="fgImgPlace1">
+    <dgm:scene3d>
+      <a:camera prst="orthographicFront"/>
+      <a:lightRig rig="threePt" dir="t"/>
+    </dgm:scene3d>
+    <dgm:sp3d/>
+    <dgm:txPr/>
+    <dgm:style>
+      <a:lnRef idx="2">
+        <a:scrgbClr r="0" g="0" b="0"/>
+      </a:lnRef>
+      <a:fillRef idx="1">
+        <a:scrgbClr r="0" g="0" b="0"/>
+      </a:fillRef>
+      <a:effectRef idx="0">
+        <a:scrgbClr r="0" g="0" b="0"/>
+      </a:effectRef>
+      <a:fontRef idx="minor"/>
+    </dgm:style>
+  </dgm:styleLbl>
+  <dgm:styleLbl name="alignImgPlace1">
+    <dgm:scene3d>
+      <a:camera prst="orthographicFront"/>
+      <a:lightRig rig="threePt" dir="t"/>
+    </dgm:scene3d>
+    <dgm:sp3d/>
+    <dgm:txPr/>
+    <dgm:style>
+      <a:lnRef idx="2">
+        <a:scrgbClr r="0" g="0" b="0"/>
+      </a:lnRef>
+      <a:fillRef idx="1">
+        <a:scrgbClr r="0" g="0" b="0"/>
+      </a:fillRef>
+      <a:effectRef idx="0">
+        <a:scrgbClr r="0" g="0" b="0"/>
+      </a:effectRef>
+      <a:fontRef idx="minor"/>
+    </dgm:style>
+  </dgm:styleLbl>
+  <dgm:styleLbl name="bgImgPlace1">
+    <dgm:scene3d>
+      <a:camera prst="orthographicFront"/>
+      <a:lightRig rig="threePt" dir="t"/>
+    </dgm:scene3d>
+    <dgm:sp3d/>
+    <dgm:txPr/>
+    <dgm:style>
+      <a:lnRef idx="2">
+        <a:scrgbClr r="0" g="0" b="0"/>
+      </a:lnRef>
+      <a:fillRef idx="1">
+        <a:scrgbClr r="0" g="0" b="0"/>
+      </a:fillRef>
+      <a:effectRef idx="0">
+        <a:scrgbClr r="0" g="0" b="0"/>
+      </a:effectRef>
+      <a:fontRef idx="minor"/>
+    </dgm:style>
+  </dgm:styleLbl>
+  <dgm:styleLbl name="sibTrans2D1">
+    <dgm:scene3d>
+      <a:camera prst="orthographicFront"/>
+      <a:lightRig rig="threePt" dir="t"/>
+    </dgm:scene3d>
+    <dgm:sp3d/>
+    <dgm:txPr/>
+    <dgm:style>
+      <a:lnRef idx="0">
+        <a:scrgbClr r="0" g="0" b="0"/>
+      </a:lnRef>
+      <a:fillRef idx="1">
+        <a:scrgbClr r="0" g="0" b="0"/>
+      </a:fillRef>
+      <a:effectRef idx="0">
+        <a:scrgbClr r="0" g="0" b="0"/>
+      </a:effectRef>
+      <a:fontRef idx="minor">
+        <a:schemeClr val="lt1"/>
+      </a:fontRef>
+    </dgm:style>
+  </dgm:styleLbl>
+  <dgm:styleLbl name="fgSibTrans2D1">
+    <dgm:scene3d>
+      <a:camera prst="orthographicFront"/>
+      <a:lightRig rig="threePt" dir="t"/>
+    </dgm:scene3d>
+    <dgm:sp3d/>
+    <dgm:txPr/>
+    <dgm:style>
+      <a:lnRef idx="0">
+        <a:scrgbClr r="0" g="0" b="0"/>
+      </a:lnRef>
+      <a:fillRef idx="1">
+        <a:scrgbClr r="0" g="0" b="0"/>
+      </a:fillRef>
+      <a:effectRef idx="0">
+        <a:scrgbClr r="0" g="0" b="0"/>
+      </a:effectRef>
+      <a:fontRef idx="minor">
+        <a:schemeClr val="lt1"/>
+      </a:fontRef>
+    </dgm:style>
+  </dgm:styleLbl>
+  <dgm:styleLbl name="bgSibTrans2D1">
+    <dgm:scene3d>
+      <a:camera prst="orthographicFront"/>
+      <a:lightRig rig="threePt" dir="t"/>
+    </dgm:scene3d>
+    <dgm:sp3d/>
+    <dgm:txPr/>
+    <dgm:style>
+      <a:lnRef idx="0">
+        <a:scrgbClr r="0" g="0" b="0"/>
+      </a:lnRef>
+      <a:fillRef idx="1">
+        <a:scrgbClr r="0" g="0" b="0"/>
+      </a:fillRef>
+      <a:effectRef idx="0">
+        <a:scrgbClr r="0" g="0" b="0"/>
+      </a:effectRef>
+      <a:fontRef idx="minor">
+        <a:schemeClr val="lt1"/>
+      </a:fontRef>
+    </dgm:style>
+  </dgm:styleLbl>
+  <dgm:styleLbl name="sibTrans1D1">
+    <dgm:scene3d>
+      <a:camera prst="orthographicFront"/>
+      <a:lightRig rig="threePt" dir="t"/>
+    </dgm:scene3d>
+    <dgm:sp3d/>
+    <dgm:txPr/>
+    <dgm:style>
+      <a:lnRef idx="1">
+        <a:scrgbClr r="0" g="0" b="0"/>
+      </a:lnRef>
+      <a:fillRef idx="0">
+        <a:scrgbClr r="0" g="0" b="0"/>
+      </a:fillRef>
+      <a:effectRef idx="0">
+        <a:scrgbClr r="0" g="0" b="0"/>
+      </a:effectRef>
+      <a:fontRef idx="minor"/>
+    </dgm:style>
+  </dgm:styleLbl>
+  <dgm:styleLbl name="callout">
+    <dgm:scene3d>
+      <a:camera prst="orthographicFront"/>
+      <a:lightRig rig="threePt" dir="t"/>
+    </dgm:scene3d>
+    <dgm:sp3d/>
+    <dgm:txPr/>
+    <dgm:style>
+      <a:lnRef idx="2">
+        <a:scrgbClr r="0" g="0" b="0"/>
+      </a:lnRef>
+      <a:fillRef idx="1">
+        <a:scrgbClr r="0" g="0" b="0"/>
+      </a:fillRef>
+      <a:effectRef idx="0">
+        <a:scrgbClr r="0" g="0" b="0"/>
+      </a:effectRef>
+      <a:fontRef idx="minor"/>
+    </dgm:style>
+  </dgm:styleLbl>
+  <dgm:styleLbl name="asst0">
+    <dgm:scene3d>
+      <a:camera prst="orthographicFront"/>
+      <a:lightRig rig="threePt" dir="t"/>
+    </dgm:scene3d>
+    <dgm:sp3d/>
+    <dgm:txPr/>
+    <dgm:style>
+      <a:lnRef idx="2">
+        <a:scrgbClr r="0" g="0" b="0"/>
+      </a:lnRef>
+      <a:fillRef idx="1">
+        <a:scrgbClr r="0" g="0" b="0"/>
+      </a:fillRef>
+      <a:effectRef idx="0">
+        <a:scrgbClr r="0" g="0" b="0"/>
+      </a:effectRef>
+      <a:fontRef idx="minor">
+        <a:schemeClr val="lt1"/>
+      </a:fontRef>
+    </dgm:style>
+  </dgm:styleLbl>
+  <dgm:styleLbl name="asst1">
+    <dgm:scene3d>
+      <a:camera prst="orthographicFront"/>
+      <a:lightRig rig="threePt" dir="t"/>
+    </dgm:scene3d>
+    <dgm:sp3d/>
+    <dgm:txPr/>
+    <dgm:style>
+      <a:lnRef idx="2">
+        <a:scrgbClr r="0" g="0" b="0"/>
+      </a:lnRef>
+      <a:fillRef idx="1">
+        <a:scrgbClr r="0" g="0" b="0"/>
+      </a:fillRef>
+      <a:effectRef idx="0">
+        <a:scrgbClr r="0" g="0" b="0"/>
+      </a:effectRef>
+      <a:fontRef idx="minor">
+        <a:schemeClr val="lt1"/>
+      </a:fontRef>
+    </dgm:style>
+  </dgm:styleLbl>
+  <dgm:styleLbl name="asst2">
+    <dgm:scene3d>
+      <a:camera prst="orthographicFront"/>
+      <a:lightRig rig="threePt" dir="t"/>
+    </dgm:scene3d>
+    <dgm:sp3d/>
+    <dgm:txPr/>
+    <dgm:style>
+      <a:lnRef idx="2">
+        <a:scrgbClr r="0" g="0" b="0"/>
+      </a:lnRef>
+      <a:fillRef idx="1">
+        <a:scrgbClr r="0" g="0" b="0"/>
+      </a:fillRef>
+      <a:effectRef idx="0">
+        <a:scrgbClr r="0" g="0" b="0"/>
+      </a:effectRef>
+      <a:fontRef idx="minor">
+        <a:schemeClr val="lt1"/>
+      </a:fontRef>
+    </dgm:style>
+  </dgm:styleLbl>
+  <dgm:styleLbl name="asst3">
+    <dgm:scene3d>
+      <a:camera prst="orthographicFront"/>
+      <a:lightRig rig="threePt" dir="t"/>
+    </dgm:scene3d>
+    <dgm:sp3d/>
+    <dgm:txPr/>
+    <dgm:style>
+      <a:lnRef idx="2">
+        <a:scrgbClr r="0" g="0" b="0"/>
+      </a:lnRef>
+      <a:fillRef idx="1">
+        <a:scrgbClr r="0" g="0" b="0"/>
+      </a:fillRef>
+      <a:effectRef idx="0">
+        <a:scrgbClr r="0" g="0" b="0"/>
+      </a:effectRef>
+      <a:fontRef idx="minor">
+        <a:schemeClr val="lt1"/>
+      </a:fontRef>
+    </dgm:style>
+  </dgm:styleLbl>
+  <dgm:styleLbl name="asst4">
+    <dgm:scene3d>
+      <a:camera prst="orthographicFront"/>
+      <a:lightRig rig="threePt" dir="t"/>
+    </dgm:scene3d>
+    <dgm:sp3d/>
+    <dgm:txPr/>
+    <dgm:style>
+      <a:lnRef idx="2">
+        <a:scrgbClr r="0" g="0" b="0"/>
+      </a:lnRef>
+      <a:fillRef idx="1">
+        <a:scrgbClr r="0" g="0" b="0"/>
+      </a:fillRef>
+      <a:effectRef idx="0">
+        <a:scrgbClr r="0" g="0" b="0"/>
+      </a:effectRef>
+      <a:fontRef idx="minor">
+        <a:schemeClr val="lt1"/>
+      </a:fontRef>
+    </dgm:style>
+  </dgm:styleLbl>
+  <dgm:styleLbl name="parChTrans2D1">
+    <dgm:scene3d>
+      <a:camera prst="orthographicFront"/>
+      <a:lightRig rig="threePt" dir="t"/>
+    </dgm:scene3d>
+    <dgm:sp3d/>
+    <dgm:txPr/>
+    <dgm:style>
+      <a:lnRef idx="2">
+        <a:scrgbClr r="0" g="0" b="0"/>
+      </a:lnRef>
+      <a:fillRef idx="1">
+        <a:scrgbClr r="0" g="0" b="0"/>
+      </a:fillRef>
+      <a:effectRef idx="0">
+        <a:scrgbClr r="0" g="0" b="0"/>
+      </a:effectRef>
+      <a:fontRef idx="minor">
+        <a:schemeClr val="lt1"/>
+      </a:fontRef>
+    </dgm:style>
+  </dgm:styleLbl>
+  <dgm:styleLbl name="parChTrans2D2">
+    <dgm:scene3d>
+      <a:camera prst="orthographicFront"/>
+      <a:lightRig rig="threePt" dir="t"/>
+    </dgm:scene3d>
+    <dgm:sp3d/>
+    <dgm:txPr/>
+    <dgm:style>
+      <a:lnRef idx="2">
+        <a:scrgbClr r="0" g="0" b="0"/>
+      </a:lnRef>
+      <a:fillRef idx="1">
+        <a:scrgbClr r="0" g="0" b="0"/>
+      </a:fillRef>
+      <a:effectRef idx="0">
+        <a:scrgbClr r="0" g="0" b="0"/>
+      </a:effectRef>
+      <a:fontRef idx="minor">
+        <a:schemeClr val="lt1"/>
+      </a:fontRef>
+    </dgm:style>
+  </dgm:styleLbl>
+  <dgm:styleLbl name="parChTrans2D3">
+    <dgm:scene3d>
+      <a:camera prst="orthographicFront"/>
+      <a:lightRig rig="threePt" dir="t"/>
+    </dgm:scene3d>
+    <dgm:sp3d/>
+    <dgm:txPr/>
+    <dgm:style>
+      <a:lnRef idx="2">
+        <a:scrgbClr r="0" g="0" b="0"/>
+      </a:lnRef>
+      <a:fillRef idx="1">
+        <a:scrgbClr r="0" g="0" b="0"/>
+      </a:fillRef>
+      <a:effectRef idx="0">
+        <a:scrgbClr r="0" g="0" b="0"/>
+      </a:effectRef>
+      <a:fontRef idx="minor">
+        <a:schemeClr val="lt1"/>
+      </a:fontRef>
+    </dgm:style>
+  </dgm:styleLbl>
+  <dgm:styleLbl name="parChTrans2D4">
+    <dgm:scene3d>
+      <a:camera prst="orthographicFront"/>
+      <a:lightRig rig="threePt" dir="t"/>
+    </dgm:scene3d>
+    <dgm:sp3d/>
+    <dgm:txPr/>
+    <dgm:style>
+      <a:lnRef idx="2">
+        <a:scrgbClr r="0" g="0" b="0"/>
+      </a:lnRef>
+      <a:fillRef idx="1">
+        <a:scrgbClr r="0" g="0" b="0"/>
+      </a:fillRef>
+      <a:effectRef idx="0">
+        <a:scrgbClr r="0" g="0" b="0"/>
+      </a:effectRef>
+      <a:fontRef idx="minor">
+        <a:schemeClr val="lt1"/>
+      </a:fontRef>
+    </dgm:style>
+  </dgm:styleLbl>
+  <dgm:styleLbl name="parChTrans1D1">
+    <dgm:scene3d>
+      <a:camera prst="orthographicFront"/>
+      <a:lightRig rig="threePt" dir="t"/>
+    </dgm:scene3d>
+    <dgm:sp3d/>
+    <dgm:txPr/>
+    <dgm:style>
+      <a:lnRef idx="2">
+        <a:scrgbClr r="0" g="0" b="0"/>
+      </a:lnRef>
+      <a:fillRef idx="0">
+        <a:scrgbClr r="0" g="0" b="0"/>
+      </a:fillRef>
+      <a:effectRef idx="0">
+        <a:scrgbClr r="0" g="0" b="0"/>
+      </a:effectRef>
+      <a:fontRef idx="minor"/>
+    </dgm:style>
+  </dgm:styleLbl>
+  <dgm:styleLbl name="parChTrans1D2">
+    <dgm:scene3d>
+      <a:camera prst="orthographicFront"/>
+      <a:lightRig rig="threePt" dir="t"/>
+    </dgm:scene3d>
+    <dgm:sp3d/>
+    <dgm:txPr/>
+    <dgm:style>
+      <a:lnRef idx="2">
+        <a:scrgbClr r="0" g="0" b="0"/>
+      </a:lnRef>
+      <a:fillRef idx="0">
+        <a:scrgbClr r="0" g="0" b="0"/>
+      </a:fillRef>
+      <a:effectRef idx="0">
+        <a:scrgbClr r="0" g="0" b="0"/>
+      </a:effectRef>
+      <a:fontRef idx="minor"/>
+    </dgm:style>
+  </dgm:styleLbl>
+  <dgm:styleLbl name="parChTrans1D3">
+    <dgm:scene3d>
+      <a:camera prst="orthographicFront"/>
+      <a:lightRig rig="threePt" dir="t"/>
+    </dgm:scene3d>
+    <dgm:sp3d/>
+    <dgm:txPr/>
+    <dgm:style>
+      <a:lnRef idx="2">
+        <a:scrgbClr r="0" g="0" b="0"/>
+      </a:lnRef>
+      <a:fillRef idx="0">
+        <a:scrgbClr r="0" g="0" b="0"/>
+      </a:fillRef>
+      <a:effectRef idx="0">
+        <a:scrgbClr r="0" g="0" b="0"/>
+      </a:effectRef>
+      <a:fontRef idx="minor"/>
+    </dgm:style>
+  </dgm:styleLbl>
+  <dgm:styleLbl name="parChTrans1D4">
+    <dgm:scene3d>
+      <a:camera prst="orthographicFront"/>
+      <a:lightRig rig="threePt" dir="t"/>
+    </dgm:scene3d>
+    <dgm:sp3d/>
+    <dgm:txPr/>
+    <dgm:style>
+      <a:lnRef idx="2">
+        <a:scrgbClr r="0" g="0" b="0"/>
+      </a:lnRef>
+      <a:fillRef idx="0">
+        <a:scrgbClr r="0" g="0" b="0"/>
+      </a:fillRef>
+      <a:effectRef idx="0">
+        <a:scrgbClr r="0" g="0" b="0"/>
+      </a:effectRef>
+      <a:fontRef idx="minor"/>
+    </dgm:style>
+  </dgm:styleLbl>
+  <dgm:styleLbl name="fgAcc1">
+    <dgm:scene3d>
+      <a:camera prst="orthographicFront"/>
+      <a:lightRig rig="threePt" dir="t"/>
+    </dgm:scene3d>
+    <dgm:sp3d/>
+    <dgm:txPr/>
+    <dgm:style>
+      <a:lnRef idx="2">
+        <a:scrgbClr r="0" g="0" b="0"/>
+      </a:lnRef>
+      <a:fillRef idx="1">
+        <a:scrgbClr r="0" g="0" b="0"/>
+      </a:fillRef>
+      <a:effectRef idx="0">
+        <a:scrgbClr r="0" g="0" b="0"/>
+      </a:effectRef>
+      <a:fontRef idx="minor"/>
+    </dgm:style>
+  </dgm:styleLbl>
+  <dgm:styleLbl name="conFgAcc1">
+    <dgm:scene3d>
+      <a:camera prst="orthographicFront"/>
+      <a:lightRig rig="threePt" dir="t"/>
+    </dgm:scene3d>
+    <dgm:sp3d/>
+    <dgm:txPr/>
+    <dgm:style>
+      <a:lnRef idx="2">
+        <a:scrgbClr r="0" g="0" b="0"/>
+      </a:lnRef>
+      <a:fillRef idx="1">
+        <a:scrgbClr r="0" g="0" b="0"/>
+      </a:fillRef>
+      <a:effectRef idx="0">
+        <a:scrgbClr r="0" g="0" b="0"/>
+      </a:effectRef>
+      <a:fontRef idx="minor"/>
+    </dgm:style>
+  </dgm:styleLbl>
+  <dgm:styleLbl name="alignAcc1">
+    <dgm:scene3d>
+      <a:camera prst="orthographicFront"/>
+      <a:lightRig rig="threePt" dir="t"/>
+    </dgm:scene3d>
+    <dgm:sp3d/>
+    <dgm:txPr/>
+    <dgm:style>
+      <a:lnRef idx="2">
+        <a:scrgbClr r="0" g="0" b="0"/>
+      </a:lnRef>
+      <a:fillRef idx="1">
+        <a:scrgbClr r="0" g="0" b="0"/>
+      </a:fillRef>
+      <a:effectRef idx="0">
+        <a:scrgbClr r="0" g="0" b="0"/>
+      </a:effectRef>
+      <a:fontRef idx="minor"/>
+    </dgm:style>
+  </dgm:styleLbl>
+  <dgm:styleLbl name="trAlignAcc1">
+    <dgm:scene3d>
+      <a:camera prst="orthographicFront"/>
+      <a:lightRig rig="threePt" dir="t"/>
+    </dgm:scene3d>
+    <dgm:sp3d/>
+    <dgm:txPr/>
+    <dgm:style>
+      <a:lnRef idx="1">
+        <a:scrgbClr r="0" g="0" b="0"/>
+      </a:lnRef>
+      <a:fillRef idx="1">
+        <a:scrgbClr r="0" g="0" b="0"/>
+      </a:fillRef>
+      <a:effectRef idx="0">
+        <a:scrgbClr r="0" g="0" b="0"/>
+      </a:effectRef>
+      <a:fontRef idx="minor"/>
+    </dgm:style>
+  </dgm:styleLbl>
+  <dgm:styleLbl name="bgAcc1">
+    <dgm:scene3d>
+      <a:camera prst="orthographicFront"/>
+      <a:lightRig rig="threePt" dir="t"/>
+    </dgm:scene3d>
+    <dgm:sp3d/>
+    <dgm:txPr/>
+    <dgm:style>
+      <a:lnRef idx="2">
+        <a:scrgbClr r="0" g="0" b="0"/>
+      </a:lnRef>
+      <a:fillRef idx="1">
+        <a:scrgbClr r="0" g="0" b="0"/>
+      </a:fillRef>
+      <a:effectRef idx="0">
+        <a:scrgbClr r="0" g="0" b="0"/>
+      </a:effectRef>
+      <a:fontRef idx="minor"/>
+    </dgm:style>
+  </dgm:styleLbl>
+  <dgm:styleLbl name="solidFgAcc1">
+    <dgm:scene3d>
+      <a:camera prst="orthographicFront"/>
+      <a:lightRig rig="threePt" dir="t"/>
+    </dgm:scene3d>
+    <dgm:sp3d/>
+    <dgm:txPr/>
+    <dgm:style>
+      <a:lnRef idx="2">
+        <a:scrgbClr r="0" g="0" b="0"/>
+      </a:lnRef>
+      <a:fillRef idx="1">
+        <a:scrgbClr r="0" g="0" b="0"/>
+      </a:fillRef>
+      <a:effectRef idx="0">
+        <a:scrgbClr r="0" g="0" b="0"/>
+      </a:effectRef>
+      <a:fontRef idx="minor"/>
+    </dgm:style>
+  </dgm:styleLbl>
+  <dgm:styleLbl name="solidAlignAcc1">
+    <dgm:scene3d>
+      <a:camera prst="orthographicFront"/>
+      <a:lightRig rig="threePt" dir="t"/>
+    </dgm:scene3d>
+    <dgm:sp3d/>
+    <dgm:txPr/>
+    <dgm:style>
+      <a:lnRef idx="2">
+        <a:scrgbClr r="0" g="0" b="0"/>
+      </a:lnRef>
+      <a:fillRef idx="1">
+        <a:scrgbClr r="0" g="0" b="0"/>
+      </a:fillRef>
+      <a:effectRef idx="0">
+        <a:scrgbClr r="0" g="0" b="0"/>
+      </a:effectRef>
+      <a:fontRef idx="minor"/>
+    </dgm:style>
+  </dgm:styleLbl>
+  <dgm:styleLbl name="solidBgAcc1">
+    <dgm:scene3d>
+      <a:camera prst="orthographicFront"/>
+      <a:lightRig rig="threePt" dir="t"/>
+    </dgm:scene3d>
+    <dgm:sp3d/>
+    <dgm:txPr/>
+    <dgm:style>
+      <a:lnRef idx="2">
+        <a:scrgbClr r="0" g="0" b="0"/>
+      </a:lnRef>
+      <a:fillRef idx="1">
+        <a:scrgbClr r="0" g="0" b="0"/>
+      </a:fillRef>
+      <a:effectRef idx="0">
+        <a:scrgbClr r="0" g="0" b="0"/>
+      </a:effectRef>
+      <a:fontRef idx="minor"/>
+    </dgm:style>
+  </dgm:styleLbl>
+  <dgm:styleLbl name="fgAccFollowNode1">
+    <dgm:scene3d>
+      <a:camera prst="orthographicFront"/>
+      <a:lightRig rig="threePt" dir="t"/>
+    </dgm:scene3d>
+    <dgm:sp3d/>
+    <dgm:txPr/>
+    <dgm:style>
+      <a:lnRef idx="2">
+        <a:scrgbClr r="0" g="0" b="0"/>
+      </a:lnRef>
+      <a:fillRef idx="1">
+        <a:scrgbClr r="0" g="0" b="0"/>
+      </a:fillRef>
+      <a:effectRef idx="0">
+        <a:scrgbClr r="0" g="0" b="0"/>
+      </a:effectRef>
+      <a:fontRef idx="minor"/>
+    </dgm:style>
+  </dgm:styleLbl>
+  <dgm:styleLbl name="alignAccFollowNode1">
+    <dgm:scene3d>
+      <a:camera prst="orthographicFront"/>
+      <a:lightRig rig="threePt" dir="t"/>
+    </dgm:scene3d>
+    <dgm:sp3d/>
+    <dgm:txPr/>
+    <dgm:style>
+      <a:lnRef idx="2">
+        <a:scrgbClr r="0" g="0" b="0"/>
+      </a:lnRef>
+      <a:fillRef idx="1">
+        <a:scrgbClr r="0" g="0" b="0"/>
+      </a:fillRef>
+      <a:effectRef idx="0">
+        <a:scrgbClr r="0" g="0" b="0"/>
+      </a:effectRef>
+      <a:fontRef idx="minor"/>
+    </dgm:style>
+  </dgm:styleLbl>
+  <dgm:styleLbl name="bgAccFollowNode1">
+    <dgm:scene3d>
+      <a:camera prst="orthographicFront"/>
+      <a:lightRig rig="threePt" dir="t"/>
+    </dgm:scene3d>
+    <dgm:sp3d/>
+    <dgm:txPr/>
+    <dgm:style>
+      <a:lnRef idx="2">
+        <a:scrgbClr r="0" g="0" b="0"/>
+      </a:lnRef>
+      <a:fillRef idx="1">
+        <a:scrgbClr r="0" g="0" b="0"/>
+      </a:fillRef>
+      <a:effectRef idx="0">
+        <a:scrgbClr r="0" g="0" b="0"/>
+      </a:effectRef>
+      <a:fontRef idx="minor"/>
+    </dgm:style>
+  </dgm:styleLbl>
+  <dgm:styleLbl name="fgAcc0">
+    <dgm:scene3d>
+      <a:camera prst="orthographicFront"/>
+      <a:lightRig rig="threePt" dir="t"/>
+    </dgm:scene3d>
+    <dgm:sp3d/>
+    <dgm:txPr/>
+    <dgm:style>
+      <a:lnRef idx="2">
+        <a:scrgbClr r="0" g="0" b="0"/>
+      </a:lnRef>
+      <a:fillRef idx="1">
+        <a:scrgbClr r="0" g="0" b="0"/>
+      </a:fillRef>
+      <a:effectRef idx="0">
+        <a:scrgbClr r="0" g="0" b="0"/>
+      </a:effectRef>
+      <a:fontRef idx="minor"/>
+    </dgm:style>
+  </dgm:styleLbl>
+  <dgm:styleLbl name="fgAcc2">
+    <dgm:scene3d>
+      <a:camera prst="orthographicFront"/>
+      <a:lightRig rig="threePt" dir="t"/>
+    </dgm:scene3d>
+    <dgm:sp3d/>
+    <dgm:txPr/>
+    <dgm:style>
+      <a:lnRef idx="2">
+        <a:scrgbClr r="0" g="0" b="0"/>
+      </a:lnRef>
+      <a:fillRef idx="1">
+        <a:scrgbClr r="0" g="0" b="0"/>
+      </a:fillRef>
+      <a:effectRef idx="0">
+        <a:scrgbClr r="0" g="0" b="0"/>
+      </a:effectRef>
+      <a:fontRef idx="minor"/>
+    </dgm:style>
+  </dgm:styleLbl>
+  <dgm:styleLbl name="fgAcc3">
+    <dgm:scene3d>
+      <a:camera prst="orthographicFront"/>
+      <a:lightRig rig="threePt" dir="t"/>
+    </dgm:scene3d>
+    <dgm:sp3d/>
+    <dgm:txPr/>
+    <dgm:style>
+      <a:lnRef idx="2">
+        <a:scrgbClr r="0" g="0" b="0"/>
+      </a:lnRef>
+      <a:fillRef idx="1">
+        <a:scrgbClr r="0" g="0" b="0"/>
+      </a:fillRef>
+      <a:effectRef idx="0">
+        <a:scrgbClr r="0" g="0" b="0"/>
+      </a:effectRef>
+      <a:fontRef idx="minor"/>
+    </dgm:style>
+  </dgm:styleLbl>
+  <dgm:styleLbl name="fgAcc4">
+    <dgm:scene3d>
+      <a:camera prst="orthographicFront"/>
+      <a:lightRig rig="threePt" dir="t"/>
+    </dgm:scene3d>
+    <dgm:sp3d/>
+    <dgm:txPr/>
+    <dgm:style>
+      <a:lnRef idx="2">
+        <a:scrgbClr r="0" g="0" b="0"/>
+      </a:lnRef>
+      <a:fillRef idx="1">
+        <a:scrgbClr r="0" g="0" b="0"/>
+      </a:fillRef>
+      <a:effectRef idx="0">
+        <a:scrgbClr r="0" g="0" b="0"/>
+      </a:effectRef>
+      <a:fontRef idx="minor"/>
+    </dgm:style>
+  </dgm:styleLbl>
+  <dgm:styleLbl name="bgShp">
+    <dgm:scene3d>
+      <a:camera prst="orthographicFront"/>
+      <a:lightRig rig="threePt" dir="t"/>
+    </dgm:scene3d>
+    <dgm:sp3d/>
+    <dgm:txPr/>
+    <dgm:style>
+      <a:lnRef idx="0">
+        <a:scrgbClr r="0" g="0" b="0"/>
+      </a:lnRef>
+      <a:fillRef idx="1">
+        <a:scrgbClr r="0" g="0" b="0"/>
+      </a:fillRef>
+      <a:effectRef idx="0">
+        <a:scrgbClr r="0" g="0" b="0"/>
+      </a:effectRef>
+      <a:fontRef idx="minor"/>
+    </dgm:style>
+  </dgm:styleLbl>
+  <dgm:styleLbl name="dkBgShp">
+    <dgm:scene3d>
+      <a:camera prst="orthographicFront"/>
+      <a:lightRig rig="threePt" dir="t"/>
+    </dgm:scene3d>
+    <dgm:sp3d/>
+    <dgm:txPr/>
+    <dgm:style>
+      <a:lnRef idx="0">
+        <a:scrgbClr r="0" g="0" b="0"/>
+      </a:lnRef>
+      <a:fillRef idx="1">
+        <a:scrgbClr r="0" g="0" b="0"/>
+      </a:fillRef>
+      <a:effectRef idx="0">
+        <a:scrgbClr r="0" g="0" b="0"/>
+      </a:effectRef>
+      <a:fontRef idx="minor"/>
+    </dgm:style>
+  </dgm:styleLbl>
+  <dgm:styleLbl name="trBgShp">
+    <dgm:scene3d>
+      <a:camera prst="orthographicFront"/>
+      <a:lightRig rig="threePt" dir="t"/>
+    </dgm:scene3d>
+    <dgm:sp3d/>
+    <dgm:txPr/>
+    <dgm:style>
+      <a:lnRef idx="0">
+        <a:scrgbClr r="0" g="0" b="0"/>
+      </a:lnRef>
+      <a:fillRef idx="1">
+        <a:scrgbClr r="0" g="0" b="0"/>
+      </a:fillRef>
+      <a:effectRef idx="0">
+        <a:scrgbClr r="0" g="0" b="0"/>
+      </a:effectRef>
+      <a:fontRef idx="minor"/>
+    </dgm:style>
+  </dgm:styleLbl>
+  <dgm:styleLbl name="fgShp">
+    <dgm:scene3d>
+      <a:camera prst="orthographicFront"/>
+      <a:lightRig rig="threePt" dir="t"/>
+    </dgm:scene3d>
+    <dgm:sp3d/>
+    <dgm:txPr/>
+    <dgm:style>
+      <a:lnRef idx="2">
+        <a:scrgbClr r="0" g="0" b="0"/>
+      </a:lnRef>
+      <a:fillRef idx="1">
+        <a:scrgbClr r="0" g="0" b="0"/>
+      </a:fillRef>
+      <a:effectRef idx="0">
+        <a:scrgbClr r="0" g="0" b="0"/>
+      </a:effectRef>
+      <a:fontRef idx="minor"/>
+    </dgm:style>
+  </dgm:styleLbl>
+  <dgm:styleLbl name="revTx">
+    <dgm:scene3d>
+      <a:camera prst="orthographicFront"/>
+      <a:lightRig rig="threePt" dir="t"/>
+    </dgm:scene3d>
+    <dgm:sp3d/>
+    <dgm:txPr/>
+    <dgm:style>
+      <a:lnRef idx="0">
+        <a:scrgbClr r="0" g="0" b="0"/>
+      </a:lnRef>
+      <a:fillRef idx="0">
+        <a:scrgbClr r="0" g="0" b="0"/>
+      </a:fillRef>
+      <a:effectRef idx="0">
+        <a:scrgbClr r="0" g="0" b="0"/>
+      </a:effectRef>
+      <a:fontRef idx="minor"/>
+    </dgm:style>
+  </dgm:styleLbl>
+</dgm:styleDef>
+</file>
+
 <file path=ppt/slideLayouts/slideLayout1.xml><?xml version="1.0" encoding="utf-8"?>
-<p:sldLayout xmlns:a="http://schemas.openxmlformats.org/drawingml/2006/main" xmlns:r="http://schemas.openxmlformats.org/officeDocument/2006/relationships" xmlns:p="http://schemas.openxmlformats.org/presentationml/2006/main" type="title" preserve="1">
+<p:sldLayout xmlns:a="http://schemas.openxmlformats.org/drawingml/2006/main" xmlns:r="http://schemas.openxmlformats.org/officeDocument/2006/relationships" xmlns:p="http://schemas.openxmlformats.org/presentationml/2006/main" showMasterSp="0" type="title" preserve="1">
   <p:cSld name="Title Slide">
+    <p:bg>
+      <p:bgRef idx="1001">
+        <a:schemeClr val="bg1"/>
+      </p:bgRef>
+    </p:bg>
     <p:spTree>
       <p:nvGrpSpPr>
         <p:cNvPr id="1" name=""/>
@@ -126,13 +3284,83 @@
       </p:grpSpPr>
       <p:sp>
         <p:nvSpPr>
-          <p:cNvPr id="2" name="Title 1">
-            <a:extLst>
-              <a:ext uri="{FF2B5EF4-FFF2-40B4-BE49-F238E27FC236}">
-                <a16:creationId xmlns:a16="http://schemas.microsoft.com/office/drawing/2014/main" id="{25BA2F6E-036B-4BB3-9B81-4743E96DF80D}"/>
-              </a:ext>
-            </a:extLst>
-          </p:cNvPr>
+          <p:cNvPr id="8" name="Rectangle 7"/>
+          <p:cNvSpPr/>
+          <p:nvPr/>
+        </p:nvSpPr>
+        <p:spPr>
+          <a:xfrm>
+            <a:off x="-6843" y="3887812"/>
+            <a:ext cx="12195668" cy="457200"/>
+          </a:xfrm>
+          <a:prstGeom prst="rect">
+            <a:avLst/>
+          </a:prstGeom>
+          <a:solidFill>
+            <a:schemeClr val="accent1"/>
+          </a:solidFill>
+          <a:ln>
+            <a:noFill/>
+          </a:ln>
+        </p:spPr>
+        <p:style>
+          <a:lnRef idx="2">
+            <a:schemeClr val="accent1">
+              <a:shade val="50000"/>
+            </a:schemeClr>
+          </a:lnRef>
+          <a:fillRef idx="1">
+            <a:schemeClr val="accent1"/>
+          </a:fillRef>
+          <a:effectRef idx="0">
+            <a:schemeClr val="accent1"/>
+          </a:effectRef>
+          <a:fontRef idx="minor">
+            <a:schemeClr val="lt1"/>
+          </a:fontRef>
+        </p:style>
+      </p:sp>
+      <p:sp>
+        <p:nvSpPr>
+          <p:cNvPr id="7" name="Rectangle 6"/>
+          <p:cNvSpPr/>
+          <p:nvPr/>
+        </p:nvSpPr>
+        <p:spPr>
+          <a:xfrm>
+            <a:off x="-6843" y="2059012"/>
+            <a:ext cx="12195668" cy="1828800"/>
+          </a:xfrm>
+          <a:prstGeom prst="rect">
+            <a:avLst/>
+          </a:prstGeom>
+          <a:solidFill>
+            <a:schemeClr val="tx2"/>
+          </a:solidFill>
+          <a:ln>
+            <a:noFill/>
+          </a:ln>
+        </p:spPr>
+        <p:style>
+          <a:lnRef idx="2">
+            <a:schemeClr val="accent1">
+              <a:shade val="50000"/>
+            </a:schemeClr>
+          </a:lnRef>
+          <a:fillRef idx="1">
+            <a:schemeClr val="accent1"/>
+          </a:fillRef>
+          <a:effectRef idx="0">
+            <a:schemeClr val="accent1"/>
+          </a:effectRef>
+          <a:fontRef idx="minor">
+            <a:schemeClr val="lt1"/>
+          </a:fontRef>
+        </p:style>
+      </p:sp>
+      <p:sp>
+        <p:nvSpPr>
+          <p:cNvPr id="2" name="Title 1"/>
           <p:cNvSpPr>
             <a:spLocks noGrp="1"/>
           </p:cNvSpPr>
@@ -142,15 +3370,24 @@
         </p:nvSpPr>
         <p:spPr>
           <a:xfrm>
-            <a:off x="1524000" y="1122363"/>
-            <a:ext cx="9144000" cy="2387600"/>
+            <a:off x="475488" y="2166364"/>
+            <a:ext cx="11247120" cy="1739347"/>
           </a:xfrm>
         </p:spPr>
         <p:txBody>
-          <a:bodyPr anchor="b"/>
+          <a:bodyPr tIns="45720" bIns="45720" anchor="ctr">
+            <a:normAutofit/>
+          </a:bodyPr>
           <a:lstStyle>
             <a:lvl1pPr algn="ctr">
-              <a:defRPr sz="6000"/>
+              <a:lnSpc>
+                <a:spcPct val="80000"/>
+              </a:lnSpc>
+              <a:defRPr sz="6000" spc="150" baseline="0">
+                <a:solidFill>
+                  <a:schemeClr val="bg1"/>
+                </a:solidFill>
+              </a:defRPr>
             </a:lvl1pPr>
           </a:lstStyle>
           <a:p>
@@ -158,18 +3395,13 @@
               <a:rPr lang="en-US"/>
               <a:t>Click to edit Master title style</a:t>
             </a:r>
+            <a:endParaRPr lang="en-US" dirty="0"/>
           </a:p>
         </p:txBody>
       </p:sp>
       <p:sp>
         <p:nvSpPr>
-          <p:cNvPr id="3" name="Subtitle 2">
-            <a:extLst>
-              <a:ext uri="{FF2B5EF4-FFF2-40B4-BE49-F238E27FC236}">
-                <a16:creationId xmlns:a16="http://schemas.microsoft.com/office/drawing/2014/main" id="{C721EB45-3A47-47D7-AEEF-81A778E7A842}"/>
-              </a:ext>
-            </a:extLst>
-          </p:cNvPr>
+          <p:cNvPr id="3" name="Subtitle 2"/>
           <p:cNvSpPr>
             <a:spLocks noGrp="1"/>
           </p:cNvSpPr>
@@ -179,16 +3411,28 @@
         </p:nvSpPr>
         <p:spPr>
           <a:xfrm>
-            <a:off x="1524000" y="3602038"/>
-            <a:ext cx="9144000" cy="1655762"/>
+            <a:off x="347472" y="3913632"/>
+            <a:ext cx="11506200" cy="457200"/>
           </a:xfrm>
         </p:spPr>
         <p:txBody>
-          <a:bodyPr/>
+          <a:bodyPr>
+            <a:normAutofit/>
+          </a:bodyPr>
           <a:lstStyle>
             <a:lvl1pPr marL="0" indent="0" algn="ctr">
+              <a:spcBef>
+                <a:spcPts val="0"/>
+              </a:spcBef>
+              <a:spcAft>
+                <a:spcPts val="0"/>
+              </a:spcAft>
               <a:buNone/>
-              <a:defRPr sz="2400"/>
+              <a:defRPr sz="2000">
+                <a:solidFill>
+                  <a:srgbClr val="FFFFFF"/>
+                </a:solidFill>
+              </a:defRPr>
             </a:lvl1pPr>
             <a:lvl2pPr marL="457200" indent="0" algn="ctr">
               <a:buNone/>
@@ -196,31 +3440,31 @@
             </a:lvl2pPr>
             <a:lvl3pPr marL="914400" indent="0" algn="ctr">
               <a:buNone/>
-              <a:defRPr sz="1800"/>
+              <a:defRPr sz="2000"/>
             </a:lvl3pPr>
             <a:lvl4pPr marL="1371600" indent="0" algn="ctr">
               <a:buNone/>
-              <a:defRPr sz="1600"/>
+              <a:defRPr sz="2000"/>
             </a:lvl4pPr>
             <a:lvl5pPr marL="1828800" indent="0" algn="ctr">
               <a:buNone/>
-              <a:defRPr sz="1600"/>
+              <a:defRPr sz="2000"/>
             </a:lvl5pPr>
             <a:lvl6pPr marL="2286000" indent="0" algn="ctr">
               <a:buNone/>
-              <a:defRPr sz="1600"/>
+              <a:defRPr sz="2000"/>
             </a:lvl6pPr>
             <a:lvl7pPr marL="2743200" indent="0" algn="ctr">
               <a:buNone/>
-              <a:defRPr sz="1600"/>
+              <a:defRPr sz="2000"/>
             </a:lvl7pPr>
             <a:lvl8pPr marL="3200400" indent="0" algn="ctr">
               <a:buNone/>
-              <a:defRPr sz="1600"/>
+              <a:defRPr sz="2000"/>
             </a:lvl8pPr>
             <a:lvl9pPr marL="3657600" indent="0" algn="ctr">
               <a:buNone/>
-              <a:defRPr sz="1600"/>
+              <a:defRPr sz="2000"/>
             </a:lvl9pPr>
           </a:lstStyle>
           <a:p>
@@ -228,18 +3472,13 @@
               <a:rPr lang="en-US"/>
               <a:t>Click to edit Master subtitle style</a:t>
             </a:r>
+            <a:endParaRPr lang="en-US" dirty="0"/>
           </a:p>
         </p:txBody>
       </p:sp>
       <p:sp>
         <p:nvSpPr>
-          <p:cNvPr id="4" name="Date Placeholder 3">
-            <a:extLst>
-              <a:ext uri="{FF2B5EF4-FFF2-40B4-BE49-F238E27FC236}">
-                <a16:creationId xmlns:a16="http://schemas.microsoft.com/office/drawing/2014/main" id="{49660E49-BB8F-475A-8D8C-36B4BC5EF9B6}"/>
-              </a:ext>
-            </a:extLst>
-          </p:cNvPr>
+          <p:cNvPr id="4" name="Date Placeholder 3"/>
           <p:cNvSpPr>
             <a:spLocks noGrp="1"/>
           </p:cNvSpPr>
@@ -262,13 +3501,7 @@
       </p:sp>
       <p:sp>
         <p:nvSpPr>
-          <p:cNvPr id="5" name="Footer Placeholder 4">
-            <a:extLst>
-              <a:ext uri="{FF2B5EF4-FFF2-40B4-BE49-F238E27FC236}">
-                <a16:creationId xmlns:a16="http://schemas.microsoft.com/office/drawing/2014/main" id="{41C6A43A-5B31-40C2-953E-64F815D36783}"/>
-              </a:ext>
-            </a:extLst>
-          </p:cNvPr>
+          <p:cNvPr id="5" name="Footer Placeholder 4"/>
           <p:cNvSpPr>
             <a:spLocks noGrp="1"/>
           </p:cNvSpPr>
@@ -287,13 +3520,7 @@
       </p:sp>
       <p:sp>
         <p:nvSpPr>
-          <p:cNvPr id="6" name="Slide Number Placeholder 5">
-            <a:extLst>
-              <a:ext uri="{FF2B5EF4-FFF2-40B4-BE49-F238E27FC236}">
-                <a16:creationId xmlns:a16="http://schemas.microsoft.com/office/drawing/2014/main" id="{541A3914-3500-488B-BCC9-B33FBF5DC6F7}"/>
-              </a:ext>
-            </a:extLst>
-          </p:cNvPr>
+          <p:cNvPr id="6" name="Slide Number Placeholder 5"/>
           <p:cNvSpPr>
             <a:spLocks noGrp="1"/>
           </p:cNvSpPr>
@@ -317,12 +3544,12 @@
     </p:spTree>
     <p:extLst>
       <p:ext uri="{BB962C8B-B14F-4D97-AF65-F5344CB8AC3E}">
-        <p14:creationId xmlns:p14="http://schemas.microsoft.com/office/powerpoint/2010/main" val="168588032"/>
+        <p14:creationId xmlns:p14="http://schemas.microsoft.com/office/powerpoint/2010/main" val="2913180670"/>
       </p:ext>
     </p:extLst>
   </p:cSld>
   <p:clrMapOvr>
-    <a:masterClrMapping/>
+    <a:overrideClrMapping bg1="lt1" tx1="dk1" bg2="lt2" tx2="dk2" accent1="accent1" accent2="accent2" accent3="accent3" accent4="accent4" accent5="accent5" accent6="accent6" hlink="hlink" folHlink="folHlink"/>
   </p:clrMapOvr>
 </p:sldLayout>
 </file>
@@ -346,13 +3573,7 @@
       </p:grpSpPr>
       <p:sp>
         <p:nvSpPr>
-          <p:cNvPr id="2" name="Title 1">
-            <a:extLst>
-              <a:ext uri="{FF2B5EF4-FFF2-40B4-BE49-F238E27FC236}">
-                <a16:creationId xmlns:a16="http://schemas.microsoft.com/office/drawing/2014/main" id="{E8A14CBD-1D94-4D21-BF97-98413BC54792}"/>
-              </a:ext>
-            </a:extLst>
-          </p:cNvPr>
+          <p:cNvPr id="2" name="Title 1"/>
           <p:cNvSpPr>
             <a:spLocks noGrp="1"/>
           </p:cNvSpPr>
@@ -369,18 +3590,13 @@
               <a:rPr lang="en-US"/>
               <a:t>Click to edit Master title style</a:t>
             </a:r>
+            <a:endParaRPr lang="en-US" dirty="0"/>
           </a:p>
         </p:txBody>
       </p:sp>
       <p:sp>
         <p:nvSpPr>
-          <p:cNvPr id="3" name="Vertical Text Placeholder 2">
-            <a:extLst>
-              <a:ext uri="{FF2B5EF4-FFF2-40B4-BE49-F238E27FC236}">
-                <a16:creationId xmlns:a16="http://schemas.microsoft.com/office/drawing/2014/main" id="{CAC66C90-52DC-4C18-974B-78CECF471352}"/>
-              </a:ext>
-            </a:extLst>
-          </p:cNvPr>
+          <p:cNvPr id="3" name="Vertical Text Placeholder 2"/>
           <p:cNvSpPr>
             <a:spLocks noGrp="1"/>
           </p:cNvSpPr>
@@ -426,18 +3642,13 @@
               <a:rPr lang="en-US"/>
               <a:t>Fifth level</a:t>
             </a:r>
+            <a:endParaRPr lang="en-US" dirty="0"/>
           </a:p>
         </p:txBody>
       </p:sp>
       <p:sp>
         <p:nvSpPr>
-          <p:cNvPr id="4" name="Date Placeholder 3">
-            <a:extLst>
-              <a:ext uri="{FF2B5EF4-FFF2-40B4-BE49-F238E27FC236}">
-                <a16:creationId xmlns:a16="http://schemas.microsoft.com/office/drawing/2014/main" id="{9BF35252-239D-41A7-8C95-14E0021C6277}"/>
-              </a:ext>
-            </a:extLst>
-          </p:cNvPr>
+          <p:cNvPr id="4" name="Date Placeholder 3"/>
           <p:cNvSpPr>
             <a:spLocks noGrp="1"/>
           </p:cNvSpPr>
@@ -460,13 +3671,7 @@
       </p:sp>
       <p:sp>
         <p:nvSpPr>
-          <p:cNvPr id="5" name="Footer Placeholder 4">
-            <a:extLst>
-              <a:ext uri="{FF2B5EF4-FFF2-40B4-BE49-F238E27FC236}">
-                <a16:creationId xmlns:a16="http://schemas.microsoft.com/office/drawing/2014/main" id="{0AC9B2BC-C2B4-4D74-97FF-00DE54EAECD1}"/>
-              </a:ext>
-            </a:extLst>
-          </p:cNvPr>
+          <p:cNvPr id="5" name="Footer Placeholder 4"/>
           <p:cNvSpPr>
             <a:spLocks noGrp="1"/>
           </p:cNvSpPr>
@@ -485,13 +3690,7 @@
       </p:sp>
       <p:sp>
         <p:nvSpPr>
-          <p:cNvPr id="6" name="Slide Number Placeholder 5">
-            <a:extLst>
-              <a:ext uri="{FF2B5EF4-FFF2-40B4-BE49-F238E27FC236}">
-                <a16:creationId xmlns:a16="http://schemas.microsoft.com/office/drawing/2014/main" id="{5FBC82B0-D16B-4972-B9B8-092534AAA443}"/>
-              </a:ext>
-            </a:extLst>
-          </p:cNvPr>
+          <p:cNvPr id="6" name="Slide Number Placeholder 5"/>
           <p:cNvSpPr>
             <a:spLocks noGrp="1"/>
           </p:cNvSpPr>
@@ -515,7 +3714,7 @@
     </p:spTree>
     <p:extLst>
       <p:ext uri="{BB962C8B-B14F-4D97-AF65-F5344CB8AC3E}">
-        <p14:creationId xmlns:p14="http://schemas.microsoft.com/office/powerpoint/2010/main" val="1191956461"/>
+        <p14:creationId xmlns:p14="http://schemas.microsoft.com/office/powerpoint/2010/main" val="26767700"/>
       </p:ext>
     </p:extLst>
   </p:cSld>
@@ -526,7 +3725,7 @@
 </file>
 
 <file path=ppt/slideLayouts/slideLayout11.xml><?xml version="1.0" encoding="utf-8"?>
-<p:sldLayout xmlns:a="http://schemas.openxmlformats.org/drawingml/2006/main" xmlns:r="http://schemas.openxmlformats.org/officeDocument/2006/relationships" xmlns:p="http://schemas.openxmlformats.org/presentationml/2006/main" type="vertTitleAndTx" preserve="1">
+<p:sldLayout xmlns:a="http://schemas.openxmlformats.org/drawingml/2006/main" xmlns:r="http://schemas.openxmlformats.org/officeDocument/2006/relationships" xmlns:p="http://schemas.openxmlformats.org/presentationml/2006/main" showMasterSp="0" type="vertTitleAndTx" preserve="1">
   <p:cSld name="Vertical Title and Text">
     <p:spTree>
       <p:nvGrpSpPr>
@@ -544,13 +3743,45 @@
       </p:grpSpPr>
       <p:sp>
         <p:nvSpPr>
-          <p:cNvPr id="2" name="Vertical Title 1">
-            <a:extLst>
-              <a:ext uri="{FF2B5EF4-FFF2-40B4-BE49-F238E27FC236}">
-                <a16:creationId xmlns:a16="http://schemas.microsoft.com/office/drawing/2014/main" id="{C8F46256-249F-4AE2-BA61-5522B40ECC91}"/>
-              </a:ext>
-            </a:extLst>
-          </p:cNvPr>
+          <p:cNvPr id="7" name="Rectangle 6"/>
+          <p:cNvSpPr/>
+          <p:nvPr/>
+        </p:nvSpPr>
+        <p:spPr>
+          <a:xfrm>
+            <a:off x="9019312" y="0"/>
+            <a:ext cx="2743200" cy="6858000"/>
+          </a:xfrm>
+          <a:prstGeom prst="rect">
+            <a:avLst/>
+          </a:prstGeom>
+          <a:solidFill>
+            <a:schemeClr val="tx1"/>
+          </a:solidFill>
+          <a:ln>
+            <a:noFill/>
+          </a:ln>
+        </p:spPr>
+        <p:style>
+          <a:lnRef idx="2">
+            <a:schemeClr val="accent1">
+              <a:shade val="50000"/>
+            </a:schemeClr>
+          </a:lnRef>
+          <a:fillRef idx="1">
+            <a:schemeClr val="accent1"/>
+          </a:fillRef>
+          <a:effectRef idx="0">
+            <a:schemeClr val="accent1"/>
+          </a:effectRef>
+          <a:fontRef idx="minor">
+            <a:schemeClr val="lt1"/>
+          </a:fontRef>
+        </p:style>
+      </p:sp>
+      <p:sp>
+        <p:nvSpPr>
+          <p:cNvPr id="2" name="Vertical Title 1"/>
           <p:cNvSpPr>
             <a:spLocks noGrp="1"/>
           </p:cNvSpPr>
@@ -560,8 +3791,8 @@
         </p:nvSpPr>
         <p:spPr>
           <a:xfrm>
-            <a:off x="8724900" y="365125"/>
-            <a:ext cx="2628900" cy="5811838"/>
+            <a:off x="9160624" y="274638"/>
+            <a:ext cx="2402380" cy="5897562"/>
           </a:xfrm>
         </p:spPr>
         <p:txBody>
@@ -572,18 +3803,13 @@
               <a:rPr lang="en-US"/>
               <a:t>Click to edit Master title style</a:t>
             </a:r>
+            <a:endParaRPr lang="en-US" dirty="0"/>
           </a:p>
         </p:txBody>
       </p:sp>
       <p:sp>
         <p:nvSpPr>
-          <p:cNvPr id="3" name="Vertical Text Placeholder 2">
-            <a:extLst>
-              <a:ext uri="{FF2B5EF4-FFF2-40B4-BE49-F238E27FC236}">
-                <a16:creationId xmlns:a16="http://schemas.microsoft.com/office/drawing/2014/main" id="{1EFDDA38-1F0B-4D8B-BCE2-C11FA23AA10E}"/>
-              </a:ext>
-            </a:extLst>
-          </p:cNvPr>
+          <p:cNvPr id="3" name="Vertical Text Placeholder 2"/>
           <p:cNvSpPr>
             <a:spLocks noGrp="1"/>
           </p:cNvSpPr>
@@ -593,8 +3819,8 @@
         </p:nvSpPr>
         <p:spPr>
           <a:xfrm>
-            <a:off x="838200" y="365125"/>
-            <a:ext cx="7734300" cy="5811838"/>
+            <a:off x="838199" y="274638"/>
+            <a:ext cx="7973291" cy="5897562"/>
           </a:xfrm>
         </p:spPr>
         <p:txBody>
@@ -634,18 +3860,13 @@
               <a:rPr lang="en-US"/>
               <a:t>Fifth level</a:t>
             </a:r>
+            <a:endParaRPr lang="en-US" dirty="0"/>
           </a:p>
         </p:txBody>
       </p:sp>
       <p:sp>
         <p:nvSpPr>
-          <p:cNvPr id="4" name="Date Placeholder 3">
-            <a:extLst>
-              <a:ext uri="{FF2B5EF4-FFF2-40B4-BE49-F238E27FC236}">
-                <a16:creationId xmlns:a16="http://schemas.microsoft.com/office/drawing/2014/main" id="{B4110E7E-AD68-45C5-8633-0013385B8849}"/>
-              </a:ext>
-            </a:extLst>
-          </p:cNvPr>
+          <p:cNvPr id="4" name="Date Placeholder 3"/>
           <p:cNvSpPr>
             <a:spLocks noGrp="1"/>
           </p:cNvSpPr>
@@ -653,7 +3874,12 @@
             <p:ph type="dt" sz="half" idx="10"/>
           </p:nvPr>
         </p:nvSpPr>
-        <p:spPr/>
+        <p:spPr>
+          <a:xfrm>
+            <a:off x="838200" y="6422854"/>
+            <a:ext cx="2743196" cy="365125"/>
+          </a:xfrm>
+        </p:spPr>
         <p:txBody>
           <a:bodyPr/>
           <a:lstStyle/>
@@ -668,13 +3894,7 @@
       </p:sp>
       <p:sp>
         <p:nvSpPr>
-          <p:cNvPr id="5" name="Footer Placeholder 4">
-            <a:extLst>
-              <a:ext uri="{FF2B5EF4-FFF2-40B4-BE49-F238E27FC236}">
-                <a16:creationId xmlns:a16="http://schemas.microsoft.com/office/drawing/2014/main" id="{EDE6B3FC-3798-4E52-A3DB-30B135E1DB4A}"/>
-              </a:ext>
-            </a:extLst>
-          </p:cNvPr>
+          <p:cNvPr id="5" name="Footer Placeholder 4"/>
           <p:cNvSpPr>
             <a:spLocks noGrp="1"/>
           </p:cNvSpPr>
@@ -682,7 +3902,12 @@
             <p:ph type="ftr" sz="quarter" idx="11"/>
           </p:nvPr>
         </p:nvSpPr>
-        <p:spPr/>
+        <p:spPr>
+          <a:xfrm>
+            <a:off x="3776135" y="6422854"/>
+            <a:ext cx="4279669" cy="365125"/>
+          </a:xfrm>
+        </p:spPr>
         <p:txBody>
           <a:bodyPr/>
           <a:lstStyle/>
@@ -693,13 +3918,7 @@
       </p:sp>
       <p:sp>
         <p:nvSpPr>
-          <p:cNvPr id="6" name="Slide Number Placeholder 5">
-            <a:extLst>
-              <a:ext uri="{FF2B5EF4-FFF2-40B4-BE49-F238E27FC236}">
-                <a16:creationId xmlns:a16="http://schemas.microsoft.com/office/drawing/2014/main" id="{7A96D153-02E7-41F1-90AE-48A1CB3EC673}"/>
-              </a:ext>
-            </a:extLst>
-          </p:cNvPr>
+          <p:cNvPr id="6" name="Slide Number Placeholder 5"/>
           <p:cNvSpPr>
             <a:spLocks noGrp="1"/>
           </p:cNvSpPr>
@@ -707,7 +3926,12 @@
             <p:ph type="sldNum" sz="quarter" idx="12"/>
           </p:nvPr>
         </p:nvSpPr>
-        <p:spPr/>
+        <p:spPr>
+          <a:xfrm>
+            <a:off x="8073048" y="6422854"/>
+            <a:ext cx="879759" cy="365125"/>
+          </a:xfrm>
+        </p:spPr>
         <p:txBody>
           <a:bodyPr/>
           <a:lstStyle/>
@@ -723,7 +3947,7 @@
     </p:spTree>
     <p:extLst>
       <p:ext uri="{BB962C8B-B14F-4D97-AF65-F5344CB8AC3E}">
-        <p14:creationId xmlns:p14="http://schemas.microsoft.com/office/powerpoint/2010/main" val="1489573053"/>
+        <p14:creationId xmlns:p14="http://schemas.microsoft.com/office/powerpoint/2010/main" val="2205561921"/>
       </p:ext>
     </p:extLst>
   </p:cSld>
@@ -752,13 +3976,7 @@
       </p:grpSpPr>
       <p:sp>
         <p:nvSpPr>
-          <p:cNvPr id="2" name="Title 1">
-            <a:extLst>
-              <a:ext uri="{FF2B5EF4-FFF2-40B4-BE49-F238E27FC236}">
-                <a16:creationId xmlns:a16="http://schemas.microsoft.com/office/drawing/2014/main" id="{E4AE56CD-693C-4AD1-8DC2-0FD5AB19DD14}"/>
-              </a:ext>
-            </a:extLst>
-          </p:cNvPr>
+          <p:cNvPr id="2" name="Title 1"/>
           <p:cNvSpPr>
             <a:spLocks noGrp="1"/>
           </p:cNvSpPr>
@@ -775,18 +3993,13 @@
               <a:rPr lang="en-US"/>
               <a:t>Click to edit Master title style</a:t>
             </a:r>
+            <a:endParaRPr lang="en-US" dirty="0"/>
           </a:p>
         </p:txBody>
       </p:sp>
       <p:sp>
         <p:nvSpPr>
-          <p:cNvPr id="3" name="Content Placeholder 2">
-            <a:extLst>
-              <a:ext uri="{FF2B5EF4-FFF2-40B4-BE49-F238E27FC236}">
-                <a16:creationId xmlns:a16="http://schemas.microsoft.com/office/drawing/2014/main" id="{4F3F51D6-BEBB-4828-B1A2-521642F7197B}"/>
-              </a:ext>
-            </a:extLst>
-          </p:cNvPr>
+          <p:cNvPr id="3" name="Content Placeholder 2"/>
           <p:cNvSpPr>
             <a:spLocks noGrp="1"/>
           </p:cNvSpPr>
@@ -832,18 +4045,13 @@
               <a:rPr lang="en-US"/>
               <a:t>Fifth level</a:t>
             </a:r>
+            <a:endParaRPr lang="en-US" dirty="0"/>
           </a:p>
         </p:txBody>
       </p:sp>
       <p:sp>
         <p:nvSpPr>
-          <p:cNvPr id="4" name="Date Placeholder 3">
-            <a:extLst>
-              <a:ext uri="{FF2B5EF4-FFF2-40B4-BE49-F238E27FC236}">
-                <a16:creationId xmlns:a16="http://schemas.microsoft.com/office/drawing/2014/main" id="{F7F31B1E-F2C5-436D-AD88-FB7B0FFC489E}"/>
-              </a:ext>
-            </a:extLst>
-          </p:cNvPr>
+          <p:cNvPr id="4" name="Date Placeholder 3"/>
           <p:cNvSpPr>
             <a:spLocks noGrp="1"/>
           </p:cNvSpPr>
@@ -866,13 +4074,7 @@
       </p:sp>
       <p:sp>
         <p:nvSpPr>
-          <p:cNvPr id="5" name="Footer Placeholder 4">
-            <a:extLst>
-              <a:ext uri="{FF2B5EF4-FFF2-40B4-BE49-F238E27FC236}">
-                <a16:creationId xmlns:a16="http://schemas.microsoft.com/office/drawing/2014/main" id="{5CD7BFA7-E2FE-4C04-A7A3-5EAAD718EEFB}"/>
-              </a:ext>
-            </a:extLst>
-          </p:cNvPr>
+          <p:cNvPr id="5" name="Footer Placeholder 4"/>
           <p:cNvSpPr>
             <a:spLocks noGrp="1"/>
           </p:cNvSpPr>
@@ -891,13 +4093,7 @@
       </p:sp>
       <p:sp>
         <p:nvSpPr>
-          <p:cNvPr id="6" name="Slide Number Placeholder 5">
-            <a:extLst>
-              <a:ext uri="{FF2B5EF4-FFF2-40B4-BE49-F238E27FC236}">
-                <a16:creationId xmlns:a16="http://schemas.microsoft.com/office/drawing/2014/main" id="{7A650979-3E12-4A98-A995-691D622F22FC}"/>
-              </a:ext>
-            </a:extLst>
-          </p:cNvPr>
+          <p:cNvPr id="6" name="Slide Number Placeholder 5"/>
           <p:cNvSpPr>
             <a:spLocks noGrp="1"/>
           </p:cNvSpPr>
@@ -921,7 +4117,7 @@
     </p:spTree>
     <p:extLst>
       <p:ext uri="{BB962C8B-B14F-4D97-AF65-F5344CB8AC3E}">
-        <p14:creationId xmlns:p14="http://schemas.microsoft.com/office/powerpoint/2010/main" val="2684250580"/>
+        <p14:creationId xmlns:p14="http://schemas.microsoft.com/office/powerpoint/2010/main" val="1338555332"/>
       </p:ext>
     </p:extLst>
   </p:cSld>
@@ -932,8 +4128,13 @@
 </file>
 
 <file path=ppt/slideLayouts/slideLayout3.xml><?xml version="1.0" encoding="utf-8"?>
-<p:sldLayout xmlns:a="http://schemas.openxmlformats.org/drawingml/2006/main" xmlns:r="http://schemas.openxmlformats.org/officeDocument/2006/relationships" xmlns:p="http://schemas.openxmlformats.org/presentationml/2006/main" type="secHead" preserve="1">
+<p:sldLayout xmlns:a="http://schemas.openxmlformats.org/drawingml/2006/main" xmlns:r="http://schemas.openxmlformats.org/officeDocument/2006/relationships" xmlns:p="http://schemas.openxmlformats.org/presentationml/2006/main" showMasterSp="0" type="secHead" preserve="1">
   <p:cSld name="Section Header">
+    <p:bg>
+      <p:bgRef idx="1001">
+        <a:schemeClr val="bg1"/>
+      </p:bgRef>
+    </p:bg>
     <p:spTree>
       <p:nvGrpSpPr>
         <p:cNvPr id="1" name=""/>
@@ -950,13 +4151,83 @@
       </p:grpSpPr>
       <p:sp>
         <p:nvSpPr>
-          <p:cNvPr id="2" name="Title 1">
-            <a:extLst>
-              <a:ext uri="{FF2B5EF4-FFF2-40B4-BE49-F238E27FC236}">
-                <a16:creationId xmlns:a16="http://schemas.microsoft.com/office/drawing/2014/main" id="{8265BC48-6EFB-4816-8BF4-0993C18CFEEE}"/>
-              </a:ext>
-            </a:extLst>
-          </p:cNvPr>
+          <p:cNvPr id="7" name="Rectangle 6"/>
+          <p:cNvSpPr/>
+          <p:nvPr/>
+        </p:nvSpPr>
+        <p:spPr>
+          <a:xfrm>
+            <a:off x="-6843" y="2059012"/>
+            <a:ext cx="12195668" cy="1828800"/>
+          </a:xfrm>
+          <a:prstGeom prst="rect">
+            <a:avLst/>
+          </a:prstGeom>
+          <a:solidFill>
+            <a:schemeClr val="tx2"/>
+          </a:solidFill>
+          <a:ln>
+            <a:noFill/>
+          </a:ln>
+        </p:spPr>
+        <p:style>
+          <a:lnRef idx="2">
+            <a:schemeClr val="accent1">
+              <a:shade val="50000"/>
+            </a:schemeClr>
+          </a:lnRef>
+          <a:fillRef idx="1">
+            <a:schemeClr val="accent1"/>
+          </a:fillRef>
+          <a:effectRef idx="0">
+            <a:schemeClr val="accent1"/>
+          </a:effectRef>
+          <a:fontRef idx="minor">
+            <a:schemeClr val="lt1"/>
+          </a:fontRef>
+        </p:style>
+      </p:sp>
+      <p:sp>
+        <p:nvSpPr>
+          <p:cNvPr id="8" name="Rectangle 7"/>
+          <p:cNvSpPr/>
+          <p:nvPr/>
+        </p:nvSpPr>
+        <p:spPr>
+          <a:xfrm>
+            <a:off x="-6843" y="3887812"/>
+            <a:ext cx="12195668" cy="457200"/>
+          </a:xfrm>
+          <a:prstGeom prst="rect">
+            <a:avLst/>
+          </a:prstGeom>
+          <a:solidFill>
+            <a:schemeClr val="accent1"/>
+          </a:solidFill>
+          <a:ln>
+            <a:noFill/>
+          </a:ln>
+        </p:spPr>
+        <p:style>
+          <a:lnRef idx="2">
+            <a:schemeClr val="accent1">
+              <a:shade val="50000"/>
+            </a:schemeClr>
+          </a:lnRef>
+          <a:fillRef idx="1">
+            <a:schemeClr val="accent1"/>
+          </a:fillRef>
+          <a:effectRef idx="0">
+            <a:schemeClr val="accent1"/>
+          </a:effectRef>
+          <a:fontRef idx="minor">
+            <a:schemeClr val="lt1"/>
+          </a:fontRef>
+        </p:style>
+      </p:sp>
+      <p:sp>
+        <p:nvSpPr>
+          <p:cNvPr id="2" name="Title 1"/>
           <p:cNvSpPr>
             <a:spLocks noGrp="1"/>
           </p:cNvSpPr>
@@ -966,15 +4237,24 @@
         </p:nvSpPr>
         <p:spPr>
           <a:xfrm>
-            <a:off x="831850" y="1709738"/>
-            <a:ext cx="10515600" cy="2852737"/>
+            <a:off x="475488" y="2167128"/>
+            <a:ext cx="11247120" cy="1737360"/>
           </a:xfrm>
         </p:spPr>
         <p:txBody>
-          <a:bodyPr anchor="b"/>
+          <a:bodyPr anchor="ctr">
+            <a:noAutofit/>
+          </a:bodyPr>
           <a:lstStyle>
-            <a:lvl1pPr>
-              <a:defRPr sz="6000"/>
+            <a:lvl1pPr algn="ctr">
+              <a:lnSpc>
+                <a:spcPct val="80000"/>
+              </a:lnSpc>
+              <a:defRPr sz="6000" b="0" spc="150" baseline="0">
+                <a:solidFill>
+                  <a:schemeClr val="bg1"/>
+                </a:solidFill>
+              </a:defRPr>
             </a:lvl1pPr>
           </a:lstStyle>
           <a:p>
@@ -982,18 +4262,13 @@
               <a:rPr lang="en-US"/>
               <a:t>Click to edit Master title style</a:t>
             </a:r>
+            <a:endParaRPr lang="en-US" dirty="0"/>
           </a:p>
         </p:txBody>
       </p:sp>
       <p:sp>
         <p:nvSpPr>
-          <p:cNvPr id="3" name="Text Placeholder 2">
-            <a:extLst>
-              <a:ext uri="{FF2B5EF4-FFF2-40B4-BE49-F238E27FC236}">
-                <a16:creationId xmlns:a16="http://schemas.microsoft.com/office/drawing/2014/main" id="{76EDC41C-E9DD-4472-BCF6-9A96492ED521}"/>
-              </a:ext>
-            </a:extLst>
-          </p:cNvPr>
+          <p:cNvPr id="3" name="Text Placeholder 2"/>
           <p:cNvSpPr>
             <a:spLocks noGrp="1"/>
           </p:cNvSpPr>
@@ -1003,26 +4278,26 @@
         </p:nvSpPr>
         <p:spPr>
           <a:xfrm>
-            <a:off x="831850" y="4589463"/>
-            <a:ext cx="10515600" cy="1500187"/>
+            <a:off x="347472" y="3913212"/>
+            <a:ext cx="11503152" cy="457200"/>
           </a:xfrm>
         </p:spPr>
         <p:txBody>
-          <a:bodyPr/>
+          <a:bodyPr anchor="t">
+            <a:normAutofit/>
+          </a:bodyPr>
           <a:lstStyle>
-            <a:lvl1pPr marL="0" indent="0">
+            <a:lvl1pPr marL="0" indent="0" algn="ctr">
               <a:buNone/>
-              <a:defRPr sz="2400">
+              <a:defRPr sz="2000">
                 <a:solidFill>
-                  <a:schemeClr val="tx1">
-                    <a:tint val="75000"/>
-                  </a:schemeClr>
+                  <a:srgbClr val="FFFFFF"/>
                 </a:solidFill>
               </a:defRPr>
             </a:lvl1pPr>
             <a:lvl2pPr marL="457200" indent="0">
               <a:buNone/>
-              <a:defRPr sz="2000">
+              <a:defRPr sz="1800">
                 <a:solidFill>
                   <a:schemeClr val="tx1">
                     <a:tint val="75000"/>
@@ -1032,7 +4307,7 @@
             </a:lvl2pPr>
             <a:lvl3pPr marL="914400" indent="0">
               <a:buNone/>
-              <a:defRPr sz="1800">
+              <a:defRPr sz="1600">
                 <a:solidFill>
                   <a:schemeClr val="tx1">
                     <a:tint val="75000"/>
@@ -1042,7 +4317,7 @@
             </a:lvl3pPr>
             <a:lvl4pPr marL="1371600" indent="0">
               <a:buNone/>
-              <a:defRPr sz="1600">
+              <a:defRPr sz="1400">
                 <a:solidFill>
                   <a:schemeClr val="tx1">
                     <a:tint val="75000"/>
@@ -1052,7 +4327,7 @@
             </a:lvl4pPr>
             <a:lvl5pPr marL="1828800" indent="0">
               <a:buNone/>
-              <a:defRPr sz="1600">
+              <a:defRPr sz="1400">
                 <a:solidFill>
                   <a:schemeClr val="tx1">
                     <a:tint val="75000"/>
@@ -1062,7 +4337,7 @@
             </a:lvl5pPr>
             <a:lvl6pPr marL="2286000" indent="0">
               <a:buNone/>
-              <a:defRPr sz="1600">
+              <a:defRPr sz="1400">
                 <a:solidFill>
                   <a:schemeClr val="tx1">
                     <a:tint val="75000"/>
@@ -1072,7 +4347,7 @@
             </a:lvl6pPr>
             <a:lvl7pPr marL="2743200" indent="0">
               <a:buNone/>
-              <a:defRPr sz="1600">
+              <a:defRPr sz="1400">
                 <a:solidFill>
                   <a:schemeClr val="tx1">
                     <a:tint val="75000"/>
@@ -1082,7 +4357,7 @@
             </a:lvl7pPr>
             <a:lvl8pPr marL="3200400" indent="0">
               <a:buNone/>
-              <a:defRPr sz="1600">
+              <a:defRPr sz="1400">
                 <a:solidFill>
                   <a:schemeClr val="tx1">
                     <a:tint val="75000"/>
@@ -1092,7 +4367,7 @@
             </a:lvl8pPr>
             <a:lvl9pPr marL="3657600" indent="0">
               <a:buNone/>
-              <a:defRPr sz="1600">
+              <a:defRPr sz="1400">
                 <a:solidFill>
                   <a:schemeClr val="tx1">
                     <a:tint val="75000"/>
@@ -1112,13 +4387,7 @@
       </p:sp>
       <p:sp>
         <p:nvSpPr>
-          <p:cNvPr id="4" name="Date Placeholder 3">
-            <a:extLst>
-              <a:ext uri="{FF2B5EF4-FFF2-40B4-BE49-F238E27FC236}">
-                <a16:creationId xmlns:a16="http://schemas.microsoft.com/office/drawing/2014/main" id="{DB90E3A0-0181-46B6-8A29-B0D49E728357}"/>
-              </a:ext>
-            </a:extLst>
-          </p:cNvPr>
+          <p:cNvPr id="4" name="Date Placeholder 3"/>
           <p:cNvSpPr>
             <a:spLocks noGrp="1"/>
           </p:cNvSpPr>
@@ -1129,7 +4398,15 @@
         <p:spPr/>
         <p:txBody>
           <a:bodyPr/>
-          <a:lstStyle/>
+          <a:lstStyle>
+            <a:lvl1pPr>
+              <a:defRPr>
+                <a:solidFill>
+                  <a:schemeClr val="tx2"/>
+                </a:solidFill>
+              </a:defRPr>
+            </a:lvl1pPr>
+          </a:lstStyle>
           <a:p>
             <a:fld id="{834A63CA-F0FB-4BD0-B08D-6B974D1D6577}" type="datetimeFigureOut">
               <a:rPr lang="en-US" smtClean="0"/>
@@ -1141,13 +4418,7 @@
       </p:sp>
       <p:sp>
         <p:nvSpPr>
-          <p:cNvPr id="5" name="Footer Placeholder 4">
-            <a:extLst>
-              <a:ext uri="{FF2B5EF4-FFF2-40B4-BE49-F238E27FC236}">
-                <a16:creationId xmlns:a16="http://schemas.microsoft.com/office/drawing/2014/main" id="{3B80AD66-F273-444A-8C1A-36CD6DFD0BB6}"/>
-              </a:ext>
-            </a:extLst>
-          </p:cNvPr>
+          <p:cNvPr id="5" name="Footer Placeholder 4"/>
           <p:cNvSpPr>
             <a:spLocks noGrp="1"/>
           </p:cNvSpPr>
@@ -1158,7 +4429,15 @@
         <p:spPr/>
         <p:txBody>
           <a:bodyPr/>
-          <a:lstStyle/>
+          <a:lstStyle>
+            <a:lvl1pPr>
+              <a:defRPr>
+                <a:solidFill>
+                  <a:schemeClr val="tx2"/>
+                </a:solidFill>
+              </a:defRPr>
+            </a:lvl1pPr>
+          </a:lstStyle>
           <a:p>
             <a:endParaRPr lang="en-US"/>
           </a:p>
@@ -1166,13 +4445,7 @@
       </p:sp>
       <p:sp>
         <p:nvSpPr>
-          <p:cNvPr id="6" name="Slide Number Placeholder 5">
-            <a:extLst>
-              <a:ext uri="{FF2B5EF4-FFF2-40B4-BE49-F238E27FC236}">
-                <a16:creationId xmlns:a16="http://schemas.microsoft.com/office/drawing/2014/main" id="{938EE41C-9C9A-454D-919A-A578F99C2872}"/>
-              </a:ext>
-            </a:extLst>
-          </p:cNvPr>
+          <p:cNvPr id="6" name="Slide Number Placeholder 5"/>
           <p:cNvSpPr>
             <a:spLocks noGrp="1"/>
           </p:cNvSpPr>
@@ -1183,7 +4456,15 @@
         <p:spPr/>
         <p:txBody>
           <a:bodyPr/>
-          <a:lstStyle/>
+          <a:lstStyle>
+            <a:lvl1pPr>
+              <a:defRPr>
+                <a:solidFill>
+                  <a:schemeClr val="tx2"/>
+                </a:solidFill>
+              </a:defRPr>
+            </a:lvl1pPr>
+          </a:lstStyle>
           <a:p>
             <a:fld id="{F964681A-3ACD-4F89-98D1-645D201A565B}" type="slidenum">
               <a:rPr lang="en-US" smtClean="0"/>
@@ -1196,12 +4477,12 @@
     </p:spTree>
     <p:extLst>
       <p:ext uri="{BB962C8B-B14F-4D97-AF65-F5344CB8AC3E}">
-        <p14:creationId xmlns:p14="http://schemas.microsoft.com/office/powerpoint/2010/main" val="15731405"/>
+        <p14:creationId xmlns:p14="http://schemas.microsoft.com/office/powerpoint/2010/main" val="252629433"/>
       </p:ext>
     </p:extLst>
   </p:cSld>
   <p:clrMapOvr>
-    <a:masterClrMapping/>
+    <a:overrideClrMapping bg1="lt1" tx1="dk1" bg2="lt2" tx2="dk2" accent1="accent1" accent2="accent2" accent3="accent3" accent4="accent4" accent5="accent5" accent6="accent6" hlink="hlink" folHlink="folHlink"/>
   </p:clrMapOvr>
 </p:sldLayout>
 </file>
@@ -1225,13 +4506,7 @@
       </p:grpSpPr>
       <p:sp>
         <p:nvSpPr>
-          <p:cNvPr id="2" name="Title 1">
-            <a:extLst>
-              <a:ext uri="{FF2B5EF4-FFF2-40B4-BE49-F238E27FC236}">
-                <a16:creationId xmlns:a16="http://schemas.microsoft.com/office/drawing/2014/main" id="{BCB7B9E1-57FD-4331-9798-61E15198E595}"/>
-              </a:ext>
-            </a:extLst>
-          </p:cNvPr>
+          <p:cNvPr id="8" name="Title 7"/>
           <p:cNvSpPr>
             <a:spLocks noGrp="1"/>
           </p:cNvSpPr>
@@ -1248,18 +4523,13 @@
               <a:rPr lang="en-US"/>
               <a:t>Click to edit Master title style</a:t>
             </a:r>
+            <a:endParaRPr lang="en-US" dirty="0"/>
           </a:p>
         </p:txBody>
       </p:sp>
       <p:sp>
         <p:nvSpPr>
-          <p:cNvPr id="3" name="Content Placeholder 2">
-            <a:extLst>
-              <a:ext uri="{FF2B5EF4-FFF2-40B4-BE49-F238E27FC236}">
-                <a16:creationId xmlns:a16="http://schemas.microsoft.com/office/drawing/2014/main" id="{C94A2969-B5B0-49C9-84AC-DE5A052B2980}"/>
-              </a:ext>
-            </a:extLst>
-          </p:cNvPr>
+          <p:cNvPr id="3" name="Content Placeholder 2"/>
           <p:cNvSpPr>
             <a:spLocks noGrp="1"/>
           </p:cNvSpPr>
@@ -1269,13 +4539,41 @@
         </p:nvSpPr>
         <p:spPr>
           <a:xfrm>
-            <a:off x="838200" y="1825625"/>
-            <a:ext cx="5181600" cy="4351338"/>
+            <a:off x="1205344" y="2011680"/>
+            <a:ext cx="4754880" cy="4206240"/>
           </a:xfrm>
         </p:spPr>
         <p:txBody>
           <a:bodyPr/>
-          <a:lstStyle/>
+          <a:lstStyle>
+            <a:lvl1pPr>
+              <a:defRPr sz="2200"/>
+            </a:lvl1pPr>
+            <a:lvl2pPr>
+              <a:defRPr sz="2000"/>
+            </a:lvl2pPr>
+            <a:lvl3pPr>
+              <a:defRPr sz="1800"/>
+            </a:lvl3pPr>
+            <a:lvl4pPr>
+              <a:defRPr sz="1600"/>
+            </a:lvl4pPr>
+            <a:lvl5pPr>
+              <a:defRPr sz="1600"/>
+            </a:lvl5pPr>
+            <a:lvl6pPr>
+              <a:defRPr sz="1600"/>
+            </a:lvl6pPr>
+            <a:lvl7pPr>
+              <a:defRPr sz="1600"/>
+            </a:lvl7pPr>
+            <a:lvl8pPr>
+              <a:defRPr sz="1600"/>
+            </a:lvl8pPr>
+            <a:lvl9pPr>
+              <a:defRPr sz="1600"/>
+            </a:lvl9pPr>
+          </a:lstStyle>
           <a:p>
             <a:pPr lvl="0"/>
             <a:r>
@@ -1310,18 +4608,13 @@
               <a:rPr lang="en-US"/>
               <a:t>Fifth level</a:t>
             </a:r>
+            <a:endParaRPr lang="en-US" dirty="0"/>
           </a:p>
         </p:txBody>
       </p:sp>
       <p:sp>
         <p:nvSpPr>
-          <p:cNvPr id="4" name="Content Placeholder 3">
-            <a:extLst>
-              <a:ext uri="{FF2B5EF4-FFF2-40B4-BE49-F238E27FC236}">
-                <a16:creationId xmlns:a16="http://schemas.microsoft.com/office/drawing/2014/main" id="{19C2547C-D6F0-42EC-85FF-E21FCDC738B9}"/>
-              </a:ext>
-            </a:extLst>
-          </p:cNvPr>
+          <p:cNvPr id="4" name="Content Placeholder 3"/>
           <p:cNvSpPr>
             <a:spLocks noGrp="1"/>
           </p:cNvSpPr>
@@ -1331,13 +4624,41 @@
         </p:nvSpPr>
         <p:spPr>
           <a:xfrm>
-            <a:off x="6172200" y="1825625"/>
-            <a:ext cx="5181600" cy="4351338"/>
+            <a:off x="6230391" y="2011680"/>
+            <a:ext cx="4754880" cy="4206240"/>
           </a:xfrm>
         </p:spPr>
         <p:txBody>
           <a:bodyPr/>
-          <a:lstStyle/>
+          <a:lstStyle>
+            <a:lvl1pPr>
+              <a:defRPr sz="2200"/>
+            </a:lvl1pPr>
+            <a:lvl2pPr>
+              <a:defRPr sz="2000"/>
+            </a:lvl2pPr>
+            <a:lvl3pPr>
+              <a:defRPr sz="1800"/>
+            </a:lvl3pPr>
+            <a:lvl4pPr>
+              <a:defRPr sz="1600"/>
+            </a:lvl4pPr>
+            <a:lvl5pPr>
+              <a:defRPr sz="1600"/>
+            </a:lvl5pPr>
+            <a:lvl6pPr>
+              <a:defRPr sz="1600"/>
+            </a:lvl6pPr>
+            <a:lvl7pPr>
+              <a:defRPr sz="1600"/>
+            </a:lvl7pPr>
+            <a:lvl8pPr>
+              <a:defRPr sz="1600"/>
+            </a:lvl8pPr>
+            <a:lvl9pPr>
+              <a:defRPr sz="1600"/>
+            </a:lvl9pPr>
+          </a:lstStyle>
           <a:p>
             <a:pPr lvl="0"/>
             <a:r>
@@ -1372,18 +4693,13 @@
               <a:rPr lang="en-US"/>
               <a:t>Fifth level</a:t>
             </a:r>
+            <a:endParaRPr lang="en-US" dirty="0"/>
           </a:p>
         </p:txBody>
       </p:sp>
       <p:sp>
         <p:nvSpPr>
-          <p:cNvPr id="5" name="Date Placeholder 4">
-            <a:extLst>
-              <a:ext uri="{FF2B5EF4-FFF2-40B4-BE49-F238E27FC236}">
-                <a16:creationId xmlns:a16="http://schemas.microsoft.com/office/drawing/2014/main" id="{CD21DD02-D230-4227-877A-6D4234473E96}"/>
-              </a:ext>
-            </a:extLst>
-          </p:cNvPr>
+          <p:cNvPr id="5" name="Date Placeholder 4"/>
           <p:cNvSpPr>
             <a:spLocks noGrp="1"/>
           </p:cNvSpPr>
@@ -1406,13 +4722,7 @@
       </p:sp>
       <p:sp>
         <p:nvSpPr>
-          <p:cNvPr id="6" name="Footer Placeholder 5">
-            <a:extLst>
-              <a:ext uri="{FF2B5EF4-FFF2-40B4-BE49-F238E27FC236}">
-                <a16:creationId xmlns:a16="http://schemas.microsoft.com/office/drawing/2014/main" id="{5D6D4B9C-7ECC-4655-8C67-294B67C2B159}"/>
-              </a:ext>
-            </a:extLst>
-          </p:cNvPr>
+          <p:cNvPr id="6" name="Footer Placeholder 5"/>
           <p:cNvSpPr>
             <a:spLocks noGrp="1"/>
           </p:cNvSpPr>
@@ -1431,13 +4741,7 @@
       </p:sp>
       <p:sp>
         <p:nvSpPr>
-          <p:cNvPr id="7" name="Slide Number Placeholder 6">
-            <a:extLst>
-              <a:ext uri="{FF2B5EF4-FFF2-40B4-BE49-F238E27FC236}">
-                <a16:creationId xmlns:a16="http://schemas.microsoft.com/office/drawing/2014/main" id="{D4982DCC-3079-47FD-9389-CBA2BE5CDDFC}"/>
-              </a:ext>
-            </a:extLst>
-          </p:cNvPr>
+          <p:cNvPr id="7" name="Slide Number Placeholder 6"/>
           <p:cNvSpPr>
             <a:spLocks noGrp="1"/>
           </p:cNvSpPr>
@@ -1461,7 +4765,7 @@
     </p:spTree>
     <p:extLst>
       <p:ext uri="{BB962C8B-B14F-4D97-AF65-F5344CB8AC3E}">
-        <p14:creationId xmlns:p14="http://schemas.microsoft.com/office/powerpoint/2010/main" val="1253334391"/>
+        <p14:creationId xmlns:p14="http://schemas.microsoft.com/office/powerpoint/2010/main" val="2524737314"/>
       </p:ext>
     </p:extLst>
   </p:cSld>
@@ -1490,13 +4794,7 @@
       </p:grpSpPr>
       <p:sp>
         <p:nvSpPr>
-          <p:cNvPr id="2" name="Title 1">
-            <a:extLst>
-              <a:ext uri="{FF2B5EF4-FFF2-40B4-BE49-F238E27FC236}">
-                <a16:creationId xmlns:a16="http://schemas.microsoft.com/office/drawing/2014/main" id="{3806A532-930C-4D46-ADF3-78547D98FF6A}"/>
-              </a:ext>
-            </a:extLst>
-          </p:cNvPr>
+          <p:cNvPr id="10" name="Title 9"/>
           <p:cNvSpPr>
             <a:spLocks noGrp="1"/>
           </p:cNvSpPr>
@@ -1504,12 +4802,7 @@
             <p:ph type="title"/>
           </p:nvPr>
         </p:nvSpPr>
-        <p:spPr>
-          <a:xfrm>
-            <a:off x="839788" y="365125"/>
-            <a:ext cx="10515600" cy="1325563"/>
-          </a:xfrm>
-        </p:spPr>
+        <p:spPr/>
         <p:txBody>
           <a:bodyPr/>
           <a:lstStyle/>
@@ -1518,18 +4811,13 @@
               <a:rPr lang="en-US"/>
               <a:t>Click to edit Master title style</a:t>
             </a:r>
+            <a:endParaRPr lang="en-US" dirty="0"/>
           </a:p>
         </p:txBody>
       </p:sp>
       <p:sp>
         <p:nvSpPr>
-          <p:cNvPr id="3" name="Text Placeholder 2">
-            <a:extLst>
-              <a:ext uri="{FF2B5EF4-FFF2-40B4-BE49-F238E27FC236}">
-                <a16:creationId xmlns:a16="http://schemas.microsoft.com/office/drawing/2014/main" id="{177F9C7D-36AE-47DA-8EBE-62D386A4CA0F}"/>
-              </a:ext>
-            </a:extLst>
-          </p:cNvPr>
+          <p:cNvPr id="3" name="Text Placeholder 2"/>
           <p:cNvSpPr>
             <a:spLocks noGrp="1"/>
           </p:cNvSpPr>
@@ -1539,16 +4827,18 @@
         </p:nvSpPr>
         <p:spPr>
           <a:xfrm>
-            <a:off x="839788" y="1681163"/>
-            <a:ext cx="5157787" cy="823912"/>
+            <a:off x="1207008" y="1913470"/>
+            <a:ext cx="4754880" cy="743094"/>
           </a:xfrm>
         </p:spPr>
         <p:txBody>
-          <a:bodyPr anchor="b"/>
+          <a:bodyPr anchor="ctr">
+            <a:normAutofit/>
+          </a:bodyPr>
           <a:lstStyle>
             <a:lvl1pPr marL="0" indent="0">
               <a:buNone/>
-              <a:defRPr sz="2400" b="1"/>
+              <a:defRPr sz="2100" b="1"/>
             </a:lvl1pPr>
             <a:lvl2pPr marL="457200" indent="0">
               <a:buNone/>
@@ -1594,13 +4884,7 @@
       </p:sp>
       <p:sp>
         <p:nvSpPr>
-          <p:cNvPr id="4" name="Content Placeholder 3">
-            <a:extLst>
-              <a:ext uri="{FF2B5EF4-FFF2-40B4-BE49-F238E27FC236}">
-                <a16:creationId xmlns:a16="http://schemas.microsoft.com/office/drawing/2014/main" id="{6EAFA5E7-D27B-452A-9A38-20DF87A9E2F7}"/>
-              </a:ext>
-            </a:extLst>
-          </p:cNvPr>
+          <p:cNvPr id="4" name="Content Placeholder 3"/>
           <p:cNvSpPr>
             <a:spLocks noGrp="1"/>
           </p:cNvSpPr>
@@ -1610,13 +4894,41 @@
         </p:nvSpPr>
         <p:spPr>
           <a:xfrm>
-            <a:off x="839788" y="2505075"/>
-            <a:ext cx="5157787" cy="3684588"/>
+            <a:off x="1207008" y="2656566"/>
+            <a:ext cx="4754880" cy="3566160"/>
           </a:xfrm>
         </p:spPr>
         <p:txBody>
           <a:bodyPr/>
-          <a:lstStyle/>
+          <a:lstStyle>
+            <a:lvl1pPr>
+              <a:defRPr sz="2200"/>
+            </a:lvl1pPr>
+            <a:lvl2pPr>
+              <a:defRPr sz="2000"/>
+            </a:lvl2pPr>
+            <a:lvl3pPr>
+              <a:defRPr sz="1800"/>
+            </a:lvl3pPr>
+            <a:lvl4pPr>
+              <a:defRPr sz="1600"/>
+            </a:lvl4pPr>
+            <a:lvl5pPr>
+              <a:defRPr sz="1600"/>
+            </a:lvl5pPr>
+            <a:lvl6pPr>
+              <a:defRPr sz="1600"/>
+            </a:lvl6pPr>
+            <a:lvl7pPr>
+              <a:defRPr sz="1600"/>
+            </a:lvl7pPr>
+            <a:lvl8pPr>
+              <a:defRPr sz="1600"/>
+            </a:lvl8pPr>
+            <a:lvl9pPr>
+              <a:defRPr sz="1600"/>
+            </a:lvl9pPr>
+          </a:lstStyle>
           <a:p>
             <a:pPr lvl="0"/>
             <a:r>
@@ -1651,18 +4963,13 @@
               <a:rPr lang="en-US"/>
               <a:t>Fifth level</a:t>
             </a:r>
+            <a:endParaRPr lang="en-US" dirty="0"/>
           </a:p>
         </p:txBody>
       </p:sp>
       <p:sp>
         <p:nvSpPr>
-          <p:cNvPr id="5" name="Text Placeholder 4">
-            <a:extLst>
-              <a:ext uri="{FF2B5EF4-FFF2-40B4-BE49-F238E27FC236}">
-                <a16:creationId xmlns:a16="http://schemas.microsoft.com/office/drawing/2014/main" id="{2CDCD962-C56E-4386-933F-F3E93088D00B}"/>
-              </a:ext>
-            </a:extLst>
-          </p:cNvPr>
+          <p:cNvPr id="5" name="Text Placeholder 4"/>
           <p:cNvSpPr>
             <a:spLocks noGrp="1"/>
           </p:cNvSpPr>
@@ -1672,16 +4979,18 @@
         </p:nvSpPr>
         <p:spPr>
           <a:xfrm>
-            <a:off x="6172200" y="1681163"/>
-            <a:ext cx="5183188" cy="823912"/>
+            <a:off x="6231230" y="1913470"/>
+            <a:ext cx="4754880" cy="743094"/>
           </a:xfrm>
         </p:spPr>
         <p:txBody>
-          <a:bodyPr anchor="b"/>
+          <a:bodyPr anchor="ctr">
+            <a:normAutofit/>
+          </a:bodyPr>
           <a:lstStyle>
             <a:lvl1pPr marL="0" indent="0">
               <a:buNone/>
-              <a:defRPr sz="2400" b="1"/>
+              <a:defRPr sz="2100" b="1"/>
             </a:lvl1pPr>
             <a:lvl2pPr marL="457200" indent="0">
               <a:buNone/>
@@ -1727,13 +5036,7 @@
       </p:sp>
       <p:sp>
         <p:nvSpPr>
-          <p:cNvPr id="6" name="Content Placeholder 5">
-            <a:extLst>
-              <a:ext uri="{FF2B5EF4-FFF2-40B4-BE49-F238E27FC236}">
-                <a16:creationId xmlns:a16="http://schemas.microsoft.com/office/drawing/2014/main" id="{035AB855-554A-4922-9541-9ACEEF4645E5}"/>
-              </a:ext>
-            </a:extLst>
-          </p:cNvPr>
+          <p:cNvPr id="6" name="Content Placeholder 5"/>
           <p:cNvSpPr>
             <a:spLocks noGrp="1"/>
           </p:cNvSpPr>
@@ -1743,13 +5046,41 @@
         </p:nvSpPr>
         <p:spPr>
           <a:xfrm>
-            <a:off x="6172200" y="2505075"/>
-            <a:ext cx="5183188" cy="3684588"/>
+            <a:off x="6231230" y="2656564"/>
+            <a:ext cx="4754880" cy="3566160"/>
           </a:xfrm>
         </p:spPr>
         <p:txBody>
           <a:bodyPr/>
-          <a:lstStyle/>
+          <a:lstStyle>
+            <a:lvl1pPr>
+              <a:defRPr sz="2200"/>
+            </a:lvl1pPr>
+            <a:lvl2pPr>
+              <a:defRPr sz="2000"/>
+            </a:lvl2pPr>
+            <a:lvl3pPr>
+              <a:defRPr sz="1800"/>
+            </a:lvl3pPr>
+            <a:lvl4pPr>
+              <a:defRPr sz="1600"/>
+            </a:lvl4pPr>
+            <a:lvl5pPr>
+              <a:defRPr sz="1600"/>
+            </a:lvl5pPr>
+            <a:lvl6pPr>
+              <a:defRPr sz="1600"/>
+            </a:lvl6pPr>
+            <a:lvl7pPr>
+              <a:defRPr sz="1600"/>
+            </a:lvl7pPr>
+            <a:lvl8pPr>
+              <a:defRPr sz="1600"/>
+            </a:lvl8pPr>
+            <a:lvl9pPr>
+              <a:defRPr sz="1600"/>
+            </a:lvl9pPr>
+          </a:lstStyle>
           <a:p>
             <a:pPr lvl="0"/>
             <a:r>
@@ -1784,18 +5115,13 @@
               <a:rPr lang="en-US"/>
               <a:t>Fifth level</a:t>
             </a:r>
+            <a:endParaRPr lang="en-US" dirty="0"/>
           </a:p>
         </p:txBody>
       </p:sp>
       <p:sp>
         <p:nvSpPr>
-          <p:cNvPr id="7" name="Date Placeholder 6">
-            <a:extLst>
-              <a:ext uri="{FF2B5EF4-FFF2-40B4-BE49-F238E27FC236}">
-                <a16:creationId xmlns:a16="http://schemas.microsoft.com/office/drawing/2014/main" id="{53EAC981-3C30-4118-AB7D-826172415D9B}"/>
-              </a:ext>
-            </a:extLst>
-          </p:cNvPr>
+          <p:cNvPr id="7" name="Date Placeholder 6"/>
           <p:cNvSpPr>
             <a:spLocks noGrp="1"/>
           </p:cNvSpPr>
@@ -1818,13 +5144,7 @@
       </p:sp>
       <p:sp>
         <p:nvSpPr>
-          <p:cNvPr id="8" name="Footer Placeholder 7">
-            <a:extLst>
-              <a:ext uri="{FF2B5EF4-FFF2-40B4-BE49-F238E27FC236}">
-                <a16:creationId xmlns:a16="http://schemas.microsoft.com/office/drawing/2014/main" id="{6741D46B-F940-4C61-B977-D5469423D88E}"/>
-              </a:ext>
-            </a:extLst>
-          </p:cNvPr>
+          <p:cNvPr id="8" name="Footer Placeholder 7"/>
           <p:cNvSpPr>
             <a:spLocks noGrp="1"/>
           </p:cNvSpPr>
@@ -1843,13 +5163,7 @@
       </p:sp>
       <p:sp>
         <p:nvSpPr>
-          <p:cNvPr id="9" name="Slide Number Placeholder 8">
-            <a:extLst>
-              <a:ext uri="{FF2B5EF4-FFF2-40B4-BE49-F238E27FC236}">
-                <a16:creationId xmlns:a16="http://schemas.microsoft.com/office/drawing/2014/main" id="{AA8C1BAF-FB9C-4270-938F-A5B7283DC4B6}"/>
-              </a:ext>
-            </a:extLst>
-          </p:cNvPr>
+          <p:cNvPr id="9" name="Slide Number Placeholder 8"/>
           <p:cNvSpPr>
             <a:spLocks noGrp="1"/>
           </p:cNvSpPr>
@@ -1873,7 +5187,7 @@
     </p:spTree>
     <p:extLst>
       <p:ext uri="{BB962C8B-B14F-4D97-AF65-F5344CB8AC3E}">
-        <p14:creationId xmlns:p14="http://schemas.microsoft.com/office/powerpoint/2010/main" val="2687226484"/>
+        <p14:creationId xmlns:p14="http://schemas.microsoft.com/office/powerpoint/2010/main" val="1387231369"/>
       </p:ext>
     </p:extLst>
   </p:cSld>
@@ -1902,13 +5216,7 @@
       </p:grpSpPr>
       <p:sp>
         <p:nvSpPr>
-          <p:cNvPr id="2" name="Title 1">
-            <a:extLst>
-              <a:ext uri="{FF2B5EF4-FFF2-40B4-BE49-F238E27FC236}">
-                <a16:creationId xmlns:a16="http://schemas.microsoft.com/office/drawing/2014/main" id="{51BD3D62-DEE7-471D-A4F4-BE92DA6045E0}"/>
-              </a:ext>
-            </a:extLst>
-          </p:cNvPr>
+          <p:cNvPr id="2" name="Title 1"/>
           <p:cNvSpPr>
             <a:spLocks noGrp="1"/>
           </p:cNvSpPr>
@@ -1925,18 +5233,13 @@
               <a:rPr lang="en-US"/>
               <a:t>Click to edit Master title style</a:t>
             </a:r>
+            <a:endParaRPr lang="en-US" dirty="0"/>
           </a:p>
         </p:txBody>
       </p:sp>
       <p:sp>
         <p:nvSpPr>
-          <p:cNvPr id="3" name="Date Placeholder 2">
-            <a:extLst>
-              <a:ext uri="{FF2B5EF4-FFF2-40B4-BE49-F238E27FC236}">
-                <a16:creationId xmlns:a16="http://schemas.microsoft.com/office/drawing/2014/main" id="{9A896F1E-BBF0-41BA-A30C-24BA421D037E}"/>
-              </a:ext>
-            </a:extLst>
-          </p:cNvPr>
+          <p:cNvPr id="3" name="Date Placeholder 2"/>
           <p:cNvSpPr>
             <a:spLocks noGrp="1"/>
           </p:cNvSpPr>
@@ -1959,13 +5262,7 @@
       </p:sp>
       <p:sp>
         <p:nvSpPr>
-          <p:cNvPr id="4" name="Footer Placeholder 3">
-            <a:extLst>
-              <a:ext uri="{FF2B5EF4-FFF2-40B4-BE49-F238E27FC236}">
-                <a16:creationId xmlns:a16="http://schemas.microsoft.com/office/drawing/2014/main" id="{1C66D05A-A5EC-41D7-9A65-38CF6BE8D7E3}"/>
-              </a:ext>
-            </a:extLst>
-          </p:cNvPr>
+          <p:cNvPr id="4" name="Footer Placeholder 3"/>
           <p:cNvSpPr>
             <a:spLocks noGrp="1"/>
           </p:cNvSpPr>
@@ -1984,13 +5281,7 @@
       </p:sp>
       <p:sp>
         <p:nvSpPr>
-          <p:cNvPr id="5" name="Slide Number Placeholder 4">
-            <a:extLst>
-              <a:ext uri="{FF2B5EF4-FFF2-40B4-BE49-F238E27FC236}">
-                <a16:creationId xmlns:a16="http://schemas.microsoft.com/office/drawing/2014/main" id="{8F9FE991-7630-4BD0-94E3-DF52EE669FEB}"/>
-              </a:ext>
-            </a:extLst>
-          </p:cNvPr>
+          <p:cNvPr id="5" name="Slide Number Placeholder 4"/>
           <p:cNvSpPr>
             <a:spLocks noGrp="1"/>
           </p:cNvSpPr>
@@ -2014,7 +5305,7 @@
     </p:spTree>
     <p:extLst>
       <p:ext uri="{BB962C8B-B14F-4D97-AF65-F5344CB8AC3E}">
-        <p14:creationId xmlns:p14="http://schemas.microsoft.com/office/powerpoint/2010/main" val="686247122"/>
+        <p14:creationId xmlns:p14="http://schemas.microsoft.com/office/powerpoint/2010/main" val="1535566110"/>
       </p:ext>
     </p:extLst>
   </p:cSld>
@@ -2025,7 +5316,7 @@
 </file>
 
 <file path=ppt/slideLayouts/slideLayout7.xml><?xml version="1.0" encoding="utf-8"?>
-<p:sldLayout xmlns:a="http://schemas.openxmlformats.org/drawingml/2006/main" xmlns:r="http://schemas.openxmlformats.org/officeDocument/2006/relationships" xmlns:p="http://schemas.openxmlformats.org/presentationml/2006/main" type="blank" preserve="1">
+<p:sldLayout xmlns:a="http://schemas.openxmlformats.org/drawingml/2006/main" xmlns:r="http://schemas.openxmlformats.org/officeDocument/2006/relationships" xmlns:p="http://schemas.openxmlformats.org/presentationml/2006/main" showMasterSp="0" type="blank" preserve="1">
   <p:cSld name="Blank">
     <p:spTree>
       <p:nvGrpSpPr>
@@ -2043,13 +5334,7 @@
       </p:grpSpPr>
       <p:sp>
         <p:nvSpPr>
-          <p:cNvPr id="2" name="Date Placeholder 1">
-            <a:extLst>
-              <a:ext uri="{FF2B5EF4-FFF2-40B4-BE49-F238E27FC236}">
-                <a16:creationId xmlns:a16="http://schemas.microsoft.com/office/drawing/2014/main" id="{5FE6E7F2-6C6B-4156-B57E-81D1ED8E5282}"/>
-              </a:ext>
-            </a:extLst>
-          </p:cNvPr>
+          <p:cNvPr id="2" name="Date Placeholder 1"/>
           <p:cNvSpPr>
             <a:spLocks noGrp="1"/>
           </p:cNvSpPr>
@@ -2072,13 +5357,7 @@
       </p:sp>
       <p:sp>
         <p:nvSpPr>
-          <p:cNvPr id="3" name="Footer Placeholder 2">
-            <a:extLst>
-              <a:ext uri="{FF2B5EF4-FFF2-40B4-BE49-F238E27FC236}">
-                <a16:creationId xmlns:a16="http://schemas.microsoft.com/office/drawing/2014/main" id="{B17FAB57-2129-4DEC-A79C-C6CA76DD7FF9}"/>
-              </a:ext>
-            </a:extLst>
-          </p:cNvPr>
+          <p:cNvPr id="3" name="Footer Placeholder 2"/>
           <p:cNvSpPr>
             <a:spLocks noGrp="1"/>
           </p:cNvSpPr>
@@ -2097,13 +5376,7 @@
       </p:sp>
       <p:sp>
         <p:nvSpPr>
-          <p:cNvPr id="4" name="Slide Number Placeholder 3">
-            <a:extLst>
-              <a:ext uri="{FF2B5EF4-FFF2-40B4-BE49-F238E27FC236}">
-                <a16:creationId xmlns:a16="http://schemas.microsoft.com/office/drawing/2014/main" id="{62BA86BB-F8EF-48F8-8A68-991C5901F78E}"/>
-              </a:ext>
-            </a:extLst>
-          </p:cNvPr>
+          <p:cNvPr id="4" name="Slide Number Placeholder 3"/>
           <p:cNvSpPr>
             <a:spLocks noGrp="1"/>
           </p:cNvSpPr>
@@ -2127,7 +5400,7 @@
     </p:spTree>
     <p:extLst>
       <p:ext uri="{BB962C8B-B14F-4D97-AF65-F5344CB8AC3E}">
-        <p14:creationId xmlns:p14="http://schemas.microsoft.com/office/powerpoint/2010/main" val="3825884081"/>
+        <p14:creationId xmlns:p14="http://schemas.microsoft.com/office/powerpoint/2010/main" val="1783398805"/>
       </p:ext>
     </p:extLst>
   </p:cSld>
@@ -2156,13 +5429,7 @@
       </p:grpSpPr>
       <p:sp>
         <p:nvSpPr>
-          <p:cNvPr id="2" name="Title 1">
-            <a:extLst>
-              <a:ext uri="{FF2B5EF4-FFF2-40B4-BE49-F238E27FC236}">
-                <a16:creationId xmlns:a16="http://schemas.microsoft.com/office/drawing/2014/main" id="{4ECD07F9-EEF5-4B2E-842C-E30737E50A23}"/>
-              </a:ext>
-            </a:extLst>
-          </p:cNvPr>
+          <p:cNvPr id="8" name="Title 7"/>
           <p:cNvSpPr>
             <a:spLocks noGrp="1"/>
           </p:cNvSpPr>
@@ -2170,36 +5437,22 @@
             <p:ph type="title"/>
           </p:nvPr>
         </p:nvSpPr>
-        <p:spPr>
-          <a:xfrm>
-            <a:off x="839788" y="457200"/>
-            <a:ext cx="3932237" cy="1600200"/>
-          </a:xfrm>
-        </p:spPr>
+        <p:spPr/>
         <p:txBody>
-          <a:bodyPr anchor="b"/>
-          <a:lstStyle>
-            <a:lvl1pPr>
-              <a:defRPr sz="3200"/>
-            </a:lvl1pPr>
-          </a:lstStyle>
+          <a:bodyPr/>
+          <a:lstStyle/>
           <a:p>
             <a:r>
               <a:rPr lang="en-US"/>
               <a:t>Click to edit Master title style</a:t>
             </a:r>
+            <a:endParaRPr lang="en-US" dirty="0"/>
           </a:p>
         </p:txBody>
       </p:sp>
       <p:sp>
         <p:nvSpPr>
-          <p:cNvPr id="3" name="Content Placeholder 2">
-            <a:extLst>
-              <a:ext uri="{FF2B5EF4-FFF2-40B4-BE49-F238E27FC236}">
-                <a16:creationId xmlns:a16="http://schemas.microsoft.com/office/drawing/2014/main" id="{5F75D50C-A8CC-4457-A031-85C92D5DA6E7}"/>
-              </a:ext>
-            </a:extLst>
-          </p:cNvPr>
+          <p:cNvPr id="3" name="Content Placeholder 2"/>
           <p:cNvSpPr>
             <a:spLocks noGrp="1"/>
           </p:cNvSpPr>
@@ -2209,8 +5462,8 @@
         </p:nvSpPr>
         <p:spPr>
           <a:xfrm>
-            <a:off x="5183188" y="987425"/>
-            <a:ext cx="6172200" cy="4873625"/>
+            <a:off x="1207008" y="2120054"/>
+            <a:ext cx="6126480" cy="4114800"/>
           </a:xfrm>
         </p:spPr>
         <p:txBody>
@@ -2278,18 +5531,13 @@
               <a:rPr lang="en-US"/>
               <a:t>Fifth level</a:t>
             </a:r>
+            <a:endParaRPr lang="en-US" dirty="0"/>
           </a:p>
         </p:txBody>
       </p:sp>
       <p:sp>
         <p:nvSpPr>
-          <p:cNvPr id="4" name="Text Placeholder 3">
-            <a:extLst>
-              <a:ext uri="{FF2B5EF4-FFF2-40B4-BE49-F238E27FC236}">
-                <a16:creationId xmlns:a16="http://schemas.microsoft.com/office/drawing/2014/main" id="{C24FE8A1-7E68-440B-ACB9-C1E1944E2D6B}"/>
-              </a:ext>
-            </a:extLst>
-          </p:cNvPr>
+          <p:cNvPr id="4" name="Text Placeholder 3"/>
           <p:cNvSpPr>
             <a:spLocks noGrp="1"/>
           </p:cNvSpPr>
@@ -2299,48 +5547,53 @@
         </p:nvSpPr>
         <p:spPr>
           <a:xfrm>
-            <a:off x="839788" y="2057400"/>
-            <a:ext cx="3932237" cy="3811588"/>
+            <a:off x="7789023" y="2147486"/>
+            <a:ext cx="3200400" cy="3432319"/>
           </a:xfrm>
         </p:spPr>
         <p:txBody>
-          <a:bodyPr/>
+          <a:bodyPr>
+            <a:normAutofit/>
+          </a:bodyPr>
           <a:lstStyle>
             <a:lvl1pPr marL="0" indent="0">
+              <a:lnSpc>
+                <a:spcPct val="95000"/>
+              </a:lnSpc>
               <a:buNone/>
-              <a:defRPr sz="1600"/>
+              <a:defRPr sz="1800"/>
             </a:lvl1pPr>
             <a:lvl2pPr marL="457200" indent="0">
               <a:buNone/>
-              <a:defRPr sz="1400"/>
+              <a:defRPr sz="1200"/>
             </a:lvl2pPr>
             <a:lvl3pPr marL="914400" indent="0">
               <a:buNone/>
-              <a:defRPr sz="1200"/>
+              <a:defRPr sz="1000"/>
             </a:lvl3pPr>
             <a:lvl4pPr marL="1371600" indent="0">
               <a:buNone/>
-              <a:defRPr sz="1000"/>
+              <a:defRPr sz="900"/>
             </a:lvl4pPr>
             <a:lvl5pPr marL="1828800" indent="0">
               <a:buNone/>
-              <a:defRPr sz="1000"/>
+              <a:defRPr sz="900"/>
             </a:lvl5pPr>
             <a:lvl6pPr marL="2286000" indent="0">
               <a:buNone/>
-              <a:defRPr sz="1000"/>
+              <a:defRPr sz="900"/>
             </a:lvl6pPr>
             <a:lvl7pPr marL="2743200" indent="0">
               <a:buNone/>
-              <a:defRPr sz="1000"/>
+              <a:defRPr sz="900"/>
             </a:lvl7pPr>
             <a:lvl8pPr marL="3200400" indent="0">
               <a:buNone/>
-              <a:defRPr sz="1000"/>
+              <a:defRPr sz="900"/>
             </a:lvl8pPr>
             <a:lvl9pPr marL="3657600" indent="0">
               <a:buNone/>
-              <a:defRPr sz="1000"/>
+              <a:defRPr sz="900"/>
             </a:lvl9pPr>
           </a:lstStyle>
           <a:p>
@@ -2354,13 +5607,7 @@
       </p:sp>
       <p:sp>
         <p:nvSpPr>
-          <p:cNvPr id="5" name="Date Placeholder 4">
-            <a:extLst>
-              <a:ext uri="{FF2B5EF4-FFF2-40B4-BE49-F238E27FC236}">
-                <a16:creationId xmlns:a16="http://schemas.microsoft.com/office/drawing/2014/main" id="{E46FFE64-AC07-4CE3-B826-1D6EF056A1D5}"/>
-              </a:ext>
-            </a:extLst>
-          </p:cNvPr>
+          <p:cNvPr id="5" name="Date Placeholder 4"/>
           <p:cNvSpPr>
             <a:spLocks noGrp="1"/>
           </p:cNvSpPr>
@@ -2383,13 +5630,7 @@
       </p:sp>
       <p:sp>
         <p:nvSpPr>
-          <p:cNvPr id="6" name="Footer Placeholder 5">
-            <a:extLst>
-              <a:ext uri="{FF2B5EF4-FFF2-40B4-BE49-F238E27FC236}">
-                <a16:creationId xmlns:a16="http://schemas.microsoft.com/office/drawing/2014/main" id="{BF0421AB-2772-4A4F-AF41-FC4D45F58273}"/>
-              </a:ext>
-            </a:extLst>
-          </p:cNvPr>
+          <p:cNvPr id="6" name="Footer Placeholder 5"/>
           <p:cNvSpPr>
             <a:spLocks noGrp="1"/>
           </p:cNvSpPr>
@@ -2408,13 +5649,7 @@
       </p:sp>
       <p:sp>
         <p:nvSpPr>
-          <p:cNvPr id="7" name="Slide Number Placeholder 6">
-            <a:extLst>
-              <a:ext uri="{FF2B5EF4-FFF2-40B4-BE49-F238E27FC236}">
-                <a16:creationId xmlns:a16="http://schemas.microsoft.com/office/drawing/2014/main" id="{CBB4B494-0738-4399-B2D7-ADAC77809684}"/>
-              </a:ext>
-            </a:extLst>
-          </p:cNvPr>
+          <p:cNvPr id="7" name="Slide Number Placeholder 6"/>
           <p:cNvSpPr>
             <a:spLocks noGrp="1"/>
           </p:cNvSpPr>
@@ -2438,7 +5673,7 @@
     </p:spTree>
     <p:extLst>
       <p:ext uri="{BB962C8B-B14F-4D97-AF65-F5344CB8AC3E}">
-        <p14:creationId xmlns:p14="http://schemas.microsoft.com/office/powerpoint/2010/main" val="3103858395"/>
+        <p14:creationId xmlns:p14="http://schemas.microsoft.com/office/powerpoint/2010/main" val="659756670"/>
       </p:ext>
     </p:extLst>
   </p:cSld>
@@ -2467,13 +5702,7 @@
       </p:grpSpPr>
       <p:sp>
         <p:nvSpPr>
-          <p:cNvPr id="2" name="Title 1">
-            <a:extLst>
-              <a:ext uri="{FF2B5EF4-FFF2-40B4-BE49-F238E27FC236}">
-                <a16:creationId xmlns:a16="http://schemas.microsoft.com/office/drawing/2014/main" id="{F3FA2C5C-1596-4CCE-8C0B-7D8C08A1015E}"/>
-              </a:ext>
-            </a:extLst>
-          </p:cNvPr>
+          <p:cNvPr id="8" name="Title 7"/>
           <p:cNvSpPr>
             <a:spLocks noGrp="1"/>
           </p:cNvSpPr>
@@ -2481,38 +5710,24 @@
             <p:ph type="title"/>
           </p:nvPr>
         </p:nvSpPr>
-        <p:spPr>
-          <a:xfrm>
-            <a:off x="839788" y="457200"/>
-            <a:ext cx="3932237" cy="1600200"/>
-          </a:xfrm>
-        </p:spPr>
+        <p:spPr/>
         <p:txBody>
-          <a:bodyPr anchor="b"/>
-          <a:lstStyle>
-            <a:lvl1pPr>
-              <a:defRPr sz="3200"/>
-            </a:lvl1pPr>
-          </a:lstStyle>
+          <a:bodyPr/>
+          <a:lstStyle/>
           <a:p>
             <a:r>
               <a:rPr lang="en-US"/>
               <a:t>Click to edit Master title style</a:t>
             </a:r>
+            <a:endParaRPr lang="en-US" dirty="0"/>
           </a:p>
         </p:txBody>
       </p:sp>
       <p:sp>
         <p:nvSpPr>
-          <p:cNvPr id="3" name="Picture Placeholder 2">
-            <a:extLst>
-              <a:ext uri="{FF2B5EF4-FFF2-40B4-BE49-F238E27FC236}">
-                <a16:creationId xmlns:a16="http://schemas.microsoft.com/office/drawing/2014/main" id="{83B43650-26ED-43FB-9D5D-890799614FF1}"/>
-              </a:ext>
-            </a:extLst>
-          </p:cNvPr>
+          <p:cNvPr id="3" name="Picture Placeholder 2"/>
           <p:cNvSpPr>
-            <a:spLocks noGrp="1"/>
+            <a:spLocks noGrp="1" noChangeAspect="1"/>
           </p:cNvSpPr>
           <p:nvPr>
             <p:ph type="pic" idx="1"/>
@@ -2520,16 +5735,28 @@
         </p:nvSpPr>
         <p:spPr>
           <a:xfrm>
-            <a:off x="5183188" y="987425"/>
-            <a:ext cx="6172200" cy="4873625"/>
+            <a:off x="1280160" y="2211494"/>
+            <a:ext cx="6126480" cy="3931920"/>
           </a:xfrm>
+          <a:solidFill>
+            <a:schemeClr val="tx2">
+              <a:lumMod val="60000"/>
+              <a:lumOff val="40000"/>
+            </a:schemeClr>
+          </a:solidFill>
         </p:spPr>
         <p:txBody>
-          <a:bodyPr/>
+          <a:bodyPr tIns="365760" anchor="t"/>
           <a:lstStyle>
-            <a:lvl1pPr marL="0" indent="0">
+            <a:lvl1pPr marL="0" indent="0" algn="ctr">
               <a:buNone/>
-              <a:defRPr sz="3200"/>
+              <a:defRPr sz="3200">
+                <a:solidFill>
+                  <a:schemeClr val="tx1">
+                    <a:lumMod val="50000"/>
+                  </a:schemeClr>
+                </a:solidFill>
+              </a:defRPr>
             </a:lvl1pPr>
             <a:lvl2pPr marL="457200" indent="0">
               <a:buNone/>
@@ -2565,19 +5792,17 @@
             </a:lvl9pPr>
           </a:lstStyle>
           <a:p>
-            <a:endParaRPr lang="en-US"/>
+            <a:r>
+              <a:rPr lang="en-US"/>
+              <a:t>Click icon to add picture</a:t>
+            </a:r>
+            <a:endParaRPr lang="en-US" dirty="0"/>
           </a:p>
         </p:txBody>
       </p:sp>
       <p:sp>
         <p:nvSpPr>
-          <p:cNvPr id="4" name="Text Placeholder 3">
-            <a:extLst>
-              <a:ext uri="{FF2B5EF4-FFF2-40B4-BE49-F238E27FC236}">
-                <a16:creationId xmlns:a16="http://schemas.microsoft.com/office/drawing/2014/main" id="{8E2C28CC-D24B-4D63-919F-B30D8BF60DDC}"/>
-              </a:ext>
-            </a:extLst>
-          </p:cNvPr>
+          <p:cNvPr id="4" name="Text Placeholder 3"/>
           <p:cNvSpPr>
             <a:spLocks noGrp="1"/>
           </p:cNvSpPr>
@@ -2587,48 +5812,53 @@
         </p:nvSpPr>
         <p:spPr>
           <a:xfrm>
-            <a:off x="839788" y="2057400"/>
-            <a:ext cx="3932237" cy="3811588"/>
+            <a:off x="7790688" y="2150621"/>
+            <a:ext cx="3200400" cy="3429000"/>
           </a:xfrm>
         </p:spPr>
         <p:txBody>
-          <a:bodyPr/>
+          <a:bodyPr>
+            <a:normAutofit/>
+          </a:bodyPr>
           <a:lstStyle>
             <a:lvl1pPr marL="0" indent="0">
+              <a:lnSpc>
+                <a:spcPct val="95000"/>
+              </a:lnSpc>
               <a:buNone/>
-              <a:defRPr sz="1600"/>
+              <a:defRPr sz="1800"/>
             </a:lvl1pPr>
             <a:lvl2pPr marL="457200" indent="0">
               <a:buNone/>
-              <a:defRPr sz="1400"/>
+              <a:defRPr sz="1200"/>
             </a:lvl2pPr>
             <a:lvl3pPr marL="914400" indent="0">
               <a:buNone/>
-              <a:defRPr sz="1200"/>
+              <a:defRPr sz="1000"/>
             </a:lvl3pPr>
             <a:lvl4pPr marL="1371600" indent="0">
               <a:buNone/>
-              <a:defRPr sz="1000"/>
+              <a:defRPr sz="900"/>
             </a:lvl4pPr>
             <a:lvl5pPr marL="1828800" indent="0">
               <a:buNone/>
-              <a:defRPr sz="1000"/>
+              <a:defRPr sz="900"/>
             </a:lvl5pPr>
             <a:lvl6pPr marL="2286000" indent="0">
               <a:buNone/>
-              <a:defRPr sz="1000"/>
+              <a:defRPr sz="900"/>
             </a:lvl6pPr>
             <a:lvl7pPr marL="2743200" indent="0">
               <a:buNone/>
-              <a:defRPr sz="1000"/>
+              <a:defRPr sz="900"/>
             </a:lvl7pPr>
             <a:lvl8pPr marL="3200400" indent="0">
               <a:buNone/>
-              <a:defRPr sz="1000"/>
+              <a:defRPr sz="900"/>
             </a:lvl8pPr>
             <a:lvl9pPr marL="3657600" indent="0">
               <a:buNone/>
-              <a:defRPr sz="1000"/>
+              <a:defRPr sz="900"/>
             </a:lvl9pPr>
           </a:lstStyle>
           <a:p>
@@ -2642,13 +5872,7 @@
       </p:sp>
       <p:sp>
         <p:nvSpPr>
-          <p:cNvPr id="5" name="Date Placeholder 4">
-            <a:extLst>
-              <a:ext uri="{FF2B5EF4-FFF2-40B4-BE49-F238E27FC236}">
-                <a16:creationId xmlns:a16="http://schemas.microsoft.com/office/drawing/2014/main" id="{7F16B0C5-D6EE-4EBB-BE7B-4C2DE6EEF0C5}"/>
-              </a:ext>
-            </a:extLst>
-          </p:cNvPr>
+          <p:cNvPr id="5" name="Date Placeholder 4"/>
           <p:cNvSpPr>
             <a:spLocks noGrp="1"/>
           </p:cNvSpPr>
@@ -2671,13 +5895,7 @@
       </p:sp>
       <p:sp>
         <p:nvSpPr>
-          <p:cNvPr id="6" name="Footer Placeholder 5">
-            <a:extLst>
-              <a:ext uri="{FF2B5EF4-FFF2-40B4-BE49-F238E27FC236}">
-                <a16:creationId xmlns:a16="http://schemas.microsoft.com/office/drawing/2014/main" id="{385E8DFD-3B19-4FDE-9A24-3311A1FC285C}"/>
-              </a:ext>
-            </a:extLst>
-          </p:cNvPr>
+          <p:cNvPr id="6" name="Footer Placeholder 5"/>
           <p:cNvSpPr>
             <a:spLocks noGrp="1"/>
           </p:cNvSpPr>
@@ -2696,13 +5914,7 @@
       </p:sp>
       <p:sp>
         <p:nvSpPr>
-          <p:cNvPr id="7" name="Slide Number Placeholder 6">
-            <a:extLst>
-              <a:ext uri="{FF2B5EF4-FFF2-40B4-BE49-F238E27FC236}">
-                <a16:creationId xmlns:a16="http://schemas.microsoft.com/office/drawing/2014/main" id="{D421CED1-5D72-46DD-87A2-D9E9CE13CB47}"/>
-              </a:ext>
-            </a:extLst>
-          </p:cNvPr>
+          <p:cNvPr id="7" name="Slide Number Placeholder 6"/>
           <p:cNvSpPr>
             <a:spLocks noGrp="1"/>
           </p:cNvSpPr>
@@ -2726,7 +5938,7 @@
     </p:spTree>
     <p:extLst>
       <p:ext uri="{BB962C8B-B14F-4D97-AF65-F5344CB8AC3E}">
-        <p14:creationId xmlns:p14="http://schemas.microsoft.com/office/powerpoint/2010/main" val="2307989705"/>
+        <p14:creationId xmlns:p14="http://schemas.microsoft.com/office/powerpoint/2010/main" val="3359602003"/>
       </p:ext>
     </p:extLst>
   </p:cSld>
@@ -2741,7 +5953,7 @@
   <p:cSld>
     <p:bg>
       <p:bgRef idx="1001">
-        <a:schemeClr val="bg1"/>
+        <a:schemeClr val="bg2"/>
       </p:bgRef>
     </p:bg>
     <p:spTree>
@@ -2760,13 +5972,45 @@
       </p:grpSpPr>
       <p:sp>
         <p:nvSpPr>
-          <p:cNvPr id="2" name="Title Placeholder 1">
-            <a:extLst>
-              <a:ext uri="{FF2B5EF4-FFF2-40B4-BE49-F238E27FC236}">
-                <a16:creationId xmlns:a16="http://schemas.microsoft.com/office/drawing/2014/main" id="{F89A2399-9883-4B10-A7CD-28316E56264A}"/>
-              </a:ext>
-            </a:extLst>
-          </p:cNvPr>
+          <p:cNvPr id="7" name="Rectangle 6"/>
+          <p:cNvSpPr/>
+          <p:nvPr/>
+        </p:nvSpPr>
+        <p:spPr>
+          <a:xfrm>
+            <a:off x="483" y="176109"/>
+            <a:ext cx="12188952" cy="1645919"/>
+          </a:xfrm>
+          <a:prstGeom prst="rect">
+            <a:avLst/>
+          </a:prstGeom>
+          <a:solidFill>
+            <a:schemeClr val="tx1"/>
+          </a:solidFill>
+          <a:ln>
+            <a:noFill/>
+          </a:ln>
+        </p:spPr>
+        <p:style>
+          <a:lnRef idx="2">
+            <a:schemeClr val="accent1">
+              <a:shade val="50000"/>
+            </a:schemeClr>
+          </a:lnRef>
+          <a:fillRef idx="1">
+            <a:schemeClr val="accent1"/>
+          </a:fillRef>
+          <a:effectRef idx="0">
+            <a:schemeClr val="accent1"/>
+          </a:effectRef>
+          <a:fontRef idx="minor">
+            <a:schemeClr val="lt1"/>
+          </a:fontRef>
+        </p:style>
+      </p:sp>
+      <p:sp>
+        <p:nvSpPr>
+          <p:cNvPr id="2" name="Title Placeholder 1"/>
           <p:cNvSpPr>
             <a:spLocks noGrp="1"/>
           </p:cNvSpPr>
@@ -2776,8 +6020,8 @@
         </p:nvSpPr>
         <p:spPr>
           <a:xfrm>
-            <a:off x="838200" y="365125"/>
-            <a:ext cx="10515600" cy="1325563"/>
+            <a:off x="1202919" y="284176"/>
+            <a:ext cx="9784080" cy="1508760"/>
           </a:xfrm>
           <a:prstGeom prst="rect">
             <a:avLst/>
@@ -2793,18 +6037,13 @@
               <a:rPr lang="en-US"/>
               <a:t>Click to edit Master title style</a:t>
             </a:r>
+            <a:endParaRPr lang="en-US" dirty="0"/>
           </a:p>
         </p:txBody>
       </p:sp>
       <p:sp>
         <p:nvSpPr>
-          <p:cNvPr id="3" name="Text Placeholder 2">
-            <a:extLst>
-              <a:ext uri="{FF2B5EF4-FFF2-40B4-BE49-F238E27FC236}">
-                <a16:creationId xmlns:a16="http://schemas.microsoft.com/office/drawing/2014/main" id="{04CB6467-B53B-48B8-82F7-6ACC7A6DB514}"/>
-              </a:ext>
-            </a:extLst>
-          </p:cNvPr>
+          <p:cNvPr id="3" name="Text Placeholder 2"/>
           <p:cNvSpPr>
             <a:spLocks noGrp="1"/>
           </p:cNvSpPr>
@@ -2814,8 +6053,8 @@
         </p:nvSpPr>
         <p:spPr>
           <a:xfrm>
-            <a:off x="838200" y="1825625"/>
-            <a:ext cx="10515600" cy="4351338"/>
+            <a:off x="1202919" y="2011680"/>
+            <a:ext cx="9784080" cy="4206240"/>
           </a:xfrm>
           <a:prstGeom prst="rect">
             <a:avLst/>
@@ -2860,18 +6099,13 @@
               <a:rPr lang="en-US"/>
               <a:t>Fifth level</a:t>
             </a:r>
+            <a:endParaRPr lang="en-US" dirty="0"/>
           </a:p>
         </p:txBody>
       </p:sp>
       <p:sp>
         <p:nvSpPr>
-          <p:cNvPr id="4" name="Date Placeholder 3">
-            <a:extLst>
-              <a:ext uri="{FF2B5EF4-FFF2-40B4-BE49-F238E27FC236}">
-                <a16:creationId xmlns:a16="http://schemas.microsoft.com/office/drawing/2014/main" id="{0C907F4B-B126-4643-BA46-B1B438D42C89}"/>
-              </a:ext>
-            </a:extLst>
-          </p:cNvPr>
+          <p:cNvPr id="4" name="Date Placeholder 3"/>
           <p:cNvSpPr>
             <a:spLocks noGrp="1"/>
           </p:cNvSpPr>
@@ -2881,22 +6115,20 @@
         </p:nvSpPr>
         <p:spPr>
           <a:xfrm>
-            <a:off x="838200" y="6356350"/>
-            <a:ext cx="2743200" cy="365125"/>
+            <a:off x="1202266" y="6422854"/>
+            <a:ext cx="3000894" cy="365125"/>
           </a:xfrm>
           <a:prstGeom prst="rect">
             <a:avLst/>
           </a:prstGeom>
         </p:spPr>
         <p:txBody>
-          <a:bodyPr vert="horz" lIns="91440" tIns="45720" rIns="91440" bIns="45720" rtlCol="0" anchor="ctr"/>
+          <a:bodyPr vert="horz" lIns="91440" tIns="45720" rIns="45720" bIns="45720" rtlCol="0" anchor="ctr"/>
           <a:lstStyle>
             <a:lvl1pPr algn="l">
-              <a:defRPr sz="1200">
+              <a:defRPr sz="1050">
                 <a:solidFill>
-                  <a:schemeClr val="tx1">
-                    <a:tint val="75000"/>
-                  </a:schemeClr>
+                  <a:schemeClr val="tx1"/>
                 </a:solidFill>
               </a:defRPr>
             </a:lvl1pPr>
@@ -2912,13 +6144,7 @@
       </p:sp>
       <p:sp>
         <p:nvSpPr>
-          <p:cNvPr id="5" name="Footer Placeholder 4">
-            <a:extLst>
-              <a:ext uri="{FF2B5EF4-FFF2-40B4-BE49-F238E27FC236}">
-                <a16:creationId xmlns:a16="http://schemas.microsoft.com/office/drawing/2014/main" id="{629233DD-C34D-4028-BE91-77E04C490AA5}"/>
-              </a:ext>
-            </a:extLst>
-          </p:cNvPr>
+          <p:cNvPr id="5" name="Footer Placeholder 4"/>
           <p:cNvSpPr>
             <a:spLocks noGrp="1"/>
           </p:cNvSpPr>
@@ -2928,51 +6154,8 @@
         </p:nvSpPr>
         <p:spPr>
           <a:xfrm>
-            <a:off x="4038600" y="6356350"/>
-            <a:ext cx="4114800" cy="365125"/>
-          </a:xfrm>
-          <a:prstGeom prst="rect">
-            <a:avLst/>
-          </a:prstGeom>
-        </p:spPr>
-        <p:txBody>
-          <a:bodyPr vert="horz" lIns="91440" tIns="45720" rIns="91440" bIns="45720" rtlCol="0" anchor="ctr"/>
-          <a:lstStyle>
-            <a:lvl1pPr algn="ctr">
-              <a:defRPr sz="1200">
-                <a:solidFill>
-                  <a:schemeClr val="tx1">
-                    <a:tint val="75000"/>
-                  </a:schemeClr>
-                </a:solidFill>
-              </a:defRPr>
-            </a:lvl1pPr>
-          </a:lstStyle>
-          <a:p>
-            <a:endParaRPr lang="en-US"/>
-          </a:p>
-        </p:txBody>
-      </p:sp>
-      <p:sp>
-        <p:nvSpPr>
-          <p:cNvPr id="6" name="Slide Number Placeholder 5">
-            <a:extLst>
-              <a:ext uri="{FF2B5EF4-FFF2-40B4-BE49-F238E27FC236}">
-                <a16:creationId xmlns:a16="http://schemas.microsoft.com/office/drawing/2014/main" id="{D6ED3921-CE93-4D2D-9857-6A98259799A9}"/>
-              </a:ext>
-            </a:extLst>
-          </p:cNvPr>
-          <p:cNvSpPr>
-            <a:spLocks noGrp="1"/>
-          </p:cNvSpPr>
-          <p:nvPr>
-            <p:ph type="sldNum" sz="quarter" idx="4"/>
-          </p:nvPr>
-        </p:nvSpPr>
-        <p:spPr>
-          <a:xfrm>
-            <a:off x="8610600" y="6356350"/>
-            <a:ext cx="2743200" cy="365125"/>
+            <a:off x="5596471" y="6422854"/>
+            <a:ext cx="5044440" cy="365125"/>
           </a:xfrm>
           <a:prstGeom prst="rect">
             <a:avLst/>
@@ -2982,11 +6165,44 @@
           <a:bodyPr vert="horz" lIns="91440" tIns="45720" rIns="91440" bIns="45720" rtlCol="0" anchor="ctr"/>
           <a:lstStyle>
             <a:lvl1pPr algn="r">
-              <a:defRPr sz="1200">
+              <a:defRPr sz="1050">
                 <a:solidFill>
-                  <a:schemeClr val="tx1">
-                    <a:tint val="75000"/>
-                  </a:schemeClr>
+                  <a:schemeClr val="tx1"/>
+                </a:solidFill>
+              </a:defRPr>
+            </a:lvl1pPr>
+          </a:lstStyle>
+          <a:p>
+            <a:endParaRPr lang="en-US"/>
+          </a:p>
+        </p:txBody>
+      </p:sp>
+      <p:sp>
+        <p:nvSpPr>
+          <p:cNvPr id="6" name="Slide Number Placeholder 5"/>
+          <p:cNvSpPr>
+            <a:spLocks noGrp="1"/>
+          </p:cNvSpPr>
+          <p:nvPr>
+            <p:ph type="sldNum" sz="quarter" idx="4"/>
+          </p:nvPr>
+        </p:nvSpPr>
+        <p:spPr>
+          <a:xfrm>
+            <a:off x="10658927" y="6422854"/>
+            <a:ext cx="946264" cy="365125"/>
+          </a:xfrm>
+          <a:prstGeom prst="rect">
+            <a:avLst/>
+          </a:prstGeom>
+        </p:spPr>
+        <p:txBody>
+          <a:bodyPr vert="horz" lIns="45720" tIns="45720" rIns="91440" bIns="45720" rtlCol="0" anchor="ctr"/>
+          <a:lstStyle>
+            <a:lvl1pPr algn="l">
+              <a:defRPr sz="1200" b="0">
+                <a:solidFill>
+                  <a:schemeClr val="tx1"/>
                 </a:solidFill>
               </a:defRPr>
             </a:lvl1pPr>
@@ -3003,37 +6219,37 @@
     </p:spTree>
     <p:extLst>
       <p:ext uri="{BB962C8B-B14F-4D97-AF65-F5344CB8AC3E}">
-        <p14:creationId xmlns:p14="http://schemas.microsoft.com/office/powerpoint/2010/main" val="2268795599"/>
+        <p14:creationId xmlns:p14="http://schemas.microsoft.com/office/powerpoint/2010/main" val="1598020036"/>
       </p:ext>
     </p:extLst>
   </p:cSld>
-  <p:clrMap bg1="lt1" tx1="dk1" bg2="lt2" tx2="dk2" accent1="accent1" accent2="accent2" accent3="accent3" accent4="accent4" accent5="accent5" accent6="accent6" hlink="hlink" folHlink="folHlink"/>
+  <p:clrMap bg1="dk1" tx1="lt1" bg2="dk2" tx2="lt2" accent1="accent1" accent2="accent2" accent3="accent3" accent4="accent4" accent5="accent5" accent6="accent6" hlink="hlink" folHlink="folHlink"/>
   <p:sldLayoutIdLst>
-    <p:sldLayoutId id="2147483649" r:id="rId1"/>
-    <p:sldLayoutId id="2147483650" r:id="rId2"/>
-    <p:sldLayoutId id="2147483651" r:id="rId3"/>
-    <p:sldLayoutId id="2147483652" r:id="rId4"/>
-    <p:sldLayoutId id="2147483653" r:id="rId5"/>
-    <p:sldLayoutId id="2147483654" r:id="rId6"/>
-    <p:sldLayoutId id="2147483655" r:id="rId7"/>
-    <p:sldLayoutId id="2147483656" r:id="rId8"/>
-    <p:sldLayoutId id="2147483657" r:id="rId9"/>
-    <p:sldLayoutId id="2147483658" r:id="rId10"/>
-    <p:sldLayoutId id="2147483659" r:id="rId11"/>
+    <p:sldLayoutId id="2147483720" r:id="rId1"/>
+    <p:sldLayoutId id="2147483721" r:id="rId2"/>
+    <p:sldLayoutId id="2147483722" r:id="rId3"/>
+    <p:sldLayoutId id="2147483723" r:id="rId4"/>
+    <p:sldLayoutId id="2147483724" r:id="rId5"/>
+    <p:sldLayoutId id="2147483725" r:id="rId6"/>
+    <p:sldLayoutId id="2147483726" r:id="rId7"/>
+    <p:sldLayoutId id="2147483727" r:id="rId8"/>
+    <p:sldLayoutId id="2147483728" r:id="rId9"/>
+    <p:sldLayoutId id="2147483729" r:id="rId10"/>
+    <p:sldLayoutId id="2147483730" r:id="rId11"/>
   </p:sldLayoutIdLst>
   <p:txStyles>
     <p:titleStyle>
       <a:lvl1pPr algn="l" defTabSz="914400" rtl="0" eaLnBrk="1" latinLnBrk="0" hangingPunct="1">
         <a:lnSpc>
-          <a:spcPct val="90000"/>
+          <a:spcPct val="85000"/>
         </a:lnSpc>
         <a:spcBef>
           <a:spcPct val="0"/>
         </a:spcBef>
         <a:buNone/>
-        <a:defRPr sz="4400" kern="1200">
+        <a:defRPr sz="4000" kern="1200" cap="all" baseline="0">
           <a:solidFill>
-            <a:schemeClr val="tx1"/>
+            <a:schemeClr val="bg2"/>
           </a:solidFill>
           <a:latin typeface="+mj-lt"/>
           <a:ea typeface="+mj-ea"/>
@@ -3042,16 +6258,22 @@
       </a:lvl1pPr>
     </p:titleStyle>
     <p:bodyStyle>
-      <a:lvl1pPr marL="228600" indent="-228600" algn="l" defTabSz="914400" rtl="0" eaLnBrk="1" latinLnBrk="0" hangingPunct="1">
+      <a:lvl1pPr marL="182880" indent="-182880" algn="l" defTabSz="914400" rtl="0" eaLnBrk="1" latinLnBrk="0" hangingPunct="1">
         <a:lnSpc>
           <a:spcPct val="90000"/>
         </a:lnSpc>
         <a:spcBef>
-          <a:spcPts val="1000"/>
+          <a:spcPts val="1200"/>
         </a:spcBef>
-        <a:buFont typeface="Arial" panose="020B0604020202020204" pitchFamily="34" charset="0"/>
-        <a:buChar char="•"/>
-        <a:defRPr sz="2800" kern="1200">
+        <a:spcAft>
+          <a:spcPts val="200"/>
+        </a:spcAft>
+        <a:buClr>
+          <a:schemeClr val="tx1"/>
+        </a:buClr>
+        <a:buFont typeface="Wingdings" pitchFamily="2" charset="2"/>
+        <a:buChar char=""/>
+        <a:defRPr sz="2200" kern="1200">
           <a:solidFill>
             <a:schemeClr val="tx1"/>
           </a:solidFill>
@@ -3060,16 +6282,22 @@
           <a:cs typeface="+mn-cs"/>
         </a:defRPr>
       </a:lvl1pPr>
-      <a:lvl2pPr marL="685800" indent="-228600" algn="l" defTabSz="914400" rtl="0" eaLnBrk="1" latinLnBrk="0" hangingPunct="1">
+      <a:lvl2pPr marL="411480" indent="-182880" algn="l" defTabSz="914400" rtl="0" eaLnBrk="1" latinLnBrk="0" hangingPunct="1">
         <a:lnSpc>
           <a:spcPct val="90000"/>
         </a:lnSpc>
         <a:spcBef>
-          <a:spcPts val="500"/>
+          <a:spcPts val="200"/>
         </a:spcBef>
-        <a:buFont typeface="Arial" panose="020B0604020202020204" pitchFamily="34" charset="0"/>
-        <a:buChar char="•"/>
-        <a:defRPr sz="2400" kern="1200">
+        <a:spcAft>
+          <a:spcPts val="400"/>
+        </a:spcAft>
+        <a:buClr>
+          <a:schemeClr val="tx1"/>
+        </a:buClr>
+        <a:buFont typeface="Wingdings" pitchFamily="2" charset="2"/>
+        <a:buChar char=""/>
+        <a:defRPr sz="2000" kern="1200">
           <a:solidFill>
             <a:schemeClr val="tx1"/>
           </a:solidFill>
@@ -3078,16 +6306,22 @@
           <a:cs typeface="+mn-cs"/>
         </a:defRPr>
       </a:lvl2pPr>
-      <a:lvl3pPr marL="1143000" indent="-228600" algn="l" defTabSz="914400" rtl="0" eaLnBrk="1" latinLnBrk="0" hangingPunct="1">
+      <a:lvl3pPr marL="640080" indent="-182880" algn="l" defTabSz="914400" rtl="0" eaLnBrk="1" latinLnBrk="0" hangingPunct="1">
         <a:lnSpc>
           <a:spcPct val="90000"/>
         </a:lnSpc>
         <a:spcBef>
-          <a:spcPts val="500"/>
+          <a:spcPts val="200"/>
         </a:spcBef>
-        <a:buFont typeface="Arial" panose="020B0604020202020204" pitchFamily="34" charset="0"/>
-        <a:buChar char="•"/>
-        <a:defRPr sz="2000" kern="1200">
+        <a:spcAft>
+          <a:spcPts val="400"/>
+        </a:spcAft>
+        <a:buClr>
+          <a:schemeClr val="tx1"/>
+        </a:buClr>
+        <a:buFont typeface="Wingdings" pitchFamily="2" charset="2"/>
+        <a:buChar char=""/>
+        <a:defRPr sz="1800" kern="1200">
           <a:solidFill>
             <a:schemeClr val="tx1"/>
           </a:solidFill>
@@ -3096,16 +6330,22 @@
           <a:cs typeface="+mn-cs"/>
         </a:defRPr>
       </a:lvl3pPr>
-      <a:lvl4pPr marL="1600200" indent="-228600" algn="l" defTabSz="914400" rtl="0" eaLnBrk="1" latinLnBrk="0" hangingPunct="1">
+      <a:lvl4pPr marL="868680" indent="-182880" algn="l" defTabSz="914400" rtl="0" eaLnBrk="1" latinLnBrk="0" hangingPunct="1">
         <a:lnSpc>
           <a:spcPct val="90000"/>
         </a:lnSpc>
         <a:spcBef>
-          <a:spcPts val="500"/>
+          <a:spcPts val="200"/>
         </a:spcBef>
-        <a:buFont typeface="Arial" panose="020B0604020202020204" pitchFamily="34" charset="0"/>
-        <a:buChar char="•"/>
-        <a:defRPr sz="1800" kern="1200">
+        <a:spcAft>
+          <a:spcPts val="400"/>
+        </a:spcAft>
+        <a:buClr>
+          <a:schemeClr val="tx1"/>
+        </a:buClr>
+        <a:buFont typeface="Wingdings" pitchFamily="2" charset="2"/>
+        <a:buChar char=""/>
+        <a:defRPr sz="1600" kern="1200">
           <a:solidFill>
             <a:schemeClr val="tx1"/>
           </a:solidFill>
@@ -3114,16 +6354,22 @@
           <a:cs typeface="+mn-cs"/>
         </a:defRPr>
       </a:lvl4pPr>
-      <a:lvl5pPr marL="2057400" indent="-228600" algn="l" defTabSz="914400" rtl="0" eaLnBrk="1" latinLnBrk="0" hangingPunct="1">
+      <a:lvl5pPr marL="1097280" indent="-182880" algn="l" defTabSz="914400" rtl="0" eaLnBrk="1" latinLnBrk="0" hangingPunct="1">
         <a:lnSpc>
           <a:spcPct val="90000"/>
         </a:lnSpc>
         <a:spcBef>
-          <a:spcPts val="500"/>
+          <a:spcPts val="200"/>
         </a:spcBef>
-        <a:buFont typeface="Arial" panose="020B0604020202020204" pitchFamily="34" charset="0"/>
-        <a:buChar char="•"/>
-        <a:defRPr sz="1800" kern="1200">
+        <a:spcAft>
+          <a:spcPts val="400"/>
+        </a:spcAft>
+        <a:buClr>
+          <a:schemeClr val="tx1"/>
+        </a:buClr>
+        <a:buFont typeface="Wingdings" pitchFamily="2" charset="2"/>
+        <a:buChar char=""/>
+        <a:defRPr sz="1600" kern="1200">
           <a:solidFill>
             <a:schemeClr val="tx1"/>
           </a:solidFill>
@@ -3132,16 +6378,22 @@
           <a:cs typeface="+mn-cs"/>
         </a:defRPr>
       </a:lvl5pPr>
-      <a:lvl6pPr marL="2514600" indent="-228600" algn="l" defTabSz="914400" rtl="0" eaLnBrk="1" latinLnBrk="0" hangingPunct="1">
+      <a:lvl6pPr marL="1284600" indent="-228600" algn="l" defTabSz="914400" rtl="0" eaLnBrk="1" latinLnBrk="0" hangingPunct="1">
         <a:lnSpc>
           <a:spcPct val="90000"/>
         </a:lnSpc>
         <a:spcBef>
-          <a:spcPts val="500"/>
+          <a:spcPts val="200"/>
         </a:spcBef>
-        <a:buFont typeface="Arial" panose="020B0604020202020204" pitchFamily="34" charset="0"/>
-        <a:buChar char="•"/>
-        <a:defRPr sz="1800" kern="1200">
+        <a:spcAft>
+          <a:spcPts val="400"/>
+        </a:spcAft>
+        <a:buClr>
+          <a:schemeClr val="tx1"/>
+        </a:buClr>
+        <a:buFont typeface="Wingdings" pitchFamily="2" charset="2"/>
+        <a:buChar char=""/>
+        <a:defRPr sz="1600" kern="1200">
           <a:solidFill>
             <a:schemeClr val="tx1"/>
           </a:solidFill>
@@ -3150,16 +6402,22 @@
           <a:cs typeface="+mn-cs"/>
         </a:defRPr>
       </a:lvl6pPr>
-      <a:lvl7pPr marL="2971800" indent="-228600" algn="l" defTabSz="914400" rtl="0" eaLnBrk="1" latinLnBrk="0" hangingPunct="1">
+      <a:lvl7pPr marL="1471800" indent="-228600" algn="l" defTabSz="914400" rtl="0" eaLnBrk="1" latinLnBrk="0" hangingPunct="1">
         <a:lnSpc>
           <a:spcPct val="90000"/>
         </a:lnSpc>
         <a:spcBef>
-          <a:spcPts val="500"/>
+          <a:spcPts val="200"/>
         </a:spcBef>
-        <a:buFont typeface="Arial" panose="020B0604020202020204" pitchFamily="34" charset="0"/>
-        <a:buChar char="•"/>
-        <a:defRPr sz="1800" kern="1200">
+        <a:spcAft>
+          <a:spcPts val="400"/>
+        </a:spcAft>
+        <a:buClr>
+          <a:schemeClr val="tx1"/>
+        </a:buClr>
+        <a:buFont typeface="Wingdings" pitchFamily="2" charset="2"/>
+        <a:buChar char=""/>
+        <a:defRPr sz="1600" kern="1200">
           <a:solidFill>
             <a:schemeClr val="tx1"/>
           </a:solidFill>
@@ -3168,16 +6426,22 @@
           <a:cs typeface="+mn-cs"/>
         </a:defRPr>
       </a:lvl7pPr>
-      <a:lvl8pPr marL="3429000" indent="-228600" algn="l" defTabSz="914400" rtl="0" eaLnBrk="1" latinLnBrk="0" hangingPunct="1">
+      <a:lvl8pPr marL="1629000" indent="-228600" algn="l" defTabSz="914400" rtl="0" eaLnBrk="1" latinLnBrk="0" hangingPunct="1">
         <a:lnSpc>
           <a:spcPct val="90000"/>
         </a:lnSpc>
         <a:spcBef>
-          <a:spcPts val="500"/>
+          <a:spcPts val="200"/>
         </a:spcBef>
-        <a:buFont typeface="Arial" panose="020B0604020202020204" pitchFamily="34" charset="0"/>
-        <a:buChar char="•"/>
-        <a:defRPr sz="1800" kern="1200">
+        <a:spcAft>
+          <a:spcPts val="400"/>
+        </a:spcAft>
+        <a:buClr>
+          <a:schemeClr val="tx1"/>
+        </a:buClr>
+        <a:buFont typeface="Wingdings" pitchFamily="2" charset="2"/>
+        <a:buChar char=""/>
+        <a:defRPr sz="1600" kern="1200">
           <a:solidFill>
             <a:schemeClr val="tx1"/>
           </a:solidFill>
@@ -3186,16 +6450,22 @@
           <a:cs typeface="+mn-cs"/>
         </a:defRPr>
       </a:lvl8pPr>
-      <a:lvl9pPr marL="3886200" indent="-228600" algn="l" defTabSz="914400" rtl="0" eaLnBrk="1" latinLnBrk="0" hangingPunct="1">
+      <a:lvl9pPr marL="1806200" indent="-228600" algn="l" defTabSz="914400" rtl="0" eaLnBrk="1" latinLnBrk="0" hangingPunct="1">
         <a:lnSpc>
           <a:spcPct val="90000"/>
         </a:lnSpc>
         <a:spcBef>
-          <a:spcPts val="500"/>
+          <a:spcPts val="200"/>
         </a:spcBef>
-        <a:buFont typeface="Arial" panose="020B0604020202020204" pitchFamily="34" charset="0"/>
-        <a:buChar char="•"/>
-        <a:defRPr sz="1800" kern="1200">
+        <a:spcAft>
+          <a:spcPts val="400"/>
+        </a:spcAft>
+        <a:buClr>
+          <a:schemeClr val="tx1"/>
+        </a:buClr>
+        <a:buFont typeface="Wingdings" pitchFamily="2" charset="2"/>
+        <a:buChar char=""/>
+        <a:defRPr sz="1600" kern="1200">
           <a:solidFill>
             <a:schemeClr val="tx1"/>
           </a:solidFill>
@@ -3307,6 +6577,14 @@
 <file path=ppt/slides/slide1.xml><?xml version="1.0" encoding="utf-8"?>
 <p:sld xmlns:a="http://schemas.openxmlformats.org/drawingml/2006/main" xmlns:r="http://schemas.openxmlformats.org/officeDocument/2006/relationships" xmlns:p="http://schemas.openxmlformats.org/presentationml/2006/main">
   <p:cSld>
+    <p:bg>
+      <p:bgPr>
+        <a:solidFill>
+          <a:schemeClr val="bg1"/>
+        </a:solidFill>
+        <a:effectLst/>
+      </p:bgPr>
+    </p:bg>
     <p:spTree>
       <p:nvGrpSpPr>
         <p:cNvPr id="1" name=""/>
@@ -3321,6 +6599,377 @@
           <a:chExt cx="0" cy="0"/>
         </a:xfrm>
       </p:grpSpPr>
+      <p:pic>
+        <p:nvPicPr>
+          <p:cNvPr id="1026" name="Picture 2" descr="Stonks Meme, Explained: What Can It Teach You About Actual Stocks?">
+            <a:extLst>
+              <a:ext uri="{FF2B5EF4-FFF2-40B4-BE49-F238E27FC236}">
+                <a16:creationId xmlns:a16="http://schemas.microsoft.com/office/drawing/2014/main" id="{18062B0F-B46A-4EAB-9123-90B768A656C3}"/>
+              </a:ext>
+            </a:extLst>
+          </p:cNvPr>
+          <p:cNvPicPr>
+            <a:picLocks noChangeAspect="1" noChangeArrowheads="1"/>
+          </p:cNvPicPr>
+          <p:nvPr/>
+        </p:nvPicPr>
+        <p:blipFill rotWithShape="1">
+          <a:blip r:embed="rId2">
+            <a:extLst>
+              <a:ext uri="{28A0092B-C50C-407E-A947-70E740481C1C}">
+                <a14:useLocalDpi xmlns:a14="http://schemas.microsoft.com/office/drawing/2010/main" val="0"/>
+              </a:ext>
+            </a:extLst>
+          </a:blip>
+          <a:srcRect t="22611" b="1632"/>
+          <a:stretch/>
+        </p:blipFill>
+        <p:spPr bwMode="auto">
+          <a:xfrm>
+            <a:off x="20" y="10"/>
+            <a:ext cx="12191980" cy="6857990"/>
+          </a:xfrm>
+          <a:prstGeom prst="rect">
+            <a:avLst/>
+          </a:prstGeom>
+          <a:noFill/>
+          <a:extLst>
+            <a:ext uri="{909E8E84-426E-40DD-AFC4-6F175D3DCCD1}">
+              <a14:hiddenFill xmlns:a14="http://schemas.microsoft.com/office/drawing/2010/main">
+                <a:solidFill>
+                  <a:srgbClr val="FFFFFF"/>
+                </a:solidFill>
+              </a14:hiddenFill>
+            </a:ext>
+          </a:extLst>
+        </p:spPr>
+      </p:pic>
+      <p:sp>
+        <p:nvSpPr>
+          <p:cNvPr id="1031" name="Rectangle 70">
+            <a:extLst>
+              <a:ext uri="{FF2B5EF4-FFF2-40B4-BE49-F238E27FC236}">
+                <a16:creationId xmlns:a16="http://schemas.microsoft.com/office/drawing/2014/main" id="{0B747386-D4D7-4F75-8EA2-DF7F89C385AE}"/>
+              </a:ext>
+              <a:ext uri="{C183D7F6-B498-43B3-948B-1728B52AA6E4}">
+                <adec:decorative xmlns:adec="http://schemas.microsoft.com/office/drawing/2017/decorative" val="1"/>
+              </a:ext>
+            </a:extLst>
+          </p:cNvPr>
+          <p:cNvSpPr>
+            <a:spLocks noGrp="1" noRot="1" noChangeAspect="1" noMove="1" noResize="1" noEditPoints="1" noAdjustHandles="1" noChangeArrowheads="1" noChangeShapeType="1" noTextEdit="1"/>
+          </p:cNvSpPr>
+          <p:nvPr>
+            <p:extLst>
+              <p:ext uri="{386F3935-93C4-4BCD-93E2-E3B085C9AB24}">
+                <p16:designElem xmlns:p16="http://schemas.microsoft.com/office/powerpoint/2015/main" val="1"/>
+              </p:ext>
+            </p:extLst>
+          </p:nvPr>
+        </p:nvSpPr>
+        <p:spPr>
+          <a:xfrm>
+            <a:off x="0" y="2059012"/>
+            <a:ext cx="12188952" cy="1828800"/>
+          </a:xfrm>
+          <a:prstGeom prst="rect">
+            <a:avLst/>
+          </a:prstGeom>
+          <a:solidFill>
+            <a:schemeClr val="tx2">
+              <a:alpha val="90000"/>
+            </a:schemeClr>
+          </a:solidFill>
+          <a:ln>
+            <a:noFill/>
+          </a:ln>
+        </p:spPr>
+        <p:style>
+          <a:lnRef idx="2">
+            <a:schemeClr val="accent1">
+              <a:shade val="50000"/>
+            </a:schemeClr>
+          </a:lnRef>
+          <a:fillRef idx="1">
+            <a:schemeClr val="accent1"/>
+          </a:fillRef>
+          <a:effectRef idx="0">
+            <a:schemeClr val="accent1"/>
+          </a:effectRef>
+          <a:fontRef idx="minor">
+            <a:schemeClr val="lt1"/>
+          </a:fontRef>
+        </p:style>
+        <p:txBody>
+          <a:bodyPr rtlCol="0" anchor="ctr"/>
+          <a:lstStyle>
+            <a:defPPr>
+              <a:defRPr lang="en-US"/>
+            </a:defPPr>
+            <a:lvl1pPr marL="0" algn="l" defTabSz="914400" rtl="0" eaLnBrk="1" latinLnBrk="0" hangingPunct="1">
+              <a:defRPr sz="1800" kern="1200">
+                <a:solidFill>
+                  <a:schemeClr val="lt1"/>
+                </a:solidFill>
+                <a:latin typeface="+mn-lt"/>
+                <a:ea typeface="+mn-ea"/>
+                <a:cs typeface="+mn-cs"/>
+              </a:defRPr>
+            </a:lvl1pPr>
+            <a:lvl2pPr marL="457200" algn="l" defTabSz="914400" rtl="0" eaLnBrk="1" latinLnBrk="0" hangingPunct="1">
+              <a:defRPr sz="1800" kern="1200">
+                <a:solidFill>
+                  <a:schemeClr val="lt1"/>
+                </a:solidFill>
+                <a:latin typeface="+mn-lt"/>
+                <a:ea typeface="+mn-ea"/>
+                <a:cs typeface="+mn-cs"/>
+              </a:defRPr>
+            </a:lvl2pPr>
+            <a:lvl3pPr marL="914400" algn="l" defTabSz="914400" rtl="0" eaLnBrk="1" latinLnBrk="0" hangingPunct="1">
+              <a:defRPr sz="1800" kern="1200">
+                <a:solidFill>
+                  <a:schemeClr val="lt1"/>
+                </a:solidFill>
+                <a:latin typeface="+mn-lt"/>
+                <a:ea typeface="+mn-ea"/>
+                <a:cs typeface="+mn-cs"/>
+              </a:defRPr>
+            </a:lvl3pPr>
+            <a:lvl4pPr marL="1371600" algn="l" defTabSz="914400" rtl="0" eaLnBrk="1" latinLnBrk="0" hangingPunct="1">
+              <a:defRPr sz="1800" kern="1200">
+                <a:solidFill>
+                  <a:schemeClr val="lt1"/>
+                </a:solidFill>
+                <a:latin typeface="+mn-lt"/>
+                <a:ea typeface="+mn-ea"/>
+                <a:cs typeface="+mn-cs"/>
+              </a:defRPr>
+            </a:lvl4pPr>
+            <a:lvl5pPr marL="1828800" algn="l" defTabSz="914400" rtl="0" eaLnBrk="1" latinLnBrk="0" hangingPunct="1">
+              <a:defRPr sz="1800" kern="1200">
+                <a:solidFill>
+                  <a:schemeClr val="lt1"/>
+                </a:solidFill>
+                <a:latin typeface="+mn-lt"/>
+                <a:ea typeface="+mn-ea"/>
+                <a:cs typeface="+mn-cs"/>
+              </a:defRPr>
+            </a:lvl5pPr>
+            <a:lvl6pPr marL="2286000" algn="l" defTabSz="914400" rtl="0" eaLnBrk="1" latinLnBrk="0" hangingPunct="1">
+              <a:defRPr sz="1800" kern="1200">
+                <a:solidFill>
+                  <a:schemeClr val="lt1"/>
+                </a:solidFill>
+                <a:latin typeface="+mn-lt"/>
+                <a:ea typeface="+mn-ea"/>
+                <a:cs typeface="+mn-cs"/>
+              </a:defRPr>
+            </a:lvl6pPr>
+            <a:lvl7pPr marL="2743200" algn="l" defTabSz="914400" rtl="0" eaLnBrk="1" latinLnBrk="0" hangingPunct="1">
+              <a:defRPr sz="1800" kern="1200">
+                <a:solidFill>
+                  <a:schemeClr val="lt1"/>
+                </a:solidFill>
+                <a:latin typeface="+mn-lt"/>
+                <a:ea typeface="+mn-ea"/>
+                <a:cs typeface="+mn-cs"/>
+              </a:defRPr>
+            </a:lvl7pPr>
+            <a:lvl8pPr marL="3200400" algn="l" defTabSz="914400" rtl="0" eaLnBrk="1" latinLnBrk="0" hangingPunct="1">
+              <a:defRPr sz="1800" kern="1200">
+                <a:solidFill>
+                  <a:schemeClr val="lt1"/>
+                </a:solidFill>
+                <a:latin typeface="+mn-lt"/>
+                <a:ea typeface="+mn-ea"/>
+                <a:cs typeface="+mn-cs"/>
+              </a:defRPr>
+            </a:lvl8pPr>
+            <a:lvl9pPr marL="3657600" algn="l" defTabSz="914400" rtl="0" eaLnBrk="1" latinLnBrk="0" hangingPunct="1">
+              <a:defRPr sz="1800" kern="1200">
+                <a:solidFill>
+                  <a:schemeClr val="lt1"/>
+                </a:solidFill>
+                <a:latin typeface="+mn-lt"/>
+                <a:ea typeface="+mn-ea"/>
+                <a:cs typeface="+mn-cs"/>
+              </a:defRPr>
+            </a:lvl9pPr>
+          </a:lstStyle>
+          <a:p>
+            <a:pPr algn="ctr"/>
+            <a:endParaRPr lang="en-US" dirty="0">
+              <a:solidFill>
+                <a:srgbClr val="FFFFFF"/>
+              </a:solidFill>
+            </a:endParaRPr>
+          </a:p>
+        </p:txBody>
+      </p:sp>
+      <p:sp>
+        <p:nvSpPr>
+          <p:cNvPr id="1032" name="Rectangle 72">
+            <a:extLst>
+              <a:ext uri="{FF2B5EF4-FFF2-40B4-BE49-F238E27FC236}">
+                <a16:creationId xmlns:a16="http://schemas.microsoft.com/office/drawing/2014/main" id="{27D08544-84F0-43AA-B817-DB8B5749A43F}"/>
+              </a:ext>
+              <a:ext uri="{C183D7F6-B498-43B3-948B-1728B52AA6E4}">
+                <adec:decorative xmlns:adec="http://schemas.microsoft.com/office/drawing/2017/decorative" val="1"/>
+              </a:ext>
+            </a:extLst>
+          </p:cNvPr>
+          <p:cNvSpPr>
+            <a:spLocks noGrp="1" noRot="1" noChangeAspect="1" noMove="1" noResize="1" noEditPoints="1" noAdjustHandles="1" noChangeArrowheads="1" noChangeShapeType="1" noTextEdit="1"/>
+          </p:cNvSpPr>
+          <p:nvPr>
+            <p:extLst>
+              <p:ext uri="{386F3935-93C4-4BCD-93E2-E3B085C9AB24}">
+                <p16:designElem xmlns:p16="http://schemas.microsoft.com/office/powerpoint/2015/main" val="1"/>
+              </p:ext>
+            </p:extLst>
+          </p:nvPr>
+        </p:nvSpPr>
+        <p:spPr>
+          <a:xfrm>
+            <a:off x="3707" y="3887812"/>
+            <a:ext cx="12188952" cy="457200"/>
+          </a:xfrm>
+          <a:prstGeom prst="rect">
+            <a:avLst/>
+          </a:prstGeom>
+          <a:solidFill>
+            <a:schemeClr val="accent1">
+              <a:alpha val="90000"/>
+            </a:schemeClr>
+          </a:solidFill>
+          <a:ln>
+            <a:noFill/>
+          </a:ln>
+        </p:spPr>
+        <p:style>
+          <a:lnRef idx="2">
+            <a:schemeClr val="accent1">
+              <a:shade val="50000"/>
+            </a:schemeClr>
+          </a:lnRef>
+          <a:fillRef idx="1">
+            <a:schemeClr val="accent1"/>
+          </a:fillRef>
+          <a:effectRef idx="0">
+            <a:schemeClr val="accent1"/>
+          </a:effectRef>
+          <a:fontRef idx="minor">
+            <a:schemeClr val="lt1"/>
+          </a:fontRef>
+        </p:style>
+        <p:txBody>
+          <a:bodyPr rtlCol="0" anchor="ctr"/>
+          <a:lstStyle>
+            <a:defPPr>
+              <a:defRPr lang="en-US"/>
+            </a:defPPr>
+            <a:lvl1pPr marL="0" algn="l" defTabSz="914400" rtl="0" eaLnBrk="1" latinLnBrk="0" hangingPunct="1">
+              <a:defRPr sz="1800" kern="1200">
+                <a:solidFill>
+                  <a:schemeClr val="lt1"/>
+                </a:solidFill>
+                <a:latin typeface="+mn-lt"/>
+                <a:ea typeface="+mn-ea"/>
+                <a:cs typeface="+mn-cs"/>
+              </a:defRPr>
+            </a:lvl1pPr>
+            <a:lvl2pPr marL="457200" algn="l" defTabSz="914400" rtl="0" eaLnBrk="1" latinLnBrk="0" hangingPunct="1">
+              <a:defRPr sz="1800" kern="1200">
+                <a:solidFill>
+                  <a:schemeClr val="lt1"/>
+                </a:solidFill>
+                <a:latin typeface="+mn-lt"/>
+                <a:ea typeface="+mn-ea"/>
+                <a:cs typeface="+mn-cs"/>
+              </a:defRPr>
+            </a:lvl2pPr>
+            <a:lvl3pPr marL="914400" algn="l" defTabSz="914400" rtl="0" eaLnBrk="1" latinLnBrk="0" hangingPunct="1">
+              <a:defRPr sz="1800" kern="1200">
+                <a:solidFill>
+                  <a:schemeClr val="lt1"/>
+                </a:solidFill>
+                <a:latin typeface="+mn-lt"/>
+                <a:ea typeface="+mn-ea"/>
+                <a:cs typeface="+mn-cs"/>
+              </a:defRPr>
+            </a:lvl3pPr>
+            <a:lvl4pPr marL="1371600" algn="l" defTabSz="914400" rtl="0" eaLnBrk="1" latinLnBrk="0" hangingPunct="1">
+              <a:defRPr sz="1800" kern="1200">
+                <a:solidFill>
+                  <a:schemeClr val="lt1"/>
+                </a:solidFill>
+                <a:latin typeface="+mn-lt"/>
+                <a:ea typeface="+mn-ea"/>
+                <a:cs typeface="+mn-cs"/>
+              </a:defRPr>
+            </a:lvl4pPr>
+            <a:lvl5pPr marL="1828800" algn="l" defTabSz="914400" rtl="0" eaLnBrk="1" latinLnBrk="0" hangingPunct="1">
+              <a:defRPr sz="1800" kern="1200">
+                <a:solidFill>
+                  <a:schemeClr val="lt1"/>
+                </a:solidFill>
+                <a:latin typeface="+mn-lt"/>
+                <a:ea typeface="+mn-ea"/>
+                <a:cs typeface="+mn-cs"/>
+              </a:defRPr>
+            </a:lvl5pPr>
+            <a:lvl6pPr marL="2286000" algn="l" defTabSz="914400" rtl="0" eaLnBrk="1" latinLnBrk="0" hangingPunct="1">
+              <a:defRPr sz="1800" kern="1200">
+                <a:solidFill>
+                  <a:schemeClr val="lt1"/>
+                </a:solidFill>
+                <a:latin typeface="+mn-lt"/>
+                <a:ea typeface="+mn-ea"/>
+                <a:cs typeface="+mn-cs"/>
+              </a:defRPr>
+            </a:lvl6pPr>
+            <a:lvl7pPr marL="2743200" algn="l" defTabSz="914400" rtl="0" eaLnBrk="1" latinLnBrk="0" hangingPunct="1">
+              <a:defRPr sz="1800" kern="1200">
+                <a:solidFill>
+                  <a:schemeClr val="lt1"/>
+                </a:solidFill>
+                <a:latin typeface="+mn-lt"/>
+                <a:ea typeface="+mn-ea"/>
+                <a:cs typeface="+mn-cs"/>
+              </a:defRPr>
+            </a:lvl7pPr>
+            <a:lvl8pPr marL="3200400" algn="l" defTabSz="914400" rtl="0" eaLnBrk="1" latinLnBrk="0" hangingPunct="1">
+              <a:defRPr sz="1800" kern="1200">
+                <a:solidFill>
+                  <a:schemeClr val="lt1"/>
+                </a:solidFill>
+                <a:latin typeface="+mn-lt"/>
+                <a:ea typeface="+mn-ea"/>
+                <a:cs typeface="+mn-cs"/>
+              </a:defRPr>
+            </a:lvl8pPr>
+            <a:lvl9pPr marL="3657600" algn="l" defTabSz="914400" rtl="0" eaLnBrk="1" latinLnBrk="0" hangingPunct="1">
+              <a:defRPr sz="1800" kern="1200">
+                <a:solidFill>
+                  <a:schemeClr val="lt1"/>
+                </a:solidFill>
+                <a:latin typeface="+mn-lt"/>
+                <a:ea typeface="+mn-ea"/>
+                <a:cs typeface="+mn-cs"/>
+              </a:defRPr>
+            </a:lvl9pPr>
+          </a:lstStyle>
+          <a:p>
+            <a:pPr algn="ctr"/>
+            <a:endParaRPr lang="en-US" dirty="0">
+              <a:solidFill>
+                <a:srgbClr val="FFFFFF"/>
+              </a:solidFill>
+            </a:endParaRPr>
+          </a:p>
+        </p:txBody>
+      </p:sp>
       <p:sp>
         <p:nvSpPr>
           <p:cNvPr id="2" name="Title 1">
@@ -3337,12 +6986,26 @@
             <p:ph type="ctrTitle"/>
           </p:nvPr>
         </p:nvSpPr>
-        <p:spPr/>
+        <p:spPr>
+          <a:xfrm>
+            <a:off x="475488" y="2166364"/>
+            <a:ext cx="11247120" cy="1739347"/>
+          </a:xfrm>
+        </p:spPr>
         <p:txBody>
-          <a:bodyPr/>
+          <a:bodyPr>
+            <a:normAutofit/>
+          </a:bodyPr>
           <a:lstStyle/>
           <a:p>
-            <a:endParaRPr lang="en-US"/>
+            <a:r>
+              <a:rPr lang="en-US" dirty="0">
+                <a:solidFill>
+                  <a:srgbClr val="FFFFFF"/>
+                </a:solidFill>
+              </a:rPr>
+              <a:t>Public Offering Data Analysis</a:t>
+            </a:r>
           </a:p>
         </p:txBody>
       </p:sp>
@@ -3362,12 +7025,27 @@
             <p:ph type="subTitle" idx="1"/>
           </p:nvPr>
         </p:nvSpPr>
-        <p:spPr/>
+        <p:spPr>
+          <a:xfrm>
+            <a:off x="347472" y="3913632"/>
+            <a:ext cx="11503152" cy="457200"/>
+          </a:xfrm>
+        </p:spPr>
         <p:txBody>
-          <a:bodyPr/>
+          <a:bodyPr>
+            <a:normAutofit/>
+          </a:bodyPr>
           <a:lstStyle/>
           <a:p>
-            <a:endParaRPr lang="en-US"/>
+            <a:pPr>
+              <a:spcAft>
+                <a:spcPts val="600"/>
+              </a:spcAft>
+            </a:pPr>
+            <a:r>
+              <a:rPr lang="en-US"/>
+              <a:t>John-Paul Besong,Dounglan Cheung,Mario Garcia, Jeremy Gavrilov, Zachary Pinter</a:t>
+            </a:r>
           </a:p>
         </p:txBody>
       </p:sp>
@@ -3384,111 +7062,1347 @@
 </p:sld>
 </file>
 
+<file path=ppt/slides/slide2.xml><?xml version="1.0" encoding="utf-8"?>
+<p:sld xmlns:a="http://schemas.openxmlformats.org/drawingml/2006/main" xmlns:r="http://schemas.openxmlformats.org/officeDocument/2006/relationships" xmlns:p="http://schemas.openxmlformats.org/presentationml/2006/main">
+  <p:cSld>
+    <p:bg>
+      <p:bgPr>
+        <a:solidFill>
+          <a:schemeClr val="bg2"/>
+        </a:solidFill>
+        <a:effectLst/>
+      </p:bgPr>
+    </p:bg>
+    <p:spTree>
+      <p:nvGrpSpPr>
+        <p:cNvPr id="1" name=""/>
+        <p:cNvGrpSpPr/>
+        <p:nvPr/>
+      </p:nvGrpSpPr>
+      <p:grpSpPr>
+        <a:xfrm>
+          <a:off x="0" y="0"/>
+          <a:ext cx="0" cy="0"/>
+          <a:chOff x="0" y="0"/>
+          <a:chExt cx="0" cy="0"/>
+        </a:xfrm>
+      </p:grpSpPr>
+      <p:sp>
+        <p:nvSpPr>
+          <p:cNvPr id="2" name="Title 1">
+            <a:extLst>
+              <a:ext uri="{FF2B5EF4-FFF2-40B4-BE49-F238E27FC236}">
+                <a16:creationId xmlns:a16="http://schemas.microsoft.com/office/drawing/2014/main" id="{008E0CFC-F7B5-4089-9410-099DCAB5AB10}"/>
+              </a:ext>
+            </a:extLst>
+          </p:cNvPr>
+          <p:cNvSpPr>
+            <a:spLocks noGrp="1"/>
+          </p:cNvSpPr>
+          <p:nvPr>
+            <p:ph type="title"/>
+          </p:nvPr>
+        </p:nvSpPr>
+        <p:spPr>
+          <a:xfrm>
+            <a:off x="1202919" y="284176"/>
+            <a:ext cx="9784080" cy="1508760"/>
+          </a:xfrm>
+        </p:spPr>
+        <p:txBody>
+          <a:bodyPr>
+            <a:normAutofit/>
+          </a:bodyPr>
+          <a:lstStyle/>
+          <a:p>
+            <a:r>
+              <a:rPr lang="en-US" dirty="0"/>
+              <a:t>Overall Concept</a:t>
+            </a:r>
+          </a:p>
+        </p:txBody>
+      </p:sp>
+      <p:graphicFrame>
+        <p:nvGraphicFramePr>
+          <p:cNvPr id="5" name="Content Placeholder 2">
+            <a:extLst>
+              <a:ext uri="{FF2B5EF4-FFF2-40B4-BE49-F238E27FC236}">
+                <a16:creationId xmlns:a16="http://schemas.microsoft.com/office/drawing/2014/main" id="{E4F39CFD-BE5B-4D3C-BDE0-81F009B1A840}"/>
+              </a:ext>
+            </a:extLst>
+          </p:cNvPr>
+          <p:cNvGraphicFramePr>
+            <a:graphicFrameLocks noGrp="1"/>
+          </p:cNvGraphicFramePr>
+          <p:nvPr>
+            <p:ph idx="1"/>
+            <p:extLst>
+              <p:ext uri="{D42A27DB-BD31-4B8C-83A1-F6EECF244321}">
+                <p14:modId xmlns:p14="http://schemas.microsoft.com/office/powerpoint/2010/main" val="254394230"/>
+              </p:ext>
+            </p:extLst>
+          </p:nvPr>
+        </p:nvGraphicFramePr>
+        <p:xfrm>
+          <a:off x="1203325" y="2476595"/>
+          <a:ext cx="9783763" cy="3416205"/>
+        </p:xfrm>
+        <a:graphic>
+          <a:graphicData uri="http://schemas.openxmlformats.org/drawingml/2006/diagram">
+            <dgm:relIds xmlns:dgm="http://schemas.openxmlformats.org/drawingml/2006/diagram" xmlns:r="http://schemas.openxmlformats.org/officeDocument/2006/relationships" r:dm="rId2" r:lo="rId3" r:qs="rId4" r:cs="rId5"/>
+          </a:graphicData>
+        </a:graphic>
+      </p:graphicFrame>
+    </p:spTree>
+    <p:extLst>
+      <p:ext uri="{BB962C8B-B14F-4D97-AF65-F5344CB8AC3E}">
+        <p14:creationId xmlns:p14="http://schemas.microsoft.com/office/powerpoint/2010/main" val="1979753910"/>
+      </p:ext>
+    </p:extLst>
+  </p:cSld>
+  <p:clrMapOvr>
+    <a:masterClrMapping/>
+  </p:clrMapOvr>
+</p:sld>
+</file>
+
+<file path=ppt/slides/slide3.xml><?xml version="1.0" encoding="utf-8"?>
+<p:sld xmlns:a="http://schemas.openxmlformats.org/drawingml/2006/main" xmlns:r="http://schemas.openxmlformats.org/officeDocument/2006/relationships" xmlns:p="http://schemas.openxmlformats.org/presentationml/2006/main">
+  <p:cSld>
+    <p:bg>
+      <p:bgPr>
+        <a:solidFill>
+          <a:schemeClr val="bg2"/>
+        </a:solidFill>
+        <a:effectLst/>
+      </p:bgPr>
+    </p:bg>
+    <p:spTree>
+      <p:nvGrpSpPr>
+        <p:cNvPr id="1" name=""/>
+        <p:cNvGrpSpPr/>
+        <p:nvPr/>
+      </p:nvGrpSpPr>
+      <p:grpSpPr>
+        <a:xfrm>
+          <a:off x="0" y="0"/>
+          <a:ext cx="0" cy="0"/>
+          <a:chOff x="0" y="0"/>
+          <a:chExt cx="0" cy="0"/>
+        </a:xfrm>
+      </p:grpSpPr>
+      <p:sp useBgFill="1">
+        <p:nvSpPr>
+          <p:cNvPr id="14" name="Rectangle 13">
+            <a:extLst>
+              <a:ext uri="{FF2B5EF4-FFF2-40B4-BE49-F238E27FC236}">
+                <a16:creationId xmlns:a16="http://schemas.microsoft.com/office/drawing/2014/main" id="{ACE0B6C6-23FB-4AED-A84E-3A43F4F58069}"/>
+              </a:ext>
+              <a:ext uri="{C183D7F6-B498-43B3-948B-1728B52AA6E4}">
+                <adec:decorative xmlns:adec="http://schemas.microsoft.com/office/drawing/2017/decorative" val="1"/>
+              </a:ext>
+            </a:extLst>
+          </p:cNvPr>
+          <p:cNvSpPr>
+            <a:spLocks noGrp="1" noRot="1" noChangeAspect="1" noMove="1" noResize="1" noEditPoints="1" noAdjustHandles="1" noChangeArrowheads="1" noChangeShapeType="1" noTextEdit="1"/>
+          </p:cNvSpPr>
+          <p:nvPr>
+            <p:extLst>
+              <p:ext uri="{386F3935-93C4-4BCD-93E2-E3B085C9AB24}">
+                <p16:designElem xmlns:p16="http://schemas.microsoft.com/office/powerpoint/2015/main" val="1"/>
+              </p:ext>
+            </p:extLst>
+          </p:nvPr>
+        </p:nvSpPr>
+        <p:spPr>
+          <a:xfrm>
+            <a:off x="3048" y="0"/>
+            <a:ext cx="12188952" cy="6858000"/>
+          </a:xfrm>
+          <a:prstGeom prst="rect">
+            <a:avLst/>
+          </a:prstGeom>
+          <a:ln>
+            <a:noFill/>
+          </a:ln>
+        </p:spPr>
+        <p:style>
+          <a:lnRef idx="2">
+            <a:schemeClr val="accent1">
+              <a:shade val="50000"/>
+            </a:schemeClr>
+          </a:lnRef>
+          <a:fillRef idx="1">
+            <a:schemeClr val="accent1"/>
+          </a:fillRef>
+          <a:effectRef idx="0">
+            <a:schemeClr val="accent1"/>
+          </a:effectRef>
+          <a:fontRef idx="minor">
+            <a:schemeClr val="lt1"/>
+          </a:fontRef>
+        </p:style>
+        <p:txBody>
+          <a:bodyPr rtlCol="0" anchor="ctr"/>
+          <a:lstStyle/>
+          <a:p>
+            <a:pPr algn="ctr"/>
+            <a:endParaRPr lang="en-US"/>
+          </a:p>
+        </p:txBody>
+      </p:sp>
+      <p:sp>
+        <p:nvSpPr>
+          <p:cNvPr id="2" name="Title 1">
+            <a:extLst>
+              <a:ext uri="{FF2B5EF4-FFF2-40B4-BE49-F238E27FC236}">
+                <a16:creationId xmlns:a16="http://schemas.microsoft.com/office/drawing/2014/main" id="{02ABB9C2-5E1A-4E58-98C5-1291ECF53633}"/>
+              </a:ext>
+            </a:extLst>
+          </p:cNvPr>
+          <p:cNvSpPr>
+            <a:spLocks noGrp="1"/>
+          </p:cNvSpPr>
+          <p:nvPr>
+            <p:ph type="title"/>
+          </p:nvPr>
+        </p:nvSpPr>
+        <p:spPr>
+          <a:xfrm>
+            <a:off x="1202919" y="2442230"/>
+            <a:ext cx="9784080" cy="1065835"/>
+          </a:xfrm>
+        </p:spPr>
+        <p:txBody>
+          <a:bodyPr>
+            <a:normAutofit/>
+          </a:bodyPr>
+          <a:lstStyle/>
+          <a:p>
+            <a:r>
+              <a:rPr lang="en-US" dirty="0">
+                <a:solidFill>
+                  <a:srgbClr val="FFFFFF"/>
+                </a:solidFill>
+              </a:rPr>
+              <a:t>The Chosen Ones: NFLX, </a:t>
+            </a:r>
+            <a:r>
+              <a:rPr lang="en-US" dirty="0" err="1">
+                <a:solidFill>
+                  <a:srgbClr val="FFFFFF"/>
+                </a:solidFill>
+              </a:rPr>
+              <a:t>Zm</a:t>
+            </a:r>
+            <a:r>
+              <a:rPr lang="en-US" dirty="0">
+                <a:solidFill>
+                  <a:srgbClr val="FFFFFF"/>
+                </a:solidFill>
+              </a:rPr>
+              <a:t>, DAL, AAL</a:t>
+            </a:r>
+          </a:p>
+        </p:txBody>
+      </p:sp>
+      <p:sp>
+        <p:nvSpPr>
+          <p:cNvPr id="16" name="Rectangle 15">
+            <a:extLst>
+              <a:ext uri="{FF2B5EF4-FFF2-40B4-BE49-F238E27FC236}">
+                <a16:creationId xmlns:a16="http://schemas.microsoft.com/office/drawing/2014/main" id="{2C086639-06AF-4CBA-893B-5D4CA38F92F1}"/>
+              </a:ext>
+              <a:ext uri="{C183D7F6-B498-43B3-948B-1728B52AA6E4}">
+                <adec:decorative xmlns:adec="http://schemas.microsoft.com/office/drawing/2017/decorative" val="1"/>
+              </a:ext>
+            </a:extLst>
+          </p:cNvPr>
+          <p:cNvSpPr>
+            <a:spLocks noGrp="1" noRot="1" noChangeAspect="1" noMove="1" noResize="1" noEditPoints="1" noAdjustHandles="1" noChangeArrowheads="1" noChangeShapeType="1" noTextEdit="1"/>
+          </p:cNvSpPr>
+          <p:nvPr>
+            <p:extLst>
+              <p:ext uri="{386F3935-93C4-4BCD-93E2-E3B085C9AB24}">
+                <p16:designElem xmlns:p16="http://schemas.microsoft.com/office/powerpoint/2015/main" val="1"/>
+              </p:ext>
+            </p:extLst>
+          </p:nvPr>
+        </p:nvSpPr>
+        <p:spPr>
+          <a:xfrm>
+            <a:off x="3048" y="176109"/>
+            <a:ext cx="12188952" cy="2090013"/>
+          </a:xfrm>
+          <a:prstGeom prst="rect">
+            <a:avLst/>
+          </a:prstGeom>
+          <a:solidFill>
+            <a:schemeClr val="tx1"/>
+          </a:solidFill>
+          <a:ln>
+            <a:noFill/>
+          </a:ln>
+        </p:spPr>
+        <p:style>
+          <a:lnRef idx="2">
+            <a:schemeClr val="accent1">
+              <a:shade val="50000"/>
+            </a:schemeClr>
+          </a:lnRef>
+          <a:fillRef idx="1">
+            <a:schemeClr val="accent1"/>
+          </a:fillRef>
+          <a:effectRef idx="0">
+            <a:schemeClr val="accent1"/>
+          </a:effectRef>
+          <a:fontRef idx="minor">
+            <a:schemeClr val="lt1"/>
+          </a:fontRef>
+        </p:style>
+      </p:sp>
+      <p:sp>
+        <p:nvSpPr>
+          <p:cNvPr id="18" name="Rectangle 17">
+            <a:extLst>
+              <a:ext uri="{FF2B5EF4-FFF2-40B4-BE49-F238E27FC236}">
+                <a16:creationId xmlns:a16="http://schemas.microsoft.com/office/drawing/2014/main" id="{655BB7C8-9C4A-4523-8A89-13FA01544CF0}"/>
+              </a:ext>
+              <a:ext uri="{C183D7F6-B498-43B3-948B-1728B52AA6E4}">
+                <adec:decorative xmlns:adec="http://schemas.microsoft.com/office/drawing/2017/decorative" val="1"/>
+              </a:ext>
+            </a:extLst>
+          </p:cNvPr>
+          <p:cNvSpPr>
+            <a:spLocks noGrp="1" noRot="1" noChangeAspect="1" noMove="1" noResize="1" noEditPoints="1" noAdjustHandles="1" noChangeArrowheads="1" noChangeShapeType="1" noTextEdit="1"/>
+          </p:cNvSpPr>
+          <p:nvPr>
+            <p:extLst>
+              <p:ext uri="{386F3935-93C4-4BCD-93E2-E3B085C9AB24}">
+                <p16:designElem xmlns:p16="http://schemas.microsoft.com/office/powerpoint/2015/main" val="1"/>
+              </p:ext>
+            </p:extLst>
+          </p:nvPr>
+        </p:nvSpPr>
+        <p:spPr>
+          <a:xfrm>
+            <a:off x="766202" y="437322"/>
+            <a:ext cx="2494230" cy="1659835"/>
+          </a:xfrm>
+          <a:prstGeom prst="rect">
+            <a:avLst/>
+          </a:prstGeom>
+          <a:noFill/>
+          <a:ln w="50800">
+            <a:solidFill>
+              <a:schemeClr val="bg2"/>
+            </a:solidFill>
+            <a:miter lim="800000"/>
+          </a:ln>
+        </p:spPr>
+        <p:style>
+          <a:lnRef idx="2">
+            <a:schemeClr val="accent1">
+              <a:shade val="50000"/>
+            </a:schemeClr>
+          </a:lnRef>
+          <a:fillRef idx="1">
+            <a:schemeClr val="accent1"/>
+          </a:fillRef>
+          <a:effectRef idx="0">
+            <a:schemeClr val="accent1"/>
+          </a:effectRef>
+          <a:fontRef idx="minor">
+            <a:schemeClr val="lt1"/>
+          </a:fontRef>
+        </p:style>
+        <p:txBody>
+          <a:bodyPr rtlCol="0" anchor="ctr"/>
+          <a:lstStyle/>
+          <a:p>
+            <a:pPr algn="ctr"/>
+            <a:endParaRPr lang="en-US"/>
+          </a:p>
+        </p:txBody>
+      </p:sp>
+      <p:pic>
+        <p:nvPicPr>
+          <p:cNvPr id="7" name="Picture 6">
+            <a:extLst>
+              <a:ext uri="{FF2B5EF4-FFF2-40B4-BE49-F238E27FC236}">
+                <a16:creationId xmlns:a16="http://schemas.microsoft.com/office/drawing/2014/main" id="{8BCF54EF-6C4D-449F-8006-16BF583B38C3}"/>
+              </a:ext>
+            </a:extLst>
+          </p:cNvPr>
+          <p:cNvPicPr>
+            <a:picLocks noChangeAspect="1"/>
+          </p:cNvPicPr>
+          <p:nvPr/>
+        </p:nvPicPr>
+        <p:blipFill>
+          <a:blip r:embed="rId2"/>
+          <a:stretch>
+            <a:fillRect/>
+          </a:stretch>
+        </p:blipFill>
+        <p:spPr>
+          <a:xfrm>
+            <a:off x="1088407" y="663735"/>
+            <a:ext cx="1849820" cy="1207008"/>
+          </a:xfrm>
+          <a:prstGeom prst="rect">
+            <a:avLst/>
+          </a:prstGeom>
+        </p:spPr>
+      </p:pic>
+      <p:sp>
+        <p:nvSpPr>
+          <p:cNvPr id="20" name="Rectangle 19">
+            <a:extLst>
+              <a:ext uri="{FF2B5EF4-FFF2-40B4-BE49-F238E27FC236}">
+                <a16:creationId xmlns:a16="http://schemas.microsoft.com/office/drawing/2014/main" id="{CFA01898-9E68-4951-977D-90E1031312C4}"/>
+              </a:ext>
+              <a:ext uri="{C183D7F6-B498-43B3-948B-1728B52AA6E4}">
+                <adec:decorative xmlns:adec="http://schemas.microsoft.com/office/drawing/2017/decorative" val="1"/>
+              </a:ext>
+            </a:extLst>
+          </p:cNvPr>
+          <p:cNvSpPr>
+            <a:spLocks noGrp="1" noRot="1" noChangeAspect="1" noMove="1" noResize="1" noEditPoints="1" noAdjustHandles="1" noChangeArrowheads="1" noChangeShapeType="1" noTextEdit="1"/>
+          </p:cNvSpPr>
+          <p:nvPr>
+            <p:extLst>
+              <p:ext uri="{386F3935-93C4-4BCD-93E2-E3B085C9AB24}">
+                <p16:designElem xmlns:p16="http://schemas.microsoft.com/office/powerpoint/2015/main" val="1"/>
+              </p:ext>
+            </p:extLst>
+          </p:nvPr>
+        </p:nvSpPr>
+        <p:spPr>
+          <a:xfrm>
+            <a:off x="3487991" y="437322"/>
+            <a:ext cx="2494230" cy="1659835"/>
+          </a:xfrm>
+          <a:prstGeom prst="rect">
+            <a:avLst/>
+          </a:prstGeom>
+          <a:noFill/>
+          <a:ln w="50800">
+            <a:solidFill>
+              <a:schemeClr val="bg2"/>
+            </a:solidFill>
+            <a:miter lim="800000"/>
+          </a:ln>
+        </p:spPr>
+        <p:style>
+          <a:lnRef idx="2">
+            <a:schemeClr val="accent1">
+              <a:shade val="50000"/>
+            </a:schemeClr>
+          </a:lnRef>
+          <a:fillRef idx="1">
+            <a:schemeClr val="accent1"/>
+          </a:fillRef>
+          <a:effectRef idx="0">
+            <a:schemeClr val="accent1"/>
+          </a:effectRef>
+          <a:fontRef idx="minor">
+            <a:schemeClr val="lt1"/>
+          </a:fontRef>
+        </p:style>
+        <p:txBody>
+          <a:bodyPr rtlCol="0" anchor="ctr"/>
+          <a:lstStyle/>
+          <a:p>
+            <a:pPr algn="ctr"/>
+            <a:endParaRPr lang="en-US"/>
+          </a:p>
+        </p:txBody>
+      </p:sp>
+      <p:pic>
+        <p:nvPicPr>
+          <p:cNvPr id="5" name="Picture 4">
+            <a:extLst>
+              <a:ext uri="{FF2B5EF4-FFF2-40B4-BE49-F238E27FC236}">
+                <a16:creationId xmlns:a16="http://schemas.microsoft.com/office/drawing/2014/main" id="{0C467E5A-9A5B-4B77-A965-CA086D45699A}"/>
+              </a:ext>
+            </a:extLst>
+          </p:cNvPr>
+          <p:cNvPicPr>
+            <a:picLocks noChangeAspect="1"/>
+          </p:cNvPicPr>
+          <p:nvPr/>
+        </p:nvPicPr>
+        <p:blipFill rotWithShape="1">
+          <a:blip r:embed="rId3"/>
+          <a:srcRect b="7096"/>
+          <a:stretch/>
+        </p:blipFill>
+        <p:spPr>
+          <a:xfrm>
+            <a:off x="3715550" y="734435"/>
+            <a:ext cx="2039112" cy="1065608"/>
+          </a:xfrm>
+          <a:prstGeom prst="rect">
+            <a:avLst/>
+          </a:prstGeom>
+        </p:spPr>
+      </p:pic>
+      <p:sp>
+        <p:nvSpPr>
+          <p:cNvPr id="22" name="Rectangle 21">
+            <a:extLst>
+              <a:ext uri="{FF2B5EF4-FFF2-40B4-BE49-F238E27FC236}">
+                <a16:creationId xmlns:a16="http://schemas.microsoft.com/office/drawing/2014/main" id="{7BE2D561-3633-4B37-94F3-DCCAF51570AB}"/>
+              </a:ext>
+              <a:ext uri="{C183D7F6-B498-43B3-948B-1728B52AA6E4}">
+                <adec:decorative xmlns:adec="http://schemas.microsoft.com/office/drawing/2017/decorative" val="1"/>
+              </a:ext>
+            </a:extLst>
+          </p:cNvPr>
+          <p:cNvSpPr>
+            <a:spLocks noGrp="1" noRot="1" noChangeAspect="1" noMove="1" noResize="1" noEditPoints="1" noAdjustHandles="1" noChangeArrowheads="1" noChangeShapeType="1" noTextEdit="1"/>
+          </p:cNvSpPr>
+          <p:nvPr>
+            <p:extLst>
+              <p:ext uri="{386F3935-93C4-4BCD-93E2-E3B085C9AB24}">
+                <p16:designElem xmlns:p16="http://schemas.microsoft.com/office/powerpoint/2015/main" val="1"/>
+              </p:ext>
+            </p:extLst>
+          </p:nvPr>
+        </p:nvSpPr>
+        <p:spPr>
+          <a:xfrm>
+            <a:off x="6209780" y="437322"/>
+            <a:ext cx="2494230" cy="1659835"/>
+          </a:xfrm>
+          <a:prstGeom prst="rect">
+            <a:avLst/>
+          </a:prstGeom>
+          <a:noFill/>
+          <a:ln w="50800">
+            <a:solidFill>
+              <a:schemeClr val="bg2"/>
+            </a:solidFill>
+            <a:miter lim="800000"/>
+          </a:ln>
+        </p:spPr>
+        <p:style>
+          <a:lnRef idx="2">
+            <a:schemeClr val="accent1">
+              <a:shade val="50000"/>
+            </a:schemeClr>
+          </a:lnRef>
+          <a:fillRef idx="1">
+            <a:schemeClr val="accent1"/>
+          </a:fillRef>
+          <a:effectRef idx="0">
+            <a:schemeClr val="accent1"/>
+          </a:effectRef>
+          <a:fontRef idx="minor">
+            <a:schemeClr val="lt1"/>
+          </a:fontRef>
+        </p:style>
+        <p:txBody>
+          <a:bodyPr rtlCol="0" anchor="ctr"/>
+          <a:lstStyle/>
+          <a:p>
+            <a:pPr algn="ctr"/>
+            <a:endParaRPr lang="en-US"/>
+          </a:p>
+        </p:txBody>
+      </p:sp>
+      <p:pic>
+        <p:nvPicPr>
+          <p:cNvPr id="4" name="Content Placeholder 3">
+            <a:extLst>
+              <a:ext uri="{FF2B5EF4-FFF2-40B4-BE49-F238E27FC236}">
+                <a16:creationId xmlns:a16="http://schemas.microsoft.com/office/drawing/2014/main" id="{A207B66D-89A1-47FB-89A7-3056B51748C9}"/>
+              </a:ext>
+            </a:extLst>
+          </p:cNvPr>
+          <p:cNvPicPr>
+            <a:picLocks noChangeAspect="1"/>
+          </p:cNvPicPr>
+          <p:nvPr/>
+        </p:nvPicPr>
+        <p:blipFill>
+          <a:blip r:embed="rId4"/>
+          <a:stretch>
+            <a:fillRect/>
+          </a:stretch>
+        </p:blipFill>
+        <p:spPr>
+          <a:xfrm>
+            <a:off x="6437339" y="734521"/>
+            <a:ext cx="2039112" cy="1065436"/>
+          </a:xfrm>
+          <a:prstGeom prst="rect">
+            <a:avLst/>
+          </a:prstGeom>
+        </p:spPr>
+      </p:pic>
+      <p:sp>
+        <p:nvSpPr>
+          <p:cNvPr id="24" name="Rectangle 23">
+            <a:extLst>
+              <a:ext uri="{FF2B5EF4-FFF2-40B4-BE49-F238E27FC236}">
+                <a16:creationId xmlns:a16="http://schemas.microsoft.com/office/drawing/2014/main" id="{E3860AE2-D963-4317-974D-15AB45BA7997}"/>
+              </a:ext>
+              <a:ext uri="{C183D7F6-B498-43B3-948B-1728B52AA6E4}">
+                <adec:decorative xmlns:adec="http://schemas.microsoft.com/office/drawing/2017/decorative" val="1"/>
+              </a:ext>
+            </a:extLst>
+          </p:cNvPr>
+          <p:cNvSpPr>
+            <a:spLocks noGrp="1" noRot="1" noChangeAspect="1" noMove="1" noResize="1" noEditPoints="1" noAdjustHandles="1" noChangeArrowheads="1" noChangeShapeType="1" noTextEdit="1"/>
+          </p:cNvSpPr>
+          <p:nvPr>
+            <p:extLst>
+              <p:ext uri="{386F3935-93C4-4BCD-93E2-E3B085C9AB24}">
+                <p16:designElem xmlns:p16="http://schemas.microsoft.com/office/powerpoint/2015/main" val="1"/>
+              </p:ext>
+            </p:extLst>
+          </p:nvPr>
+        </p:nvSpPr>
+        <p:spPr>
+          <a:xfrm>
+            <a:off x="8931569" y="437322"/>
+            <a:ext cx="2494230" cy="1659835"/>
+          </a:xfrm>
+          <a:prstGeom prst="rect">
+            <a:avLst/>
+          </a:prstGeom>
+          <a:noFill/>
+          <a:ln w="50800">
+            <a:solidFill>
+              <a:schemeClr val="bg2"/>
+            </a:solidFill>
+            <a:miter lim="800000"/>
+          </a:ln>
+        </p:spPr>
+        <p:style>
+          <a:lnRef idx="2">
+            <a:schemeClr val="accent1">
+              <a:shade val="50000"/>
+            </a:schemeClr>
+          </a:lnRef>
+          <a:fillRef idx="1">
+            <a:schemeClr val="accent1"/>
+          </a:fillRef>
+          <a:effectRef idx="0">
+            <a:schemeClr val="accent1"/>
+          </a:effectRef>
+          <a:fontRef idx="minor">
+            <a:schemeClr val="lt1"/>
+          </a:fontRef>
+        </p:style>
+        <p:txBody>
+          <a:bodyPr rtlCol="0" anchor="ctr"/>
+          <a:lstStyle/>
+          <a:p>
+            <a:pPr algn="ctr"/>
+            <a:endParaRPr lang="en-US"/>
+          </a:p>
+        </p:txBody>
+      </p:sp>
+      <p:pic>
+        <p:nvPicPr>
+          <p:cNvPr id="6" name="Picture 5">
+            <a:extLst>
+              <a:ext uri="{FF2B5EF4-FFF2-40B4-BE49-F238E27FC236}">
+                <a16:creationId xmlns:a16="http://schemas.microsoft.com/office/drawing/2014/main" id="{D9D68248-65A6-4793-8118-18333E8A465D}"/>
+              </a:ext>
+            </a:extLst>
+          </p:cNvPr>
+          <p:cNvPicPr>
+            <a:picLocks noChangeAspect="1"/>
+          </p:cNvPicPr>
+          <p:nvPr/>
+        </p:nvPicPr>
+        <p:blipFill>
+          <a:blip r:embed="rId5"/>
+          <a:stretch>
+            <a:fillRect/>
+          </a:stretch>
+        </p:blipFill>
+        <p:spPr>
+          <a:xfrm>
+            <a:off x="9159128" y="831379"/>
+            <a:ext cx="2039112" cy="871720"/>
+          </a:xfrm>
+          <a:prstGeom prst="rect">
+            <a:avLst/>
+          </a:prstGeom>
+        </p:spPr>
+      </p:pic>
+      <p:sp>
+        <p:nvSpPr>
+          <p:cNvPr id="11" name="Content Placeholder 10">
+            <a:extLst>
+              <a:ext uri="{FF2B5EF4-FFF2-40B4-BE49-F238E27FC236}">
+                <a16:creationId xmlns:a16="http://schemas.microsoft.com/office/drawing/2014/main" id="{0CD11659-6AEF-457C-A8EE-A5ADF0B6F2A9}"/>
+              </a:ext>
+            </a:extLst>
+          </p:cNvPr>
+          <p:cNvSpPr>
+            <a:spLocks noGrp="1"/>
+          </p:cNvSpPr>
+          <p:nvPr>
+            <p:ph idx="1"/>
+          </p:nvPr>
+        </p:nvSpPr>
+        <p:spPr>
+          <a:xfrm>
+            <a:off x="1202919" y="3578087"/>
+            <a:ext cx="9784080" cy="2639832"/>
+          </a:xfrm>
+        </p:spPr>
+        <p:txBody>
+          <a:bodyPr>
+            <a:normAutofit/>
+          </a:bodyPr>
+          <a:lstStyle/>
+          <a:p>
+            <a:r>
+              <a:rPr lang="en-US" sz="2000" dirty="0"/>
+              <a:t>Airlines:</a:t>
+            </a:r>
+          </a:p>
+          <a:p>
+            <a:pPr lvl="1"/>
+            <a:r>
+              <a:rPr lang="en-US" sz="1800" dirty="0"/>
+              <a:t>Deeply impacted by travel bans.</a:t>
+            </a:r>
+          </a:p>
+          <a:p>
+            <a:r>
+              <a:rPr lang="en-US" sz="2000" dirty="0"/>
+              <a:t>Zoom University</a:t>
+            </a:r>
+          </a:p>
+          <a:p>
+            <a:pPr lvl="1"/>
+            <a:r>
+              <a:rPr lang="en-US" sz="1800" dirty="0"/>
+              <a:t>Meteoric rise in online classes.</a:t>
+            </a:r>
+          </a:p>
+          <a:p>
+            <a:pPr lvl="1"/>
+            <a:r>
+              <a:rPr lang="en-US" sz="1800" dirty="0"/>
+              <a:t>Rise regardless of alleged privacy concerns.</a:t>
+            </a:r>
+          </a:p>
+          <a:p>
+            <a:r>
+              <a:rPr lang="en-US" sz="2000" dirty="0"/>
+              <a:t>Netflix</a:t>
+            </a:r>
+          </a:p>
+          <a:p>
+            <a:pPr lvl="1"/>
+            <a:r>
+              <a:rPr lang="en-US" sz="1800" dirty="0"/>
+              <a:t>Higher percentage of free time due to quarantine</a:t>
+            </a:r>
+          </a:p>
+          <a:p>
+            <a:pPr lvl="1"/>
+            <a:endParaRPr lang="en-US" sz="1800" dirty="0"/>
+          </a:p>
+        </p:txBody>
+      </p:sp>
+      <p:sp>
+        <p:nvSpPr>
+          <p:cNvPr id="15" name="Content Placeholder 10">
+            <a:extLst>
+              <a:ext uri="{FF2B5EF4-FFF2-40B4-BE49-F238E27FC236}">
+                <a16:creationId xmlns:a16="http://schemas.microsoft.com/office/drawing/2014/main" id="{B18F3D55-CA15-4D70-9C46-A3C441E37E48}"/>
+              </a:ext>
+            </a:extLst>
+          </p:cNvPr>
+          <p:cNvSpPr txBox="1">
+            <a:spLocks/>
+          </p:cNvSpPr>
+          <p:nvPr/>
+        </p:nvSpPr>
+        <p:spPr>
+          <a:xfrm>
+            <a:off x="6437339" y="3578087"/>
+            <a:ext cx="4988460" cy="2639832"/>
+          </a:xfrm>
+          <a:prstGeom prst="rect">
+            <a:avLst/>
+          </a:prstGeom>
+        </p:spPr>
+        <p:txBody>
+          <a:bodyPr vert="horz" lIns="91440" tIns="45720" rIns="91440" bIns="45720" rtlCol="0">
+            <a:normAutofit/>
+          </a:bodyPr>
+          <a:lstStyle>
+            <a:lvl1pPr marL="182880" indent="-182880" algn="l" defTabSz="914400" rtl="0" eaLnBrk="1" latinLnBrk="0" hangingPunct="1">
+              <a:lnSpc>
+                <a:spcPct val="90000"/>
+              </a:lnSpc>
+              <a:spcBef>
+                <a:spcPts val="1200"/>
+              </a:spcBef>
+              <a:spcAft>
+                <a:spcPts val="200"/>
+              </a:spcAft>
+              <a:buClr>
+                <a:schemeClr val="tx1"/>
+              </a:buClr>
+              <a:buFont typeface="Wingdings" pitchFamily="2" charset="2"/>
+              <a:buChar char=""/>
+              <a:defRPr sz="2200" kern="1200">
+                <a:solidFill>
+                  <a:schemeClr val="tx1"/>
+                </a:solidFill>
+                <a:latin typeface="+mn-lt"/>
+                <a:ea typeface="+mn-ea"/>
+                <a:cs typeface="+mn-cs"/>
+              </a:defRPr>
+            </a:lvl1pPr>
+            <a:lvl2pPr marL="411480" indent="-182880" algn="l" defTabSz="914400" rtl="0" eaLnBrk="1" latinLnBrk="0" hangingPunct="1">
+              <a:lnSpc>
+                <a:spcPct val="90000"/>
+              </a:lnSpc>
+              <a:spcBef>
+                <a:spcPts val="200"/>
+              </a:spcBef>
+              <a:spcAft>
+                <a:spcPts val="400"/>
+              </a:spcAft>
+              <a:buClr>
+                <a:schemeClr val="tx1"/>
+              </a:buClr>
+              <a:buFont typeface="Wingdings" pitchFamily="2" charset="2"/>
+              <a:buChar char=""/>
+              <a:defRPr sz="2000" kern="1200">
+                <a:solidFill>
+                  <a:schemeClr val="tx1"/>
+                </a:solidFill>
+                <a:latin typeface="+mn-lt"/>
+                <a:ea typeface="+mn-ea"/>
+                <a:cs typeface="+mn-cs"/>
+              </a:defRPr>
+            </a:lvl2pPr>
+            <a:lvl3pPr marL="640080" indent="-182880" algn="l" defTabSz="914400" rtl="0" eaLnBrk="1" latinLnBrk="0" hangingPunct="1">
+              <a:lnSpc>
+                <a:spcPct val="90000"/>
+              </a:lnSpc>
+              <a:spcBef>
+                <a:spcPts val="200"/>
+              </a:spcBef>
+              <a:spcAft>
+                <a:spcPts val="400"/>
+              </a:spcAft>
+              <a:buClr>
+                <a:schemeClr val="tx1"/>
+              </a:buClr>
+              <a:buFont typeface="Wingdings" pitchFamily="2" charset="2"/>
+              <a:buChar char=""/>
+              <a:defRPr sz="1800" kern="1200">
+                <a:solidFill>
+                  <a:schemeClr val="tx1"/>
+                </a:solidFill>
+                <a:latin typeface="+mn-lt"/>
+                <a:ea typeface="+mn-ea"/>
+                <a:cs typeface="+mn-cs"/>
+              </a:defRPr>
+            </a:lvl3pPr>
+            <a:lvl4pPr marL="868680" indent="-182880" algn="l" defTabSz="914400" rtl="0" eaLnBrk="1" latinLnBrk="0" hangingPunct="1">
+              <a:lnSpc>
+                <a:spcPct val="90000"/>
+              </a:lnSpc>
+              <a:spcBef>
+                <a:spcPts val="200"/>
+              </a:spcBef>
+              <a:spcAft>
+                <a:spcPts val="400"/>
+              </a:spcAft>
+              <a:buClr>
+                <a:schemeClr val="tx1"/>
+              </a:buClr>
+              <a:buFont typeface="Wingdings" pitchFamily="2" charset="2"/>
+              <a:buChar char=""/>
+              <a:defRPr sz="1600" kern="1200">
+                <a:solidFill>
+                  <a:schemeClr val="tx1"/>
+                </a:solidFill>
+                <a:latin typeface="+mn-lt"/>
+                <a:ea typeface="+mn-ea"/>
+                <a:cs typeface="+mn-cs"/>
+              </a:defRPr>
+            </a:lvl4pPr>
+            <a:lvl5pPr marL="1097280" indent="-182880" algn="l" defTabSz="914400" rtl="0" eaLnBrk="1" latinLnBrk="0" hangingPunct="1">
+              <a:lnSpc>
+                <a:spcPct val="90000"/>
+              </a:lnSpc>
+              <a:spcBef>
+                <a:spcPts val="200"/>
+              </a:spcBef>
+              <a:spcAft>
+                <a:spcPts val="400"/>
+              </a:spcAft>
+              <a:buClr>
+                <a:schemeClr val="tx1"/>
+              </a:buClr>
+              <a:buFont typeface="Wingdings" pitchFamily="2" charset="2"/>
+              <a:buChar char=""/>
+              <a:defRPr sz="1600" kern="1200">
+                <a:solidFill>
+                  <a:schemeClr val="tx1"/>
+                </a:solidFill>
+                <a:latin typeface="+mn-lt"/>
+                <a:ea typeface="+mn-ea"/>
+                <a:cs typeface="+mn-cs"/>
+              </a:defRPr>
+            </a:lvl5pPr>
+            <a:lvl6pPr marL="1284600" indent="-228600" algn="l" defTabSz="914400" rtl="0" eaLnBrk="1" latinLnBrk="0" hangingPunct="1">
+              <a:lnSpc>
+                <a:spcPct val="90000"/>
+              </a:lnSpc>
+              <a:spcBef>
+                <a:spcPts val="200"/>
+              </a:spcBef>
+              <a:spcAft>
+                <a:spcPts val="400"/>
+              </a:spcAft>
+              <a:buClr>
+                <a:schemeClr val="tx1"/>
+              </a:buClr>
+              <a:buFont typeface="Wingdings" pitchFamily="2" charset="2"/>
+              <a:buChar char=""/>
+              <a:defRPr sz="1600" kern="1200">
+                <a:solidFill>
+                  <a:schemeClr val="tx1"/>
+                </a:solidFill>
+                <a:latin typeface="+mn-lt"/>
+                <a:ea typeface="+mn-ea"/>
+                <a:cs typeface="+mn-cs"/>
+              </a:defRPr>
+            </a:lvl6pPr>
+            <a:lvl7pPr marL="1471800" indent="-228600" algn="l" defTabSz="914400" rtl="0" eaLnBrk="1" latinLnBrk="0" hangingPunct="1">
+              <a:lnSpc>
+                <a:spcPct val="90000"/>
+              </a:lnSpc>
+              <a:spcBef>
+                <a:spcPts val="200"/>
+              </a:spcBef>
+              <a:spcAft>
+                <a:spcPts val="400"/>
+              </a:spcAft>
+              <a:buClr>
+                <a:schemeClr val="tx1"/>
+              </a:buClr>
+              <a:buFont typeface="Wingdings" pitchFamily="2" charset="2"/>
+              <a:buChar char=""/>
+              <a:defRPr sz="1600" kern="1200">
+                <a:solidFill>
+                  <a:schemeClr val="tx1"/>
+                </a:solidFill>
+                <a:latin typeface="+mn-lt"/>
+                <a:ea typeface="+mn-ea"/>
+                <a:cs typeface="+mn-cs"/>
+              </a:defRPr>
+            </a:lvl7pPr>
+            <a:lvl8pPr marL="1629000" indent="-228600" algn="l" defTabSz="914400" rtl="0" eaLnBrk="1" latinLnBrk="0" hangingPunct="1">
+              <a:lnSpc>
+                <a:spcPct val="90000"/>
+              </a:lnSpc>
+              <a:spcBef>
+                <a:spcPts val="200"/>
+              </a:spcBef>
+              <a:spcAft>
+                <a:spcPts val="400"/>
+              </a:spcAft>
+              <a:buClr>
+                <a:schemeClr val="tx1"/>
+              </a:buClr>
+              <a:buFont typeface="Wingdings" pitchFamily="2" charset="2"/>
+              <a:buChar char=""/>
+              <a:defRPr sz="1600" kern="1200">
+                <a:solidFill>
+                  <a:schemeClr val="tx1"/>
+                </a:solidFill>
+                <a:latin typeface="+mn-lt"/>
+                <a:ea typeface="+mn-ea"/>
+                <a:cs typeface="+mn-cs"/>
+              </a:defRPr>
+            </a:lvl8pPr>
+            <a:lvl9pPr marL="1806200" indent="-228600" algn="l" defTabSz="914400" rtl="0" eaLnBrk="1" latinLnBrk="0" hangingPunct="1">
+              <a:lnSpc>
+                <a:spcPct val="90000"/>
+              </a:lnSpc>
+              <a:spcBef>
+                <a:spcPts val="200"/>
+              </a:spcBef>
+              <a:spcAft>
+                <a:spcPts val="400"/>
+              </a:spcAft>
+              <a:buClr>
+                <a:schemeClr val="tx1"/>
+              </a:buClr>
+              <a:buFont typeface="Wingdings" pitchFamily="2" charset="2"/>
+              <a:buChar char=""/>
+              <a:defRPr sz="1600" kern="1200">
+                <a:solidFill>
+                  <a:schemeClr val="tx1"/>
+                </a:solidFill>
+                <a:latin typeface="+mn-lt"/>
+                <a:ea typeface="+mn-ea"/>
+                <a:cs typeface="+mn-cs"/>
+              </a:defRPr>
+            </a:lvl9pPr>
+          </a:lstStyle>
+          <a:p>
+            <a:pPr marL="228600" lvl="1" indent="0" algn="ctr">
+              <a:buNone/>
+            </a:pPr>
+            <a:endParaRPr lang="en-US" sz="1800" dirty="0"/>
+          </a:p>
+          <a:p>
+            <a:pPr marL="228600" lvl="1" indent="0" algn="ctr">
+              <a:buNone/>
+            </a:pPr>
+            <a:endParaRPr lang="en-US" sz="1800" dirty="0"/>
+          </a:p>
+          <a:p>
+            <a:pPr marL="228600" lvl="1" indent="0" algn="ctr">
+              <a:buNone/>
+            </a:pPr>
+            <a:endParaRPr lang="en-US" sz="1800" dirty="0"/>
+          </a:p>
+          <a:p>
+            <a:pPr marL="228600" lvl="1" indent="0" algn="ctr">
+              <a:buNone/>
+            </a:pPr>
+            <a:r>
+              <a:rPr lang="en-US" sz="1800" dirty="0"/>
+              <a:t>These companies have been the most trending, leading to the </a:t>
+            </a:r>
+            <a:r>
+              <a:rPr lang="en-US" sz="1800"/>
+              <a:t>most Twitter data.</a:t>
+            </a:r>
+            <a:endParaRPr lang="en-US" sz="1800" dirty="0"/>
+          </a:p>
+        </p:txBody>
+      </p:sp>
+    </p:spTree>
+    <p:extLst>
+      <p:ext uri="{BB962C8B-B14F-4D97-AF65-F5344CB8AC3E}">
+        <p14:creationId xmlns:p14="http://schemas.microsoft.com/office/powerpoint/2010/main" val="1912757055"/>
+      </p:ext>
+    </p:extLst>
+  </p:cSld>
+  <p:clrMapOvr>
+    <a:masterClrMapping/>
+  </p:clrMapOvr>
+</p:sld>
+</file>
+
+<file path=ppt/slides/slide4.xml><?xml version="1.0" encoding="utf-8"?>
+<p:sld xmlns:a="http://schemas.openxmlformats.org/drawingml/2006/main" xmlns:r="http://schemas.openxmlformats.org/officeDocument/2006/relationships" xmlns:p="http://schemas.openxmlformats.org/presentationml/2006/main">
+  <p:cSld>
+    <p:spTree>
+      <p:nvGrpSpPr>
+        <p:cNvPr id="1" name=""/>
+        <p:cNvGrpSpPr/>
+        <p:nvPr/>
+      </p:nvGrpSpPr>
+      <p:grpSpPr>
+        <a:xfrm>
+          <a:off x="0" y="0"/>
+          <a:ext cx="0" cy="0"/>
+          <a:chOff x="0" y="0"/>
+          <a:chExt cx="0" cy="0"/>
+        </a:xfrm>
+      </p:grpSpPr>
+      <p:sp>
+        <p:nvSpPr>
+          <p:cNvPr id="2" name="Title 1">
+            <a:extLst>
+              <a:ext uri="{FF2B5EF4-FFF2-40B4-BE49-F238E27FC236}">
+                <a16:creationId xmlns:a16="http://schemas.microsoft.com/office/drawing/2014/main" id="{FAEA37A0-F237-4446-B04E-4F1E2FEC635F}"/>
+              </a:ext>
+            </a:extLst>
+          </p:cNvPr>
+          <p:cNvSpPr>
+            <a:spLocks noGrp="1"/>
+          </p:cNvSpPr>
+          <p:nvPr>
+            <p:ph type="title"/>
+          </p:nvPr>
+        </p:nvSpPr>
+        <p:spPr/>
+        <p:txBody>
+          <a:bodyPr/>
+          <a:lstStyle/>
+          <a:p>
+            <a:r>
+              <a:rPr lang="en-US" dirty="0"/>
+              <a:t>The numbers</a:t>
+            </a:r>
+          </a:p>
+        </p:txBody>
+      </p:sp>
+      <p:sp>
+        <p:nvSpPr>
+          <p:cNvPr id="3" name="Content Placeholder 2">
+            <a:extLst>
+              <a:ext uri="{FF2B5EF4-FFF2-40B4-BE49-F238E27FC236}">
+                <a16:creationId xmlns:a16="http://schemas.microsoft.com/office/drawing/2014/main" id="{C4E2DFF6-87F6-4BC5-8281-2593F17C287D}"/>
+              </a:ext>
+            </a:extLst>
+          </p:cNvPr>
+          <p:cNvSpPr>
+            <a:spLocks noGrp="1"/>
+          </p:cNvSpPr>
+          <p:nvPr>
+            <p:ph idx="1"/>
+          </p:nvPr>
+        </p:nvSpPr>
+        <p:spPr/>
+        <p:txBody>
+          <a:bodyPr/>
+          <a:lstStyle/>
+          <a:p>
+            <a:endParaRPr lang="en-US" dirty="0"/>
+          </a:p>
+        </p:txBody>
+      </p:sp>
+    </p:spTree>
+    <p:extLst>
+      <p:ext uri="{BB962C8B-B14F-4D97-AF65-F5344CB8AC3E}">
+        <p14:creationId xmlns:p14="http://schemas.microsoft.com/office/powerpoint/2010/main" val="2042003720"/>
+      </p:ext>
+    </p:extLst>
+  </p:cSld>
+  <p:clrMapOvr>
+    <a:masterClrMapping/>
+  </p:clrMapOvr>
+</p:sld>
+</file>
+
+<file path=ppt/slides/slide5.xml><?xml version="1.0" encoding="utf-8"?>
+<p:sld xmlns:a="http://schemas.openxmlformats.org/drawingml/2006/main" xmlns:r="http://schemas.openxmlformats.org/officeDocument/2006/relationships" xmlns:p="http://schemas.openxmlformats.org/presentationml/2006/main">
+  <p:cSld>
+    <p:spTree>
+      <p:nvGrpSpPr>
+        <p:cNvPr id="1" name=""/>
+        <p:cNvGrpSpPr/>
+        <p:nvPr/>
+      </p:nvGrpSpPr>
+      <p:grpSpPr>
+        <a:xfrm>
+          <a:off x="0" y="0"/>
+          <a:ext cx="0" cy="0"/>
+          <a:chOff x="0" y="0"/>
+          <a:chExt cx="0" cy="0"/>
+        </a:xfrm>
+      </p:grpSpPr>
+      <p:sp>
+        <p:nvSpPr>
+          <p:cNvPr id="2" name="Title 1">
+            <a:extLst>
+              <a:ext uri="{FF2B5EF4-FFF2-40B4-BE49-F238E27FC236}">
+                <a16:creationId xmlns:a16="http://schemas.microsoft.com/office/drawing/2014/main" id="{909AB05C-1377-471B-888F-DAF636268E07}"/>
+              </a:ext>
+            </a:extLst>
+          </p:cNvPr>
+          <p:cNvSpPr>
+            <a:spLocks noGrp="1"/>
+          </p:cNvSpPr>
+          <p:nvPr>
+            <p:ph type="title"/>
+          </p:nvPr>
+        </p:nvSpPr>
+        <p:spPr/>
+        <p:txBody>
+          <a:bodyPr/>
+          <a:lstStyle/>
+          <a:p>
+            <a:endParaRPr lang="en-US"/>
+          </a:p>
+        </p:txBody>
+      </p:sp>
+      <p:sp>
+        <p:nvSpPr>
+          <p:cNvPr id="3" name="Content Placeholder 2">
+            <a:extLst>
+              <a:ext uri="{FF2B5EF4-FFF2-40B4-BE49-F238E27FC236}">
+                <a16:creationId xmlns:a16="http://schemas.microsoft.com/office/drawing/2014/main" id="{E6DD5F71-9550-4D5F-93DD-1A25B6E94812}"/>
+              </a:ext>
+            </a:extLst>
+          </p:cNvPr>
+          <p:cNvSpPr>
+            <a:spLocks noGrp="1"/>
+          </p:cNvSpPr>
+          <p:nvPr>
+            <p:ph idx="1"/>
+          </p:nvPr>
+        </p:nvSpPr>
+        <p:spPr/>
+        <p:txBody>
+          <a:bodyPr/>
+          <a:lstStyle/>
+          <a:p>
+            <a:endParaRPr lang="en-US"/>
+          </a:p>
+        </p:txBody>
+      </p:sp>
+    </p:spTree>
+    <p:extLst>
+      <p:ext uri="{BB962C8B-B14F-4D97-AF65-F5344CB8AC3E}">
+        <p14:creationId xmlns:p14="http://schemas.microsoft.com/office/powerpoint/2010/main" val="910700709"/>
+      </p:ext>
+    </p:extLst>
+  </p:cSld>
+  <p:clrMapOvr>
+    <a:masterClrMapping/>
+  </p:clrMapOvr>
+</p:sld>
+</file>
+
+<file path=ppt/slides/slide6.xml><?xml version="1.0" encoding="utf-8"?>
+<p:sld xmlns:a="http://schemas.openxmlformats.org/drawingml/2006/main" xmlns:r="http://schemas.openxmlformats.org/officeDocument/2006/relationships" xmlns:p="http://schemas.openxmlformats.org/presentationml/2006/main">
+  <p:cSld>
+    <p:spTree>
+      <p:nvGrpSpPr>
+        <p:cNvPr id="1" name=""/>
+        <p:cNvGrpSpPr/>
+        <p:nvPr/>
+      </p:nvGrpSpPr>
+      <p:grpSpPr>
+        <a:xfrm>
+          <a:off x="0" y="0"/>
+          <a:ext cx="0" cy="0"/>
+          <a:chOff x="0" y="0"/>
+          <a:chExt cx="0" cy="0"/>
+        </a:xfrm>
+      </p:grpSpPr>
+      <p:sp>
+        <p:nvSpPr>
+          <p:cNvPr id="2" name="Title 1">
+            <a:extLst>
+              <a:ext uri="{FF2B5EF4-FFF2-40B4-BE49-F238E27FC236}">
+                <a16:creationId xmlns:a16="http://schemas.microsoft.com/office/drawing/2014/main" id="{0D369ADB-E128-498D-9C75-1F27528F35D9}"/>
+              </a:ext>
+            </a:extLst>
+          </p:cNvPr>
+          <p:cNvSpPr>
+            <a:spLocks noGrp="1"/>
+          </p:cNvSpPr>
+          <p:nvPr>
+            <p:ph type="title"/>
+          </p:nvPr>
+        </p:nvSpPr>
+        <p:spPr/>
+        <p:txBody>
+          <a:bodyPr/>
+          <a:lstStyle/>
+          <a:p>
+            <a:endParaRPr lang="en-US"/>
+          </a:p>
+        </p:txBody>
+      </p:sp>
+      <p:sp>
+        <p:nvSpPr>
+          <p:cNvPr id="3" name="Content Placeholder 2">
+            <a:extLst>
+              <a:ext uri="{FF2B5EF4-FFF2-40B4-BE49-F238E27FC236}">
+                <a16:creationId xmlns:a16="http://schemas.microsoft.com/office/drawing/2014/main" id="{7E0C063D-3C52-4B8B-8D77-8738BF7750D0}"/>
+              </a:ext>
+            </a:extLst>
+          </p:cNvPr>
+          <p:cNvSpPr>
+            <a:spLocks noGrp="1"/>
+          </p:cNvSpPr>
+          <p:nvPr>
+            <p:ph idx="1"/>
+          </p:nvPr>
+        </p:nvSpPr>
+        <p:spPr/>
+        <p:txBody>
+          <a:bodyPr/>
+          <a:lstStyle/>
+          <a:p>
+            <a:endParaRPr lang="en-US"/>
+          </a:p>
+        </p:txBody>
+      </p:sp>
+    </p:spTree>
+    <p:extLst>
+      <p:ext uri="{BB962C8B-B14F-4D97-AF65-F5344CB8AC3E}">
+        <p14:creationId xmlns:p14="http://schemas.microsoft.com/office/powerpoint/2010/main" val="1302814122"/>
+      </p:ext>
+    </p:extLst>
+  </p:cSld>
+  <p:clrMapOvr>
+    <a:masterClrMapping/>
+  </p:clrMapOvr>
+</p:sld>
+</file>
+
 <file path=ppt/theme/theme1.xml><?xml version="1.0" encoding="utf-8"?>
-<a:theme xmlns:a="http://schemas.openxmlformats.org/drawingml/2006/main" name="Office Theme">
+<a:theme xmlns:a="http://schemas.openxmlformats.org/drawingml/2006/main" name="Banded">
   <a:themeElements>
-    <a:clrScheme name="Office">
+    <a:clrScheme name="Banded">
       <a:dk1>
-        <a:sysClr val="windowText" lastClr="000000"/>
+        <a:srgbClr val="2C2C2C"/>
       </a:dk1>
       <a:lt1>
-        <a:sysClr val="window" lastClr="FFFFFF"/>
+        <a:srgbClr val="FFFFFF"/>
       </a:lt1>
       <a:dk2>
-        <a:srgbClr val="44546A"/>
+        <a:srgbClr val="F56617"/>
       </a:dk2>
       <a:lt2>
-        <a:srgbClr val="E7E6E6"/>
+        <a:srgbClr val="DDDDDD"/>
       </a:lt2>
       <a:accent1>
-        <a:srgbClr val="4472C4"/>
+        <a:srgbClr val="FFC000"/>
       </a:accent1>
       <a:accent2>
-        <a:srgbClr val="ED7D31"/>
+        <a:srgbClr val="BD582C"/>
       </a:accent2>
       <a:accent3>
-        <a:srgbClr val="A5A5A5"/>
+        <a:srgbClr val="865640"/>
       </a:accent3>
       <a:accent4>
-        <a:srgbClr val="FFC000"/>
+        <a:srgbClr val="9B8357"/>
       </a:accent4>
       <a:accent5>
-        <a:srgbClr val="5B9BD5"/>
+        <a:srgbClr val="C2BC80"/>
       </a:accent5>
       <a:accent6>
-        <a:srgbClr val="70AD47"/>
+        <a:srgbClr val="94A080"/>
       </a:accent6>
       <a:hlink>
-        <a:srgbClr val="0563C1"/>
+        <a:srgbClr val="FF9933"/>
       </a:hlink>
       <a:folHlink>
-        <a:srgbClr val="954F72"/>
+        <a:srgbClr val="6C606A"/>
       </a:folHlink>
     </a:clrScheme>
-    <a:fontScheme name="Office">
+    <a:fontScheme name="Banded">
       <a:majorFont>
-        <a:latin typeface="Calibri Light" panose="020F0302020204030204"/>
+        <a:latin typeface="Corbel" panose="020B0503020204020204"/>
         <a:ea typeface=""/>
         <a:cs typeface=""/>
-        <a:font script="Jpan" typeface="游ゴシック Light"/>
+        <a:font script="Jpan" typeface="ＭＳ ゴシック"/>
         <a:font script="Hang" typeface="맑은 고딕"/>
-        <a:font script="Hans" typeface="等线 Light"/>
+        <a:font script="Hans" typeface="宋体"/>
         <a:font script="Hant" typeface="新細明體"/>
-        <a:font script="Arab" typeface="Times New Roman"/>
-        <a:font script="Hebr" typeface="Times New Roman"/>
-        <a:font script="Thai" typeface="Angsana New"/>
-        <a:font script="Ethi" typeface="Nyala"/>
-        <a:font script="Beng" typeface="Vrinda"/>
-        <a:font script="Gujr" typeface="Shruti"/>
-        <a:font script="Khmr" typeface="MoolBoran"/>
-        <a:font script="Knda" typeface="Tunga"/>
-        <a:font script="Guru" typeface="Raavi"/>
-        <a:font script="Cans" typeface="Euphemia"/>
-        <a:font script="Cher" typeface="Plantagenet Cherokee"/>
-        <a:font script="Yiii" typeface="Microsoft Yi Baiti"/>
-        <a:font script="Tibt" typeface="Microsoft Himalaya"/>
-        <a:font script="Thaa" typeface="MV Boli"/>
-        <a:font script="Deva" typeface="Mangal"/>
-        <a:font script="Telu" typeface="Gautami"/>
-        <a:font script="Taml" typeface="Latha"/>
-        <a:font script="Syrc" typeface="Estrangelo Edessa"/>
-        <a:font script="Orya" typeface="Kalinga"/>
-        <a:font script="Mlym" typeface="Kartika"/>
-        <a:font script="Laoo" typeface="DokChampa"/>
-        <a:font script="Sinh" typeface="Iskoola Pota"/>
-        <a:font script="Mong" typeface="Mongolian Baiti"/>
-        <a:font script="Viet" typeface="Times New Roman"/>
-        <a:font script="Uigh" typeface="Microsoft Uighur"/>
-        <a:font script="Geor" typeface="Sylfaen"/>
-        <a:font script="Armn" typeface="Arial"/>
-        <a:font script="Bugi" typeface="Leelawadee UI"/>
-        <a:font script="Bopo" typeface="Microsoft JhengHei"/>
-        <a:font script="Java" typeface="Javanese Text"/>
-        <a:font script="Lisu" typeface="Segoe UI"/>
-        <a:font script="Mymr" typeface="Myanmar Text"/>
-        <a:font script="Nkoo" typeface="Ebrima"/>
-        <a:font script="Olck" typeface="Nirmala UI"/>
-        <a:font script="Osma" typeface="Ebrima"/>
-        <a:font script="Phag" typeface="Phagspa"/>
-        <a:font script="Syrn" typeface="Estrangelo Edessa"/>
-        <a:font script="Syrj" typeface="Estrangelo Edessa"/>
-        <a:font script="Syre" typeface="Estrangelo Edessa"/>
-        <a:font script="Sora" typeface="Nirmala UI"/>
-        <a:font script="Tale" typeface="Microsoft Tai Le"/>
-        <a:font script="Talu" typeface="Microsoft New Tai Lue"/>
-        <a:font script="Tfng" typeface="Ebrima"/>
-      </a:majorFont>
-      <a:minorFont>
-        <a:latin typeface="Calibri" panose="020F0502020204030204"/>
-        <a:ea typeface=""/>
-        <a:cs typeface=""/>
-        <a:font script="Jpan" typeface="游ゴシック"/>
-        <a:font script="Hang" typeface="맑은 고딕"/>
-        <a:font script="Hans" typeface="等线"/>
-        <a:font script="Hant" typeface="新細明體"/>
-        <a:font script="Arab" typeface="Arial"/>
-        <a:font script="Hebr" typeface="Arial"/>
-        <a:font script="Thai" typeface="Cordia New"/>
+        <a:font script="Arab" typeface="Tahoma"/>
+        <a:font script="Hebr" typeface="Gisha"/>
+        <a:font script="Thai" typeface="DilleniaUPC"/>
         <a:font script="Ethi" typeface="Nyala"/>
         <a:font script="Beng" typeface="Vrinda"/>
         <a:font script="Gujr" typeface="Shruti"/>
@@ -3509,29 +8423,47 @@
         <a:font script="Laoo" typeface="DokChampa"/>
         <a:font script="Sinh" typeface="Iskoola Pota"/>
         <a:font script="Mong" typeface="Mongolian Baiti"/>
-        <a:font script="Viet" typeface="Arial"/>
+        <a:font script="Viet" typeface="Tahoma"/>
         <a:font script="Uigh" typeface="Microsoft Uighur"/>
         <a:font script="Geor" typeface="Sylfaen"/>
-        <a:font script="Armn" typeface="Arial"/>
-        <a:font script="Bugi" typeface="Leelawadee UI"/>
-        <a:font script="Bopo" typeface="Microsoft JhengHei"/>
-        <a:font script="Java" typeface="Javanese Text"/>
-        <a:font script="Lisu" typeface="Segoe UI"/>
-        <a:font script="Mymr" typeface="Myanmar Text"/>
-        <a:font script="Nkoo" typeface="Ebrima"/>
-        <a:font script="Olck" typeface="Nirmala UI"/>
-        <a:font script="Osma" typeface="Ebrima"/>
-        <a:font script="Phag" typeface="Phagspa"/>
-        <a:font script="Syrn" typeface="Estrangelo Edessa"/>
-        <a:font script="Syrj" typeface="Estrangelo Edessa"/>
-        <a:font script="Syre" typeface="Estrangelo Edessa"/>
-        <a:font script="Sora" typeface="Nirmala UI"/>
-        <a:font script="Tale" typeface="Microsoft Tai Le"/>
-        <a:font script="Talu" typeface="Microsoft New Tai Lue"/>
-        <a:font script="Tfng" typeface="Ebrima"/>
+      </a:majorFont>
+      <a:minorFont>
+        <a:latin typeface="Corbel" panose="020B0503020204020204"/>
+        <a:ea typeface=""/>
+        <a:cs typeface=""/>
+        <a:font script="Jpan" typeface="ＭＳ ゴシック"/>
+        <a:font script="Hang" typeface="맑은 고딕"/>
+        <a:font script="Hans" typeface="宋体"/>
+        <a:font script="Hant" typeface="新細明體"/>
+        <a:font script="Arab" typeface="Tahoma"/>
+        <a:font script="Hebr" typeface="Gisha"/>
+        <a:font script="Thai" typeface="DilleniaUPC"/>
+        <a:font script="Ethi" typeface="Nyala"/>
+        <a:font script="Beng" typeface="Vrinda"/>
+        <a:font script="Gujr" typeface="Shruti"/>
+        <a:font script="Khmr" typeface="DaunPenh"/>
+        <a:font script="Knda" typeface="Tunga"/>
+        <a:font script="Guru" typeface="Raavi"/>
+        <a:font script="Cans" typeface="Euphemia"/>
+        <a:font script="Cher" typeface="Plantagenet Cherokee"/>
+        <a:font script="Yiii" typeface="Microsoft Yi Baiti"/>
+        <a:font script="Tibt" typeface="Microsoft Himalaya"/>
+        <a:font script="Thaa" typeface="MV Boli"/>
+        <a:font script="Deva" typeface="Mangal"/>
+        <a:font script="Telu" typeface="Gautami"/>
+        <a:font script="Taml" typeface="Latha"/>
+        <a:font script="Syrc" typeface="Estrangelo Edessa"/>
+        <a:font script="Orya" typeface="Kalinga"/>
+        <a:font script="Mlym" typeface="Kartika"/>
+        <a:font script="Laoo" typeface="DokChampa"/>
+        <a:font script="Sinh" typeface="Iskoola Pota"/>
+        <a:font script="Mong" typeface="Mongolian Baiti"/>
+        <a:font script="Viet" typeface="Verdana"/>
+        <a:font script="Uigh" typeface="Microsoft Uighur"/>
+        <a:font script="Geor" typeface="Sylfaen"/>
       </a:minorFont>
     </a:fontScheme>
-    <a:fmtScheme name="Office">
+    <a:fmtScheme name="Banded">
       <a:fillStyleLst>
         <a:solidFill>
           <a:schemeClr val="phClr"/>
@@ -3540,23 +8472,23 @@
           <a:gsLst>
             <a:gs pos="0">
               <a:schemeClr val="phClr">
-                <a:lumMod val="110000"/>
-                <a:satMod val="105000"/>
-                <a:tint val="67000"/>
+                <a:tint val="65000"/>
+                <a:satMod val="120000"/>
+                <a:lumMod val="107000"/>
               </a:schemeClr>
             </a:gs>
             <a:gs pos="50000">
               <a:schemeClr val="phClr">
-                <a:lumMod val="105000"/>
-                <a:satMod val="103000"/>
-                <a:tint val="73000"/>
+                <a:tint val="70000"/>
+                <a:satMod val="124000"/>
+                <a:lumMod val="103000"/>
               </a:schemeClr>
             </a:gs>
             <a:gs pos="100000">
               <a:schemeClr val="phClr">
-                <a:lumMod val="105000"/>
-                <a:satMod val="109000"/>
-                <a:tint val="81000"/>
+                <a:tint val="85000"/>
+                <a:satMod val="120000"/>
+                <a:lumMod val="100000"/>
               </a:schemeClr>
             </a:gs>
           </a:gsLst>
@@ -3566,23 +8498,24 @@
           <a:gsLst>
             <a:gs pos="0">
               <a:schemeClr val="phClr">
-                <a:satMod val="103000"/>
-                <a:lumMod val="102000"/>
-                <a:tint val="94000"/>
+                <a:tint val="85000"/>
+                <a:shade val="98000"/>
+                <a:satMod val="110000"/>
+                <a:lumMod val="103000"/>
               </a:schemeClr>
             </a:gs>
             <a:gs pos="50000">
               <a:schemeClr val="phClr">
-                <a:satMod val="110000"/>
+                <a:shade val="85000"/>
+                <a:satMod val="105000"/>
                 <a:lumMod val="100000"/>
-                <a:shade val="100000"/>
               </a:schemeClr>
             </a:gs>
             <a:gs pos="100000">
               <a:schemeClr val="phClr">
-                <a:lumMod val="99000"/>
+                <a:shade val="60000"/>
                 <a:satMod val="120000"/>
-                <a:shade val="78000"/>
+                <a:lumMod val="100000"/>
               </a:schemeClr>
             </a:gs>
           </a:gsLst>
@@ -3590,26 +8523,23 @@
         </a:gradFill>
       </a:fillStyleLst>
       <a:lnStyleLst>
-        <a:ln w="6350" cap="flat" cmpd="sng" algn="ctr">
+        <a:ln w="9525" cap="flat" cmpd="sng" algn="ctr">
           <a:solidFill>
             <a:schemeClr val="phClr"/>
           </a:solidFill>
           <a:prstDash val="solid"/>
-          <a:miter lim="800000"/>
         </a:ln>
         <a:ln w="12700" cap="flat" cmpd="sng" algn="ctr">
           <a:solidFill>
             <a:schemeClr val="phClr"/>
           </a:solidFill>
           <a:prstDash val="solid"/>
-          <a:miter lim="800000"/>
         </a:ln>
-        <a:ln w="19050" cap="flat" cmpd="sng" algn="ctr">
+        <a:ln w="25400" cap="flat" cmpd="sng" algn="ctr">
           <a:solidFill>
             <a:schemeClr val="phClr"/>
           </a:solidFill>
           <a:prstDash val="solid"/>
-          <a:miter lim="800000"/>
         </a:ln>
       </a:lnStyleLst>
       <a:effectStyleLst>
@@ -3617,11 +8547,17 @@
           <a:effectLst/>
         </a:effectStyle>
         <a:effectStyle>
-          <a:effectLst/>
+          <a:effectLst>
+            <a:outerShdw blurRad="50800" dist="15875" dir="5400000" algn="ctr" rotWithShape="0">
+              <a:srgbClr val="000000">
+                <a:alpha val="68000"/>
+              </a:srgbClr>
+            </a:outerShdw>
+          </a:effectLst>
         </a:effectStyle>
         <a:effectStyle>
           <a:effectLst>
-            <a:outerShdw blurRad="57150" dist="19050" dir="5400000" algn="ctr" rotWithShape="0">
+            <a:outerShdw blurRad="88900" dist="27940" dir="5400000" algn="ctr" rotWithShape="0">
               <a:srgbClr val="000000">
                 <a:alpha val="63000"/>
               </a:srgbClr>
@@ -3633,34 +8569,31 @@
         <a:solidFill>
           <a:schemeClr val="phClr"/>
         </a:solidFill>
-        <a:solidFill>
-          <a:schemeClr val="phClr">
-            <a:tint val="95000"/>
-            <a:satMod val="170000"/>
-          </a:schemeClr>
-        </a:solidFill>
+        <a:blipFill rotWithShape="1">
+          <a:blip xmlns:r="http://schemas.openxmlformats.org/officeDocument/2006/relationships" r:embed="rId1">
+            <a:duotone>
+              <a:schemeClr val="phClr"/>
+              <a:schemeClr val="phClr">
+                <a:shade val="91000"/>
+                <a:satMod val="105000"/>
+              </a:schemeClr>
+            </a:duotone>
+          </a:blip>
+          <a:tile tx="0" ty="0" sx="100000" sy="100000" flip="none" algn="tl"/>
+        </a:blipFill>
         <a:gradFill rotWithShape="1">
           <a:gsLst>
             <a:gs pos="0">
               <a:schemeClr val="phClr">
-                <a:tint val="93000"/>
-                <a:satMod val="150000"/>
-                <a:shade val="98000"/>
-                <a:lumMod val="102000"/>
-              </a:schemeClr>
-            </a:gs>
-            <a:gs pos="50000">
-              <a:schemeClr val="phClr">
-                <a:tint val="98000"/>
-                <a:satMod val="130000"/>
-                <a:shade val="90000"/>
-                <a:lumMod val="103000"/>
+                <a:tint val="100000"/>
+                <a:shade val="0"/>
+                <a:satMod val="100000"/>
               </a:schemeClr>
             </a:gs>
             <a:gs pos="100000">
               <a:schemeClr val="phClr">
-                <a:shade val="63000"/>
-                <a:satMod val="120000"/>
+                <a:shade val="100000"/>
+                <a:satMod val="100000"/>
               </a:schemeClr>
             </a:gs>
           </a:gsLst>
@@ -3673,7 +8606,7 @@
   <a:extraClrSchemeLst/>
   <a:extLst>
     <a:ext uri="{05A4C25C-085E-4340-85A3-A5531E510DB2}">
-      <thm15:themeFamily xmlns:thm15="http://schemas.microsoft.com/office/thememl/2012/main" name="Office Theme" id="{62F939B6-93AF-4DB8-9C6B-D6C7DFDC589F}" vid="{4A3C46E8-61CC-4603-A589-7422A47A8E4A}"/>
+      <thm15:themeFamily xmlns:thm15="http://schemas.microsoft.com/office/thememl/2012/main" name="Banded" id="{98DFF888-2449-4D28-977C-6306C017633E}" vid="{B7CF026C-957E-4F4E-893C-D02C23AB6317}"/>
     </a:ext>
   </a:extLst>
 </a:theme>

--- a/Powerpoint/Final Project.pptx
+++ b/Powerpoint/Final Project.pptx
@@ -124,9 +124,134 @@
 <file path=ppt/revisionInfo.xml><?xml version="1.0" encoding="utf-8"?>
 <p1510:revInfo xmlns:a="http://schemas.openxmlformats.org/drawingml/2006/main" xmlns:r="http://schemas.openxmlformats.org/officeDocument/2006/relationships" xmlns:p1510="http://schemas.microsoft.com/office/powerpoint/2015/10/main">
   <p1510:revLst>
+    <p1510:client id="{73DDB0EB-0642-42F6-9210-F7155705DE25}" v="10" dt="2020-04-22T17:58:42.709"/>
     <p1510:client id="{7C1BBBAB-FE35-4ED4-B76D-E99DAE49BE30}" v="13" dt="2020-04-22T17:43:21.864"/>
   </p1510:revLst>
 </p1510:revInfo>
+</file>
+
+<file path=ppt/changesInfos/changesInfo1.xml><?xml version="1.0" encoding="utf-8"?>
+<pc:chgInfo xmlns:a="http://schemas.openxmlformats.org/drawingml/2006/main" xmlns:r="http://schemas.openxmlformats.org/officeDocument/2006/relationships" xmlns:ac="http://schemas.microsoft.com/office/drawing/2013/main/command" xmlns:pc="http://schemas.microsoft.com/office/powerpoint/2013/main/command">
+  <pc:docChgLst>
+    <pc:chgData name="Mario Garcia" userId="53bf80f1d6e59a2f" providerId="LiveId" clId="{73DDB0EB-0642-42F6-9210-F7155705DE25}"/>
+    <pc:docChg chg="undo custSel modSld">
+      <pc:chgData name="Mario Garcia" userId="53bf80f1d6e59a2f" providerId="LiveId" clId="{73DDB0EB-0642-42F6-9210-F7155705DE25}" dt="2020-04-22T18:00:12.775" v="124" actId="478"/>
+      <pc:docMkLst>
+        <pc:docMk/>
+      </pc:docMkLst>
+      <pc:sldChg chg="addSp delSp modSp mod">
+        <pc:chgData name="Mario Garcia" userId="53bf80f1d6e59a2f" providerId="LiveId" clId="{73DDB0EB-0642-42F6-9210-F7155705DE25}" dt="2020-04-22T17:58:42.708" v="64" actId="1076"/>
+        <pc:sldMkLst>
+          <pc:docMk/>
+          <pc:sldMk cId="1912757055" sldId="258"/>
+        </pc:sldMkLst>
+        <pc:picChg chg="add mod">
+          <ac:chgData name="Mario Garcia" userId="53bf80f1d6e59a2f" providerId="LiveId" clId="{73DDB0EB-0642-42F6-9210-F7155705DE25}" dt="2020-04-22T17:58:42.708" v="64" actId="1076"/>
+          <ac:picMkLst>
+            <pc:docMk/>
+            <pc:sldMk cId="1912757055" sldId="258"/>
+            <ac:picMk id="3" creationId="{38A774CD-BAB5-48FD-95AA-E7ADD7198918}"/>
+          </ac:picMkLst>
+        </pc:picChg>
+        <pc:picChg chg="del">
+          <ac:chgData name="Mario Garcia" userId="53bf80f1d6e59a2f" providerId="LiveId" clId="{73DDB0EB-0642-42F6-9210-F7155705DE25}" dt="2020-04-22T17:58:12.522" v="61" actId="478"/>
+          <ac:picMkLst>
+            <pc:docMk/>
+            <pc:sldMk cId="1912757055" sldId="258"/>
+            <ac:picMk id="4" creationId="{A207B66D-89A1-47FB-89A7-3056B51748C9}"/>
+          </ac:picMkLst>
+        </pc:picChg>
+      </pc:sldChg>
+      <pc:sldChg chg="addSp delSp modSp mod">
+        <pc:chgData name="Mario Garcia" userId="53bf80f1d6e59a2f" providerId="LiveId" clId="{73DDB0EB-0642-42F6-9210-F7155705DE25}" dt="2020-04-22T18:00:12.775" v="124" actId="478"/>
+        <pc:sldMkLst>
+          <pc:docMk/>
+          <pc:sldMk cId="1302814122" sldId="261"/>
+        </pc:sldMkLst>
+        <pc:spChg chg="mod">
+          <ac:chgData name="Mario Garcia" userId="53bf80f1d6e59a2f" providerId="LiveId" clId="{73DDB0EB-0642-42F6-9210-F7155705DE25}" dt="2020-04-22T17:55:33.474" v="31" actId="20577"/>
+          <ac:spMkLst>
+            <pc:docMk/>
+            <pc:sldMk cId="1302814122" sldId="261"/>
+            <ac:spMk id="2" creationId="{0D369ADB-E128-498D-9C75-1F27528F35D9}"/>
+          </ac:spMkLst>
+        </pc:spChg>
+        <pc:spChg chg="del">
+          <ac:chgData name="Mario Garcia" userId="53bf80f1d6e59a2f" providerId="LiveId" clId="{73DDB0EB-0642-42F6-9210-F7155705DE25}" dt="2020-04-22T17:52:44.803" v="0"/>
+          <ac:spMkLst>
+            <pc:docMk/>
+            <pc:sldMk cId="1302814122" sldId="261"/>
+            <ac:spMk id="3" creationId="{7E0C063D-3C52-4B8B-8D77-8738BF7750D0}"/>
+          </ac:spMkLst>
+        </pc:spChg>
+        <pc:spChg chg="add del mod ord">
+          <ac:chgData name="Mario Garcia" userId="53bf80f1d6e59a2f" providerId="LiveId" clId="{73DDB0EB-0642-42F6-9210-F7155705DE25}" dt="2020-04-22T17:59:25.649" v="84" actId="20577"/>
+          <ac:spMkLst>
+            <pc:docMk/>
+            <pc:sldMk cId="1302814122" sldId="261"/>
+            <ac:spMk id="10" creationId="{F887C935-091E-44D6-B8A3-BB02D7718829}"/>
+          </ac:spMkLst>
+        </pc:spChg>
+        <pc:spChg chg="add mod ord">
+          <ac:chgData name="Mario Garcia" userId="53bf80f1d6e59a2f" providerId="LiveId" clId="{73DDB0EB-0642-42F6-9210-F7155705DE25}" dt="2020-04-22T17:59:45.908" v="103" actId="20577"/>
+          <ac:spMkLst>
+            <pc:docMk/>
+            <pc:sldMk cId="1302814122" sldId="261"/>
+            <ac:spMk id="11" creationId="{7817F760-8EA7-4C23-B80D-2590E17B5653}"/>
+          </ac:spMkLst>
+        </pc:spChg>
+        <pc:spChg chg="add mod">
+          <ac:chgData name="Mario Garcia" userId="53bf80f1d6e59a2f" providerId="LiveId" clId="{73DDB0EB-0642-42F6-9210-F7155705DE25}" dt="2020-04-22T17:59:53.404" v="114" actId="20577"/>
+          <ac:spMkLst>
+            <pc:docMk/>
+            <pc:sldMk cId="1302814122" sldId="261"/>
+            <ac:spMk id="12" creationId="{3F4E1B9B-73CE-49AA-AAF1-4D56D782CF8D}"/>
+          </ac:spMkLst>
+        </pc:spChg>
+        <pc:spChg chg="add del mod">
+          <ac:chgData name="Mario Garcia" userId="53bf80f1d6e59a2f" providerId="LiveId" clId="{73DDB0EB-0642-42F6-9210-F7155705DE25}" dt="2020-04-22T18:00:12.775" v="124" actId="478"/>
+          <ac:spMkLst>
+            <pc:docMk/>
+            <pc:sldMk cId="1302814122" sldId="261"/>
+            <ac:spMk id="14" creationId="{529956EC-3732-42E8-939B-0239C57698F8}"/>
+          </ac:spMkLst>
+        </pc:spChg>
+        <pc:spChg chg="add mod">
+          <ac:chgData name="Mario Garcia" userId="53bf80f1d6e59a2f" providerId="LiveId" clId="{73DDB0EB-0642-42F6-9210-F7155705DE25}" dt="2020-04-22T18:00:01.345" v="123" actId="20577"/>
+          <ac:spMkLst>
+            <pc:docMk/>
+            <pc:sldMk cId="1302814122" sldId="261"/>
+            <ac:spMk id="15" creationId="{67750CD9-782A-4669-AFCF-38E0FFA079ED}"/>
+          </ac:spMkLst>
+        </pc:spChg>
+        <pc:picChg chg="add del mod">
+          <ac:chgData name="Mario Garcia" userId="53bf80f1d6e59a2f" providerId="LiveId" clId="{73DDB0EB-0642-42F6-9210-F7155705DE25}" dt="2020-04-22T17:57:32.362" v="56" actId="478"/>
+          <ac:picMkLst>
+            <pc:docMk/>
+            <pc:sldMk cId="1302814122" sldId="261"/>
+            <ac:picMk id="5" creationId="{261B32D4-3273-4D61-A86D-1F9BCD9FA337}"/>
+          </ac:picMkLst>
+        </pc:picChg>
+        <pc:picChg chg="add del mod">
+          <ac:chgData name="Mario Garcia" userId="53bf80f1d6e59a2f" providerId="LiveId" clId="{73DDB0EB-0642-42F6-9210-F7155705DE25}" dt="2020-04-22T17:57:37.526" v="58" actId="478"/>
+          <ac:picMkLst>
+            <pc:docMk/>
+            <pc:sldMk cId="1302814122" sldId="261"/>
+            <ac:picMk id="7" creationId="{7B8D41B0-87C8-4032-B248-6926C6BD73D3}"/>
+          </ac:picMkLst>
+        </pc:picChg>
+        <pc:picChg chg="add del mod">
+          <ac:chgData name="Mario Garcia" userId="53bf80f1d6e59a2f" providerId="LiveId" clId="{73DDB0EB-0642-42F6-9210-F7155705DE25}" dt="2020-04-22T17:57:36.096" v="57" actId="478"/>
+          <ac:picMkLst>
+            <pc:docMk/>
+            <pc:sldMk cId="1302814122" sldId="261"/>
+            <ac:picMk id="9" creationId="{99002E10-65B1-46A1-A982-9AB129CCB5F1}"/>
+          </ac:picMkLst>
+        </pc:picChg>
+      </pc:sldChg>
+    </pc:docChg>
+  </pc:docChgLst>
+</pc:chgInfo>
 </file>
 
 <file path=ppt/diagrams/colors1.xml><?xml version="1.0" encoding="utf-8"?>
@@ -7810,36 +7935,6 @@
           </a:p>
         </p:txBody>
       </p:sp>
-      <p:pic>
-        <p:nvPicPr>
-          <p:cNvPr id="4" name="Content Placeholder 3">
-            <a:extLst>
-              <a:ext uri="{FF2B5EF4-FFF2-40B4-BE49-F238E27FC236}">
-                <a16:creationId xmlns:a16="http://schemas.microsoft.com/office/drawing/2014/main" id="{A207B66D-89A1-47FB-89A7-3056B51748C9}"/>
-              </a:ext>
-            </a:extLst>
-          </p:cNvPr>
-          <p:cNvPicPr>
-            <a:picLocks noChangeAspect="1"/>
-          </p:cNvPicPr>
-          <p:nvPr/>
-        </p:nvPicPr>
-        <p:blipFill>
-          <a:blip r:embed="rId4"/>
-          <a:stretch>
-            <a:fillRect/>
-          </a:stretch>
-        </p:blipFill>
-        <p:spPr>
-          <a:xfrm>
-            <a:off x="6437339" y="734521"/>
-            <a:ext cx="2039112" cy="1065436"/>
-          </a:xfrm>
-          <a:prstGeom prst="rect">
-            <a:avLst/>
-          </a:prstGeom>
-        </p:spPr>
-      </p:pic>
       <p:sp>
         <p:nvSpPr>
           <p:cNvPr id="24" name="Rectangle 23">
@@ -8297,7 +8392,7 @@
           <p:nvPr/>
         </p:nvPicPr>
         <p:blipFill>
-          <a:blip r:embed="rId5">
+          <a:blip r:embed="rId4">
             <a:extLst>
               <a:ext uri="{28A0092B-C50C-407E-A947-70E740481C1C}">
                 <a14:useLocalDpi xmlns:a14="http://schemas.microsoft.com/office/drawing/2010/main" val="0"/>
@@ -8313,6 +8408,53 @@
           <a:xfrm>
             <a:off x="9544863" y="437322"/>
             <a:ext cx="1266664" cy="1612253"/>
+          </a:xfrm>
+          <a:prstGeom prst="rect">
+            <a:avLst/>
+          </a:prstGeom>
+          <a:noFill/>
+          <a:extLst>
+            <a:ext uri="{909E8E84-426E-40DD-AFC4-6F175D3DCCD1}">
+              <a14:hiddenFill xmlns:a14="http://schemas.microsoft.com/office/drawing/2010/main">
+                <a:solidFill>
+                  <a:srgbClr val="FFFFFF"/>
+                </a:solidFill>
+              </a14:hiddenFill>
+            </a:ext>
+          </a:extLst>
+        </p:spPr>
+      </p:pic>
+      <p:pic>
+        <p:nvPicPr>
+          <p:cNvPr id="3" name="Picture 2" descr="Netflix logo | Dwglogo">
+            <a:extLst>
+              <a:ext uri="{FF2B5EF4-FFF2-40B4-BE49-F238E27FC236}">
+                <a16:creationId xmlns:a16="http://schemas.microsoft.com/office/drawing/2014/main" id="{38A774CD-BAB5-48FD-95AA-E7ADD7198918}"/>
+              </a:ext>
+            </a:extLst>
+          </p:cNvPr>
+          <p:cNvPicPr>
+            <a:picLocks noChangeAspect="1" noChangeArrowheads="1"/>
+          </p:cNvPicPr>
+          <p:nvPr/>
+        </p:nvPicPr>
+        <p:blipFill>
+          <a:blip r:embed="rId5">
+            <a:extLst>
+              <a:ext uri="{28A0092B-C50C-407E-A947-70E740481C1C}">
+                <a14:useLocalDpi xmlns:a14="http://schemas.microsoft.com/office/drawing/2010/main" val="0"/>
+              </a:ext>
+            </a:extLst>
+          </a:blip>
+          <a:srcRect/>
+          <a:stretch>
+            <a:fillRect/>
+          </a:stretch>
+        </p:blipFill>
+        <p:spPr bwMode="auto">
+          <a:xfrm>
+            <a:off x="5645124" y="-12192"/>
+            <a:ext cx="3623541" cy="2498994"/>
           </a:xfrm>
           <a:prstGeom prst="rect">
             <a:avLst/>
@@ -8697,33 +8839,152 @@
           <a:p>
             <a:r>
               <a:rPr lang="en-US" dirty="0"/>
-              <a:t>Stock data</a:t>
+              <a:t>Stock data </a:t>
             </a:r>
           </a:p>
         </p:txBody>
       </p:sp>
       <p:sp>
         <p:nvSpPr>
-          <p:cNvPr id="3" name="Content Placeholder 2">
+          <p:cNvPr id="12" name="TextBox 11">
             <a:extLst>
               <a:ext uri="{FF2B5EF4-FFF2-40B4-BE49-F238E27FC236}">
-                <a16:creationId xmlns:a16="http://schemas.microsoft.com/office/drawing/2014/main" id="{7E0C063D-3C52-4B8B-8D77-8738BF7750D0}"/>
+                <a16:creationId xmlns:a16="http://schemas.microsoft.com/office/drawing/2014/main" id="{3F4E1B9B-73CE-49AA-AAF1-4D56D782CF8D}"/>
               </a:ext>
             </a:extLst>
           </p:cNvPr>
-          <p:cNvSpPr>
-            <a:spLocks noGrp="1"/>
-          </p:cNvSpPr>
-          <p:nvPr>
-            <p:ph idx="1"/>
-          </p:nvPr>
-        </p:nvSpPr>
-        <p:spPr/>
+          <p:cNvSpPr txBox="1"/>
+          <p:nvPr/>
+        </p:nvSpPr>
+        <p:spPr>
+          <a:xfrm>
+            <a:off x="8041886" y="3429000"/>
+            <a:ext cx="3898539" cy="369332"/>
+          </a:xfrm>
+          <a:prstGeom prst="rect">
+            <a:avLst/>
+          </a:prstGeom>
+          <a:noFill/>
+        </p:spPr>
         <p:txBody>
-          <a:bodyPr/>
+          <a:bodyPr wrap="square" rtlCol="0">
+            <a:spAutoFit/>
+          </a:bodyPr>
           <a:lstStyle/>
           <a:p>
-            <a:endParaRPr lang="en-US"/>
+            <a:pPr algn="ctr"/>
+            <a:r>
+              <a:rPr lang="en-US" dirty="0"/>
+              <a:t>Netflix</a:t>
+            </a:r>
+          </a:p>
+        </p:txBody>
+      </p:sp>
+      <p:sp>
+        <p:nvSpPr>
+          <p:cNvPr id="15" name="TextBox 14">
+            <a:extLst>
+              <a:ext uri="{FF2B5EF4-FFF2-40B4-BE49-F238E27FC236}">
+                <a16:creationId xmlns:a16="http://schemas.microsoft.com/office/drawing/2014/main" id="{67750CD9-782A-4669-AFCF-38E0FFA079ED}"/>
+              </a:ext>
+            </a:extLst>
+          </p:cNvPr>
+          <p:cNvSpPr txBox="1"/>
+          <p:nvPr/>
+        </p:nvSpPr>
+        <p:spPr>
+          <a:xfrm>
+            <a:off x="8039805" y="5739812"/>
+            <a:ext cx="3898539" cy="369332"/>
+          </a:xfrm>
+          <a:prstGeom prst="rect">
+            <a:avLst/>
+          </a:prstGeom>
+          <a:noFill/>
+        </p:spPr>
+        <p:txBody>
+          <a:bodyPr wrap="square" rtlCol="0">
+            <a:spAutoFit/>
+          </a:bodyPr>
+          <a:lstStyle/>
+          <a:p>
+            <a:pPr algn="ctr"/>
+            <a:r>
+              <a:rPr lang="en-US" dirty="0"/>
+              <a:t>Tesla</a:t>
+            </a:r>
+          </a:p>
+        </p:txBody>
+      </p:sp>
+      <p:sp>
+        <p:nvSpPr>
+          <p:cNvPr id="10" name="TextBox 9">
+            <a:extLst>
+              <a:ext uri="{FF2B5EF4-FFF2-40B4-BE49-F238E27FC236}">
+                <a16:creationId xmlns:a16="http://schemas.microsoft.com/office/drawing/2014/main" id="{F887C935-091E-44D6-B8A3-BB02D7718829}"/>
+              </a:ext>
+            </a:extLst>
+          </p:cNvPr>
+          <p:cNvSpPr txBox="1"/>
+          <p:nvPr/>
+        </p:nvSpPr>
+        <p:spPr>
+          <a:xfrm>
+            <a:off x="251574" y="3429000"/>
+            <a:ext cx="3898539" cy="369332"/>
+          </a:xfrm>
+          <a:prstGeom prst="rect">
+            <a:avLst/>
+          </a:prstGeom>
+          <a:noFill/>
+        </p:spPr>
+        <p:txBody>
+          <a:bodyPr wrap="square" rtlCol="0">
+            <a:spAutoFit/>
+          </a:bodyPr>
+          <a:lstStyle/>
+          <a:p>
+            <a:pPr algn="ctr"/>
+            <a:r>
+              <a:rPr lang="en-US" dirty="0"/>
+              <a:t>American Airlines</a:t>
+            </a:r>
+          </a:p>
+        </p:txBody>
+      </p:sp>
+      <p:sp>
+        <p:nvSpPr>
+          <p:cNvPr id="11" name="TextBox 10">
+            <a:extLst>
+              <a:ext uri="{FF2B5EF4-FFF2-40B4-BE49-F238E27FC236}">
+                <a16:creationId xmlns:a16="http://schemas.microsoft.com/office/drawing/2014/main" id="{7817F760-8EA7-4C23-B80D-2590E17B5653}"/>
+              </a:ext>
+            </a:extLst>
+          </p:cNvPr>
+          <p:cNvSpPr txBox="1"/>
+          <p:nvPr/>
+        </p:nvSpPr>
+        <p:spPr>
+          <a:xfrm>
+            <a:off x="251574" y="5739812"/>
+            <a:ext cx="3898539" cy="369332"/>
+          </a:xfrm>
+          <a:prstGeom prst="rect">
+            <a:avLst/>
+          </a:prstGeom>
+          <a:noFill/>
+        </p:spPr>
+        <p:txBody>
+          <a:bodyPr wrap="square" rtlCol="0">
+            <a:spAutoFit/>
+          </a:bodyPr>
+          <a:lstStyle/>
+          <a:p>
+            <a:pPr algn="ctr"/>
+            <a:r>
+              <a:rPr lang="en-US" dirty="0"/>
+              <a:t>Zoom</a:t>
+            </a:r>
           </a:p>
         </p:txBody>
       </p:sp>

--- a/Powerpoint/Final Project.pptx
+++ b/Powerpoint/Final Project.pptx
@@ -124,7 +124,7 @@
 <file path=ppt/revisionInfo.xml><?xml version="1.0" encoding="utf-8"?>
 <p1510:revInfo xmlns:a="http://schemas.openxmlformats.org/drawingml/2006/main" xmlns:r="http://schemas.openxmlformats.org/officeDocument/2006/relationships" xmlns:p1510="http://schemas.microsoft.com/office/powerpoint/2015/10/main">
   <p1510:revLst>
-    <p1510:client id="{73DDB0EB-0642-42F6-9210-F7155705DE25}" v="10" dt="2020-04-22T17:58:42.709"/>
+    <p1510:client id="{73DDB0EB-0642-42F6-9210-F7155705DE25}" v="16" dt="2020-04-22T18:12:46.666"/>
     <p1510:client id="{7C1BBBAB-FE35-4ED4-B76D-E99DAE49BE30}" v="13" dt="2020-04-22T17:43:21.864"/>
   </p1510:revLst>
 </p1510:revInfo>
@@ -135,7 +135,7 @@
   <pc:docChgLst>
     <pc:chgData name="Mario Garcia" userId="53bf80f1d6e59a2f" providerId="LiveId" clId="{73DDB0EB-0642-42F6-9210-F7155705DE25}"/>
     <pc:docChg chg="undo custSel modSld">
-      <pc:chgData name="Mario Garcia" userId="53bf80f1d6e59a2f" providerId="LiveId" clId="{73DDB0EB-0642-42F6-9210-F7155705DE25}" dt="2020-04-22T18:00:12.775" v="124" actId="478"/>
+      <pc:chgData name="Mario Garcia" userId="53bf80f1d6e59a2f" providerId="LiveId" clId="{73DDB0EB-0642-42F6-9210-F7155705DE25}" dt="2020-04-22T18:13:29.954" v="194" actId="478"/>
       <pc:docMkLst>
         <pc:docMk/>
       </pc:docMkLst>
@@ -163,7 +163,7 @@
         </pc:picChg>
       </pc:sldChg>
       <pc:sldChg chg="addSp delSp modSp mod">
-        <pc:chgData name="Mario Garcia" userId="53bf80f1d6e59a2f" providerId="LiveId" clId="{73DDB0EB-0642-42F6-9210-F7155705DE25}" dt="2020-04-22T18:00:12.775" v="124" actId="478"/>
+        <pc:chgData name="Mario Garcia" userId="53bf80f1d6e59a2f" providerId="LiveId" clId="{73DDB0EB-0642-42F6-9210-F7155705DE25}" dt="2020-04-22T18:13:29.954" v="194" actId="478"/>
         <pc:sldMkLst>
           <pc:docMk/>
           <pc:sldMk cId="1302814122" sldId="261"/>
@@ -185,7 +185,7 @@
           </ac:spMkLst>
         </pc:spChg>
         <pc:spChg chg="add del mod ord">
-          <ac:chgData name="Mario Garcia" userId="53bf80f1d6e59a2f" providerId="LiveId" clId="{73DDB0EB-0642-42F6-9210-F7155705DE25}" dt="2020-04-22T17:59:25.649" v="84" actId="20577"/>
+          <ac:chgData name="Mario Garcia" userId="53bf80f1d6e59a2f" providerId="LiveId" clId="{73DDB0EB-0642-42F6-9210-F7155705DE25}" dt="2020-04-22T18:07:16.619" v="149" actId="1076"/>
           <ac:spMkLst>
             <pc:docMk/>
             <pc:sldMk cId="1302814122" sldId="261"/>
@@ -193,7 +193,7 @@
           </ac:spMkLst>
         </pc:spChg>
         <pc:spChg chg="add mod ord">
-          <ac:chgData name="Mario Garcia" userId="53bf80f1d6e59a2f" providerId="LiveId" clId="{73DDB0EB-0642-42F6-9210-F7155705DE25}" dt="2020-04-22T17:59:45.908" v="103" actId="20577"/>
+          <ac:chgData name="Mario Garcia" userId="53bf80f1d6e59a2f" providerId="LiveId" clId="{73DDB0EB-0642-42F6-9210-F7155705DE25}" dt="2020-04-22T18:07:18.689" v="150" actId="1076"/>
           <ac:spMkLst>
             <pc:docMk/>
             <pc:sldMk cId="1302814122" sldId="261"/>
@@ -201,7 +201,7 @@
           </ac:spMkLst>
         </pc:spChg>
         <pc:spChg chg="add mod">
-          <ac:chgData name="Mario Garcia" userId="53bf80f1d6e59a2f" providerId="LiveId" clId="{73DDB0EB-0642-42F6-9210-F7155705DE25}" dt="2020-04-22T17:59:53.404" v="114" actId="20577"/>
+          <ac:chgData name="Mario Garcia" userId="53bf80f1d6e59a2f" providerId="LiveId" clId="{73DDB0EB-0642-42F6-9210-F7155705DE25}" dt="2020-04-22T18:09:04" v="172" actId="1076"/>
           <ac:spMkLst>
             <pc:docMk/>
             <pc:sldMk cId="1302814122" sldId="261"/>
@@ -217,19 +217,35 @@
           </ac:spMkLst>
         </pc:spChg>
         <pc:spChg chg="add mod">
-          <ac:chgData name="Mario Garcia" userId="53bf80f1d6e59a2f" providerId="LiveId" clId="{73DDB0EB-0642-42F6-9210-F7155705DE25}" dt="2020-04-22T18:00:01.345" v="123" actId="20577"/>
+          <ac:chgData name="Mario Garcia" userId="53bf80f1d6e59a2f" providerId="LiveId" clId="{73DDB0EB-0642-42F6-9210-F7155705DE25}" dt="2020-04-22T18:09:01.834" v="171" actId="1076"/>
           <ac:spMkLst>
             <pc:docMk/>
             <pc:sldMk cId="1302814122" sldId="261"/>
             <ac:spMk id="15" creationId="{67750CD9-782A-4669-AFCF-38E0FFA079ED}"/>
           </ac:spMkLst>
         </pc:spChg>
+        <pc:picChg chg="add mod">
+          <ac:chgData name="Mario Garcia" userId="53bf80f1d6e59a2f" providerId="LiveId" clId="{73DDB0EB-0642-42F6-9210-F7155705DE25}" dt="2020-04-22T18:10:12.571" v="185" actId="1440"/>
+          <ac:picMkLst>
+            <pc:docMk/>
+            <pc:sldMk cId="1302814122" sldId="261"/>
+            <ac:picMk id="4" creationId="{271C27C2-26FC-470A-87A5-E20FF0B10620}"/>
+          </ac:picMkLst>
+        </pc:picChg>
         <pc:picChg chg="add del mod">
           <ac:chgData name="Mario Garcia" userId="53bf80f1d6e59a2f" providerId="LiveId" clId="{73DDB0EB-0642-42F6-9210-F7155705DE25}" dt="2020-04-22T17:57:32.362" v="56" actId="478"/>
           <ac:picMkLst>
             <pc:docMk/>
             <pc:sldMk cId="1302814122" sldId="261"/>
             <ac:picMk id="5" creationId="{261B32D4-3273-4D61-A86D-1F9BCD9FA337}"/>
+          </ac:picMkLst>
+        </pc:picChg>
+        <pc:picChg chg="add mod">
+          <ac:chgData name="Mario Garcia" userId="53bf80f1d6e59a2f" providerId="LiveId" clId="{73DDB0EB-0642-42F6-9210-F7155705DE25}" dt="2020-04-22T18:10:16.739" v="187" actId="1440"/>
+          <ac:picMkLst>
+            <pc:docMk/>
+            <pc:sldMk cId="1302814122" sldId="261"/>
+            <ac:picMk id="6" creationId="{7CD552A3-903E-4BD5-B404-10CBEB3EB0AC}"/>
           </ac:picMkLst>
         </pc:picChg>
         <pc:picChg chg="add del mod">
@@ -240,6 +256,14 @@
             <ac:picMk id="7" creationId="{7B8D41B0-87C8-4032-B248-6926C6BD73D3}"/>
           </ac:picMkLst>
         </pc:picChg>
+        <pc:picChg chg="add mod">
+          <ac:chgData name="Mario Garcia" userId="53bf80f1d6e59a2f" providerId="LiveId" clId="{73DDB0EB-0642-42F6-9210-F7155705DE25}" dt="2020-04-22T18:10:19.139" v="188" actId="1440"/>
+          <ac:picMkLst>
+            <pc:docMk/>
+            <pc:sldMk cId="1302814122" sldId="261"/>
+            <ac:picMk id="8" creationId="{B4B8F202-F62D-4712-BED8-11169A4B9489}"/>
+          </ac:picMkLst>
+        </pc:picChg>
         <pc:picChg chg="add del mod">
           <ac:chgData name="Mario Garcia" userId="53bf80f1d6e59a2f" providerId="LiveId" clId="{73DDB0EB-0642-42F6-9210-F7155705DE25}" dt="2020-04-22T17:57:36.096" v="57" actId="478"/>
           <ac:picMkLst>
@@ -248,6 +272,29 @@
             <ac:picMk id="9" creationId="{99002E10-65B1-46A1-A982-9AB129CCB5F1}"/>
           </ac:picMkLst>
         </pc:picChg>
+        <pc:picChg chg="add mod">
+          <ac:chgData name="Mario Garcia" userId="53bf80f1d6e59a2f" providerId="LiveId" clId="{73DDB0EB-0642-42F6-9210-F7155705DE25}" dt="2020-04-22T18:10:14.486" v="186" actId="1440"/>
+          <ac:picMkLst>
+            <pc:docMk/>
+            <pc:sldMk cId="1302814122" sldId="261"/>
+            <ac:picMk id="13" creationId="{88DBD3AD-4FE4-41B6-8D8F-8E4F012A2E37}"/>
+          </ac:picMkLst>
+        </pc:picChg>
+        <pc:picChg chg="add del mod">
+          <ac:chgData name="Mario Garcia" userId="53bf80f1d6e59a2f" providerId="LiveId" clId="{73DDB0EB-0642-42F6-9210-F7155705DE25}" dt="2020-04-22T18:13:29.954" v="194" actId="478"/>
+          <ac:picMkLst>
+            <pc:docMk/>
+            <pc:sldMk cId="1302814122" sldId="261"/>
+            <ac:picMk id="16" creationId="{411D1782-8537-4025-8204-4A25CAB61889}"/>
+          </ac:picMkLst>
+        </pc:picChg>
+      </pc:sldChg>
+      <pc:sldChg chg="setBg">
+        <pc:chgData name="Mario Garcia" userId="53bf80f1d6e59a2f" providerId="LiveId" clId="{73DDB0EB-0642-42F6-9210-F7155705DE25}" dt="2020-04-22T18:12:01.043" v="189"/>
+        <pc:sldMkLst>
+          <pc:docMk/>
+          <pc:sldMk cId="1945302265" sldId="265"/>
+        </pc:sldMkLst>
       </pc:sldChg>
     </pc:docChg>
   </pc:docChgLst>
@@ -6925,7 +6972,7 @@
     <p:bg>
       <p:bgPr>
         <a:solidFill>
-          <a:schemeClr val="bg1"/>
+          <a:schemeClr val="bg2"/>
         </a:solidFill>
         <a:effectLst/>
       </p:bgPr>
@@ -8858,7 +8905,7 @@
         </p:nvSpPr>
         <p:spPr>
           <a:xfrm>
-            <a:off x="8041886" y="3429000"/>
+            <a:off x="7789651" y="3752111"/>
             <a:ext cx="3898539" cy="369332"/>
           </a:xfrm>
           <a:prstGeom prst="rect">
@@ -8894,7 +8941,7 @@
         </p:nvSpPr>
         <p:spPr>
           <a:xfrm>
-            <a:off x="8039805" y="5739812"/>
+            <a:off x="7789652" y="6109144"/>
             <a:ext cx="3898539" cy="369332"/>
           </a:xfrm>
           <a:prstGeom prst="rect">
@@ -8930,7 +8977,7 @@
         </p:nvSpPr>
         <p:spPr>
           <a:xfrm>
-            <a:off x="251574" y="3429000"/>
+            <a:off x="503812" y="3752111"/>
             <a:ext cx="3898539" cy="369332"/>
           </a:xfrm>
           <a:prstGeom prst="rect">
@@ -8966,7 +9013,7 @@
         </p:nvSpPr>
         <p:spPr>
           <a:xfrm>
-            <a:off x="251574" y="5739812"/>
+            <a:off x="503811" y="6109144"/>
             <a:ext cx="3898539" cy="369332"/>
           </a:xfrm>
           <a:prstGeom prst="rect">
@@ -8988,6 +9035,270 @@
           </a:p>
         </p:txBody>
       </p:sp>
+      <p:pic>
+        <p:nvPicPr>
+          <p:cNvPr id="4" name="Picture 3" descr="A close up of a map&#10;&#10;Description automatically generated">
+            <a:extLst>
+              <a:ext uri="{FF2B5EF4-FFF2-40B4-BE49-F238E27FC236}">
+                <a16:creationId xmlns:a16="http://schemas.microsoft.com/office/drawing/2014/main" id="{271C27C2-26FC-470A-87A5-E20FF0B10620}"/>
+              </a:ext>
+            </a:extLst>
+          </p:cNvPr>
+          <p:cNvPicPr>
+            <a:picLocks noChangeAspect="1"/>
+          </p:cNvPicPr>
+          <p:nvPr/>
+        </p:nvPicPr>
+        <p:blipFill>
+          <a:blip r:embed="rId2">
+            <a:extLst>
+              <a:ext uri="{28A0092B-C50C-407E-A947-70E740481C1C}">
+                <a14:useLocalDpi xmlns:a14="http://schemas.microsoft.com/office/drawing/2010/main" val="0"/>
+              </a:ext>
+            </a:extLst>
+          </a:blip>
+          <a:stretch>
+            <a:fillRect/>
+          </a:stretch>
+        </p:blipFill>
+        <p:spPr>
+          <a:xfrm>
+            <a:off x="87451" y="1904152"/>
+            <a:ext cx="4731263" cy="1850554"/>
+          </a:xfrm>
+          <a:prstGeom prst="rect">
+            <a:avLst/>
+          </a:prstGeom>
+          <a:solidFill>
+            <a:srgbClr val="FFFFFF">
+              <a:shade val="85000"/>
+            </a:srgbClr>
+          </a:solidFill>
+          <a:ln w="88900" cap="sq">
+            <a:solidFill>
+              <a:srgbClr val="FFFFFF"/>
+            </a:solidFill>
+            <a:miter lim="800000"/>
+          </a:ln>
+          <a:effectLst>
+            <a:outerShdw blurRad="55000" dist="18000" dir="5400000" algn="tl" rotWithShape="0">
+              <a:srgbClr val="000000">
+                <a:alpha val="40000"/>
+              </a:srgbClr>
+            </a:outerShdw>
+          </a:effectLst>
+          <a:scene3d>
+            <a:camera prst="orthographicFront"/>
+            <a:lightRig rig="twoPt" dir="t">
+              <a:rot lat="0" lon="0" rev="7200000"/>
+            </a:lightRig>
+          </a:scene3d>
+          <a:sp3d>
+            <a:bevelT w="25400" h="19050"/>
+            <a:contourClr>
+              <a:srgbClr val="FFFFFF"/>
+            </a:contourClr>
+          </a:sp3d>
+        </p:spPr>
+      </p:pic>
+      <p:pic>
+        <p:nvPicPr>
+          <p:cNvPr id="6" name="Picture 5" descr="A close up of a map&#10;&#10;Description automatically generated">
+            <a:extLst>
+              <a:ext uri="{FF2B5EF4-FFF2-40B4-BE49-F238E27FC236}">
+                <a16:creationId xmlns:a16="http://schemas.microsoft.com/office/drawing/2014/main" id="{7CD552A3-903E-4BD5-B404-10CBEB3EB0AC}"/>
+              </a:ext>
+            </a:extLst>
+          </p:cNvPr>
+          <p:cNvPicPr>
+            <a:picLocks noChangeAspect="1"/>
+          </p:cNvPicPr>
+          <p:nvPr/>
+        </p:nvPicPr>
+        <p:blipFill>
+          <a:blip r:embed="rId3">
+            <a:extLst>
+              <a:ext uri="{28A0092B-C50C-407E-A947-70E740481C1C}">
+                <a14:useLocalDpi xmlns:a14="http://schemas.microsoft.com/office/drawing/2010/main" val="0"/>
+              </a:ext>
+            </a:extLst>
+          </a:blip>
+          <a:stretch>
+            <a:fillRect/>
+          </a:stretch>
+        </p:blipFill>
+        <p:spPr>
+          <a:xfrm>
+            <a:off x="7373288" y="1904152"/>
+            <a:ext cx="4731263" cy="1847959"/>
+          </a:xfrm>
+          <a:prstGeom prst="rect">
+            <a:avLst/>
+          </a:prstGeom>
+          <a:solidFill>
+            <a:srgbClr val="FFFFFF">
+              <a:shade val="85000"/>
+            </a:srgbClr>
+          </a:solidFill>
+          <a:ln w="88900" cap="sq">
+            <a:solidFill>
+              <a:srgbClr val="FFFFFF"/>
+            </a:solidFill>
+            <a:miter lim="800000"/>
+          </a:ln>
+          <a:effectLst>
+            <a:outerShdw blurRad="55000" dist="18000" dir="5400000" algn="tl" rotWithShape="0">
+              <a:srgbClr val="000000">
+                <a:alpha val="40000"/>
+              </a:srgbClr>
+            </a:outerShdw>
+          </a:effectLst>
+          <a:scene3d>
+            <a:camera prst="orthographicFront"/>
+            <a:lightRig rig="twoPt" dir="t">
+              <a:rot lat="0" lon="0" rev="7200000"/>
+            </a:lightRig>
+          </a:scene3d>
+          <a:sp3d>
+            <a:bevelT w="25400" h="19050"/>
+            <a:contourClr>
+              <a:srgbClr val="FFFFFF"/>
+            </a:contourClr>
+          </a:sp3d>
+        </p:spPr>
+      </p:pic>
+      <p:pic>
+        <p:nvPicPr>
+          <p:cNvPr id="8" name="Picture 7" descr="A picture containing text, yellow, large, group&#10;&#10;Description automatically generated">
+            <a:extLst>
+              <a:ext uri="{FF2B5EF4-FFF2-40B4-BE49-F238E27FC236}">
+                <a16:creationId xmlns:a16="http://schemas.microsoft.com/office/drawing/2014/main" id="{B4B8F202-F62D-4712-BED8-11169A4B9489}"/>
+              </a:ext>
+            </a:extLst>
+          </p:cNvPr>
+          <p:cNvPicPr>
+            <a:picLocks noChangeAspect="1"/>
+          </p:cNvPicPr>
+          <p:nvPr/>
+        </p:nvPicPr>
+        <p:blipFill>
+          <a:blip r:embed="rId4">
+            <a:extLst>
+              <a:ext uri="{28A0092B-C50C-407E-A947-70E740481C1C}">
+                <a14:useLocalDpi xmlns:a14="http://schemas.microsoft.com/office/drawing/2010/main" val="0"/>
+              </a:ext>
+            </a:extLst>
+          </a:blip>
+          <a:stretch>
+            <a:fillRect/>
+          </a:stretch>
+        </p:blipFill>
+        <p:spPr>
+          <a:xfrm>
+            <a:off x="7373288" y="4261185"/>
+            <a:ext cx="4731264" cy="1847959"/>
+          </a:xfrm>
+          <a:prstGeom prst="rect">
+            <a:avLst/>
+          </a:prstGeom>
+          <a:solidFill>
+            <a:srgbClr val="FFFFFF">
+              <a:shade val="85000"/>
+            </a:srgbClr>
+          </a:solidFill>
+          <a:ln w="88900" cap="sq">
+            <a:solidFill>
+              <a:srgbClr val="FFFFFF"/>
+            </a:solidFill>
+            <a:miter lim="800000"/>
+          </a:ln>
+          <a:effectLst>
+            <a:outerShdw blurRad="55000" dist="18000" dir="5400000" algn="tl" rotWithShape="0">
+              <a:srgbClr val="000000">
+                <a:alpha val="40000"/>
+              </a:srgbClr>
+            </a:outerShdw>
+          </a:effectLst>
+          <a:scene3d>
+            <a:camera prst="orthographicFront"/>
+            <a:lightRig rig="twoPt" dir="t">
+              <a:rot lat="0" lon="0" rev="7200000"/>
+            </a:lightRig>
+          </a:scene3d>
+          <a:sp3d>
+            <a:bevelT w="25400" h="19050"/>
+            <a:contourClr>
+              <a:srgbClr val="FFFFFF"/>
+            </a:contourClr>
+          </a:sp3d>
+        </p:spPr>
+      </p:pic>
+      <p:pic>
+        <p:nvPicPr>
+          <p:cNvPr id="13" name="Picture 12" descr="A close up of a map&#10;&#10;Description automatically generated">
+            <a:extLst>
+              <a:ext uri="{FF2B5EF4-FFF2-40B4-BE49-F238E27FC236}">
+                <a16:creationId xmlns:a16="http://schemas.microsoft.com/office/drawing/2014/main" id="{88DBD3AD-4FE4-41B6-8D8F-8E4F012A2E37}"/>
+              </a:ext>
+            </a:extLst>
+          </p:cNvPr>
+          <p:cNvPicPr>
+            <a:picLocks noChangeAspect="1"/>
+          </p:cNvPicPr>
+          <p:nvPr/>
+        </p:nvPicPr>
+        <p:blipFill>
+          <a:blip r:embed="rId5">
+            <a:extLst>
+              <a:ext uri="{28A0092B-C50C-407E-A947-70E740481C1C}">
+                <a14:useLocalDpi xmlns:a14="http://schemas.microsoft.com/office/drawing/2010/main" val="0"/>
+              </a:ext>
+            </a:extLst>
+          </a:blip>
+          <a:stretch>
+            <a:fillRect/>
+          </a:stretch>
+        </p:blipFill>
+        <p:spPr>
+          <a:xfrm>
+            <a:off x="87450" y="4276397"/>
+            <a:ext cx="4731263" cy="1817533"/>
+          </a:xfrm>
+          <a:prstGeom prst="rect">
+            <a:avLst/>
+          </a:prstGeom>
+          <a:solidFill>
+            <a:srgbClr val="FFFFFF">
+              <a:shade val="85000"/>
+            </a:srgbClr>
+          </a:solidFill>
+          <a:ln w="88900" cap="sq">
+            <a:solidFill>
+              <a:srgbClr val="FFFFFF"/>
+            </a:solidFill>
+            <a:miter lim="800000"/>
+          </a:ln>
+          <a:effectLst>
+            <a:outerShdw blurRad="55000" dist="18000" dir="5400000" algn="tl" rotWithShape="0">
+              <a:srgbClr val="000000">
+                <a:alpha val="40000"/>
+              </a:srgbClr>
+            </a:outerShdw>
+          </a:effectLst>
+          <a:scene3d>
+            <a:camera prst="orthographicFront"/>
+            <a:lightRig rig="twoPt" dir="t">
+              <a:rot lat="0" lon="0" rev="7200000"/>
+            </a:lightRig>
+          </a:scene3d>
+          <a:sp3d>
+            <a:bevelT w="25400" h="19050"/>
+            <a:contourClr>
+              <a:srgbClr val="FFFFFF"/>
+            </a:contourClr>
+          </a:sp3d>
+        </p:spPr>
+      </p:pic>
     </p:spTree>
     <p:extLst>
       <p:ext uri="{BB962C8B-B14F-4D97-AF65-F5344CB8AC3E}">

--- a/Powerpoint/Final Project.pptx
+++ b/Powerpoint/Final Project.pptx
@@ -124,7 +124,7 @@
 <file path=ppt/revisionInfo.xml><?xml version="1.0" encoding="utf-8"?>
 <p1510:revInfo xmlns:a="http://schemas.openxmlformats.org/drawingml/2006/main" xmlns:r="http://schemas.openxmlformats.org/officeDocument/2006/relationships" xmlns:p1510="http://schemas.microsoft.com/office/powerpoint/2015/10/main">
   <p1510:revLst>
-    <p1510:client id="{73DDB0EB-0642-42F6-9210-F7155705DE25}" v="16" dt="2020-04-22T18:12:46.666"/>
+    <p1510:client id="{73DDB0EB-0642-42F6-9210-F7155705DE25}" v="22" dt="2020-04-22T18:36:32.426"/>
     <p1510:client id="{7C1BBBAB-FE35-4ED4-B76D-E99DAE49BE30}" v="13" dt="2020-04-22T17:43:21.864"/>
   </p1510:revLst>
 </p1510:revInfo>
@@ -134,8 +134,8 @@
 <pc:chgInfo xmlns:a="http://schemas.openxmlformats.org/drawingml/2006/main" xmlns:r="http://schemas.openxmlformats.org/officeDocument/2006/relationships" xmlns:ac="http://schemas.microsoft.com/office/drawing/2013/main/command" xmlns:pc="http://schemas.microsoft.com/office/powerpoint/2013/main/command">
   <pc:docChgLst>
     <pc:chgData name="Mario Garcia" userId="53bf80f1d6e59a2f" providerId="LiveId" clId="{73DDB0EB-0642-42F6-9210-F7155705DE25}"/>
-    <pc:docChg chg="undo custSel modSld">
-      <pc:chgData name="Mario Garcia" userId="53bf80f1d6e59a2f" providerId="LiveId" clId="{73DDB0EB-0642-42F6-9210-F7155705DE25}" dt="2020-04-22T18:13:29.954" v="194" actId="478"/>
+    <pc:docChg chg="undo redo custSel mod modSld">
+      <pc:chgData name="Mario Garcia" userId="53bf80f1d6e59a2f" providerId="LiveId" clId="{73DDB0EB-0642-42F6-9210-F7155705DE25}" dt="2020-04-22T18:41:02.443" v="979" actId="1076"/>
       <pc:docMkLst>
         <pc:docMk/>
       </pc:docMkLst>
@@ -162,8 +162,78 @@
           </ac:picMkLst>
         </pc:picChg>
       </pc:sldChg>
+      <pc:sldChg chg="addSp modSp mod">
+        <pc:chgData name="Mario Garcia" userId="53bf80f1d6e59a2f" providerId="LiveId" clId="{73DDB0EB-0642-42F6-9210-F7155705DE25}" dt="2020-04-22T18:26:38.786" v="234" actId="1440"/>
+        <pc:sldMkLst>
+          <pc:docMk/>
+          <pc:sldMk cId="2042003720" sldId="259"/>
+        </pc:sldMkLst>
+        <pc:spChg chg="mod">
+          <ac:chgData name="Mario Garcia" userId="53bf80f1d6e59a2f" providerId="LiveId" clId="{73DDB0EB-0642-42F6-9210-F7155705DE25}" dt="2020-04-22T18:22:54.084" v="210" actId="20577"/>
+          <ac:spMkLst>
+            <pc:docMk/>
+            <pc:sldMk cId="2042003720" sldId="259"/>
+            <ac:spMk id="2" creationId="{FAEA37A0-F237-4446-B04E-4F1E2FEC635F}"/>
+          </ac:spMkLst>
+        </pc:spChg>
+        <pc:picChg chg="add mod">
+          <ac:chgData name="Mario Garcia" userId="53bf80f1d6e59a2f" providerId="LiveId" clId="{73DDB0EB-0642-42F6-9210-F7155705DE25}" dt="2020-04-22T18:26:38.786" v="234" actId="1440"/>
+          <ac:picMkLst>
+            <pc:docMk/>
+            <pc:sldMk cId="2042003720" sldId="259"/>
+            <ac:picMk id="4" creationId="{C343B09C-C01C-4A92-BB2B-CACFE278573F}"/>
+          </ac:picMkLst>
+        </pc:picChg>
+      </pc:sldChg>
       <pc:sldChg chg="addSp delSp modSp mod">
-        <pc:chgData name="Mario Garcia" userId="53bf80f1d6e59a2f" providerId="LiveId" clId="{73DDB0EB-0642-42F6-9210-F7155705DE25}" dt="2020-04-22T18:13:29.954" v="194" actId="478"/>
+        <pc:chgData name="Mario Garcia" userId="53bf80f1d6e59a2f" providerId="LiveId" clId="{73DDB0EB-0642-42F6-9210-F7155705DE25}" dt="2020-04-22T18:26:33.538" v="233" actId="1440"/>
+        <pc:sldMkLst>
+          <pc:docMk/>
+          <pc:sldMk cId="910700709" sldId="260"/>
+        </pc:sldMkLst>
+        <pc:spChg chg="mod">
+          <ac:chgData name="Mario Garcia" userId="53bf80f1d6e59a2f" providerId="LiveId" clId="{73DDB0EB-0642-42F6-9210-F7155705DE25}" dt="2020-04-22T18:23:01.285" v="215" actId="20577"/>
+          <ac:spMkLst>
+            <pc:docMk/>
+            <pc:sldMk cId="910700709" sldId="260"/>
+            <ac:spMk id="2" creationId="{909AB05C-1377-471B-888F-DAF636268E07}"/>
+          </ac:spMkLst>
+        </pc:spChg>
+        <pc:spChg chg="del">
+          <ac:chgData name="Mario Garcia" userId="53bf80f1d6e59a2f" providerId="LiveId" clId="{73DDB0EB-0642-42F6-9210-F7155705DE25}" dt="2020-04-22T18:23:28.534" v="216"/>
+          <ac:spMkLst>
+            <pc:docMk/>
+            <pc:sldMk cId="910700709" sldId="260"/>
+            <ac:spMk id="3" creationId="{E6DD5F71-9550-4D5F-93DD-1A25B6E94812}"/>
+          </ac:spMkLst>
+        </pc:spChg>
+        <pc:spChg chg="add del mod">
+          <ac:chgData name="Mario Garcia" userId="53bf80f1d6e59a2f" providerId="LiveId" clId="{73DDB0EB-0642-42F6-9210-F7155705DE25}" dt="2020-04-22T18:25:01.501" v="225"/>
+          <ac:spMkLst>
+            <pc:docMk/>
+            <pc:sldMk cId="910700709" sldId="260"/>
+            <ac:spMk id="7" creationId="{231A4BA9-9150-4510-8834-852FD46243A7}"/>
+          </ac:spMkLst>
+        </pc:spChg>
+        <pc:picChg chg="add del mod">
+          <ac:chgData name="Mario Garcia" userId="53bf80f1d6e59a2f" providerId="LiveId" clId="{73DDB0EB-0642-42F6-9210-F7155705DE25}" dt="2020-04-22T18:24:55.607" v="224" actId="478"/>
+          <ac:picMkLst>
+            <pc:docMk/>
+            <pc:sldMk cId="910700709" sldId="260"/>
+            <ac:picMk id="5" creationId="{3A0DED62-C10C-4034-B8CF-279EB1755882}"/>
+          </ac:picMkLst>
+        </pc:picChg>
+        <pc:picChg chg="add mod">
+          <ac:chgData name="Mario Garcia" userId="53bf80f1d6e59a2f" providerId="LiveId" clId="{73DDB0EB-0642-42F6-9210-F7155705DE25}" dt="2020-04-22T18:26:33.538" v="233" actId="1440"/>
+          <ac:picMkLst>
+            <pc:docMk/>
+            <pc:sldMk cId="910700709" sldId="260"/>
+            <ac:picMk id="9" creationId="{5BD8D7D6-270C-40D2-8AA9-21BD519A8CF2}"/>
+          </ac:picMkLst>
+        </pc:picChg>
+      </pc:sldChg>
+      <pc:sldChg chg="addSp delSp modSp mod">
+        <pc:chgData name="Mario Garcia" userId="53bf80f1d6e59a2f" providerId="LiveId" clId="{73DDB0EB-0642-42F6-9210-F7155705DE25}" dt="2020-04-22T18:41:02.443" v="979" actId="1076"/>
         <pc:sldMkLst>
           <pc:docMk/>
           <pc:sldMk cId="1302814122" sldId="261"/>
@@ -174,6 +244,14 @@
             <pc:docMk/>
             <pc:sldMk cId="1302814122" sldId="261"/>
             <ac:spMk id="2" creationId="{0D369ADB-E128-498D-9C75-1F27528F35D9}"/>
+          </ac:spMkLst>
+        </pc:spChg>
+        <pc:spChg chg="add mod">
+          <ac:chgData name="Mario Garcia" userId="53bf80f1d6e59a2f" providerId="LiveId" clId="{73DDB0EB-0642-42F6-9210-F7155705DE25}" dt="2020-04-22T18:41:02.443" v="979" actId="1076"/>
+          <ac:spMkLst>
+            <pc:docMk/>
+            <pc:sldMk cId="1302814122" sldId="261"/>
+            <ac:spMk id="3" creationId="{6783449B-4419-4DE5-96F5-4B37028210D2}"/>
           </ac:spMkLst>
         </pc:spChg>
         <pc:spChg chg="del">
@@ -286,6 +364,68 @@
             <pc:docMk/>
             <pc:sldMk cId="1302814122" sldId="261"/>
             <ac:picMk id="16" creationId="{411D1782-8537-4025-8204-4A25CAB61889}"/>
+          </ac:picMkLst>
+        </pc:picChg>
+      </pc:sldChg>
+      <pc:sldChg chg="addSp delSp modSp mod setBg">
+        <pc:chgData name="Mario Garcia" userId="53bf80f1d6e59a2f" providerId="LiveId" clId="{73DDB0EB-0642-42F6-9210-F7155705DE25}" dt="2020-04-22T18:34:49.039" v="824" actId="20577"/>
+        <pc:sldMkLst>
+          <pc:docMk/>
+          <pc:sldMk cId="710361433" sldId="262"/>
+        </pc:sldMkLst>
+        <pc:spChg chg="mod">
+          <ac:chgData name="Mario Garcia" userId="53bf80f1d6e59a2f" providerId="LiveId" clId="{73DDB0EB-0642-42F6-9210-F7155705DE25}" dt="2020-04-22T18:22:36.319" v="207" actId="20577"/>
+          <ac:spMkLst>
+            <pc:docMk/>
+            <pc:sldMk cId="710361433" sldId="262"/>
+            <ac:spMk id="2" creationId="{ED7A9617-FF23-44C6-9A2A-0C9C08F58FAC}"/>
+          </ac:spMkLst>
+        </pc:spChg>
+        <pc:spChg chg="del">
+          <ac:chgData name="Mario Garcia" userId="53bf80f1d6e59a2f" providerId="LiveId" clId="{73DDB0EB-0642-42F6-9210-F7155705DE25}" dt="2020-04-22T18:21:25.119" v="195"/>
+          <ac:spMkLst>
+            <pc:docMk/>
+            <pc:sldMk cId="710361433" sldId="262"/>
+            <ac:spMk id="3" creationId="{9D2014E6-79C7-482E-912F-41F31EDCB294}"/>
+          </ac:spMkLst>
+        </pc:spChg>
+        <pc:spChg chg="add mod">
+          <ac:chgData name="Mario Garcia" userId="53bf80f1d6e59a2f" providerId="LiveId" clId="{73DDB0EB-0642-42F6-9210-F7155705DE25}" dt="2020-04-22T18:34:49.039" v="824" actId="20577"/>
+          <ac:spMkLst>
+            <pc:docMk/>
+            <pc:sldMk cId="710361433" sldId="262"/>
+            <ac:spMk id="9" creationId="{9CA1DE06-78BF-4008-802E-67B59ACFF41A}"/>
+          </ac:spMkLst>
+        </pc:spChg>
+        <pc:spChg chg="add">
+          <ac:chgData name="Mario Garcia" userId="53bf80f1d6e59a2f" providerId="LiveId" clId="{73DDB0EB-0642-42F6-9210-F7155705DE25}" dt="2020-04-22T18:22:08.706" v="199" actId="26606"/>
+          <ac:spMkLst>
+            <pc:docMk/>
+            <pc:sldMk cId="710361433" sldId="262"/>
+            <ac:spMk id="12" creationId="{9792BD17-FF40-4EE5-AC8E-7AE823BAE9D4}"/>
+          </ac:spMkLst>
+        </pc:spChg>
+        <pc:picChg chg="add mod">
+          <ac:chgData name="Mario Garcia" userId="53bf80f1d6e59a2f" providerId="LiveId" clId="{73DDB0EB-0642-42F6-9210-F7155705DE25}" dt="2020-04-22T18:22:25.377" v="204" actId="14100"/>
+          <ac:picMkLst>
+            <pc:docMk/>
+            <pc:sldMk cId="710361433" sldId="262"/>
+            <ac:picMk id="5" creationId="{C937F8E8-7450-4995-86C8-139D93D5D6BE}"/>
+          </ac:picMkLst>
+        </pc:picChg>
+      </pc:sldChg>
+      <pc:sldChg chg="addSp delSp mod">
+        <pc:chgData name="Mario Garcia" userId="53bf80f1d6e59a2f" providerId="LiveId" clId="{73DDB0EB-0642-42F6-9210-F7155705DE25}" dt="2020-04-22T18:25:44.197" v="232" actId="478"/>
+        <pc:sldMkLst>
+          <pc:docMk/>
+          <pc:sldMk cId="3219733798" sldId="263"/>
+        </pc:sldMkLst>
+        <pc:picChg chg="add del">
+          <ac:chgData name="Mario Garcia" userId="53bf80f1d6e59a2f" providerId="LiveId" clId="{73DDB0EB-0642-42F6-9210-F7155705DE25}" dt="2020-04-22T18:25:44.197" v="232" actId="478"/>
+          <ac:picMkLst>
+            <pc:docMk/>
+            <pc:sldMk cId="3219733798" sldId="263"/>
+            <ac:picMk id="4" creationId="{5E3B72EE-7F9D-4864-ABBB-C7E773A28C72}"/>
           </ac:picMkLst>
         </pc:picChg>
       </pc:sldChg>
@@ -8720,7 +8860,7 @@
           <a:p>
             <a:r>
               <a:rPr lang="en-US" dirty="0"/>
-              <a:t>The code – Twitter data</a:t>
+              <a:t>The code: Twitter data</a:t>
             </a:r>
           </a:p>
         </p:txBody>
@@ -8750,6 +8890,48 @@
           </a:p>
         </p:txBody>
       </p:sp>
+      <p:pic>
+        <p:nvPicPr>
+          <p:cNvPr id="4" name="Content Placeholder 4" descr="A screenshot of a cell phone&#10;&#10;Description automatically generated">
+            <a:extLst>
+              <a:ext uri="{FF2B5EF4-FFF2-40B4-BE49-F238E27FC236}">
+                <a16:creationId xmlns:a16="http://schemas.microsoft.com/office/drawing/2014/main" id="{C343B09C-C01C-4A92-BB2B-CACFE278573F}"/>
+              </a:ext>
+            </a:extLst>
+          </p:cNvPr>
+          <p:cNvPicPr>
+            <a:picLocks noChangeAspect="1"/>
+          </p:cNvPicPr>
+          <p:nvPr/>
+        </p:nvPicPr>
+        <p:blipFill>
+          <a:blip r:embed="rId2">
+            <a:extLst>
+              <a:ext uri="{28A0092B-C50C-407E-A947-70E740481C1C}">
+                <a14:useLocalDpi xmlns:a14="http://schemas.microsoft.com/office/drawing/2010/main" val="0"/>
+              </a:ext>
+            </a:extLst>
+          </a:blip>
+          <a:stretch>
+            <a:fillRect/>
+          </a:stretch>
+        </p:blipFill>
+        <p:spPr>
+          <a:xfrm>
+            <a:off x="0" y="1792936"/>
+            <a:ext cx="12192000" cy="5105674"/>
+          </a:xfrm>
+          <a:prstGeom prst="rect">
+            <a:avLst/>
+          </a:prstGeom>
+          <a:ln>
+            <a:noFill/>
+          </a:ln>
+          <a:effectLst>
+            <a:softEdge rad="112500"/>
+          </a:effectLst>
+        </p:spPr>
+      </p:pic>
     </p:spTree>
     <p:extLst>
       <p:ext uri="{BB962C8B-B14F-4D97-AF65-F5344CB8AC3E}">
@@ -8803,36 +8985,55 @@
           <a:p>
             <a:r>
               <a:rPr lang="en-US" dirty="0"/>
-              <a:t>The code - stocks</a:t>
+              <a:t>The code: stocks</a:t>
             </a:r>
           </a:p>
         </p:txBody>
       </p:sp>
-      <p:sp>
-        <p:nvSpPr>
-          <p:cNvPr id="3" name="Content Placeholder 2">
+      <p:pic>
+        <p:nvPicPr>
+          <p:cNvPr id="9" name="Content Placeholder 8" descr="A screenshot of a social media post&#10;&#10;Description automatically generated">
             <a:extLst>
               <a:ext uri="{FF2B5EF4-FFF2-40B4-BE49-F238E27FC236}">
-                <a16:creationId xmlns:a16="http://schemas.microsoft.com/office/drawing/2014/main" id="{E6DD5F71-9550-4D5F-93DD-1A25B6E94812}"/>
+                <a16:creationId xmlns:a16="http://schemas.microsoft.com/office/drawing/2014/main" id="{5BD8D7D6-270C-40D2-8AA9-21BD519A8CF2}"/>
               </a:ext>
             </a:extLst>
           </p:cNvPr>
-          <p:cNvSpPr>
-            <a:spLocks noGrp="1"/>
-          </p:cNvSpPr>
+          <p:cNvPicPr>
+            <a:picLocks noGrp="1" noChangeAspect="1"/>
+          </p:cNvPicPr>
           <p:nvPr>
             <p:ph idx="1"/>
           </p:nvPr>
-        </p:nvSpPr>
-        <p:spPr/>
-        <p:txBody>
-          <a:bodyPr/>
-          <a:lstStyle/>
-          <a:p>
-            <a:endParaRPr lang="en-US"/>
-          </a:p>
-        </p:txBody>
-      </p:sp>
+        </p:nvPicPr>
+        <p:blipFill>
+          <a:blip r:embed="rId2">
+            <a:extLst>
+              <a:ext uri="{28A0092B-C50C-407E-A947-70E740481C1C}">
+                <a14:useLocalDpi xmlns:a14="http://schemas.microsoft.com/office/drawing/2010/main" val="0"/>
+              </a:ext>
+            </a:extLst>
+          </a:blip>
+          <a:stretch>
+            <a:fillRect/>
+          </a:stretch>
+        </p:blipFill>
+        <p:spPr>
+          <a:xfrm>
+            <a:off x="0" y="1792936"/>
+            <a:ext cx="12192000" cy="5065064"/>
+          </a:xfrm>
+          <a:prstGeom prst="rect">
+            <a:avLst/>
+          </a:prstGeom>
+          <a:ln>
+            <a:noFill/>
+          </a:ln>
+          <a:effectLst>
+            <a:softEdge rad="112500"/>
+          </a:effectLst>
+        </p:spPr>
+      </p:pic>
     </p:spTree>
     <p:extLst>
       <p:ext uri="{BB962C8B-B14F-4D97-AF65-F5344CB8AC3E}">
@@ -9299,6 +9500,70 @@
           </a:sp3d>
         </p:spPr>
       </p:pic>
+      <p:sp>
+        <p:nvSpPr>
+          <p:cNvPr id="3" name="TextBox 2">
+            <a:extLst>
+              <a:ext uri="{FF2B5EF4-FFF2-40B4-BE49-F238E27FC236}">
+                <a16:creationId xmlns:a16="http://schemas.microsoft.com/office/drawing/2014/main" id="{6783449B-4419-4DE5-96F5-4B37028210D2}"/>
+              </a:ext>
+            </a:extLst>
+          </p:cNvPr>
+          <p:cNvSpPr txBox="1"/>
+          <p:nvPr/>
+        </p:nvSpPr>
+        <p:spPr>
+          <a:xfrm>
+            <a:off x="4913152" y="3460789"/>
+            <a:ext cx="2365695" cy="1631216"/>
+          </a:xfrm>
+          <a:prstGeom prst="rect">
+            <a:avLst/>
+          </a:prstGeom>
+          <a:noFill/>
+        </p:spPr>
+        <p:txBody>
+          <a:bodyPr wrap="square" rtlCol="0">
+            <a:spAutoFit/>
+          </a:bodyPr>
+          <a:lstStyle/>
+          <a:p>
+            <a:pPr algn="ctr"/>
+            <a:r>
+              <a:rPr lang="en-US" dirty="0"/>
+              <a:t>Sentiment Analysis Results:</a:t>
+            </a:r>
+          </a:p>
+          <a:p>
+            <a:pPr algn="ctr"/>
+            <a:r>
+              <a:rPr lang="en-US" sz="1600" dirty="0"/>
+              <a:t>AAL: Stock Will Go Down</a:t>
+            </a:r>
+          </a:p>
+          <a:p>
+            <a:pPr algn="ctr"/>
+            <a:r>
+              <a:rPr lang="en-US" sz="1600" dirty="0"/>
+              <a:t>ZM: Stock Will Go Up</a:t>
+            </a:r>
+          </a:p>
+          <a:p>
+            <a:pPr algn="ctr"/>
+            <a:r>
+              <a:rPr lang="en-US" sz="1600" dirty="0"/>
+              <a:t>NFLX: Stock Will Go Up</a:t>
+            </a:r>
+          </a:p>
+          <a:p>
+            <a:pPr algn="ctr"/>
+            <a:r>
+              <a:rPr lang="en-US" sz="1600" dirty="0"/>
+              <a:t>TSLA: Stock Will Go Up</a:t>
+            </a:r>
+          </a:p>
+        </p:txBody>
+      </p:sp>
     </p:spTree>
     <p:extLst>
       <p:ext uri="{BB962C8B-B14F-4D97-AF65-F5344CB8AC3E}">
@@ -9315,6 +9580,14 @@
 <file path=ppt/slides/slide8.xml><?xml version="1.0" encoding="utf-8"?>
 <p:sld xmlns:a="http://schemas.openxmlformats.org/drawingml/2006/main" xmlns:r="http://schemas.openxmlformats.org/officeDocument/2006/relationships" xmlns:p="http://schemas.openxmlformats.org/presentationml/2006/main">
   <p:cSld>
+    <p:bg>
+      <p:bgPr>
+        <a:solidFill>
+          <a:schemeClr val="bg2"/>
+        </a:solidFill>
+        <a:effectLst/>
+      </p:bgPr>
+    </p:bg>
     <p:spTree>
       <p:nvGrpSpPr>
         <p:cNvPr id="1" name=""/>
@@ -9345,24 +9618,31 @@
             <p:ph type="title"/>
           </p:nvPr>
         </p:nvSpPr>
-        <p:spPr/>
+        <p:spPr>
+          <a:xfrm>
+            <a:off x="634277" y="284176"/>
+            <a:ext cx="3670874" cy="1508760"/>
+          </a:xfrm>
+        </p:spPr>
         <p:txBody>
-          <a:bodyPr/>
+          <a:bodyPr>
+            <a:normAutofit/>
+          </a:bodyPr>
           <a:lstStyle/>
           <a:p>
             <a:r>
-              <a:rPr lang="en-US" dirty="0"/>
-              <a:t>The code – Sentiment analysis</a:t>
+              <a:rPr lang="en-US" sz="3400" dirty="0"/>
+              <a:t>The code: Sentiment analysis</a:t>
             </a:r>
           </a:p>
         </p:txBody>
       </p:sp>
       <p:sp>
         <p:nvSpPr>
-          <p:cNvPr id="3" name="Content Placeholder 2">
+          <p:cNvPr id="9" name="Content Placeholder 8">
             <a:extLst>
               <a:ext uri="{FF2B5EF4-FFF2-40B4-BE49-F238E27FC236}">
-                <a16:creationId xmlns:a16="http://schemas.microsoft.com/office/drawing/2014/main" id="{9D2014E6-79C7-482E-912F-41F31EDCB294}"/>
+                <a16:creationId xmlns:a16="http://schemas.microsoft.com/office/drawing/2014/main" id="{9CA1DE06-78BF-4008-802E-67B59ACFF41A}"/>
               </a:ext>
             </a:extLst>
           </p:cNvPr>
@@ -9373,15 +9653,136 @@
             <p:ph idx="1"/>
           </p:nvPr>
         </p:nvSpPr>
-        <p:spPr/>
+        <p:spPr>
+          <a:xfrm>
+            <a:off x="634277" y="2011680"/>
+            <a:ext cx="3676678" cy="4206240"/>
+          </a:xfrm>
+        </p:spPr>
         <p:txBody>
-          <a:bodyPr/>
+          <a:bodyPr>
+            <a:normAutofit/>
+          </a:bodyPr>
           <a:lstStyle/>
           <a:p>
-            <a:endParaRPr lang="en-US"/>
+            <a:r>
+              <a:rPr lang="en-US" dirty="0"/>
+              <a:t>More tweets were counted than shown to have more accurate data. For demo purposes, 15 tweets will be collected.</a:t>
+            </a:r>
+          </a:p>
+          <a:p>
+            <a:r>
+              <a:rPr lang="en-US" dirty="0"/>
+              <a:t>Polarities were calculated for each tweet, and the total sum represented the final value for the analysis.</a:t>
+            </a:r>
+          </a:p>
+          <a:p>
+            <a:r>
+              <a:rPr lang="en-US" dirty="0"/>
+              <a:t>Searched only for official name (‘TSLA) to collect data from professional brokers.</a:t>
+            </a:r>
           </a:p>
         </p:txBody>
       </p:sp>
+      <p:sp>
+        <p:nvSpPr>
+          <p:cNvPr id="12" name="Rectangle 11">
+            <a:extLst>
+              <a:ext uri="{FF2B5EF4-FFF2-40B4-BE49-F238E27FC236}">
+                <a16:creationId xmlns:a16="http://schemas.microsoft.com/office/drawing/2014/main" id="{9792BD17-FF40-4EE5-AC8E-7AE823BAE9D4}"/>
+              </a:ext>
+              <a:ext uri="{C183D7F6-B498-43B3-948B-1728B52AA6E4}">
+                <adec:decorative xmlns:adec="http://schemas.microsoft.com/office/drawing/2017/decorative" val="1"/>
+              </a:ext>
+            </a:extLst>
+          </p:cNvPr>
+          <p:cNvSpPr>
+            <a:spLocks noGrp="1" noRot="1" noChangeAspect="1" noMove="1" noResize="1" noEditPoints="1" noAdjustHandles="1" noChangeArrowheads="1" noChangeShapeType="1" noTextEdit="1"/>
+          </p:cNvSpPr>
+          <p:nvPr>
+            <p:extLst>
+              <p:ext uri="{386F3935-93C4-4BCD-93E2-E3B085C9AB24}">
+                <p16:designElem xmlns:p16="http://schemas.microsoft.com/office/powerpoint/2015/main" val="1"/>
+              </p:ext>
+            </p:extLst>
+          </p:nvPr>
+        </p:nvSpPr>
+        <p:spPr>
+          <a:xfrm>
+            <a:off x="4625190" y="0"/>
+            <a:ext cx="7566810" cy="6858000"/>
+          </a:xfrm>
+          <a:prstGeom prst="rect">
+            <a:avLst/>
+          </a:prstGeom>
+          <a:solidFill>
+            <a:schemeClr val="tx1"/>
+          </a:solidFill>
+          <a:ln>
+            <a:noFill/>
+          </a:ln>
+        </p:spPr>
+        <p:style>
+          <a:lnRef idx="2">
+            <a:schemeClr val="accent1">
+              <a:shade val="50000"/>
+            </a:schemeClr>
+          </a:lnRef>
+          <a:fillRef idx="1001">
+            <a:schemeClr val="lt1"/>
+          </a:fillRef>
+          <a:effectRef idx="0">
+            <a:schemeClr val="accent1"/>
+          </a:effectRef>
+          <a:fontRef idx="minor">
+            <a:schemeClr val="lt1"/>
+          </a:fontRef>
+        </p:style>
+        <p:txBody>
+          <a:bodyPr rtlCol="0" anchor="ctr"/>
+          <a:lstStyle/>
+          <a:p>
+            <a:pPr algn="ctr"/>
+            <a:endParaRPr lang="en-US" dirty="0"/>
+          </a:p>
+        </p:txBody>
+      </p:sp>
+      <p:pic>
+        <p:nvPicPr>
+          <p:cNvPr id="5" name="Content Placeholder 4" descr="A screenshot of a cell phone&#10;&#10;Description automatically generated">
+            <a:extLst>
+              <a:ext uri="{FF2B5EF4-FFF2-40B4-BE49-F238E27FC236}">
+                <a16:creationId xmlns:a16="http://schemas.microsoft.com/office/drawing/2014/main" id="{C937F8E8-7450-4995-86C8-139D93D5D6BE}"/>
+              </a:ext>
+            </a:extLst>
+          </p:cNvPr>
+          <p:cNvPicPr>
+            <a:picLocks noChangeAspect="1"/>
+          </p:cNvPicPr>
+          <p:nvPr/>
+        </p:nvPicPr>
+        <p:blipFill>
+          <a:blip r:embed="rId2">
+            <a:extLst>
+              <a:ext uri="{28A0092B-C50C-407E-A947-70E740481C1C}">
+                <a14:useLocalDpi xmlns:a14="http://schemas.microsoft.com/office/drawing/2010/main" val="0"/>
+              </a:ext>
+            </a:extLst>
+          </a:blip>
+          <a:stretch>
+            <a:fillRect/>
+          </a:stretch>
+        </p:blipFill>
+        <p:spPr>
+          <a:xfrm>
+            <a:off x="4630994" y="0"/>
+            <a:ext cx="7561006" cy="6867561"/>
+          </a:xfrm>
+          <a:prstGeom prst="rect">
+            <a:avLst/>
+          </a:prstGeom>
+        </p:spPr>
+      </p:pic>
     </p:spTree>
     <p:extLst>
       <p:ext uri="{BB962C8B-B14F-4D97-AF65-F5344CB8AC3E}">

--- a/Powerpoint/Final Project.pptx
+++ b/Powerpoint/Final Project.pptx
@@ -10,10 +10,10 @@
     <p:sldId id="258" r:id="rId4"/>
     <p:sldId id="266" r:id="rId5"/>
     <p:sldId id="259" r:id="rId6"/>
-    <p:sldId id="260" r:id="rId7"/>
-    <p:sldId id="261" r:id="rId8"/>
-    <p:sldId id="262" r:id="rId9"/>
-    <p:sldId id="263" r:id="rId10"/>
+    <p:sldId id="262" r:id="rId7"/>
+    <p:sldId id="263" r:id="rId8"/>
+    <p:sldId id="260" r:id="rId9"/>
+    <p:sldId id="261" r:id="rId10"/>
     <p:sldId id="265" r:id="rId11"/>
   </p:sldIdLst>
   <p:sldSz cx="12192000" cy="6858000"/>
@@ -124,7 +124,7 @@
 <file path=ppt/revisionInfo.xml><?xml version="1.0" encoding="utf-8"?>
 <p1510:revInfo xmlns:a="http://schemas.openxmlformats.org/drawingml/2006/main" xmlns:r="http://schemas.openxmlformats.org/officeDocument/2006/relationships" xmlns:p1510="http://schemas.microsoft.com/office/powerpoint/2015/10/main">
   <p1510:revLst>
-    <p1510:client id="{73DDB0EB-0642-42F6-9210-F7155705DE25}" v="22" dt="2020-04-22T18:36:32.426"/>
+    <p1510:client id="{73DDB0EB-0642-42F6-9210-F7155705DE25}" v="23" dt="2020-04-22T18:52:00.509"/>
     <p1510:client id="{7C1BBBAB-FE35-4ED4-B76D-E99DAE49BE30}" v="13" dt="2020-04-22T17:43:21.864"/>
   </p1510:revLst>
 </p1510:revInfo>
@@ -134,8 +134,8 @@
 <pc:chgInfo xmlns:a="http://schemas.openxmlformats.org/drawingml/2006/main" xmlns:r="http://schemas.openxmlformats.org/officeDocument/2006/relationships" xmlns:ac="http://schemas.microsoft.com/office/drawing/2013/main/command" xmlns:pc="http://schemas.microsoft.com/office/powerpoint/2013/main/command">
   <pc:docChgLst>
     <pc:chgData name="Mario Garcia" userId="53bf80f1d6e59a2f" providerId="LiveId" clId="{73DDB0EB-0642-42F6-9210-F7155705DE25}"/>
-    <pc:docChg chg="undo redo custSel mod modSld">
-      <pc:chgData name="Mario Garcia" userId="53bf80f1d6e59a2f" providerId="LiveId" clId="{73DDB0EB-0642-42F6-9210-F7155705DE25}" dt="2020-04-22T18:41:02.443" v="979" actId="1076"/>
+    <pc:docChg chg="undo redo custSel mod addSld delSld modSld sldOrd">
+      <pc:chgData name="Mario Garcia" userId="53bf80f1d6e59a2f" providerId="LiveId" clId="{73DDB0EB-0642-42F6-9210-F7155705DE25}" dt="2020-04-22T18:52:41.541" v="1028" actId="47"/>
       <pc:docMkLst>
         <pc:docMk/>
       </pc:docMkLst>
@@ -186,13 +186,13 @@
         </pc:picChg>
       </pc:sldChg>
       <pc:sldChg chg="addSp delSp modSp mod">
-        <pc:chgData name="Mario Garcia" userId="53bf80f1d6e59a2f" providerId="LiveId" clId="{73DDB0EB-0642-42F6-9210-F7155705DE25}" dt="2020-04-22T18:26:33.538" v="233" actId="1440"/>
+        <pc:chgData name="Mario Garcia" userId="53bf80f1d6e59a2f" providerId="LiveId" clId="{73DDB0EB-0642-42F6-9210-F7155705DE25}" dt="2020-04-22T18:51:17.126" v="1006" actId="20577"/>
         <pc:sldMkLst>
           <pc:docMk/>
           <pc:sldMk cId="910700709" sldId="260"/>
         </pc:sldMkLst>
         <pc:spChg chg="mod">
-          <ac:chgData name="Mario Garcia" userId="53bf80f1d6e59a2f" providerId="LiveId" clId="{73DDB0EB-0642-42F6-9210-F7155705DE25}" dt="2020-04-22T18:23:01.285" v="215" actId="20577"/>
+          <ac:chgData name="Mario Garcia" userId="53bf80f1d6e59a2f" providerId="LiveId" clId="{73DDB0EB-0642-42F6-9210-F7155705DE25}" dt="2020-04-22T18:51:17.126" v="1006" actId="20577"/>
           <ac:spMkLst>
             <pc:docMk/>
             <pc:sldMk cId="910700709" sldId="260"/>
@@ -367,14 +367,14 @@
           </ac:picMkLst>
         </pc:picChg>
       </pc:sldChg>
-      <pc:sldChg chg="addSp delSp modSp mod setBg">
-        <pc:chgData name="Mario Garcia" userId="53bf80f1d6e59a2f" providerId="LiveId" clId="{73DDB0EB-0642-42F6-9210-F7155705DE25}" dt="2020-04-22T18:34:49.039" v="824" actId="20577"/>
+      <pc:sldChg chg="addSp delSp modSp mod ord setBg">
+        <pc:chgData name="Mario Garcia" userId="53bf80f1d6e59a2f" providerId="LiveId" clId="{73DDB0EB-0642-42F6-9210-F7155705DE25}" dt="2020-04-22T18:50:52.323" v="994" actId="20577"/>
         <pc:sldMkLst>
           <pc:docMk/>
           <pc:sldMk cId="710361433" sldId="262"/>
         </pc:sldMkLst>
         <pc:spChg chg="mod">
-          <ac:chgData name="Mario Garcia" userId="53bf80f1d6e59a2f" providerId="LiveId" clId="{73DDB0EB-0642-42F6-9210-F7155705DE25}" dt="2020-04-22T18:22:36.319" v="207" actId="20577"/>
+          <ac:chgData name="Mario Garcia" userId="53bf80f1d6e59a2f" providerId="LiveId" clId="{73DDB0EB-0642-42F6-9210-F7155705DE25}" dt="2020-04-22T18:50:52.323" v="994" actId="20577"/>
           <ac:spMkLst>
             <pc:docMk/>
             <pc:sldMk cId="710361433" sldId="262"/>
@@ -414,12 +414,20 @@
           </ac:picMkLst>
         </pc:picChg>
       </pc:sldChg>
-      <pc:sldChg chg="addSp delSp mod">
-        <pc:chgData name="Mario Garcia" userId="53bf80f1d6e59a2f" providerId="LiveId" clId="{73DDB0EB-0642-42F6-9210-F7155705DE25}" dt="2020-04-22T18:25:44.197" v="232" actId="478"/>
+      <pc:sldChg chg="addSp delSp modSp mod ord">
+        <pc:chgData name="Mario Garcia" userId="53bf80f1d6e59a2f" providerId="LiveId" clId="{73DDB0EB-0642-42F6-9210-F7155705DE25}" dt="2020-04-22T18:51:53.561" v="1016" actId="20577"/>
         <pc:sldMkLst>
           <pc:docMk/>
           <pc:sldMk cId="3219733798" sldId="263"/>
         </pc:sldMkLst>
+        <pc:spChg chg="mod">
+          <ac:chgData name="Mario Garcia" userId="53bf80f1d6e59a2f" providerId="LiveId" clId="{73DDB0EB-0642-42F6-9210-F7155705DE25}" dt="2020-04-22T18:51:53.561" v="1016" actId="20577"/>
+          <ac:spMkLst>
+            <pc:docMk/>
+            <pc:sldMk cId="3219733798" sldId="263"/>
+            <ac:spMk id="2" creationId="{E5578DBB-2585-4478-A31B-3FC36620F2BB}"/>
+          </ac:spMkLst>
+        </pc:spChg>
         <pc:picChg chg="add del">
           <ac:chgData name="Mario Garcia" userId="53bf80f1d6e59a2f" providerId="LiveId" clId="{73DDB0EB-0642-42F6-9210-F7155705DE25}" dt="2020-04-22T18:25:44.197" v="232" actId="478"/>
           <ac:picMkLst>
@@ -435,6 +443,21 @@
           <pc:docMk/>
           <pc:sldMk cId="1945302265" sldId="265"/>
         </pc:sldMkLst>
+      </pc:sldChg>
+      <pc:sldChg chg="modSp add del mod">
+        <pc:chgData name="Mario Garcia" userId="53bf80f1d6e59a2f" providerId="LiveId" clId="{73DDB0EB-0642-42F6-9210-F7155705DE25}" dt="2020-04-22T18:52:41.541" v="1028" actId="47"/>
+        <pc:sldMkLst>
+          <pc:docMk/>
+          <pc:sldMk cId="722298001" sldId="267"/>
+        </pc:sldMkLst>
+        <pc:spChg chg="mod">
+          <ac:chgData name="Mario Garcia" userId="53bf80f1d6e59a2f" providerId="LiveId" clId="{73DDB0EB-0642-42F6-9210-F7155705DE25}" dt="2020-04-22T18:52:04.460" v="1027" actId="20577"/>
+          <ac:spMkLst>
+            <pc:docMk/>
+            <pc:sldMk cId="722298001" sldId="267"/>
+            <ac:spMk id="2" creationId="{5DCCDCD8-ABB6-48FB-AE88-50C9FF398F01}"/>
+          </ac:spMkLst>
+        </pc:spChg>
       </pc:sldChg>
     </pc:docChg>
   </pc:docChgLst>
@@ -8948,6 +8971,14 @@
 <file path=ppt/slides/slide6.xml><?xml version="1.0" encoding="utf-8"?>
 <p:sld xmlns:a="http://schemas.openxmlformats.org/drawingml/2006/main" xmlns:r="http://schemas.openxmlformats.org/officeDocument/2006/relationships" xmlns:p="http://schemas.openxmlformats.org/presentationml/2006/main">
   <p:cSld>
+    <p:bg>
+      <p:bgPr>
+        <a:solidFill>
+          <a:schemeClr val="bg2"/>
+        </a:solidFill>
+        <a:effectLst/>
+      </p:bgPr>
+    </p:bg>
     <p:spTree>
       <p:nvGrpSpPr>
         <p:cNvPr id="1" name=""/>
@@ -8967,6 +8998,300 @@
           <p:cNvPr id="2" name="Title 1">
             <a:extLst>
               <a:ext uri="{FF2B5EF4-FFF2-40B4-BE49-F238E27FC236}">
+                <a16:creationId xmlns:a16="http://schemas.microsoft.com/office/drawing/2014/main" id="{ED7A9617-FF23-44C6-9A2A-0C9C08F58FAC}"/>
+              </a:ext>
+            </a:extLst>
+          </p:cNvPr>
+          <p:cNvSpPr>
+            <a:spLocks noGrp="1"/>
+          </p:cNvSpPr>
+          <p:nvPr>
+            <p:ph type="title"/>
+          </p:nvPr>
+        </p:nvSpPr>
+        <p:spPr>
+          <a:xfrm>
+            <a:off x="634277" y="284176"/>
+            <a:ext cx="3670874" cy="1508760"/>
+          </a:xfrm>
+        </p:spPr>
+        <p:txBody>
+          <a:bodyPr>
+            <a:normAutofit/>
+          </a:bodyPr>
+          <a:lstStyle/>
+          <a:p>
+            <a:r>
+              <a:rPr lang="en-US" sz="3400" dirty="0"/>
+              <a:t>Premarket: Sentiment analysis</a:t>
+            </a:r>
+          </a:p>
+        </p:txBody>
+      </p:sp>
+      <p:sp>
+        <p:nvSpPr>
+          <p:cNvPr id="9" name="Content Placeholder 8">
+            <a:extLst>
+              <a:ext uri="{FF2B5EF4-FFF2-40B4-BE49-F238E27FC236}">
+                <a16:creationId xmlns:a16="http://schemas.microsoft.com/office/drawing/2014/main" id="{9CA1DE06-78BF-4008-802E-67B59ACFF41A}"/>
+              </a:ext>
+            </a:extLst>
+          </p:cNvPr>
+          <p:cNvSpPr>
+            <a:spLocks noGrp="1"/>
+          </p:cNvSpPr>
+          <p:nvPr>
+            <p:ph idx="1"/>
+          </p:nvPr>
+        </p:nvSpPr>
+        <p:spPr>
+          <a:xfrm>
+            <a:off x="634277" y="2011680"/>
+            <a:ext cx="3676678" cy="4206240"/>
+          </a:xfrm>
+        </p:spPr>
+        <p:txBody>
+          <a:bodyPr>
+            <a:normAutofit/>
+          </a:bodyPr>
+          <a:lstStyle/>
+          <a:p>
+            <a:r>
+              <a:rPr lang="en-US" dirty="0"/>
+              <a:t>More tweets were counted than shown to have more accurate data. For demo purposes, 15 tweets will be collected.</a:t>
+            </a:r>
+          </a:p>
+          <a:p>
+            <a:r>
+              <a:rPr lang="en-US" dirty="0"/>
+              <a:t>Polarities were calculated for each tweet, and the total sum represented the final value for the analysis.</a:t>
+            </a:r>
+          </a:p>
+          <a:p>
+            <a:r>
+              <a:rPr lang="en-US" dirty="0"/>
+              <a:t>Searched only for official name (‘TSLA) to collect data from professional brokers.</a:t>
+            </a:r>
+          </a:p>
+        </p:txBody>
+      </p:sp>
+      <p:sp>
+        <p:nvSpPr>
+          <p:cNvPr id="12" name="Rectangle 11">
+            <a:extLst>
+              <a:ext uri="{FF2B5EF4-FFF2-40B4-BE49-F238E27FC236}">
+                <a16:creationId xmlns:a16="http://schemas.microsoft.com/office/drawing/2014/main" id="{9792BD17-FF40-4EE5-AC8E-7AE823BAE9D4}"/>
+              </a:ext>
+              <a:ext uri="{C183D7F6-B498-43B3-948B-1728B52AA6E4}">
+                <adec:decorative xmlns:adec="http://schemas.microsoft.com/office/drawing/2017/decorative" val="1"/>
+              </a:ext>
+            </a:extLst>
+          </p:cNvPr>
+          <p:cNvSpPr>
+            <a:spLocks noGrp="1" noRot="1" noChangeAspect="1" noMove="1" noResize="1" noEditPoints="1" noAdjustHandles="1" noChangeArrowheads="1" noChangeShapeType="1" noTextEdit="1"/>
+          </p:cNvSpPr>
+          <p:nvPr>
+            <p:extLst>
+              <p:ext uri="{386F3935-93C4-4BCD-93E2-E3B085C9AB24}">
+                <p16:designElem xmlns:p16="http://schemas.microsoft.com/office/powerpoint/2015/main" val="1"/>
+              </p:ext>
+            </p:extLst>
+          </p:nvPr>
+        </p:nvSpPr>
+        <p:spPr>
+          <a:xfrm>
+            <a:off x="4625190" y="0"/>
+            <a:ext cx="7566810" cy="6858000"/>
+          </a:xfrm>
+          <a:prstGeom prst="rect">
+            <a:avLst/>
+          </a:prstGeom>
+          <a:solidFill>
+            <a:schemeClr val="tx1"/>
+          </a:solidFill>
+          <a:ln>
+            <a:noFill/>
+          </a:ln>
+        </p:spPr>
+        <p:style>
+          <a:lnRef idx="2">
+            <a:schemeClr val="accent1">
+              <a:shade val="50000"/>
+            </a:schemeClr>
+          </a:lnRef>
+          <a:fillRef idx="1001">
+            <a:schemeClr val="lt1"/>
+          </a:fillRef>
+          <a:effectRef idx="0">
+            <a:schemeClr val="accent1"/>
+          </a:effectRef>
+          <a:fontRef idx="minor">
+            <a:schemeClr val="lt1"/>
+          </a:fontRef>
+        </p:style>
+        <p:txBody>
+          <a:bodyPr rtlCol="0" anchor="ctr"/>
+          <a:lstStyle/>
+          <a:p>
+            <a:pPr algn="ctr"/>
+            <a:endParaRPr lang="en-US" dirty="0"/>
+          </a:p>
+        </p:txBody>
+      </p:sp>
+      <p:pic>
+        <p:nvPicPr>
+          <p:cNvPr id="5" name="Content Placeholder 4" descr="A screenshot of a cell phone&#10;&#10;Description automatically generated">
+            <a:extLst>
+              <a:ext uri="{FF2B5EF4-FFF2-40B4-BE49-F238E27FC236}">
+                <a16:creationId xmlns:a16="http://schemas.microsoft.com/office/drawing/2014/main" id="{C937F8E8-7450-4995-86C8-139D93D5D6BE}"/>
+              </a:ext>
+            </a:extLst>
+          </p:cNvPr>
+          <p:cNvPicPr>
+            <a:picLocks noChangeAspect="1"/>
+          </p:cNvPicPr>
+          <p:nvPr/>
+        </p:nvPicPr>
+        <p:blipFill>
+          <a:blip r:embed="rId2">
+            <a:extLst>
+              <a:ext uri="{28A0092B-C50C-407E-A947-70E740481C1C}">
+                <a14:useLocalDpi xmlns:a14="http://schemas.microsoft.com/office/drawing/2010/main" val="0"/>
+              </a:ext>
+            </a:extLst>
+          </a:blip>
+          <a:stretch>
+            <a:fillRect/>
+          </a:stretch>
+        </p:blipFill>
+        <p:spPr>
+          <a:xfrm>
+            <a:off x="4630994" y="0"/>
+            <a:ext cx="7561006" cy="6867561"/>
+          </a:xfrm>
+          <a:prstGeom prst="rect">
+            <a:avLst/>
+          </a:prstGeom>
+        </p:spPr>
+      </p:pic>
+    </p:spTree>
+    <p:extLst>
+      <p:ext uri="{BB962C8B-B14F-4D97-AF65-F5344CB8AC3E}">
+        <p14:creationId xmlns:p14="http://schemas.microsoft.com/office/powerpoint/2010/main" val="710361433"/>
+      </p:ext>
+    </p:extLst>
+  </p:cSld>
+  <p:clrMapOvr>
+    <a:masterClrMapping/>
+  </p:clrMapOvr>
+</p:sld>
+</file>
+
+<file path=ppt/slides/slide7.xml><?xml version="1.0" encoding="utf-8"?>
+<p:sld xmlns:a="http://schemas.openxmlformats.org/drawingml/2006/main" xmlns:r="http://schemas.openxmlformats.org/officeDocument/2006/relationships" xmlns:p="http://schemas.openxmlformats.org/presentationml/2006/main">
+  <p:cSld>
+    <p:spTree>
+      <p:nvGrpSpPr>
+        <p:cNvPr id="1" name=""/>
+        <p:cNvGrpSpPr/>
+        <p:nvPr/>
+      </p:nvGrpSpPr>
+      <p:grpSpPr>
+        <a:xfrm>
+          <a:off x="0" y="0"/>
+          <a:ext cx="0" cy="0"/>
+          <a:chOff x="0" y="0"/>
+          <a:chExt cx="0" cy="0"/>
+        </a:xfrm>
+      </p:grpSpPr>
+      <p:sp>
+        <p:nvSpPr>
+          <p:cNvPr id="2" name="Title 1">
+            <a:extLst>
+              <a:ext uri="{FF2B5EF4-FFF2-40B4-BE49-F238E27FC236}">
+                <a16:creationId xmlns:a16="http://schemas.microsoft.com/office/drawing/2014/main" id="{E5578DBB-2585-4478-A31B-3FC36620F2BB}"/>
+              </a:ext>
+            </a:extLst>
+          </p:cNvPr>
+          <p:cNvSpPr>
+            <a:spLocks noGrp="1"/>
+          </p:cNvSpPr>
+          <p:nvPr>
+            <p:ph type="title"/>
+          </p:nvPr>
+        </p:nvSpPr>
+        <p:spPr/>
+        <p:txBody>
+          <a:bodyPr/>
+          <a:lstStyle/>
+          <a:p>
+            <a:r>
+              <a:rPr lang="en-US" dirty="0"/>
+              <a:t>Premarket Twitter data</a:t>
+            </a:r>
+          </a:p>
+        </p:txBody>
+      </p:sp>
+      <p:sp>
+        <p:nvSpPr>
+          <p:cNvPr id="3" name="Content Placeholder 2">
+            <a:extLst>
+              <a:ext uri="{FF2B5EF4-FFF2-40B4-BE49-F238E27FC236}">
+                <a16:creationId xmlns:a16="http://schemas.microsoft.com/office/drawing/2014/main" id="{DABDF1DE-1DFE-4FFA-A8F9-FBCFBE9386CA}"/>
+              </a:ext>
+            </a:extLst>
+          </p:cNvPr>
+          <p:cNvSpPr>
+            <a:spLocks noGrp="1"/>
+          </p:cNvSpPr>
+          <p:nvPr>
+            <p:ph idx="1"/>
+          </p:nvPr>
+        </p:nvSpPr>
+        <p:spPr/>
+        <p:txBody>
+          <a:bodyPr/>
+          <a:lstStyle/>
+          <a:p>
+            <a:endParaRPr lang="en-US"/>
+          </a:p>
+        </p:txBody>
+      </p:sp>
+    </p:spTree>
+    <p:extLst>
+      <p:ext uri="{BB962C8B-B14F-4D97-AF65-F5344CB8AC3E}">
+        <p14:creationId xmlns:p14="http://schemas.microsoft.com/office/powerpoint/2010/main" val="3219733798"/>
+      </p:ext>
+    </p:extLst>
+  </p:cSld>
+  <p:clrMapOvr>
+    <a:masterClrMapping/>
+  </p:clrMapOvr>
+</p:sld>
+</file>
+
+<file path=ppt/slides/slide8.xml><?xml version="1.0" encoding="utf-8"?>
+<p:sld xmlns:a="http://schemas.openxmlformats.org/drawingml/2006/main" xmlns:r="http://schemas.openxmlformats.org/officeDocument/2006/relationships" xmlns:p="http://schemas.openxmlformats.org/presentationml/2006/main">
+  <p:cSld>
+    <p:spTree>
+      <p:nvGrpSpPr>
+        <p:cNvPr id="1" name=""/>
+        <p:cNvGrpSpPr/>
+        <p:nvPr/>
+      </p:nvGrpSpPr>
+      <p:grpSpPr>
+        <a:xfrm>
+          <a:off x="0" y="0"/>
+          <a:ext cx="0" cy="0"/>
+          <a:chOff x="0" y="0"/>
+          <a:chExt cx="0" cy="0"/>
+        </a:xfrm>
+      </p:grpSpPr>
+      <p:sp>
+        <p:nvSpPr>
+          <p:cNvPr id="2" name="Title 1">
+            <a:extLst>
+              <a:ext uri="{FF2B5EF4-FFF2-40B4-BE49-F238E27FC236}">
                 <a16:creationId xmlns:a16="http://schemas.microsoft.com/office/drawing/2014/main" id="{909AB05C-1377-471B-888F-DAF636268E07}"/>
               </a:ext>
             </a:extLst>
@@ -8984,8 +9309,12 @@
           <a:lstStyle/>
           <a:p>
             <a:r>
+              <a:rPr lang="en-US" dirty="0" err="1"/>
+              <a:t>PostMarket</a:t>
+            </a:r>
+            <a:r>
               <a:rPr lang="en-US" dirty="0"/>
-              <a:t>The code: stocks</a:t>
+              <a:t>: stocks</a:t>
             </a:r>
           </a:p>
         </p:txBody>
@@ -9047,7 +9376,7 @@
 </p:sld>
 </file>
 
-<file path=ppt/slides/slide7.xml><?xml version="1.0" encoding="utf-8"?>
+<file path=ppt/slides/slide9.xml><?xml version="1.0" encoding="utf-8"?>
 <p:sld xmlns:a="http://schemas.openxmlformats.org/drawingml/2006/main" xmlns:r="http://schemas.openxmlformats.org/officeDocument/2006/relationships" xmlns:p="http://schemas.openxmlformats.org/presentationml/2006/main">
   <p:cSld>
     <p:spTree>
@@ -9568,308 +9897,6 @@
     <p:extLst>
       <p:ext uri="{BB962C8B-B14F-4D97-AF65-F5344CB8AC3E}">
         <p14:creationId xmlns:p14="http://schemas.microsoft.com/office/powerpoint/2010/main" val="1302814122"/>
-      </p:ext>
-    </p:extLst>
-  </p:cSld>
-  <p:clrMapOvr>
-    <a:masterClrMapping/>
-  </p:clrMapOvr>
-</p:sld>
-</file>
-
-<file path=ppt/slides/slide8.xml><?xml version="1.0" encoding="utf-8"?>
-<p:sld xmlns:a="http://schemas.openxmlformats.org/drawingml/2006/main" xmlns:r="http://schemas.openxmlformats.org/officeDocument/2006/relationships" xmlns:p="http://schemas.openxmlformats.org/presentationml/2006/main">
-  <p:cSld>
-    <p:bg>
-      <p:bgPr>
-        <a:solidFill>
-          <a:schemeClr val="bg2"/>
-        </a:solidFill>
-        <a:effectLst/>
-      </p:bgPr>
-    </p:bg>
-    <p:spTree>
-      <p:nvGrpSpPr>
-        <p:cNvPr id="1" name=""/>
-        <p:cNvGrpSpPr/>
-        <p:nvPr/>
-      </p:nvGrpSpPr>
-      <p:grpSpPr>
-        <a:xfrm>
-          <a:off x="0" y="0"/>
-          <a:ext cx="0" cy="0"/>
-          <a:chOff x="0" y="0"/>
-          <a:chExt cx="0" cy="0"/>
-        </a:xfrm>
-      </p:grpSpPr>
-      <p:sp>
-        <p:nvSpPr>
-          <p:cNvPr id="2" name="Title 1">
-            <a:extLst>
-              <a:ext uri="{FF2B5EF4-FFF2-40B4-BE49-F238E27FC236}">
-                <a16:creationId xmlns:a16="http://schemas.microsoft.com/office/drawing/2014/main" id="{ED7A9617-FF23-44C6-9A2A-0C9C08F58FAC}"/>
-              </a:ext>
-            </a:extLst>
-          </p:cNvPr>
-          <p:cNvSpPr>
-            <a:spLocks noGrp="1"/>
-          </p:cNvSpPr>
-          <p:nvPr>
-            <p:ph type="title"/>
-          </p:nvPr>
-        </p:nvSpPr>
-        <p:spPr>
-          <a:xfrm>
-            <a:off x="634277" y="284176"/>
-            <a:ext cx="3670874" cy="1508760"/>
-          </a:xfrm>
-        </p:spPr>
-        <p:txBody>
-          <a:bodyPr>
-            <a:normAutofit/>
-          </a:bodyPr>
-          <a:lstStyle/>
-          <a:p>
-            <a:r>
-              <a:rPr lang="en-US" sz="3400" dirty="0"/>
-              <a:t>The code: Sentiment analysis</a:t>
-            </a:r>
-          </a:p>
-        </p:txBody>
-      </p:sp>
-      <p:sp>
-        <p:nvSpPr>
-          <p:cNvPr id="9" name="Content Placeholder 8">
-            <a:extLst>
-              <a:ext uri="{FF2B5EF4-FFF2-40B4-BE49-F238E27FC236}">
-                <a16:creationId xmlns:a16="http://schemas.microsoft.com/office/drawing/2014/main" id="{9CA1DE06-78BF-4008-802E-67B59ACFF41A}"/>
-              </a:ext>
-            </a:extLst>
-          </p:cNvPr>
-          <p:cNvSpPr>
-            <a:spLocks noGrp="1"/>
-          </p:cNvSpPr>
-          <p:nvPr>
-            <p:ph idx="1"/>
-          </p:nvPr>
-        </p:nvSpPr>
-        <p:spPr>
-          <a:xfrm>
-            <a:off x="634277" y="2011680"/>
-            <a:ext cx="3676678" cy="4206240"/>
-          </a:xfrm>
-        </p:spPr>
-        <p:txBody>
-          <a:bodyPr>
-            <a:normAutofit/>
-          </a:bodyPr>
-          <a:lstStyle/>
-          <a:p>
-            <a:r>
-              <a:rPr lang="en-US" dirty="0"/>
-              <a:t>More tweets were counted than shown to have more accurate data. For demo purposes, 15 tweets will be collected.</a:t>
-            </a:r>
-          </a:p>
-          <a:p>
-            <a:r>
-              <a:rPr lang="en-US" dirty="0"/>
-              <a:t>Polarities were calculated for each tweet, and the total sum represented the final value for the analysis.</a:t>
-            </a:r>
-          </a:p>
-          <a:p>
-            <a:r>
-              <a:rPr lang="en-US" dirty="0"/>
-              <a:t>Searched only for official name (‘TSLA) to collect data from professional brokers.</a:t>
-            </a:r>
-          </a:p>
-        </p:txBody>
-      </p:sp>
-      <p:sp>
-        <p:nvSpPr>
-          <p:cNvPr id="12" name="Rectangle 11">
-            <a:extLst>
-              <a:ext uri="{FF2B5EF4-FFF2-40B4-BE49-F238E27FC236}">
-                <a16:creationId xmlns:a16="http://schemas.microsoft.com/office/drawing/2014/main" id="{9792BD17-FF40-4EE5-AC8E-7AE823BAE9D4}"/>
-              </a:ext>
-              <a:ext uri="{C183D7F6-B498-43B3-948B-1728B52AA6E4}">
-                <adec:decorative xmlns:adec="http://schemas.microsoft.com/office/drawing/2017/decorative" val="1"/>
-              </a:ext>
-            </a:extLst>
-          </p:cNvPr>
-          <p:cNvSpPr>
-            <a:spLocks noGrp="1" noRot="1" noChangeAspect="1" noMove="1" noResize="1" noEditPoints="1" noAdjustHandles="1" noChangeArrowheads="1" noChangeShapeType="1" noTextEdit="1"/>
-          </p:cNvSpPr>
-          <p:nvPr>
-            <p:extLst>
-              <p:ext uri="{386F3935-93C4-4BCD-93E2-E3B085C9AB24}">
-                <p16:designElem xmlns:p16="http://schemas.microsoft.com/office/powerpoint/2015/main" val="1"/>
-              </p:ext>
-            </p:extLst>
-          </p:nvPr>
-        </p:nvSpPr>
-        <p:spPr>
-          <a:xfrm>
-            <a:off x="4625190" y="0"/>
-            <a:ext cx="7566810" cy="6858000"/>
-          </a:xfrm>
-          <a:prstGeom prst="rect">
-            <a:avLst/>
-          </a:prstGeom>
-          <a:solidFill>
-            <a:schemeClr val="tx1"/>
-          </a:solidFill>
-          <a:ln>
-            <a:noFill/>
-          </a:ln>
-        </p:spPr>
-        <p:style>
-          <a:lnRef idx="2">
-            <a:schemeClr val="accent1">
-              <a:shade val="50000"/>
-            </a:schemeClr>
-          </a:lnRef>
-          <a:fillRef idx="1001">
-            <a:schemeClr val="lt1"/>
-          </a:fillRef>
-          <a:effectRef idx="0">
-            <a:schemeClr val="accent1"/>
-          </a:effectRef>
-          <a:fontRef idx="minor">
-            <a:schemeClr val="lt1"/>
-          </a:fontRef>
-        </p:style>
-        <p:txBody>
-          <a:bodyPr rtlCol="0" anchor="ctr"/>
-          <a:lstStyle/>
-          <a:p>
-            <a:pPr algn="ctr"/>
-            <a:endParaRPr lang="en-US" dirty="0"/>
-          </a:p>
-        </p:txBody>
-      </p:sp>
-      <p:pic>
-        <p:nvPicPr>
-          <p:cNvPr id="5" name="Content Placeholder 4" descr="A screenshot of a cell phone&#10;&#10;Description automatically generated">
-            <a:extLst>
-              <a:ext uri="{FF2B5EF4-FFF2-40B4-BE49-F238E27FC236}">
-                <a16:creationId xmlns:a16="http://schemas.microsoft.com/office/drawing/2014/main" id="{C937F8E8-7450-4995-86C8-139D93D5D6BE}"/>
-              </a:ext>
-            </a:extLst>
-          </p:cNvPr>
-          <p:cNvPicPr>
-            <a:picLocks noChangeAspect="1"/>
-          </p:cNvPicPr>
-          <p:nvPr/>
-        </p:nvPicPr>
-        <p:blipFill>
-          <a:blip r:embed="rId2">
-            <a:extLst>
-              <a:ext uri="{28A0092B-C50C-407E-A947-70E740481C1C}">
-                <a14:useLocalDpi xmlns:a14="http://schemas.microsoft.com/office/drawing/2010/main" val="0"/>
-              </a:ext>
-            </a:extLst>
-          </a:blip>
-          <a:stretch>
-            <a:fillRect/>
-          </a:stretch>
-        </p:blipFill>
-        <p:spPr>
-          <a:xfrm>
-            <a:off x="4630994" y="0"/>
-            <a:ext cx="7561006" cy="6867561"/>
-          </a:xfrm>
-          <a:prstGeom prst="rect">
-            <a:avLst/>
-          </a:prstGeom>
-        </p:spPr>
-      </p:pic>
-    </p:spTree>
-    <p:extLst>
-      <p:ext uri="{BB962C8B-B14F-4D97-AF65-F5344CB8AC3E}">
-        <p14:creationId xmlns:p14="http://schemas.microsoft.com/office/powerpoint/2010/main" val="710361433"/>
-      </p:ext>
-    </p:extLst>
-  </p:cSld>
-  <p:clrMapOvr>
-    <a:masterClrMapping/>
-  </p:clrMapOvr>
-</p:sld>
-</file>
-
-<file path=ppt/slides/slide9.xml><?xml version="1.0" encoding="utf-8"?>
-<p:sld xmlns:a="http://schemas.openxmlformats.org/drawingml/2006/main" xmlns:r="http://schemas.openxmlformats.org/officeDocument/2006/relationships" xmlns:p="http://schemas.openxmlformats.org/presentationml/2006/main">
-  <p:cSld>
-    <p:spTree>
-      <p:nvGrpSpPr>
-        <p:cNvPr id="1" name=""/>
-        <p:cNvGrpSpPr/>
-        <p:nvPr/>
-      </p:nvGrpSpPr>
-      <p:grpSpPr>
-        <a:xfrm>
-          <a:off x="0" y="0"/>
-          <a:ext cx="0" cy="0"/>
-          <a:chOff x="0" y="0"/>
-          <a:chExt cx="0" cy="0"/>
-        </a:xfrm>
-      </p:grpSpPr>
-      <p:sp>
-        <p:nvSpPr>
-          <p:cNvPr id="2" name="Title 1">
-            <a:extLst>
-              <a:ext uri="{FF2B5EF4-FFF2-40B4-BE49-F238E27FC236}">
-                <a16:creationId xmlns:a16="http://schemas.microsoft.com/office/drawing/2014/main" id="{E5578DBB-2585-4478-A31B-3FC36620F2BB}"/>
-              </a:ext>
-            </a:extLst>
-          </p:cNvPr>
-          <p:cNvSpPr>
-            <a:spLocks noGrp="1"/>
-          </p:cNvSpPr>
-          <p:nvPr>
-            <p:ph type="title"/>
-          </p:nvPr>
-        </p:nvSpPr>
-        <p:spPr/>
-        <p:txBody>
-          <a:bodyPr/>
-          <a:lstStyle/>
-          <a:p>
-            <a:r>
-              <a:rPr lang="en-US" dirty="0"/>
-              <a:t>Twitter data</a:t>
-            </a:r>
-          </a:p>
-        </p:txBody>
-      </p:sp>
-      <p:sp>
-        <p:nvSpPr>
-          <p:cNvPr id="3" name="Content Placeholder 2">
-            <a:extLst>
-              <a:ext uri="{FF2B5EF4-FFF2-40B4-BE49-F238E27FC236}">
-                <a16:creationId xmlns:a16="http://schemas.microsoft.com/office/drawing/2014/main" id="{DABDF1DE-1DFE-4FFA-A8F9-FBCFBE9386CA}"/>
-              </a:ext>
-            </a:extLst>
-          </p:cNvPr>
-          <p:cNvSpPr>
-            <a:spLocks noGrp="1"/>
-          </p:cNvSpPr>
-          <p:nvPr>
-            <p:ph idx="1"/>
-          </p:nvPr>
-        </p:nvSpPr>
-        <p:spPr/>
-        <p:txBody>
-          <a:bodyPr/>
-          <a:lstStyle/>
-          <a:p>
-            <a:endParaRPr lang="en-US"/>
-          </a:p>
-        </p:txBody>
-      </p:sp>
-    </p:spTree>
-    <p:extLst>
-      <p:ext uri="{BB962C8B-B14F-4D97-AF65-F5344CB8AC3E}">
-        <p14:creationId xmlns:p14="http://schemas.microsoft.com/office/powerpoint/2010/main" val="3219733798"/>
       </p:ext>
     </p:extLst>
   </p:cSld>

--- a/Powerpoint/Final Project.pptx
+++ b/Powerpoint/Final Project.pptx
@@ -124,7 +124,7 @@
 <file path=ppt/revisionInfo.xml><?xml version="1.0" encoding="utf-8"?>
 <p1510:revInfo xmlns:a="http://schemas.openxmlformats.org/drawingml/2006/main" xmlns:r="http://schemas.openxmlformats.org/officeDocument/2006/relationships" xmlns:p1510="http://schemas.microsoft.com/office/powerpoint/2015/10/main">
   <p1510:revLst>
-    <p1510:client id="{73DDB0EB-0642-42F6-9210-F7155705DE25}" v="23" dt="2020-04-22T18:52:00.509"/>
+    <p1510:client id="{73DDB0EB-0642-42F6-9210-F7155705DE25}" v="26" dt="2020-04-22T19:00:22.702"/>
     <p1510:client id="{7C1BBBAB-FE35-4ED4-B76D-E99DAE49BE30}" v="13" dt="2020-04-22T17:43:21.864"/>
   </p1510:revLst>
 </p1510:revInfo>
@@ -135,7 +135,7 @@
   <pc:docChgLst>
     <pc:chgData name="Mario Garcia" userId="53bf80f1d6e59a2f" providerId="LiveId" clId="{73DDB0EB-0642-42F6-9210-F7155705DE25}"/>
     <pc:docChg chg="undo redo custSel mod addSld delSld modSld sldOrd">
-      <pc:chgData name="Mario Garcia" userId="53bf80f1d6e59a2f" providerId="LiveId" clId="{73DDB0EB-0642-42F6-9210-F7155705DE25}" dt="2020-04-22T18:52:41.541" v="1028" actId="47"/>
+      <pc:chgData name="Mario Garcia" userId="53bf80f1d6e59a2f" providerId="LiveId" clId="{73DDB0EB-0642-42F6-9210-F7155705DE25}" dt="2020-04-22T19:05:24.056" v="1071" actId="1076"/>
       <pc:docMkLst>
         <pc:docMk/>
       </pc:docMkLst>
@@ -415,7 +415,7 @@
         </pc:picChg>
       </pc:sldChg>
       <pc:sldChg chg="addSp delSp modSp mod ord">
-        <pc:chgData name="Mario Garcia" userId="53bf80f1d6e59a2f" providerId="LiveId" clId="{73DDB0EB-0642-42F6-9210-F7155705DE25}" dt="2020-04-22T18:51:53.561" v="1016" actId="20577"/>
+        <pc:chgData name="Mario Garcia" userId="53bf80f1d6e59a2f" providerId="LiveId" clId="{73DDB0EB-0642-42F6-9210-F7155705DE25}" dt="2020-04-22T19:05:24.056" v="1071" actId="1076"/>
         <pc:sldMkLst>
           <pc:docMk/>
           <pc:sldMk cId="3219733798" sldId="263"/>
@@ -428,12 +428,44 @@
             <ac:spMk id="2" creationId="{E5578DBB-2585-4478-A31B-3FC36620F2BB}"/>
           </ac:spMkLst>
         </pc:spChg>
+        <pc:spChg chg="del">
+          <ac:chgData name="Mario Garcia" userId="53bf80f1d6e59a2f" providerId="LiveId" clId="{73DDB0EB-0642-42F6-9210-F7155705DE25}" dt="2020-04-22T18:59:36.761" v="1029"/>
+          <ac:spMkLst>
+            <pc:docMk/>
+            <pc:sldMk cId="3219733798" sldId="263"/>
+            <ac:spMk id="3" creationId="{DABDF1DE-1DFE-4FFA-A8F9-FBCFBE9386CA}"/>
+          </ac:spMkLst>
+        </pc:spChg>
         <pc:picChg chg="add del">
           <ac:chgData name="Mario Garcia" userId="53bf80f1d6e59a2f" providerId="LiveId" clId="{73DDB0EB-0642-42F6-9210-F7155705DE25}" dt="2020-04-22T18:25:44.197" v="232" actId="478"/>
           <ac:picMkLst>
             <pc:docMk/>
             <pc:sldMk cId="3219733798" sldId="263"/>
             <ac:picMk id="4" creationId="{5E3B72EE-7F9D-4864-ABBB-C7E773A28C72}"/>
+          </ac:picMkLst>
+        </pc:picChg>
+        <pc:picChg chg="add mod">
+          <ac:chgData name="Mario Garcia" userId="53bf80f1d6e59a2f" providerId="LiveId" clId="{73DDB0EB-0642-42F6-9210-F7155705DE25}" dt="2020-04-22T19:05:24.056" v="1071" actId="1076"/>
+          <ac:picMkLst>
+            <pc:docMk/>
+            <pc:sldMk cId="3219733798" sldId="263"/>
+            <ac:picMk id="5" creationId="{ED9D6787-122C-4042-B684-C2473C6B783D}"/>
+          </ac:picMkLst>
+        </pc:picChg>
+        <pc:picChg chg="add mod">
+          <ac:chgData name="Mario Garcia" userId="53bf80f1d6e59a2f" providerId="LiveId" clId="{73DDB0EB-0642-42F6-9210-F7155705DE25}" dt="2020-04-22T19:05:21.361" v="1070" actId="1076"/>
+          <ac:picMkLst>
+            <pc:docMk/>
+            <pc:sldMk cId="3219733798" sldId="263"/>
+            <ac:picMk id="7" creationId="{EE2D4862-EACE-456C-B672-7463EE791D4F}"/>
+          </ac:picMkLst>
+        </pc:picChg>
+        <pc:picChg chg="add mod">
+          <ac:chgData name="Mario Garcia" userId="53bf80f1d6e59a2f" providerId="LiveId" clId="{73DDB0EB-0642-42F6-9210-F7155705DE25}" dt="2020-04-22T19:04:17.802" v="1067" actId="1440"/>
+          <ac:picMkLst>
+            <pc:docMk/>
+            <pc:sldMk cId="3219733798" sldId="263"/>
+            <ac:picMk id="9" creationId="{E95119FB-50DF-49E7-82CC-1DCABF479FDA}"/>
           </ac:picMkLst>
         </pc:picChg>
       </pc:sldChg>
@@ -9232,31 +9264,155 @@
           </a:p>
         </p:txBody>
       </p:sp>
-      <p:sp>
-        <p:nvSpPr>
-          <p:cNvPr id="3" name="Content Placeholder 2">
+      <p:pic>
+        <p:nvPicPr>
+          <p:cNvPr id="5" name="Content Placeholder 4">
             <a:extLst>
               <a:ext uri="{FF2B5EF4-FFF2-40B4-BE49-F238E27FC236}">
-                <a16:creationId xmlns:a16="http://schemas.microsoft.com/office/drawing/2014/main" id="{DABDF1DE-1DFE-4FFA-A8F9-FBCFBE9386CA}"/>
+                <a16:creationId xmlns:a16="http://schemas.microsoft.com/office/drawing/2014/main" id="{ED9D6787-122C-4042-B684-C2473C6B783D}"/>
               </a:ext>
             </a:extLst>
           </p:cNvPr>
-          <p:cNvSpPr>
-            <a:spLocks noGrp="1"/>
-          </p:cNvSpPr>
+          <p:cNvPicPr>
+            <a:picLocks noGrp="1" noChangeAspect="1"/>
+          </p:cNvPicPr>
           <p:nvPr>
             <p:ph idx="1"/>
           </p:nvPr>
-        </p:nvSpPr>
-        <p:spPr/>
-        <p:txBody>
-          <a:bodyPr/>
-          <a:lstStyle/>
-          <a:p>
-            <a:endParaRPr lang="en-US"/>
-          </a:p>
-        </p:txBody>
-      </p:sp>
+        </p:nvPicPr>
+        <p:blipFill>
+          <a:blip r:embed="rId2">
+            <a:extLst>
+              <a:ext uri="{28A0092B-C50C-407E-A947-70E740481C1C}">
+                <a14:useLocalDpi xmlns:a14="http://schemas.microsoft.com/office/drawing/2010/main" val="0"/>
+              </a:ext>
+            </a:extLst>
+          </a:blip>
+          <a:stretch>
+            <a:fillRect/>
+          </a:stretch>
+        </p:blipFill>
+        <p:spPr>
+          <a:xfrm>
+            <a:off x="1616419" y="4330400"/>
+            <a:ext cx="8957074" cy="934453"/>
+          </a:xfrm>
+          <a:prstGeom prst="roundRect">
+            <a:avLst>
+              <a:gd name="adj" fmla="val 8594"/>
+            </a:avLst>
+          </a:prstGeom>
+          <a:solidFill>
+            <a:srgbClr val="FFFFFF">
+              <a:shade val="85000"/>
+            </a:srgbClr>
+          </a:solidFill>
+          <a:ln>
+            <a:noFill/>
+          </a:ln>
+          <a:effectLst>
+            <a:reflection blurRad="12700" stA="38000" endPos="28000" dist="5000" dir="5400000" sy="-100000" algn="bl" rotWithShape="0"/>
+          </a:effectLst>
+        </p:spPr>
+      </p:pic>
+      <p:pic>
+        <p:nvPicPr>
+          <p:cNvPr id="7" name="Picture 6">
+            <a:extLst>
+              <a:ext uri="{FF2B5EF4-FFF2-40B4-BE49-F238E27FC236}">
+                <a16:creationId xmlns:a16="http://schemas.microsoft.com/office/drawing/2014/main" id="{EE2D4862-EACE-456C-B672-7463EE791D4F}"/>
+              </a:ext>
+            </a:extLst>
+          </p:cNvPr>
+          <p:cNvPicPr>
+            <a:picLocks noChangeAspect="1"/>
+          </p:cNvPicPr>
+          <p:nvPr/>
+        </p:nvPicPr>
+        <p:blipFill>
+          <a:blip r:embed="rId3">
+            <a:extLst>
+              <a:ext uri="{28A0092B-C50C-407E-A947-70E740481C1C}">
+                <a14:useLocalDpi xmlns:a14="http://schemas.microsoft.com/office/drawing/2010/main" val="0"/>
+              </a:ext>
+            </a:extLst>
+          </a:blip>
+          <a:stretch>
+            <a:fillRect/>
+          </a:stretch>
+        </p:blipFill>
+        <p:spPr>
+          <a:xfrm>
+            <a:off x="1616420" y="5643483"/>
+            <a:ext cx="8957073" cy="845438"/>
+          </a:xfrm>
+          <a:prstGeom prst="roundRect">
+            <a:avLst>
+              <a:gd name="adj" fmla="val 8594"/>
+            </a:avLst>
+          </a:prstGeom>
+          <a:solidFill>
+            <a:srgbClr val="FFFFFF">
+              <a:shade val="85000"/>
+            </a:srgbClr>
+          </a:solidFill>
+          <a:ln>
+            <a:noFill/>
+          </a:ln>
+          <a:effectLst>
+            <a:reflection blurRad="12700" stA="38000" endPos="28000" dist="5000" dir="5400000" sy="-100000" algn="bl" rotWithShape="0"/>
+          </a:effectLst>
+        </p:spPr>
+      </p:pic>
+      <p:pic>
+        <p:nvPicPr>
+          <p:cNvPr id="9" name="Picture 8">
+            <a:extLst>
+              <a:ext uri="{FF2B5EF4-FFF2-40B4-BE49-F238E27FC236}">
+                <a16:creationId xmlns:a16="http://schemas.microsoft.com/office/drawing/2014/main" id="{E95119FB-50DF-49E7-82CC-1DCABF479FDA}"/>
+              </a:ext>
+            </a:extLst>
+          </p:cNvPr>
+          <p:cNvPicPr>
+            <a:picLocks noChangeAspect="1"/>
+          </p:cNvPicPr>
+          <p:nvPr/>
+        </p:nvPicPr>
+        <p:blipFill>
+          <a:blip r:embed="rId4">
+            <a:extLst>
+              <a:ext uri="{28A0092B-C50C-407E-A947-70E740481C1C}">
+                <a14:useLocalDpi xmlns:a14="http://schemas.microsoft.com/office/drawing/2010/main" val="0"/>
+              </a:ext>
+            </a:extLst>
+          </a:blip>
+          <a:stretch>
+            <a:fillRect/>
+          </a:stretch>
+        </p:blipFill>
+        <p:spPr>
+          <a:xfrm>
+            <a:off x="1616421" y="3168891"/>
+            <a:ext cx="8957073" cy="782880"/>
+          </a:xfrm>
+          <a:prstGeom prst="roundRect">
+            <a:avLst>
+              <a:gd name="adj" fmla="val 8594"/>
+            </a:avLst>
+          </a:prstGeom>
+          <a:solidFill>
+            <a:srgbClr val="FFFFFF">
+              <a:shade val="85000"/>
+            </a:srgbClr>
+          </a:solidFill>
+          <a:ln>
+            <a:noFill/>
+          </a:ln>
+          <a:effectLst>
+            <a:reflection blurRad="12700" stA="38000" endPos="28000" dist="5000" dir="5400000" sy="-100000" algn="bl" rotWithShape="0"/>
+          </a:effectLst>
+        </p:spPr>
+      </p:pic>
     </p:spTree>
     <p:extLst>
       <p:ext uri="{BB962C8B-B14F-4D97-AF65-F5344CB8AC3E}">

--- a/Powerpoint/Final Project.pptx
+++ b/Powerpoint/Final Project.pptx
@@ -115,7 +115,7 @@
   </p:defaultTextStyle>
   <p:extLst>
     <p:ext uri="{EFAFB233-063F-42B5-8137-9DF3F51BA10A}">
-      <p15:sldGuideLst xmlns:p15="http://schemas.microsoft.com/office/powerpoint/2012/main"/>
+      <p15:sldGuideLst xmlns:p15="http://schemas.microsoft.com/office/powerpoint/2012/main" xmlns=""/>
     </p:ext>
   </p:extLst>
 </p:presentation>
@@ -1481,6 +1481,13 @@
         </dgm:presLayoutVars>
       </dgm:prSet>
       <dgm:spPr/>
+      <dgm:t>
+        <a:bodyPr/>
+        <a:lstStyle/>
+        <a:p>
+          <a:endParaRPr lang="en-US"/>
+        </a:p>
+      </dgm:t>
     </dgm:pt>
     <dgm:pt modelId="{A45A1493-68AB-4A62-9A3F-CE6D62FFF1C7}" type="pres">
       <dgm:prSet presAssocID="{47A09193-EA7E-49DD-B4C4-8CEF7FCD27ED}" presName="boxAndChildren" presStyleCnt="0"/>
@@ -1489,10 +1496,24 @@
     <dgm:pt modelId="{8A0C5EA9-C8EF-47D1-A10F-D8D38FFA5BB1}" type="pres">
       <dgm:prSet presAssocID="{47A09193-EA7E-49DD-B4C4-8CEF7FCD27ED}" presName="parentTextBox" presStyleLbl="node1" presStyleIdx="0" presStyleCnt="2"/>
       <dgm:spPr/>
+      <dgm:t>
+        <a:bodyPr/>
+        <a:lstStyle/>
+        <a:p>
+          <a:endParaRPr lang="en-US"/>
+        </a:p>
+      </dgm:t>
     </dgm:pt>
     <dgm:pt modelId="{5DBF9901-22CE-4310-8EB0-6E87BB81C94A}" type="pres">
       <dgm:prSet presAssocID="{47A09193-EA7E-49DD-B4C4-8CEF7FCD27ED}" presName="entireBox" presStyleLbl="node1" presStyleIdx="0" presStyleCnt="2"/>
       <dgm:spPr/>
+      <dgm:t>
+        <a:bodyPr/>
+        <a:lstStyle/>
+        <a:p>
+          <a:endParaRPr lang="en-US"/>
+        </a:p>
+      </dgm:t>
     </dgm:pt>
     <dgm:pt modelId="{F64AD54A-BFD5-4ACB-BEFD-9552A48ED27B}" type="pres">
       <dgm:prSet presAssocID="{47A09193-EA7E-49DD-B4C4-8CEF7FCD27ED}" presName="descendantBox" presStyleCnt="0"/>
@@ -1505,6 +1526,13 @@
         </dgm:presLayoutVars>
       </dgm:prSet>
       <dgm:spPr/>
+      <dgm:t>
+        <a:bodyPr/>
+        <a:lstStyle/>
+        <a:p>
+          <a:endParaRPr lang="en-US"/>
+        </a:p>
+      </dgm:t>
     </dgm:pt>
     <dgm:pt modelId="{3384AE85-7420-4E9B-BD1A-FB17B4A8CDA7}" type="pres">
       <dgm:prSet presAssocID="{718585A8-65A5-47C4-9895-9528411EED62}" presName="childTextBox" presStyleLbl="fgAccFollowNode1" presStyleIdx="1" presStyleCnt="3">
@@ -1513,6 +1541,13 @@
         </dgm:presLayoutVars>
       </dgm:prSet>
       <dgm:spPr/>
+      <dgm:t>
+        <a:bodyPr/>
+        <a:lstStyle/>
+        <a:p>
+          <a:endParaRPr lang="en-US"/>
+        </a:p>
+      </dgm:t>
     </dgm:pt>
     <dgm:pt modelId="{289AB2F1-C237-414A-98EF-B0142E5C5A00}" type="pres">
       <dgm:prSet presAssocID="{900F67B6-BE4C-4A7B-ADFE-8061CF8ED3B4}" presName="childTextBox" presStyleLbl="fgAccFollowNode1" presStyleIdx="2" presStyleCnt="3">
@@ -1521,6 +1556,13 @@
         </dgm:presLayoutVars>
       </dgm:prSet>
       <dgm:spPr/>
+      <dgm:t>
+        <a:bodyPr/>
+        <a:lstStyle/>
+        <a:p>
+          <a:endParaRPr lang="en-US"/>
+        </a:p>
+      </dgm:t>
     </dgm:pt>
     <dgm:pt modelId="{A2AADE88-7519-436E-9E52-F37BD55C6BC0}" type="pres">
       <dgm:prSet presAssocID="{92B3A2E8-C347-4B1B-80BF-890745446DB5}" presName="sp" presStyleCnt="0"/>
@@ -1533,21 +1575,28 @@
     <dgm:pt modelId="{91E7C29C-9F68-4556-8A0C-868E749204E6}" type="pres">
       <dgm:prSet presAssocID="{A78191AB-D268-40CF-B3A9-6D47308C097E}" presName="parentTextArrow" presStyleLbl="node1" presStyleIdx="1" presStyleCnt="2"/>
       <dgm:spPr/>
+      <dgm:t>
+        <a:bodyPr/>
+        <a:lstStyle/>
+        <a:p>
+          <a:endParaRPr lang="en-US"/>
+        </a:p>
+      </dgm:t>
     </dgm:pt>
   </dgm:ptLst>
   <dgm:cxnLst>
-    <dgm:cxn modelId="{76F8A200-2616-41EA-BCAA-4618690C0378}" type="presOf" srcId="{A78191AB-D268-40CF-B3A9-6D47308C097E}" destId="{91E7C29C-9F68-4556-8A0C-868E749204E6}" srcOrd="0" destOrd="0" presId="urn:microsoft.com/office/officeart/2005/8/layout/process4"/>
-    <dgm:cxn modelId="{FE38D41E-B44F-4877-BA33-5BBC778AB6A4}" srcId="{47A09193-EA7E-49DD-B4C4-8CEF7FCD27ED}" destId="{900F67B6-BE4C-4A7B-ADFE-8061CF8ED3B4}" srcOrd="2" destOrd="0" parTransId="{9646ECAC-BD35-4E7F-B866-D4943E2C538B}" sibTransId="{546E833D-75E3-4DA8-A894-61AE58429088}"/>
-    <dgm:cxn modelId="{DC107D31-8E45-4C6D-98AC-E68BF10F8114}" type="presOf" srcId="{E83EEE88-46D8-492B-809C-435D120E4E26}" destId="{7BED000D-42D0-4255-905E-89E203072B54}" srcOrd="0" destOrd="0" presId="urn:microsoft.com/office/officeart/2005/8/layout/process4"/>
-    <dgm:cxn modelId="{31E8065F-2020-459B-8A16-DA7E5FDA2DBE}" srcId="{47A09193-EA7E-49DD-B4C4-8CEF7FCD27ED}" destId="{718585A8-65A5-47C4-9895-9528411EED62}" srcOrd="1" destOrd="0" parTransId="{32F41769-BE4B-41AB-8900-607F60B900CF}" sibTransId="{F55F25D6-0E20-4726-8C11-19AB5DA86EDD}"/>
     <dgm:cxn modelId="{10B48263-5383-4A5A-B0A5-8804E0FE2435}" srcId="{292D9468-647E-4641-AA8F-CA609A2AFF87}" destId="{47A09193-EA7E-49DD-B4C4-8CEF7FCD27ED}" srcOrd="1" destOrd="0" parTransId="{CFC26AA0-7367-4275-9C49-C993B86BD172}" sibTransId="{1D2D7CFB-DC45-4D19-BDB1-E72090D9BD5C}"/>
     <dgm:cxn modelId="{8F9CBC55-7705-4859-A879-B134A3E6E81D}" type="presOf" srcId="{292D9468-647E-4641-AA8F-CA609A2AFF87}" destId="{76BED14D-E2A8-444C-A763-FF6259FF78B9}" srcOrd="0" destOrd="0" presId="urn:microsoft.com/office/officeart/2005/8/layout/process4"/>
+    <dgm:cxn modelId="{31E8065F-2020-459B-8A16-DA7E5FDA2DBE}" srcId="{47A09193-EA7E-49DD-B4C4-8CEF7FCD27ED}" destId="{718585A8-65A5-47C4-9895-9528411EED62}" srcOrd="1" destOrd="0" parTransId="{32F41769-BE4B-41AB-8900-607F60B900CF}" sibTransId="{F55F25D6-0E20-4726-8C11-19AB5DA86EDD}"/>
     <dgm:cxn modelId="{A9714A77-5A8B-48E2-A37B-ACCC6F8A9557}" type="presOf" srcId="{900F67B6-BE4C-4A7B-ADFE-8061CF8ED3B4}" destId="{289AB2F1-C237-414A-98EF-B0142E5C5A00}" srcOrd="0" destOrd="0" presId="urn:microsoft.com/office/officeart/2005/8/layout/process4"/>
     <dgm:cxn modelId="{DE1BE278-CE49-43D0-A6BA-AF5E08C95DF2}" type="presOf" srcId="{47A09193-EA7E-49DD-B4C4-8CEF7FCD27ED}" destId="{8A0C5EA9-C8EF-47D1-A10F-D8D38FFA5BB1}" srcOrd="0" destOrd="0" presId="urn:microsoft.com/office/officeart/2005/8/layout/process4"/>
+    <dgm:cxn modelId="{76F8A200-2616-41EA-BCAA-4618690C0378}" type="presOf" srcId="{A78191AB-D268-40CF-B3A9-6D47308C097E}" destId="{91E7C29C-9F68-4556-8A0C-868E749204E6}" srcOrd="0" destOrd="0" presId="urn:microsoft.com/office/officeart/2005/8/layout/process4"/>
+    <dgm:cxn modelId="{2CD2F8FE-17B0-419D-998C-D7C20682175E}" srcId="{47A09193-EA7E-49DD-B4C4-8CEF7FCD27ED}" destId="{E83EEE88-46D8-492B-809C-435D120E4E26}" srcOrd="0" destOrd="0" parTransId="{149B68FA-6BD8-44BD-9CCF-BDFFFA6CF6E5}" sibTransId="{C30B868B-1CC0-428C-ACB3-7BD49A17DFB5}"/>
+    <dgm:cxn modelId="{EED6DBE4-8233-4CBE-8925-B736579178F8}" type="presOf" srcId="{47A09193-EA7E-49DD-B4C4-8CEF7FCD27ED}" destId="{5DBF9901-22CE-4310-8EB0-6E87BB81C94A}" srcOrd="1" destOrd="0" presId="urn:microsoft.com/office/officeart/2005/8/layout/process4"/>
+    <dgm:cxn modelId="{FE38D41E-B44F-4877-BA33-5BBC778AB6A4}" srcId="{47A09193-EA7E-49DD-B4C4-8CEF7FCD27ED}" destId="{900F67B6-BE4C-4A7B-ADFE-8061CF8ED3B4}" srcOrd="2" destOrd="0" parTransId="{9646ECAC-BD35-4E7F-B866-D4943E2C538B}" sibTransId="{546E833D-75E3-4DA8-A894-61AE58429088}"/>
+    <dgm:cxn modelId="{AE1CB5D8-F62F-439F-9000-20E94AE25D6C}" type="presOf" srcId="{718585A8-65A5-47C4-9895-9528411EED62}" destId="{3384AE85-7420-4E9B-BD1A-FB17B4A8CDA7}" srcOrd="0" destOrd="0" presId="urn:microsoft.com/office/officeart/2005/8/layout/process4"/>
+    <dgm:cxn modelId="{DC107D31-8E45-4C6D-98AC-E68BF10F8114}" type="presOf" srcId="{E83EEE88-46D8-492B-809C-435D120E4E26}" destId="{7BED000D-42D0-4255-905E-89E203072B54}" srcOrd="0" destOrd="0" presId="urn:microsoft.com/office/officeart/2005/8/layout/process4"/>
     <dgm:cxn modelId="{AEACF299-6151-4556-BD74-67C8C34B92BA}" srcId="{292D9468-647E-4641-AA8F-CA609A2AFF87}" destId="{A78191AB-D268-40CF-B3A9-6D47308C097E}" srcOrd="0" destOrd="0" parTransId="{E36F00D3-2B2F-46F5-8F23-57A094CC1AED}" sibTransId="{92B3A2E8-C347-4B1B-80BF-890745446DB5}"/>
-    <dgm:cxn modelId="{AE1CB5D8-F62F-439F-9000-20E94AE25D6C}" type="presOf" srcId="{718585A8-65A5-47C4-9895-9528411EED62}" destId="{3384AE85-7420-4E9B-BD1A-FB17B4A8CDA7}" srcOrd="0" destOrd="0" presId="urn:microsoft.com/office/officeart/2005/8/layout/process4"/>
-    <dgm:cxn modelId="{EED6DBE4-8233-4CBE-8925-B736579178F8}" type="presOf" srcId="{47A09193-EA7E-49DD-B4C4-8CEF7FCD27ED}" destId="{5DBF9901-22CE-4310-8EB0-6E87BB81C94A}" srcOrd="1" destOrd="0" presId="urn:microsoft.com/office/officeart/2005/8/layout/process4"/>
-    <dgm:cxn modelId="{2CD2F8FE-17B0-419D-998C-D7C20682175E}" srcId="{47A09193-EA7E-49DD-B4C4-8CEF7FCD27ED}" destId="{E83EEE88-46D8-492B-809C-435D120E4E26}" srcOrd="0" destOrd="0" parTransId="{149B68FA-6BD8-44BD-9CCF-BDFFFA6CF6E5}" sibTransId="{C30B868B-1CC0-428C-ACB3-7BD49A17DFB5}"/>
     <dgm:cxn modelId="{0FE20C40-10BD-46A4-A50E-B06020254A22}" type="presParOf" srcId="{76BED14D-E2A8-444C-A763-FF6259FF78B9}" destId="{A45A1493-68AB-4A62-9A3F-CE6D62FFF1C7}" srcOrd="0" destOrd="0" presId="urn:microsoft.com/office/officeart/2005/8/layout/process4"/>
     <dgm:cxn modelId="{B16424D8-3283-4652-96AC-AD43C30E613A}" type="presParOf" srcId="{A45A1493-68AB-4A62-9A3F-CE6D62FFF1C7}" destId="{8A0C5EA9-C8EF-47D1-A10F-D8D38FFA5BB1}" srcOrd="0" destOrd="0" presId="urn:microsoft.com/office/officeart/2005/8/layout/process4"/>
     <dgm:cxn modelId="{6E9CBBA6-E6AF-4358-95A5-2045839A23E8}" type="presParOf" srcId="{A45A1493-68AB-4A62-9A3F-CE6D62FFF1C7}" destId="{5DBF9901-22CE-4310-8EB0-6E87BB81C94A}" srcOrd="1" destOrd="0" presId="urn:microsoft.com/office/officeart/2005/8/layout/process4"/>
@@ -1631,7 +1680,7 @@
         </a:bodyPr>
         <a:lstStyle/>
         <a:p>
-          <a:pPr marL="0" lvl="0" indent="0" algn="ctr" defTabSz="1022350">
+          <a:pPr lvl="0" algn="ctr" defTabSz="1022350">
             <a:lnSpc>
               <a:spcPct val="90000"/>
             </a:lnSpc>
@@ -1641,7 +1690,6 @@
             <a:spcAft>
               <a:spcPct val="35000"/>
             </a:spcAft>
-            <a:buNone/>
           </a:pPr>
           <a:r>
             <a:rPr lang="en-US" sz="2300" kern="1200"/>
@@ -1710,7 +1758,7 @@
         </a:bodyPr>
         <a:lstStyle/>
         <a:p>
-          <a:pPr marL="0" lvl="0" indent="0" algn="ctr" defTabSz="889000">
+          <a:pPr lvl="0" algn="ctr" defTabSz="889000">
             <a:lnSpc>
               <a:spcPct val="90000"/>
             </a:lnSpc>
@@ -1720,7 +1768,6 @@
             <a:spcAft>
               <a:spcPct val="35000"/>
             </a:spcAft>
-            <a:buNone/>
           </a:pPr>
           <a:r>
             <a:rPr lang="en-US" sz="2000" kern="1200" dirty="0"/>
@@ -1789,7 +1836,7 @@
         </a:bodyPr>
         <a:lstStyle/>
         <a:p>
-          <a:pPr marL="0" lvl="0" indent="0" algn="ctr" defTabSz="889000">
+          <a:pPr lvl="0" algn="ctr" defTabSz="889000">
             <a:lnSpc>
               <a:spcPct val="90000"/>
             </a:lnSpc>
@@ -1799,7 +1846,6 @@
             <a:spcAft>
               <a:spcPct val="35000"/>
             </a:spcAft>
-            <a:buNone/>
           </a:pPr>
           <a:r>
             <a:rPr lang="en-US" sz="2000" kern="1200" dirty="0"/>
@@ -1829,7 +1875,7 @@
           <a:schemeClr val="accent2">
             <a:tint val="40000"/>
             <a:alpha val="90000"/>
-            <a:hueOff val="247198"/>
+            <a:hueOff val="247197"/>
             <a:satOff val="-23816"/>
             <a:lumOff val="-2511"/>
             <a:alphaOff val="0"/>
@@ -1840,7 +1886,7 @@
             <a:schemeClr val="accent2">
               <a:tint val="40000"/>
               <a:alpha val="90000"/>
-              <a:hueOff val="247198"/>
+              <a:hueOff val="247197"/>
               <a:satOff val="-23816"/>
               <a:lumOff val="-2511"/>
               <a:alphaOff val="0"/>
@@ -1868,7 +1914,7 @@
         </a:bodyPr>
         <a:lstStyle/>
         <a:p>
-          <a:pPr marL="0" lvl="0" indent="0" algn="ctr" defTabSz="889000">
+          <a:pPr lvl="0" algn="ctr" defTabSz="889000">
             <a:lnSpc>
               <a:spcPct val="90000"/>
             </a:lnSpc>
@@ -1878,7 +1924,6 @@
             <a:spcAft>
               <a:spcPct val="35000"/>
             </a:spcAft>
-            <a:buNone/>
           </a:pPr>
           <a:r>
             <a:rPr lang="en-US" sz="2000" kern="1200" dirty="0"/>
@@ -1907,7 +1952,7 @@
         <a:solidFill>
           <a:schemeClr val="accent2">
             <a:hueOff val="39038"/>
-            <a:satOff val="-26876"/>
+            <a:satOff val="-26877"/>
             <a:lumOff val="-6863"/>
             <a:alphaOff val="0"/>
           </a:schemeClr>
@@ -1945,7 +1990,7 @@
         </a:bodyPr>
         <a:lstStyle/>
         <a:p>
-          <a:pPr marL="0" lvl="0" indent="0" algn="ctr" defTabSz="1022350">
+          <a:pPr lvl="0" algn="ctr" defTabSz="1022350">
             <a:lnSpc>
               <a:spcPct val="90000"/>
             </a:lnSpc>
@@ -1955,7 +2000,6 @@
             <a:spcAft>
               <a:spcPct val="35000"/>
             </a:spcAft>
-            <a:buNone/>
           </a:pPr>
           <a:r>
             <a:rPr lang="en-US" sz="2300" kern="1200"/>
@@ -3592,7 +3636,7 @@
           <a:p>
             <a:fld id="{834A63CA-F0FB-4BD0-B08D-6B974D1D6577}" type="datetimeFigureOut">
               <a:rPr lang="en-US" smtClean="0"/>
-              <a:t>4/22/2020</a:t>
+              <a:t>4/23/20</a:t>
             </a:fld>
             <a:endParaRPr lang="en-US"/>
           </a:p>
@@ -3762,7 +3806,7 @@
           <a:p>
             <a:fld id="{834A63CA-F0FB-4BD0-B08D-6B974D1D6577}" type="datetimeFigureOut">
               <a:rPr lang="en-US" smtClean="0"/>
-              <a:t>4/22/2020</a:t>
+              <a:t>4/23/20</a:t>
             </a:fld>
             <a:endParaRPr lang="en-US"/>
           </a:p>
@@ -3985,7 +4029,7 @@
           <a:p>
             <a:fld id="{834A63CA-F0FB-4BD0-B08D-6B974D1D6577}" type="datetimeFigureOut">
               <a:rPr lang="en-US" smtClean="0"/>
-              <a:t>4/22/2020</a:t>
+              <a:t>4/23/20</a:t>
             </a:fld>
             <a:endParaRPr lang="en-US"/>
           </a:p>
@@ -4165,7 +4209,7 @@
           <a:p>
             <a:fld id="{834A63CA-F0FB-4BD0-B08D-6B974D1D6577}" type="datetimeFigureOut">
               <a:rPr lang="en-US" smtClean="0"/>
-              <a:t>4/22/2020</a:t>
+              <a:t>4/23/20</a:t>
             </a:fld>
             <a:endParaRPr lang="en-US"/>
           </a:p>
@@ -4509,7 +4553,7 @@
           <a:p>
             <a:fld id="{834A63CA-F0FB-4BD0-B08D-6B974D1D6577}" type="datetimeFigureOut">
               <a:rPr lang="en-US" smtClean="0"/>
-              <a:t>4/22/2020</a:t>
+              <a:t>4/23/20</a:t>
             </a:fld>
             <a:endParaRPr lang="en-US"/>
           </a:p>
@@ -4813,7 +4857,7 @@
           <a:p>
             <a:fld id="{834A63CA-F0FB-4BD0-B08D-6B974D1D6577}" type="datetimeFigureOut">
               <a:rPr lang="en-US" smtClean="0"/>
-              <a:t>4/22/2020</a:t>
+              <a:t>4/23/20</a:t>
             </a:fld>
             <a:endParaRPr lang="en-US"/>
           </a:p>
@@ -5235,7 +5279,7 @@
           <a:p>
             <a:fld id="{834A63CA-F0FB-4BD0-B08D-6B974D1D6577}" type="datetimeFigureOut">
               <a:rPr lang="en-US" smtClean="0"/>
-              <a:t>4/22/2020</a:t>
+              <a:t>4/23/20</a:t>
             </a:fld>
             <a:endParaRPr lang="en-US"/>
           </a:p>
@@ -5353,7 +5397,7 @@
           <a:p>
             <a:fld id="{834A63CA-F0FB-4BD0-B08D-6B974D1D6577}" type="datetimeFigureOut">
               <a:rPr lang="en-US" smtClean="0"/>
-              <a:t>4/22/2020</a:t>
+              <a:t>4/23/20</a:t>
             </a:fld>
             <a:endParaRPr lang="en-US"/>
           </a:p>
@@ -5448,7 +5492,7 @@
           <a:p>
             <a:fld id="{834A63CA-F0FB-4BD0-B08D-6B974D1D6577}" type="datetimeFigureOut">
               <a:rPr lang="en-US" smtClean="0"/>
-              <a:t>4/22/2020</a:t>
+              <a:t>4/23/20</a:t>
             </a:fld>
             <a:endParaRPr lang="en-US"/>
           </a:p>
@@ -5721,7 +5765,7 @@
           <a:p>
             <a:fld id="{834A63CA-F0FB-4BD0-B08D-6B974D1D6577}" type="datetimeFigureOut">
               <a:rPr lang="en-US" smtClean="0"/>
-              <a:t>4/22/2020</a:t>
+              <a:t>4/23/20</a:t>
             </a:fld>
             <a:endParaRPr lang="en-US"/>
           </a:p>
@@ -5986,7 +6030,7 @@
           <a:p>
             <a:fld id="{834A63CA-F0FB-4BD0-B08D-6B974D1D6577}" type="datetimeFigureOut">
               <a:rPr lang="en-US" smtClean="0"/>
-              <a:t>4/22/2020</a:t>
+              <a:t>4/23/20</a:t>
             </a:fld>
             <a:endParaRPr lang="en-US"/>
           </a:p>
@@ -6235,7 +6279,7 @@
           <a:p>
             <a:fld id="{834A63CA-F0FB-4BD0-B08D-6B974D1D6577}" type="datetimeFigureOut">
               <a:rPr lang="en-US" smtClean="0"/>
-              <a:t>4/22/2020</a:t>
+              <a:t>4/23/20</a:t>
             </a:fld>
             <a:endParaRPr lang="en-US"/>
           </a:p>
@@ -6703,7 +6747,7 @@
           <p:cNvPr id="1026" name="Picture 2" descr="Stonks Meme, Explained: What Can It Teach You About Actual Stocks?">
             <a:extLst>
               <a:ext uri="{FF2B5EF4-FFF2-40B4-BE49-F238E27FC236}">
-                <a16:creationId xmlns:a16="http://schemas.microsoft.com/office/drawing/2014/main" id="{18062B0F-B46A-4EAB-9123-90B768A656C3}"/>
+                <a16:creationId xmlns:a16="http://schemas.microsoft.com/office/drawing/2014/main" xmlns="" id="{18062B0F-B46A-4EAB-9123-90B768A656C3}"/>
               </a:ext>
             </a:extLst>
           </p:cNvPr>
@@ -6733,7 +6777,7 @@
           </a:prstGeom>
           <a:noFill/>
           <a:extLst>
-            <a:ext uri="{909E8E84-426E-40DD-AFC4-6F175D3DCCD1}">
+            <a:ext uri="{909E8E84-426E-40dd-AFC4-6F175D3DCCD1}">
               <a14:hiddenFill xmlns:a14="http://schemas.microsoft.com/office/drawing/2010/main">
                 <a:solidFill>
                   <a:srgbClr val="FFFFFF"/>
@@ -6748,10 +6792,10 @@
           <p:cNvPr id="1031" name="Rectangle 70">
             <a:extLst>
               <a:ext uri="{FF2B5EF4-FFF2-40B4-BE49-F238E27FC236}">
-                <a16:creationId xmlns:a16="http://schemas.microsoft.com/office/drawing/2014/main" id="{0B747386-D4D7-4F75-8EA2-DF7F89C385AE}"/>
+                <a16:creationId xmlns:a16="http://schemas.microsoft.com/office/drawing/2014/main" xmlns="" id="{0B747386-D4D7-4F75-8EA2-DF7F89C385AE}"/>
               </a:ext>
               <a:ext uri="{C183D7F6-B498-43B3-948B-1728B52AA6E4}">
-                <adec:decorative xmlns:adec="http://schemas.microsoft.com/office/drawing/2017/decorative" val="1"/>
+                <adec:decorative xmlns:adec="http://schemas.microsoft.com/office/drawing/2017/decorative" xmlns="" val="1"/>
               </a:ext>
             </a:extLst>
           </p:cNvPr>
@@ -6761,7 +6805,7 @@
           <p:nvPr>
             <p:extLst>
               <p:ext uri="{386F3935-93C4-4BCD-93E2-E3B085C9AB24}">
-                <p16:designElem xmlns:p16="http://schemas.microsoft.com/office/powerpoint/2015/main" val="1"/>
+                <p16:designElem xmlns:p16="http://schemas.microsoft.com/office/powerpoint/2015/main" xmlns="" val="1"/>
               </p:ext>
             </p:extLst>
           </p:nvPr>
@@ -6911,10 +6955,10 @@
           <p:cNvPr id="1032" name="Rectangle 72">
             <a:extLst>
               <a:ext uri="{FF2B5EF4-FFF2-40B4-BE49-F238E27FC236}">
-                <a16:creationId xmlns:a16="http://schemas.microsoft.com/office/drawing/2014/main" id="{27D08544-84F0-43AA-B817-DB8B5749A43F}"/>
+                <a16:creationId xmlns:a16="http://schemas.microsoft.com/office/drawing/2014/main" xmlns="" id="{27D08544-84F0-43AA-B817-DB8B5749A43F}"/>
               </a:ext>
               <a:ext uri="{C183D7F6-B498-43B3-948B-1728B52AA6E4}">
-                <adec:decorative xmlns:adec="http://schemas.microsoft.com/office/drawing/2017/decorative" val="1"/>
+                <adec:decorative xmlns:adec="http://schemas.microsoft.com/office/drawing/2017/decorative" xmlns="" val="1"/>
               </a:ext>
             </a:extLst>
           </p:cNvPr>
@@ -6924,7 +6968,7 @@
           <p:nvPr>
             <p:extLst>
               <p:ext uri="{386F3935-93C4-4BCD-93E2-E3B085C9AB24}">
-                <p16:designElem xmlns:p16="http://schemas.microsoft.com/office/powerpoint/2015/main" val="1"/>
+                <p16:designElem xmlns:p16="http://schemas.microsoft.com/office/powerpoint/2015/main" xmlns="" val="1"/>
               </p:ext>
             </p:extLst>
           </p:nvPr>
@@ -7074,7 +7118,7 @@
           <p:cNvPr id="2" name="Title 1">
             <a:extLst>
               <a:ext uri="{FF2B5EF4-FFF2-40B4-BE49-F238E27FC236}">
-                <a16:creationId xmlns:a16="http://schemas.microsoft.com/office/drawing/2014/main" id="{B4706935-1E0C-4D16-A9E2-70BFA2AA8483}"/>
+                <a16:creationId xmlns:a16="http://schemas.microsoft.com/office/drawing/2014/main" xmlns="" id="{B4706935-1E0C-4D16-A9E2-70BFA2AA8483}"/>
               </a:ext>
             </a:extLst>
           </p:cNvPr>
@@ -7113,7 +7157,7 @@
           <p:cNvPr id="3" name="Subtitle 2">
             <a:extLst>
               <a:ext uri="{FF2B5EF4-FFF2-40B4-BE49-F238E27FC236}">
-                <a16:creationId xmlns:a16="http://schemas.microsoft.com/office/drawing/2014/main" id="{8DEE8918-7D24-4A5F-950E-4074575D6264}"/>
+                <a16:creationId xmlns:a16="http://schemas.microsoft.com/office/drawing/2014/main" xmlns="" id="{8DEE8918-7D24-4A5F-950E-4074575D6264}"/>
               </a:ext>
             </a:extLst>
           </p:cNvPr>
@@ -7191,10 +7235,10 @@
           <p:cNvPr id="35" name="Rectangle 8">
             <a:extLst>
               <a:ext uri="{FF2B5EF4-FFF2-40B4-BE49-F238E27FC236}">
-                <a16:creationId xmlns:a16="http://schemas.microsoft.com/office/drawing/2014/main" id="{FFE914B7-3BC6-4FC9-A677-80AD94BB1177}"/>
+                <a16:creationId xmlns:a16="http://schemas.microsoft.com/office/drawing/2014/main" xmlns="" id="{FFE914B7-3BC6-4FC9-A677-80AD94BB1177}"/>
               </a:ext>
               <a:ext uri="{C183D7F6-B498-43B3-948B-1728B52AA6E4}">
-                <adec:decorative xmlns:adec="http://schemas.microsoft.com/office/drawing/2017/decorative" val="1"/>
+                <adec:decorative xmlns:adec="http://schemas.microsoft.com/office/drawing/2017/decorative" xmlns="" val="1"/>
               </a:ext>
             </a:extLst>
           </p:cNvPr>
@@ -7204,7 +7248,7 @@
           <p:nvPr>
             <p:extLst>
               <p:ext uri="{386F3935-93C4-4BCD-93E2-E3B085C9AB24}">
-                <p16:designElem xmlns:p16="http://schemas.microsoft.com/office/powerpoint/2015/main" val="1"/>
+                <p16:designElem xmlns:p16="http://schemas.microsoft.com/office/powerpoint/2015/main" xmlns="" val="1"/>
               </p:ext>
             </p:extLst>
           </p:nvPr>
@@ -7246,10 +7290,10 @@
           <p:cNvPr id="36" name="Rectangle 10">
             <a:extLst>
               <a:ext uri="{FF2B5EF4-FFF2-40B4-BE49-F238E27FC236}">
-                <a16:creationId xmlns:a16="http://schemas.microsoft.com/office/drawing/2014/main" id="{3CA87076-A77D-41A2-B164-887E97A69D18}"/>
+                <a16:creationId xmlns:a16="http://schemas.microsoft.com/office/drawing/2014/main" xmlns="" id="{3CA87076-A77D-41A2-B164-887E97A69D18}"/>
               </a:ext>
               <a:ext uri="{C183D7F6-B498-43B3-948B-1728B52AA6E4}">
-                <adec:decorative xmlns:adec="http://schemas.microsoft.com/office/drawing/2017/decorative" val="1"/>
+                <adec:decorative xmlns:adec="http://schemas.microsoft.com/office/drawing/2017/decorative" xmlns="" val="1"/>
               </a:ext>
             </a:extLst>
           </p:cNvPr>
@@ -7259,7 +7303,7 @@
           <p:nvPr>
             <p:extLst>
               <p:ext uri="{386F3935-93C4-4BCD-93E2-E3B085C9AB24}">
-                <p16:designElem xmlns:p16="http://schemas.microsoft.com/office/powerpoint/2015/main" val="1"/>
+                <p16:designElem xmlns:p16="http://schemas.microsoft.com/office/powerpoint/2015/main" xmlns="" val="1"/>
               </p:ext>
             </p:extLst>
           </p:nvPr>
@@ -7301,10 +7345,10 @@
           <p:cNvPr id="37" name="Rectangle 12">
             <a:extLst>
               <a:ext uri="{FF2B5EF4-FFF2-40B4-BE49-F238E27FC236}">
-                <a16:creationId xmlns:a16="http://schemas.microsoft.com/office/drawing/2014/main" id="{928FACD9-3A64-4492-9A3D-9F915391CA64}"/>
+                <a16:creationId xmlns:a16="http://schemas.microsoft.com/office/drawing/2014/main" xmlns="" id="{928FACD9-3A64-4492-9A3D-9F915391CA64}"/>
               </a:ext>
               <a:ext uri="{C183D7F6-B498-43B3-948B-1728B52AA6E4}">
-                <adec:decorative xmlns:adec="http://schemas.microsoft.com/office/drawing/2017/decorative" val="1"/>
+                <adec:decorative xmlns:adec="http://schemas.microsoft.com/office/drawing/2017/decorative" xmlns="" val="1"/>
               </a:ext>
             </a:extLst>
           </p:cNvPr>
@@ -7314,7 +7358,7 @@
           <p:nvPr>
             <p:extLst>
               <p:ext uri="{386F3935-93C4-4BCD-93E2-E3B085C9AB24}">
-                <p16:designElem xmlns:p16="http://schemas.microsoft.com/office/powerpoint/2015/main" val="1"/>
+                <p16:designElem xmlns:p16="http://schemas.microsoft.com/office/powerpoint/2015/main" xmlns="" val="1"/>
               </p:ext>
             </p:extLst>
           </p:nvPr>
@@ -7356,10 +7400,10 @@
           <p:cNvPr id="38" name="Rectangle 14">
             <a:extLst>
               <a:ext uri="{FF2B5EF4-FFF2-40B4-BE49-F238E27FC236}">
-                <a16:creationId xmlns:a16="http://schemas.microsoft.com/office/drawing/2014/main" id="{379C6802-099E-47E9-BB39-1A766CC92141}"/>
+                <a16:creationId xmlns:a16="http://schemas.microsoft.com/office/drawing/2014/main" xmlns="" id="{379C6802-099E-47E9-BB39-1A766CC92141}"/>
               </a:ext>
               <a:ext uri="{C183D7F6-B498-43B3-948B-1728B52AA6E4}">
-                <adec:decorative xmlns:adec="http://schemas.microsoft.com/office/drawing/2017/decorative" val="1"/>
+                <adec:decorative xmlns:adec="http://schemas.microsoft.com/office/drawing/2017/decorative" xmlns="" val="1"/>
               </a:ext>
             </a:extLst>
           </p:cNvPr>
@@ -7369,7 +7413,7 @@
           <p:nvPr>
             <p:extLst>
               <p:ext uri="{386F3935-93C4-4BCD-93E2-E3B085C9AB24}">
-                <p16:designElem xmlns:p16="http://schemas.microsoft.com/office/powerpoint/2015/main" val="1"/>
+                <p16:designElem xmlns:p16="http://schemas.microsoft.com/office/powerpoint/2015/main" xmlns="" val="1"/>
               </p:ext>
             </p:extLst>
           </p:nvPr>
@@ -7517,7 +7561,7 @@
           <p:cNvPr id="2" name="Title 1">
             <a:extLst>
               <a:ext uri="{FF2B5EF4-FFF2-40B4-BE49-F238E27FC236}">
-                <a16:creationId xmlns:a16="http://schemas.microsoft.com/office/drawing/2014/main" id="{935B50FF-7F9B-40FD-B67A-63F5BE2FA8C9}"/>
+                <a16:creationId xmlns:a16="http://schemas.microsoft.com/office/drawing/2014/main" xmlns="" id="{935B50FF-7F9B-40FD-B67A-63F5BE2FA8C9}"/>
               </a:ext>
             </a:extLst>
           </p:cNvPr>
@@ -7561,7 +7605,7 @@
           <p:cNvPr id="39" name="Picture 4">
             <a:extLst>
               <a:ext uri="{FF2B5EF4-FFF2-40B4-BE49-F238E27FC236}">
-                <a16:creationId xmlns:a16="http://schemas.microsoft.com/office/drawing/2014/main" id="{30DEAA71-52E1-43A4-9BFB-A6E16B7EB5C4}"/>
+                <a16:creationId xmlns:a16="http://schemas.microsoft.com/office/drawing/2014/main" xmlns="" id="{30DEAA71-52E1-43A4-9BFB-A6E16B7EB5C4}"/>
               </a:ext>
             </a:extLst>
           </p:cNvPr>
@@ -7595,6 +7639,13 @@
   <p:clrMapOvr>
     <a:masterClrMapping/>
   </p:clrMapOvr>
+  <p:timing>
+    <p:tnLst>
+      <p:par>
+        <p:cTn xmlns:p14="http://schemas.microsoft.com/office/powerpoint/2010/main" id="1" dur="indefinite" restart="never" nodeType="tmRoot"/>
+      </p:par>
+    </p:tnLst>
+  </p:timing>
 </p:sld>
 </file>
 
@@ -7628,7 +7679,7 @@
           <p:cNvPr id="2" name="Title 1">
             <a:extLst>
               <a:ext uri="{FF2B5EF4-FFF2-40B4-BE49-F238E27FC236}">
-                <a16:creationId xmlns:a16="http://schemas.microsoft.com/office/drawing/2014/main" id="{008E0CFC-F7B5-4089-9410-099DCAB5AB10}"/>
+                <a16:creationId xmlns:a16="http://schemas.microsoft.com/office/drawing/2014/main" xmlns="" id="{008E0CFC-F7B5-4089-9410-099DCAB5AB10}"/>
               </a:ext>
             </a:extLst>
           </p:cNvPr>
@@ -7663,7 +7714,7 @@
           <p:cNvPr id="5" name="Content Placeholder 2">
             <a:extLst>
               <a:ext uri="{FF2B5EF4-FFF2-40B4-BE49-F238E27FC236}">
-                <a16:creationId xmlns:a16="http://schemas.microsoft.com/office/drawing/2014/main" id="{E4F39CFD-BE5B-4D3C-BDE0-81F009B1A840}"/>
+                <a16:creationId xmlns:a16="http://schemas.microsoft.com/office/drawing/2014/main" xmlns="" id="{E4F39CFD-BE5B-4D3C-BDE0-81F009B1A840}"/>
               </a:ext>
             </a:extLst>
           </p:cNvPr>
@@ -7732,10 +7783,10 @@
           <p:cNvPr id="14" name="Rectangle 13">
             <a:extLst>
               <a:ext uri="{FF2B5EF4-FFF2-40B4-BE49-F238E27FC236}">
-                <a16:creationId xmlns:a16="http://schemas.microsoft.com/office/drawing/2014/main" id="{ACE0B6C6-23FB-4AED-A84E-3A43F4F58069}"/>
+                <a16:creationId xmlns:a16="http://schemas.microsoft.com/office/drawing/2014/main" xmlns="" id="{ACE0B6C6-23FB-4AED-A84E-3A43F4F58069}"/>
               </a:ext>
               <a:ext uri="{C183D7F6-B498-43B3-948B-1728B52AA6E4}">
-                <adec:decorative xmlns:adec="http://schemas.microsoft.com/office/drawing/2017/decorative" val="1"/>
+                <adec:decorative xmlns:adec="http://schemas.microsoft.com/office/drawing/2017/decorative" xmlns="" val="1"/>
               </a:ext>
             </a:extLst>
           </p:cNvPr>
@@ -7745,7 +7796,7 @@
           <p:nvPr>
             <p:extLst>
               <p:ext uri="{386F3935-93C4-4BCD-93E2-E3B085C9AB24}">
-                <p16:designElem xmlns:p16="http://schemas.microsoft.com/office/powerpoint/2015/main" val="1"/>
+                <p16:designElem xmlns:p16="http://schemas.microsoft.com/office/powerpoint/2015/main" xmlns="" val="1"/>
               </p:ext>
             </p:extLst>
           </p:nvPr>
@@ -7792,7 +7843,7 @@
           <p:cNvPr id="2" name="Title 1">
             <a:extLst>
               <a:ext uri="{FF2B5EF4-FFF2-40B4-BE49-F238E27FC236}">
-                <a16:creationId xmlns:a16="http://schemas.microsoft.com/office/drawing/2014/main" id="{02ABB9C2-5E1A-4E58-98C5-1291ECF53633}"/>
+                <a16:creationId xmlns:a16="http://schemas.microsoft.com/office/drawing/2014/main" xmlns="" id="{02ABB9C2-5E1A-4E58-98C5-1291ECF53633}"/>
               </a:ext>
             </a:extLst>
           </p:cNvPr>
@@ -7876,10 +7927,10 @@
           <p:cNvPr id="16" name="Rectangle 15">
             <a:extLst>
               <a:ext uri="{FF2B5EF4-FFF2-40B4-BE49-F238E27FC236}">
-                <a16:creationId xmlns:a16="http://schemas.microsoft.com/office/drawing/2014/main" id="{2C086639-06AF-4CBA-893B-5D4CA38F92F1}"/>
+                <a16:creationId xmlns:a16="http://schemas.microsoft.com/office/drawing/2014/main" xmlns="" id="{2C086639-06AF-4CBA-893B-5D4CA38F92F1}"/>
               </a:ext>
               <a:ext uri="{C183D7F6-B498-43B3-948B-1728B52AA6E4}">
-                <adec:decorative xmlns:adec="http://schemas.microsoft.com/office/drawing/2017/decorative" val="1"/>
+                <adec:decorative xmlns:adec="http://schemas.microsoft.com/office/drawing/2017/decorative" xmlns="" val="1"/>
               </a:ext>
             </a:extLst>
           </p:cNvPr>
@@ -7889,7 +7940,7 @@
           <p:nvPr>
             <p:extLst>
               <p:ext uri="{386F3935-93C4-4BCD-93E2-E3B085C9AB24}">
-                <p16:designElem xmlns:p16="http://schemas.microsoft.com/office/powerpoint/2015/main" val="1"/>
+                <p16:designElem xmlns:p16="http://schemas.microsoft.com/office/powerpoint/2015/main" xmlns="" val="1"/>
               </p:ext>
             </p:extLst>
           </p:nvPr>
@@ -7931,10 +7982,10 @@
           <p:cNvPr id="18" name="Rectangle 17">
             <a:extLst>
               <a:ext uri="{FF2B5EF4-FFF2-40B4-BE49-F238E27FC236}">
-                <a16:creationId xmlns:a16="http://schemas.microsoft.com/office/drawing/2014/main" id="{655BB7C8-9C4A-4523-8A89-13FA01544CF0}"/>
+                <a16:creationId xmlns:a16="http://schemas.microsoft.com/office/drawing/2014/main" xmlns="" id="{655BB7C8-9C4A-4523-8A89-13FA01544CF0}"/>
               </a:ext>
               <a:ext uri="{C183D7F6-B498-43B3-948B-1728B52AA6E4}">
-                <adec:decorative xmlns:adec="http://schemas.microsoft.com/office/drawing/2017/decorative" val="1"/>
+                <adec:decorative xmlns:adec="http://schemas.microsoft.com/office/drawing/2017/decorative" xmlns="" val="1"/>
               </a:ext>
             </a:extLst>
           </p:cNvPr>
@@ -7944,7 +7995,7 @@
           <p:nvPr>
             <p:extLst>
               <p:ext uri="{386F3935-93C4-4BCD-93E2-E3B085C9AB24}">
-                <p16:designElem xmlns:p16="http://schemas.microsoft.com/office/powerpoint/2015/main" val="1"/>
+                <p16:designElem xmlns:p16="http://schemas.microsoft.com/office/powerpoint/2015/main" xmlns="" val="1"/>
               </p:ext>
             </p:extLst>
           </p:nvPr>
@@ -7995,7 +8046,7 @@
           <p:cNvPr id="7" name="Picture 6">
             <a:extLst>
               <a:ext uri="{FF2B5EF4-FFF2-40B4-BE49-F238E27FC236}">
-                <a16:creationId xmlns:a16="http://schemas.microsoft.com/office/drawing/2014/main" id="{8BCF54EF-6C4D-449F-8006-16BF583B38C3}"/>
+                <a16:creationId xmlns:a16="http://schemas.microsoft.com/office/drawing/2014/main" xmlns="" id="{8BCF54EF-6C4D-449F-8006-16BF583B38C3}"/>
               </a:ext>
             </a:extLst>
           </p:cNvPr>
@@ -8025,10 +8076,10 @@
           <p:cNvPr id="20" name="Rectangle 19">
             <a:extLst>
               <a:ext uri="{FF2B5EF4-FFF2-40B4-BE49-F238E27FC236}">
-                <a16:creationId xmlns:a16="http://schemas.microsoft.com/office/drawing/2014/main" id="{CFA01898-9E68-4951-977D-90E1031312C4}"/>
+                <a16:creationId xmlns:a16="http://schemas.microsoft.com/office/drawing/2014/main" xmlns="" id="{CFA01898-9E68-4951-977D-90E1031312C4}"/>
               </a:ext>
               <a:ext uri="{C183D7F6-B498-43B3-948B-1728B52AA6E4}">
-                <adec:decorative xmlns:adec="http://schemas.microsoft.com/office/drawing/2017/decorative" val="1"/>
+                <adec:decorative xmlns:adec="http://schemas.microsoft.com/office/drawing/2017/decorative" xmlns="" val="1"/>
               </a:ext>
             </a:extLst>
           </p:cNvPr>
@@ -8038,7 +8089,7 @@
           <p:nvPr>
             <p:extLst>
               <p:ext uri="{386F3935-93C4-4BCD-93E2-E3B085C9AB24}">
-                <p16:designElem xmlns:p16="http://schemas.microsoft.com/office/powerpoint/2015/main" val="1"/>
+                <p16:designElem xmlns:p16="http://schemas.microsoft.com/office/powerpoint/2015/main" xmlns="" val="1"/>
               </p:ext>
             </p:extLst>
           </p:nvPr>
@@ -8089,7 +8140,7 @@
           <p:cNvPr id="5" name="Picture 4">
             <a:extLst>
               <a:ext uri="{FF2B5EF4-FFF2-40B4-BE49-F238E27FC236}">
-                <a16:creationId xmlns:a16="http://schemas.microsoft.com/office/drawing/2014/main" id="{0C467E5A-9A5B-4B77-A965-CA086D45699A}"/>
+                <a16:creationId xmlns:a16="http://schemas.microsoft.com/office/drawing/2014/main" xmlns="" id="{0C467E5A-9A5B-4B77-A965-CA086D45699A}"/>
               </a:ext>
             </a:extLst>
           </p:cNvPr>
@@ -8118,10 +8169,10 @@
           <p:cNvPr id="22" name="Rectangle 21">
             <a:extLst>
               <a:ext uri="{FF2B5EF4-FFF2-40B4-BE49-F238E27FC236}">
-                <a16:creationId xmlns:a16="http://schemas.microsoft.com/office/drawing/2014/main" id="{7BE2D561-3633-4B37-94F3-DCCAF51570AB}"/>
+                <a16:creationId xmlns:a16="http://schemas.microsoft.com/office/drawing/2014/main" xmlns="" id="{7BE2D561-3633-4B37-94F3-DCCAF51570AB}"/>
               </a:ext>
               <a:ext uri="{C183D7F6-B498-43B3-948B-1728B52AA6E4}">
-                <adec:decorative xmlns:adec="http://schemas.microsoft.com/office/drawing/2017/decorative" val="1"/>
+                <adec:decorative xmlns:adec="http://schemas.microsoft.com/office/drawing/2017/decorative" xmlns="" val="1"/>
               </a:ext>
             </a:extLst>
           </p:cNvPr>
@@ -8131,7 +8182,7 @@
           <p:nvPr>
             <p:extLst>
               <p:ext uri="{386F3935-93C4-4BCD-93E2-E3B085C9AB24}">
-                <p16:designElem xmlns:p16="http://schemas.microsoft.com/office/powerpoint/2015/main" val="1"/>
+                <p16:designElem xmlns:p16="http://schemas.microsoft.com/office/powerpoint/2015/main" xmlns="" val="1"/>
               </p:ext>
             </p:extLst>
           </p:nvPr>
@@ -8182,10 +8233,10 @@
           <p:cNvPr id="24" name="Rectangle 23">
             <a:extLst>
               <a:ext uri="{FF2B5EF4-FFF2-40B4-BE49-F238E27FC236}">
-                <a16:creationId xmlns:a16="http://schemas.microsoft.com/office/drawing/2014/main" id="{E3860AE2-D963-4317-974D-15AB45BA7997}"/>
+                <a16:creationId xmlns:a16="http://schemas.microsoft.com/office/drawing/2014/main" xmlns="" id="{E3860AE2-D963-4317-974D-15AB45BA7997}"/>
               </a:ext>
               <a:ext uri="{C183D7F6-B498-43B3-948B-1728B52AA6E4}">
-                <adec:decorative xmlns:adec="http://schemas.microsoft.com/office/drawing/2017/decorative" val="1"/>
+                <adec:decorative xmlns:adec="http://schemas.microsoft.com/office/drawing/2017/decorative" xmlns="" val="1"/>
               </a:ext>
             </a:extLst>
           </p:cNvPr>
@@ -8195,7 +8246,7 @@
           <p:nvPr>
             <p:extLst>
               <p:ext uri="{386F3935-93C4-4BCD-93E2-E3B085C9AB24}">
-                <p16:designElem xmlns:p16="http://schemas.microsoft.com/office/powerpoint/2015/main" val="1"/>
+                <p16:designElem xmlns:p16="http://schemas.microsoft.com/office/powerpoint/2015/main" xmlns="" val="1"/>
               </p:ext>
             </p:extLst>
           </p:nvPr>
@@ -8246,7 +8297,7 @@
           <p:cNvPr id="11" name="Content Placeholder 10">
             <a:extLst>
               <a:ext uri="{FF2B5EF4-FFF2-40B4-BE49-F238E27FC236}">
-                <a16:creationId xmlns:a16="http://schemas.microsoft.com/office/drawing/2014/main" id="{0CD11659-6AEF-457C-A8EE-A5ADF0B6F2A9}"/>
+                <a16:creationId xmlns:a16="http://schemas.microsoft.com/office/drawing/2014/main" xmlns="" id="{0CD11659-6AEF-457C-A8EE-A5ADF0B6F2A9}"/>
               </a:ext>
             </a:extLst>
           </p:cNvPr>
@@ -8345,7 +8396,7 @@
           <p:cNvPr id="15" name="Content Placeholder 10">
             <a:extLst>
               <a:ext uri="{FF2B5EF4-FFF2-40B4-BE49-F238E27FC236}">
-                <a16:creationId xmlns:a16="http://schemas.microsoft.com/office/drawing/2014/main" id="{B18F3D55-CA15-4D70-9C46-A3C441E37E48}"/>
+                <a16:creationId xmlns:a16="http://schemas.microsoft.com/office/drawing/2014/main" xmlns="" id="{B18F3D55-CA15-4D70-9C46-A3C441E37E48}"/>
               </a:ext>
             </a:extLst>
           </p:cNvPr>
@@ -8624,7 +8675,7 @@
           <p:cNvPr id="1026" name="Picture 2" descr="Tesla Logo, Png, Meaning">
             <a:extLst>
               <a:ext uri="{FF2B5EF4-FFF2-40B4-BE49-F238E27FC236}">
-                <a16:creationId xmlns:a16="http://schemas.microsoft.com/office/drawing/2014/main" id="{09A04AEC-80F3-4444-90F8-874AFF0EB0EF}"/>
+                <a16:creationId xmlns:a16="http://schemas.microsoft.com/office/drawing/2014/main" xmlns="" id="{09A04AEC-80F3-4444-90F8-874AFF0EB0EF}"/>
               </a:ext>
             </a:extLst>
           </p:cNvPr>
@@ -8656,7 +8707,7 @@
           </a:prstGeom>
           <a:noFill/>
           <a:extLst>
-            <a:ext uri="{909E8E84-426E-40DD-AFC4-6F175D3DCCD1}">
+            <a:ext uri="{909E8E84-426E-40dd-AFC4-6F175D3DCCD1}">
               <a14:hiddenFill xmlns:a14="http://schemas.microsoft.com/office/drawing/2010/main">
                 <a:solidFill>
                   <a:srgbClr val="FFFFFF"/>
@@ -8671,7 +8722,7 @@
           <p:cNvPr id="3" name="Picture 2" descr="Netflix logo | Dwglogo">
             <a:extLst>
               <a:ext uri="{FF2B5EF4-FFF2-40B4-BE49-F238E27FC236}">
-                <a16:creationId xmlns:a16="http://schemas.microsoft.com/office/drawing/2014/main" id="{38A774CD-BAB5-48FD-95AA-E7ADD7198918}"/>
+                <a16:creationId xmlns:a16="http://schemas.microsoft.com/office/drawing/2014/main" xmlns="" id="{38A774CD-BAB5-48FD-95AA-E7ADD7198918}"/>
               </a:ext>
             </a:extLst>
           </p:cNvPr>
@@ -8703,7 +8754,7 @@
           </a:prstGeom>
           <a:noFill/>
           <a:extLst>
-            <a:ext uri="{909E8E84-426E-40DD-AFC4-6F175D3DCCD1}">
+            <a:ext uri="{909E8E84-426E-40dd-AFC4-6F175D3DCCD1}">
               <a14:hiddenFill xmlns:a14="http://schemas.microsoft.com/office/drawing/2010/main">
                 <a:solidFill>
                   <a:srgbClr val="FFFFFF"/>
@@ -8748,7 +8799,7 @@
           <p:cNvPr id="2" name="Title 1">
             <a:extLst>
               <a:ext uri="{FF2B5EF4-FFF2-40B4-BE49-F238E27FC236}">
-                <a16:creationId xmlns:a16="http://schemas.microsoft.com/office/drawing/2014/main" id="{829164BB-36E7-4DFC-80DD-537323C0C4F3}"/>
+                <a16:creationId xmlns:a16="http://schemas.microsoft.com/office/drawing/2014/main" xmlns="" id="{829164BB-36E7-4DFC-80DD-537323C0C4F3}"/>
               </a:ext>
             </a:extLst>
           </p:cNvPr>
@@ -8780,7 +8831,7 @@
           <p:cNvPr id="3" name="Content Placeholder 2">
             <a:extLst>
               <a:ext uri="{FF2B5EF4-FFF2-40B4-BE49-F238E27FC236}">
-                <a16:creationId xmlns:a16="http://schemas.microsoft.com/office/drawing/2014/main" id="{A78C3714-175E-41AC-9210-6E500DD37FEC}"/>
+                <a16:creationId xmlns:a16="http://schemas.microsoft.com/office/drawing/2014/main" xmlns="" id="{A78C3714-175E-41AC-9210-6E500DD37FEC}"/>
               </a:ext>
             </a:extLst>
           </p:cNvPr>
@@ -8897,7 +8948,7 @@
           <p:cNvPr id="2" name="Title 1">
             <a:extLst>
               <a:ext uri="{FF2B5EF4-FFF2-40B4-BE49-F238E27FC236}">
-                <a16:creationId xmlns:a16="http://schemas.microsoft.com/office/drawing/2014/main" id="{FAEA37A0-F237-4446-B04E-4F1E2FEC635F}"/>
+                <a16:creationId xmlns:a16="http://schemas.microsoft.com/office/drawing/2014/main" xmlns="" id="{FAEA37A0-F237-4446-B04E-4F1E2FEC635F}"/>
               </a:ext>
             </a:extLst>
           </p:cNvPr>
@@ -8925,7 +8976,7 @@
           <p:cNvPr id="3" name="Content Placeholder 2">
             <a:extLst>
               <a:ext uri="{FF2B5EF4-FFF2-40B4-BE49-F238E27FC236}">
-                <a16:creationId xmlns:a16="http://schemas.microsoft.com/office/drawing/2014/main" id="{C4E2DFF6-87F6-4BC5-8281-2593F17C287D}"/>
+                <a16:creationId xmlns:a16="http://schemas.microsoft.com/office/drawing/2014/main" xmlns="" id="{C4E2DFF6-87F6-4BC5-8281-2593F17C287D}"/>
               </a:ext>
             </a:extLst>
           </p:cNvPr>
@@ -8950,7 +9001,7 @@
           <p:cNvPr id="4" name="Content Placeholder 4" descr="A screenshot of a cell phone&#10;&#10;Description automatically generated">
             <a:extLst>
               <a:ext uri="{FF2B5EF4-FFF2-40B4-BE49-F238E27FC236}">
-                <a16:creationId xmlns:a16="http://schemas.microsoft.com/office/drawing/2014/main" id="{C343B09C-C01C-4A92-BB2B-CACFE278573F}"/>
+                <a16:creationId xmlns:a16="http://schemas.microsoft.com/office/drawing/2014/main" xmlns="" id="{C343B09C-C01C-4A92-BB2B-CACFE278573F}"/>
               </a:ext>
             </a:extLst>
           </p:cNvPr>
@@ -9030,7 +9081,7 @@
           <p:cNvPr id="2" name="Title 1">
             <a:extLst>
               <a:ext uri="{FF2B5EF4-FFF2-40B4-BE49-F238E27FC236}">
-                <a16:creationId xmlns:a16="http://schemas.microsoft.com/office/drawing/2014/main" id="{ED7A9617-FF23-44C6-9A2A-0C9C08F58FAC}"/>
+                <a16:creationId xmlns:a16="http://schemas.microsoft.com/office/drawing/2014/main" xmlns="" id="{ED7A9617-FF23-44C6-9A2A-0C9C08F58FAC}"/>
               </a:ext>
             </a:extLst>
           </p:cNvPr>
@@ -9065,7 +9116,7 @@
           <p:cNvPr id="9" name="Content Placeholder 8">
             <a:extLst>
               <a:ext uri="{FF2B5EF4-FFF2-40B4-BE49-F238E27FC236}">
-                <a16:creationId xmlns:a16="http://schemas.microsoft.com/office/drawing/2014/main" id="{9CA1DE06-78BF-4008-802E-67B59ACFF41A}"/>
+                <a16:creationId xmlns:a16="http://schemas.microsoft.com/office/drawing/2014/main" xmlns="" id="{9CA1DE06-78BF-4008-802E-67B59ACFF41A}"/>
               </a:ext>
             </a:extLst>
           </p:cNvPr>
@@ -9112,10 +9163,10 @@
           <p:cNvPr id="12" name="Rectangle 11">
             <a:extLst>
               <a:ext uri="{FF2B5EF4-FFF2-40B4-BE49-F238E27FC236}">
-                <a16:creationId xmlns:a16="http://schemas.microsoft.com/office/drawing/2014/main" id="{9792BD17-FF40-4EE5-AC8E-7AE823BAE9D4}"/>
+                <a16:creationId xmlns:a16="http://schemas.microsoft.com/office/drawing/2014/main" xmlns="" id="{9792BD17-FF40-4EE5-AC8E-7AE823BAE9D4}"/>
               </a:ext>
               <a:ext uri="{C183D7F6-B498-43B3-948B-1728B52AA6E4}">
-                <adec:decorative xmlns:adec="http://schemas.microsoft.com/office/drawing/2017/decorative" val="1"/>
+                <adec:decorative xmlns:adec="http://schemas.microsoft.com/office/drawing/2017/decorative" xmlns="" val="1"/>
               </a:ext>
             </a:extLst>
           </p:cNvPr>
@@ -9125,7 +9176,7 @@
           <p:nvPr>
             <p:extLst>
               <p:ext uri="{386F3935-93C4-4BCD-93E2-E3B085C9AB24}">
-                <p16:designElem xmlns:p16="http://schemas.microsoft.com/office/powerpoint/2015/main" val="1"/>
+                <p16:designElem xmlns:p16="http://schemas.microsoft.com/office/powerpoint/2015/main" xmlns="" val="1"/>
               </p:ext>
             </p:extLst>
           </p:nvPr>
@@ -9175,7 +9226,7 @@
           <p:cNvPr id="5" name="Content Placeholder 4" descr="A screenshot of a cell phone&#10;&#10;Description automatically generated">
             <a:extLst>
               <a:ext uri="{FF2B5EF4-FFF2-40B4-BE49-F238E27FC236}">
-                <a16:creationId xmlns:a16="http://schemas.microsoft.com/office/drawing/2014/main" id="{C937F8E8-7450-4995-86C8-139D93D5D6BE}"/>
+                <a16:creationId xmlns:a16="http://schemas.microsoft.com/office/drawing/2014/main" xmlns="" id="{C937F8E8-7450-4995-86C8-139D93D5D6BE}"/>
               </a:ext>
             </a:extLst>
           </p:cNvPr>
@@ -9241,7 +9292,7 @@
           <p:cNvPr id="2" name="Title 1">
             <a:extLst>
               <a:ext uri="{FF2B5EF4-FFF2-40B4-BE49-F238E27FC236}">
-                <a16:creationId xmlns:a16="http://schemas.microsoft.com/office/drawing/2014/main" id="{E5578DBB-2585-4478-A31B-3FC36620F2BB}"/>
+                <a16:creationId xmlns:a16="http://schemas.microsoft.com/office/drawing/2014/main" xmlns="" id="{E5578DBB-2585-4478-A31B-3FC36620F2BB}"/>
               </a:ext>
             </a:extLst>
           </p:cNvPr>
@@ -9269,7 +9320,7 @@
           <p:cNvPr id="5" name="Content Placeholder 4">
             <a:extLst>
               <a:ext uri="{FF2B5EF4-FFF2-40B4-BE49-F238E27FC236}">
-                <a16:creationId xmlns:a16="http://schemas.microsoft.com/office/drawing/2014/main" id="{ED9D6787-122C-4042-B684-C2473C6B783D}"/>
+                <a16:creationId xmlns:a16="http://schemas.microsoft.com/office/drawing/2014/main" xmlns="" id="{ED9D6787-122C-4042-B684-C2473C6B783D}"/>
               </a:ext>
             </a:extLst>
           </p:cNvPr>
@@ -9320,7 +9371,7 @@
           <p:cNvPr id="7" name="Picture 6">
             <a:extLst>
               <a:ext uri="{FF2B5EF4-FFF2-40B4-BE49-F238E27FC236}">
-                <a16:creationId xmlns:a16="http://schemas.microsoft.com/office/drawing/2014/main" id="{EE2D4862-EACE-456C-B672-7463EE791D4F}"/>
+                <a16:creationId xmlns:a16="http://schemas.microsoft.com/office/drawing/2014/main" xmlns="" id="{EE2D4862-EACE-456C-B672-7463EE791D4F}"/>
               </a:ext>
             </a:extLst>
           </p:cNvPr>
@@ -9369,7 +9420,7 @@
           <p:cNvPr id="9" name="Picture 8">
             <a:extLst>
               <a:ext uri="{FF2B5EF4-FFF2-40B4-BE49-F238E27FC236}">
-                <a16:creationId xmlns:a16="http://schemas.microsoft.com/office/drawing/2014/main" id="{E95119FB-50DF-49E7-82CC-1DCABF479FDA}"/>
+                <a16:creationId xmlns:a16="http://schemas.microsoft.com/office/drawing/2014/main" xmlns="" id="{E95119FB-50DF-49E7-82CC-1DCABF479FDA}"/>
               </a:ext>
             </a:extLst>
           </p:cNvPr>
@@ -9413,6 +9464,36 @@
           </a:effectLst>
         </p:spPr>
       </p:pic>
+      <p:pic>
+        <p:nvPicPr>
+          <p:cNvPr id="3" name="Picture 2" descr="amerair_Sentiment.png"/>
+          <p:cNvPicPr>
+            <a:picLocks noChangeAspect="1"/>
+          </p:cNvPicPr>
+          <p:nvPr/>
+        </p:nvPicPr>
+        <p:blipFill>
+          <a:blip r:embed="rId5">
+            <a:extLst>
+              <a:ext uri="{28A0092B-C50C-407E-A947-70E740481C1C}">
+                <a14:useLocalDpi xmlns:a14="http://schemas.microsoft.com/office/drawing/2010/main" val="0"/>
+              </a:ext>
+            </a:extLst>
+          </a:blip>
+          <a:stretch>
+            <a:fillRect/>
+          </a:stretch>
+        </p:blipFill>
+        <p:spPr>
+          <a:xfrm>
+            <a:off x="1565301" y="2038017"/>
+            <a:ext cx="8963566" cy="930398"/>
+          </a:xfrm>
+          <a:prstGeom prst="rect">
+            <a:avLst/>
+          </a:prstGeom>
+        </p:spPr>
+      </p:pic>
     </p:spTree>
     <p:extLst>
       <p:ext uri="{BB962C8B-B14F-4D97-AF65-F5344CB8AC3E}">
@@ -9448,7 +9529,7 @@
           <p:cNvPr id="2" name="Title 1">
             <a:extLst>
               <a:ext uri="{FF2B5EF4-FFF2-40B4-BE49-F238E27FC236}">
-                <a16:creationId xmlns:a16="http://schemas.microsoft.com/office/drawing/2014/main" id="{909AB05C-1377-471B-888F-DAF636268E07}"/>
+                <a16:creationId xmlns:a16="http://schemas.microsoft.com/office/drawing/2014/main" xmlns="" id="{909AB05C-1377-471B-888F-DAF636268E07}"/>
               </a:ext>
             </a:extLst>
           </p:cNvPr>
@@ -9480,7 +9561,7 @@
           <p:cNvPr id="9" name="Content Placeholder 8" descr="A screenshot of a social media post&#10;&#10;Description automatically generated">
             <a:extLst>
               <a:ext uri="{FF2B5EF4-FFF2-40B4-BE49-F238E27FC236}">
-                <a16:creationId xmlns:a16="http://schemas.microsoft.com/office/drawing/2014/main" id="{5BD8D7D6-270C-40D2-8AA9-21BD519A8CF2}"/>
+                <a16:creationId xmlns:a16="http://schemas.microsoft.com/office/drawing/2014/main" xmlns="" id="{5BD8D7D6-270C-40D2-8AA9-21BD519A8CF2}"/>
               </a:ext>
             </a:extLst>
           </p:cNvPr>
@@ -9529,6 +9610,13 @@
   <p:clrMapOvr>
     <a:masterClrMapping/>
   </p:clrMapOvr>
+  <p:timing>
+    <p:tnLst>
+      <p:par>
+        <p:cTn xmlns:p14="http://schemas.microsoft.com/office/powerpoint/2010/main" id="1" dur="indefinite" restart="never" nodeType="tmRoot"/>
+      </p:par>
+    </p:tnLst>
+  </p:timing>
 </p:sld>
 </file>
 
@@ -9554,7 +9642,7 @@
           <p:cNvPr id="2" name="Title 1">
             <a:extLst>
               <a:ext uri="{FF2B5EF4-FFF2-40B4-BE49-F238E27FC236}">
-                <a16:creationId xmlns:a16="http://schemas.microsoft.com/office/drawing/2014/main" id="{0D369ADB-E128-498D-9C75-1F27528F35D9}"/>
+                <a16:creationId xmlns:a16="http://schemas.microsoft.com/office/drawing/2014/main" xmlns="" id="{0D369ADB-E128-498D-9C75-1F27528F35D9}"/>
               </a:ext>
             </a:extLst>
           </p:cNvPr>
@@ -9582,7 +9670,7 @@
           <p:cNvPr id="12" name="TextBox 11">
             <a:extLst>
               <a:ext uri="{FF2B5EF4-FFF2-40B4-BE49-F238E27FC236}">
-                <a16:creationId xmlns:a16="http://schemas.microsoft.com/office/drawing/2014/main" id="{3F4E1B9B-73CE-49AA-AAF1-4D56D782CF8D}"/>
+                <a16:creationId xmlns:a16="http://schemas.microsoft.com/office/drawing/2014/main" xmlns="" id="{3F4E1B9B-73CE-49AA-AAF1-4D56D782CF8D}"/>
               </a:ext>
             </a:extLst>
           </p:cNvPr>
@@ -9618,7 +9706,7 @@
           <p:cNvPr id="15" name="TextBox 14">
             <a:extLst>
               <a:ext uri="{FF2B5EF4-FFF2-40B4-BE49-F238E27FC236}">
-                <a16:creationId xmlns:a16="http://schemas.microsoft.com/office/drawing/2014/main" id="{67750CD9-782A-4669-AFCF-38E0FFA079ED}"/>
+                <a16:creationId xmlns:a16="http://schemas.microsoft.com/office/drawing/2014/main" xmlns="" id="{67750CD9-782A-4669-AFCF-38E0FFA079ED}"/>
               </a:ext>
             </a:extLst>
           </p:cNvPr>
@@ -9654,7 +9742,7 @@
           <p:cNvPr id="10" name="TextBox 9">
             <a:extLst>
               <a:ext uri="{FF2B5EF4-FFF2-40B4-BE49-F238E27FC236}">
-                <a16:creationId xmlns:a16="http://schemas.microsoft.com/office/drawing/2014/main" id="{F887C935-091E-44D6-B8A3-BB02D7718829}"/>
+                <a16:creationId xmlns:a16="http://schemas.microsoft.com/office/drawing/2014/main" xmlns="" id="{F887C935-091E-44D6-B8A3-BB02D7718829}"/>
               </a:ext>
             </a:extLst>
           </p:cNvPr>
@@ -9690,7 +9778,7 @@
           <p:cNvPr id="11" name="TextBox 10">
             <a:extLst>
               <a:ext uri="{FF2B5EF4-FFF2-40B4-BE49-F238E27FC236}">
-                <a16:creationId xmlns:a16="http://schemas.microsoft.com/office/drawing/2014/main" id="{7817F760-8EA7-4C23-B80D-2590E17B5653}"/>
+                <a16:creationId xmlns:a16="http://schemas.microsoft.com/office/drawing/2014/main" xmlns="" id="{7817F760-8EA7-4C23-B80D-2590E17B5653}"/>
               </a:ext>
             </a:extLst>
           </p:cNvPr>
@@ -9721,276 +9809,12 @@
           </a:p>
         </p:txBody>
       </p:sp>
-      <p:pic>
-        <p:nvPicPr>
-          <p:cNvPr id="4" name="Picture 3" descr="A close up of a map&#10;&#10;Description automatically generated">
-            <a:extLst>
-              <a:ext uri="{FF2B5EF4-FFF2-40B4-BE49-F238E27FC236}">
-                <a16:creationId xmlns:a16="http://schemas.microsoft.com/office/drawing/2014/main" id="{271C27C2-26FC-470A-87A5-E20FF0B10620}"/>
-              </a:ext>
-            </a:extLst>
-          </p:cNvPr>
-          <p:cNvPicPr>
-            <a:picLocks noChangeAspect="1"/>
-          </p:cNvPicPr>
-          <p:nvPr/>
-        </p:nvPicPr>
-        <p:blipFill>
-          <a:blip r:embed="rId2">
-            <a:extLst>
-              <a:ext uri="{28A0092B-C50C-407E-A947-70E740481C1C}">
-                <a14:useLocalDpi xmlns:a14="http://schemas.microsoft.com/office/drawing/2010/main" val="0"/>
-              </a:ext>
-            </a:extLst>
-          </a:blip>
-          <a:stretch>
-            <a:fillRect/>
-          </a:stretch>
-        </p:blipFill>
-        <p:spPr>
-          <a:xfrm>
-            <a:off x="87451" y="1904152"/>
-            <a:ext cx="4731263" cy="1850554"/>
-          </a:xfrm>
-          <a:prstGeom prst="rect">
-            <a:avLst/>
-          </a:prstGeom>
-          <a:solidFill>
-            <a:srgbClr val="FFFFFF">
-              <a:shade val="85000"/>
-            </a:srgbClr>
-          </a:solidFill>
-          <a:ln w="88900" cap="sq">
-            <a:solidFill>
-              <a:srgbClr val="FFFFFF"/>
-            </a:solidFill>
-            <a:miter lim="800000"/>
-          </a:ln>
-          <a:effectLst>
-            <a:outerShdw blurRad="55000" dist="18000" dir="5400000" algn="tl" rotWithShape="0">
-              <a:srgbClr val="000000">
-                <a:alpha val="40000"/>
-              </a:srgbClr>
-            </a:outerShdw>
-          </a:effectLst>
-          <a:scene3d>
-            <a:camera prst="orthographicFront"/>
-            <a:lightRig rig="twoPt" dir="t">
-              <a:rot lat="0" lon="0" rev="7200000"/>
-            </a:lightRig>
-          </a:scene3d>
-          <a:sp3d>
-            <a:bevelT w="25400" h="19050"/>
-            <a:contourClr>
-              <a:srgbClr val="FFFFFF"/>
-            </a:contourClr>
-          </a:sp3d>
-        </p:spPr>
-      </p:pic>
-      <p:pic>
-        <p:nvPicPr>
-          <p:cNvPr id="6" name="Picture 5" descr="A close up of a map&#10;&#10;Description automatically generated">
-            <a:extLst>
-              <a:ext uri="{FF2B5EF4-FFF2-40B4-BE49-F238E27FC236}">
-                <a16:creationId xmlns:a16="http://schemas.microsoft.com/office/drawing/2014/main" id="{7CD552A3-903E-4BD5-B404-10CBEB3EB0AC}"/>
-              </a:ext>
-            </a:extLst>
-          </p:cNvPr>
-          <p:cNvPicPr>
-            <a:picLocks noChangeAspect="1"/>
-          </p:cNvPicPr>
-          <p:nvPr/>
-        </p:nvPicPr>
-        <p:blipFill>
-          <a:blip r:embed="rId3">
-            <a:extLst>
-              <a:ext uri="{28A0092B-C50C-407E-A947-70E740481C1C}">
-                <a14:useLocalDpi xmlns:a14="http://schemas.microsoft.com/office/drawing/2010/main" val="0"/>
-              </a:ext>
-            </a:extLst>
-          </a:blip>
-          <a:stretch>
-            <a:fillRect/>
-          </a:stretch>
-        </p:blipFill>
-        <p:spPr>
-          <a:xfrm>
-            <a:off x="7373288" y="1904152"/>
-            <a:ext cx="4731263" cy="1847959"/>
-          </a:xfrm>
-          <a:prstGeom prst="rect">
-            <a:avLst/>
-          </a:prstGeom>
-          <a:solidFill>
-            <a:srgbClr val="FFFFFF">
-              <a:shade val="85000"/>
-            </a:srgbClr>
-          </a:solidFill>
-          <a:ln w="88900" cap="sq">
-            <a:solidFill>
-              <a:srgbClr val="FFFFFF"/>
-            </a:solidFill>
-            <a:miter lim="800000"/>
-          </a:ln>
-          <a:effectLst>
-            <a:outerShdw blurRad="55000" dist="18000" dir="5400000" algn="tl" rotWithShape="0">
-              <a:srgbClr val="000000">
-                <a:alpha val="40000"/>
-              </a:srgbClr>
-            </a:outerShdw>
-          </a:effectLst>
-          <a:scene3d>
-            <a:camera prst="orthographicFront"/>
-            <a:lightRig rig="twoPt" dir="t">
-              <a:rot lat="0" lon="0" rev="7200000"/>
-            </a:lightRig>
-          </a:scene3d>
-          <a:sp3d>
-            <a:bevelT w="25400" h="19050"/>
-            <a:contourClr>
-              <a:srgbClr val="FFFFFF"/>
-            </a:contourClr>
-          </a:sp3d>
-        </p:spPr>
-      </p:pic>
-      <p:pic>
-        <p:nvPicPr>
-          <p:cNvPr id="8" name="Picture 7" descr="A picture containing text, yellow, large, group&#10;&#10;Description automatically generated">
-            <a:extLst>
-              <a:ext uri="{FF2B5EF4-FFF2-40B4-BE49-F238E27FC236}">
-                <a16:creationId xmlns:a16="http://schemas.microsoft.com/office/drawing/2014/main" id="{B4B8F202-F62D-4712-BED8-11169A4B9489}"/>
-              </a:ext>
-            </a:extLst>
-          </p:cNvPr>
-          <p:cNvPicPr>
-            <a:picLocks noChangeAspect="1"/>
-          </p:cNvPicPr>
-          <p:nvPr/>
-        </p:nvPicPr>
-        <p:blipFill>
-          <a:blip r:embed="rId4">
-            <a:extLst>
-              <a:ext uri="{28A0092B-C50C-407E-A947-70E740481C1C}">
-                <a14:useLocalDpi xmlns:a14="http://schemas.microsoft.com/office/drawing/2010/main" val="0"/>
-              </a:ext>
-            </a:extLst>
-          </a:blip>
-          <a:stretch>
-            <a:fillRect/>
-          </a:stretch>
-        </p:blipFill>
-        <p:spPr>
-          <a:xfrm>
-            <a:off x="7373288" y="4261185"/>
-            <a:ext cx="4731264" cy="1847959"/>
-          </a:xfrm>
-          <a:prstGeom prst="rect">
-            <a:avLst/>
-          </a:prstGeom>
-          <a:solidFill>
-            <a:srgbClr val="FFFFFF">
-              <a:shade val="85000"/>
-            </a:srgbClr>
-          </a:solidFill>
-          <a:ln w="88900" cap="sq">
-            <a:solidFill>
-              <a:srgbClr val="FFFFFF"/>
-            </a:solidFill>
-            <a:miter lim="800000"/>
-          </a:ln>
-          <a:effectLst>
-            <a:outerShdw blurRad="55000" dist="18000" dir="5400000" algn="tl" rotWithShape="0">
-              <a:srgbClr val="000000">
-                <a:alpha val="40000"/>
-              </a:srgbClr>
-            </a:outerShdw>
-          </a:effectLst>
-          <a:scene3d>
-            <a:camera prst="orthographicFront"/>
-            <a:lightRig rig="twoPt" dir="t">
-              <a:rot lat="0" lon="0" rev="7200000"/>
-            </a:lightRig>
-          </a:scene3d>
-          <a:sp3d>
-            <a:bevelT w="25400" h="19050"/>
-            <a:contourClr>
-              <a:srgbClr val="FFFFFF"/>
-            </a:contourClr>
-          </a:sp3d>
-        </p:spPr>
-      </p:pic>
-      <p:pic>
-        <p:nvPicPr>
-          <p:cNvPr id="13" name="Picture 12" descr="A close up of a map&#10;&#10;Description automatically generated">
-            <a:extLst>
-              <a:ext uri="{FF2B5EF4-FFF2-40B4-BE49-F238E27FC236}">
-                <a16:creationId xmlns:a16="http://schemas.microsoft.com/office/drawing/2014/main" id="{88DBD3AD-4FE4-41B6-8D8F-8E4F012A2E37}"/>
-              </a:ext>
-            </a:extLst>
-          </p:cNvPr>
-          <p:cNvPicPr>
-            <a:picLocks noChangeAspect="1"/>
-          </p:cNvPicPr>
-          <p:nvPr/>
-        </p:nvPicPr>
-        <p:blipFill>
-          <a:blip r:embed="rId5">
-            <a:extLst>
-              <a:ext uri="{28A0092B-C50C-407E-A947-70E740481C1C}">
-                <a14:useLocalDpi xmlns:a14="http://schemas.microsoft.com/office/drawing/2010/main" val="0"/>
-              </a:ext>
-            </a:extLst>
-          </a:blip>
-          <a:stretch>
-            <a:fillRect/>
-          </a:stretch>
-        </p:blipFill>
-        <p:spPr>
-          <a:xfrm>
-            <a:off x="87450" y="4276397"/>
-            <a:ext cx="4731263" cy="1817533"/>
-          </a:xfrm>
-          <a:prstGeom prst="rect">
-            <a:avLst/>
-          </a:prstGeom>
-          <a:solidFill>
-            <a:srgbClr val="FFFFFF">
-              <a:shade val="85000"/>
-            </a:srgbClr>
-          </a:solidFill>
-          <a:ln w="88900" cap="sq">
-            <a:solidFill>
-              <a:srgbClr val="FFFFFF"/>
-            </a:solidFill>
-            <a:miter lim="800000"/>
-          </a:ln>
-          <a:effectLst>
-            <a:outerShdw blurRad="55000" dist="18000" dir="5400000" algn="tl" rotWithShape="0">
-              <a:srgbClr val="000000">
-                <a:alpha val="40000"/>
-              </a:srgbClr>
-            </a:outerShdw>
-          </a:effectLst>
-          <a:scene3d>
-            <a:camera prst="orthographicFront"/>
-            <a:lightRig rig="twoPt" dir="t">
-              <a:rot lat="0" lon="0" rev="7200000"/>
-            </a:lightRig>
-          </a:scene3d>
-          <a:sp3d>
-            <a:bevelT w="25400" h="19050"/>
-            <a:contourClr>
-              <a:srgbClr val="FFFFFF"/>
-            </a:contourClr>
-          </a:sp3d>
-        </p:spPr>
-      </p:pic>
       <p:sp>
         <p:nvSpPr>
           <p:cNvPr id="3" name="TextBox 2">
             <a:extLst>
               <a:ext uri="{FF2B5EF4-FFF2-40B4-BE49-F238E27FC236}">
-                <a16:creationId xmlns:a16="http://schemas.microsoft.com/office/drawing/2014/main" id="{6783449B-4419-4DE5-96F5-4B37028210D2}"/>
+                <a16:creationId xmlns:a16="http://schemas.microsoft.com/office/drawing/2014/main" xmlns="" id="{6783449B-4419-4DE5-96F5-4B37028210D2}"/>
               </a:ext>
             </a:extLst>
           </p:cNvPr>
@@ -10049,6 +9873,126 @@
           </a:p>
         </p:txBody>
       </p:sp>
+      <p:pic>
+        <p:nvPicPr>
+          <p:cNvPr id="5" name="Picture 4" descr="AAL 22:04.png"/>
+          <p:cNvPicPr>
+            <a:picLocks noChangeAspect="1"/>
+          </p:cNvPicPr>
+          <p:nvPr/>
+        </p:nvPicPr>
+        <p:blipFill>
+          <a:blip r:embed="rId2">
+            <a:extLst>
+              <a:ext uri="{28A0092B-C50C-407E-A947-70E740481C1C}">
+                <a14:useLocalDpi xmlns:a14="http://schemas.microsoft.com/office/drawing/2010/main" val="0"/>
+              </a:ext>
+            </a:extLst>
+          </a:blip>
+          <a:stretch>
+            <a:fillRect/>
+          </a:stretch>
+        </p:blipFill>
+        <p:spPr>
+          <a:xfrm>
+            <a:off x="206738" y="1860797"/>
+            <a:ext cx="4862775" cy="1905103"/>
+          </a:xfrm>
+          <a:prstGeom prst="rect">
+            <a:avLst/>
+          </a:prstGeom>
+        </p:spPr>
+      </p:pic>
+      <p:pic>
+        <p:nvPicPr>
+          <p:cNvPr id="7" name="Picture 6" descr="Zoom 22:04.png"/>
+          <p:cNvPicPr>
+            <a:picLocks noChangeAspect="1"/>
+          </p:cNvPicPr>
+          <p:nvPr/>
+        </p:nvPicPr>
+        <p:blipFill>
+          <a:blip r:embed="rId3">
+            <a:extLst>
+              <a:ext uri="{28A0092B-C50C-407E-A947-70E740481C1C}">
+                <a14:useLocalDpi xmlns:a14="http://schemas.microsoft.com/office/drawing/2010/main" val="0"/>
+              </a:ext>
+            </a:extLst>
+          </a:blip>
+          <a:stretch>
+            <a:fillRect/>
+          </a:stretch>
+        </p:blipFill>
+        <p:spPr>
+          <a:xfrm>
+            <a:off x="0" y="4124344"/>
+            <a:ext cx="5050313" cy="2032319"/>
+          </a:xfrm>
+          <a:prstGeom prst="rect">
+            <a:avLst/>
+          </a:prstGeom>
+        </p:spPr>
+      </p:pic>
+      <p:pic>
+        <p:nvPicPr>
+          <p:cNvPr id="9" name="Picture 8" descr="NFLX 22:04.png"/>
+          <p:cNvPicPr>
+            <a:picLocks noChangeAspect="1"/>
+          </p:cNvPicPr>
+          <p:nvPr/>
+        </p:nvPicPr>
+        <p:blipFill>
+          <a:blip r:embed="rId4">
+            <a:extLst>
+              <a:ext uri="{28A0092B-C50C-407E-A947-70E740481C1C}">
+                <a14:useLocalDpi xmlns:a14="http://schemas.microsoft.com/office/drawing/2010/main" val="0"/>
+              </a:ext>
+            </a:extLst>
+          </a:blip>
+          <a:stretch>
+            <a:fillRect/>
+          </a:stretch>
+        </p:blipFill>
+        <p:spPr>
+          <a:xfrm>
+            <a:off x="7210011" y="1816494"/>
+            <a:ext cx="4981989" cy="1978943"/>
+          </a:xfrm>
+          <a:prstGeom prst="rect">
+            <a:avLst/>
+          </a:prstGeom>
+        </p:spPr>
+      </p:pic>
+      <p:pic>
+        <p:nvPicPr>
+          <p:cNvPr id="14" name="Picture 13" descr="TSLA 22:04.png"/>
+          <p:cNvPicPr>
+            <a:picLocks noChangeAspect="1"/>
+          </p:cNvPicPr>
+          <p:nvPr/>
+        </p:nvPicPr>
+        <p:blipFill>
+          <a:blip r:embed="rId5">
+            <a:extLst>
+              <a:ext uri="{28A0092B-C50C-407E-A947-70E740481C1C}">
+                <a14:useLocalDpi xmlns:a14="http://schemas.microsoft.com/office/drawing/2010/main" val="0"/>
+              </a:ext>
+            </a:extLst>
+          </a:blip>
+          <a:stretch>
+            <a:fillRect/>
+          </a:stretch>
+        </p:blipFill>
+        <p:spPr>
+          <a:xfrm>
+            <a:off x="7221060" y="4031728"/>
+            <a:ext cx="4867571" cy="2073091"/>
+          </a:xfrm>
+          <a:prstGeom prst="rect">
+            <a:avLst/>
+          </a:prstGeom>
+        </p:spPr>
+      </p:pic>
     </p:spTree>
     <p:extLst>
       <p:ext uri="{BB962C8B-B14F-4D97-AF65-F5344CB8AC3E}">
@@ -10059,6 +10003,13 @@
   <p:clrMapOvr>
     <a:masterClrMapping/>
   </p:clrMapOvr>
+  <p:timing>
+    <p:tnLst>
+      <p:par>
+        <p:cTn xmlns:p14="http://schemas.microsoft.com/office/powerpoint/2010/main" id="1" dur="indefinite" restart="never" nodeType="tmRoot"/>
+      </p:par>
+    </p:tnLst>
+  </p:timing>
 </p:sld>
 </file>
 
@@ -10105,7 +10056,7 @@
     </a:clrScheme>
     <a:fontScheme name="Banded">
       <a:majorFont>
-        <a:latin typeface="Corbel" panose="020B0503020204020204"/>
+        <a:latin typeface="Corbel"/>
         <a:ea typeface=""/>
         <a:cs typeface=""/>
         <a:font script="Jpan" typeface="ＭＳ ゴシック"/>
@@ -10140,7 +10091,7 @@
         <a:font script="Geor" typeface="Sylfaen"/>
       </a:majorFont>
       <a:minorFont>
-        <a:latin typeface="Corbel" panose="020B0503020204020204"/>
+        <a:latin typeface="Corbel"/>
         <a:ea typeface=""/>
         <a:cs typeface=""/>
         <a:font script="Jpan" typeface="ＭＳ ゴシック"/>
@@ -10318,7 +10269,7 @@
   <a:extraClrSchemeLst/>
   <a:extLst>
     <a:ext uri="{05A4C25C-085E-4340-85A3-A5531E510DB2}">
-      <thm15:themeFamily xmlns:thm15="http://schemas.microsoft.com/office/thememl/2012/main" name="Banded" id="{98DFF888-2449-4D28-977C-6306C017633E}" vid="{B7CF026C-957E-4F4E-893C-D02C23AB6317}"/>
+      <thm15:themeFamily xmlns:thm15="http://schemas.microsoft.com/office/thememl/2012/main" xmlns="" name="Banded" id="{98DFF888-2449-4D28-977C-6306C017633E}" vid="{B7CF026C-957E-4F4E-893C-D02C23AB6317}"/>
     </a:ext>
   </a:extLst>
 </a:theme>

--- a/Powerpoint/Final Project.pptx
+++ b/Powerpoint/Final Project.pptx
@@ -115,7 +115,18 @@
   </p:defaultTextStyle>
   <p:extLst>
     <p:ext uri="{EFAFB233-063F-42B5-8137-9DF3F51BA10A}">
-      <p15:sldGuideLst xmlns:p15="http://schemas.microsoft.com/office/powerpoint/2012/main" xmlns=""/>
+      <p15:sldGuideLst xmlns:p15="http://schemas.microsoft.com/office/powerpoint/2012/main">
+        <p15:guide id="1" orient="horz" pos="2160">
+          <p15:clr>
+            <a:srgbClr val="A4A3A4"/>
+          </p15:clr>
+        </p15:guide>
+        <p15:guide id="2" pos="3840">
+          <p15:clr>
+            <a:srgbClr val="A4A3A4"/>
+          </p15:clr>
+        </p15:guide>
+      </p15:sldGuideLst>
     </p:ext>
   </p:extLst>
 </p:presentation>
@@ -488,6 +499,84 @@
             <pc:docMk/>
             <pc:sldMk cId="722298001" sldId="267"/>
             <ac:spMk id="2" creationId="{5DCCDCD8-ABB6-48FB-AE88-50C9FF398F01}"/>
+          </ac:spMkLst>
+        </pc:spChg>
+      </pc:sldChg>
+    </pc:docChg>
+  </pc:docChgLst>
+  <pc:docChgLst>
+    <pc:chgData name="Mario Garcia" userId="53bf80f1d6e59a2f" providerId="LiveId" clId="{340E4302-FAF4-4970-B6E2-C7F25ACF5254}"/>
+    <pc:docChg chg="modSld">
+      <pc:chgData name="Mario Garcia" userId="53bf80f1d6e59a2f" providerId="LiveId" clId="{340E4302-FAF4-4970-B6E2-C7F25ACF5254}" dt="2020-04-23T17:39:03.022" v="27" actId="20577"/>
+      <pc:docMkLst>
+        <pc:docMk/>
+      </pc:docMkLst>
+      <pc:sldChg chg="modSp mod">
+        <pc:chgData name="Mario Garcia" userId="53bf80f1d6e59a2f" providerId="LiveId" clId="{340E4302-FAF4-4970-B6E2-C7F25ACF5254}" dt="2020-04-23T17:38:34.310" v="19" actId="1076"/>
+        <pc:sldMkLst>
+          <pc:docMk/>
+          <pc:sldMk cId="1302814122" sldId="261"/>
+        </pc:sldMkLst>
+        <pc:picChg chg="mod">
+          <ac:chgData name="Mario Garcia" userId="53bf80f1d6e59a2f" providerId="LiveId" clId="{340E4302-FAF4-4970-B6E2-C7F25ACF5254}" dt="2020-04-23T17:38:22.202" v="15" actId="1440"/>
+          <ac:picMkLst>
+            <pc:docMk/>
+            <pc:sldMk cId="1302814122" sldId="261"/>
+            <ac:picMk id="5" creationId="{00000000-0000-0000-0000-000000000000}"/>
+          </ac:picMkLst>
+        </pc:picChg>
+        <pc:picChg chg="mod">
+          <ac:chgData name="Mario Garcia" userId="53bf80f1d6e59a2f" providerId="LiveId" clId="{340E4302-FAF4-4970-B6E2-C7F25ACF5254}" dt="2020-04-23T17:38:24.538" v="16" actId="1440"/>
+          <ac:picMkLst>
+            <pc:docMk/>
+            <pc:sldMk cId="1302814122" sldId="261"/>
+            <ac:picMk id="7" creationId="{00000000-0000-0000-0000-000000000000}"/>
+          </ac:picMkLst>
+        </pc:picChg>
+        <pc:picChg chg="mod">
+          <ac:chgData name="Mario Garcia" userId="53bf80f1d6e59a2f" providerId="LiveId" clId="{340E4302-FAF4-4970-B6E2-C7F25ACF5254}" dt="2020-04-23T17:38:27.140" v="17" actId="1440"/>
+          <ac:picMkLst>
+            <pc:docMk/>
+            <pc:sldMk cId="1302814122" sldId="261"/>
+            <ac:picMk id="9" creationId="{00000000-0000-0000-0000-000000000000}"/>
+          </ac:picMkLst>
+        </pc:picChg>
+        <pc:picChg chg="mod">
+          <ac:chgData name="Mario Garcia" userId="53bf80f1d6e59a2f" providerId="LiveId" clId="{340E4302-FAF4-4970-B6E2-C7F25ACF5254}" dt="2020-04-23T17:38:34.310" v="19" actId="1076"/>
+          <ac:picMkLst>
+            <pc:docMk/>
+            <pc:sldMk cId="1302814122" sldId="261"/>
+            <ac:picMk id="14" creationId="{00000000-0000-0000-0000-000000000000}"/>
+          </ac:picMkLst>
+        </pc:picChg>
+      </pc:sldChg>
+      <pc:sldChg chg="modSp mod">
+        <pc:chgData name="Mario Garcia" userId="53bf80f1d6e59a2f" providerId="LiveId" clId="{340E4302-FAF4-4970-B6E2-C7F25ACF5254}" dt="2020-04-23T17:36:53.432" v="0" actId="1440"/>
+        <pc:sldMkLst>
+          <pc:docMk/>
+          <pc:sldMk cId="3219733798" sldId="263"/>
+        </pc:sldMkLst>
+        <pc:picChg chg="mod">
+          <ac:chgData name="Mario Garcia" userId="53bf80f1d6e59a2f" providerId="LiveId" clId="{340E4302-FAF4-4970-B6E2-C7F25ACF5254}" dt="2020-04-23T17:36:53.432" v="0" actId="1440"/>
+          <ac:picMkLst>
+            <pc:docMk/>
+            <pc:sldMk cId="3219733798" sldId="263"/>
+            <ac:picMk id="3" creationId="{00000000-0000-0000-0000-000000000000}"/>
+          </ac:picMkLst>
+        </pc:picChg>
+      </pc:sldChg>
+      <pc:sldChg chg="modSp mod">
+        <pc:chgData name="Mario Garcia" userId="53bf80f1d6e59a2f" providerId="LiveId" clId="{340E4302-FAF4-4970-B6E2-C7F25ACF5254}" dt="2020-04-23T17:39:03.022" v="27" actId="20577"/>
+        <pc:sldMkLst>
+          <pc:docMk/>
+          <pc:sldMk cId="4021827594" sldId="266"/>
+        </pc:sldMkLst>
+        <pc:spChg chg="mod">
+          <ac:chgData name="Mario Garcia" userId="53bf80f1d6e59a2f" providerId="LiveId" clId="{340E4302-FAF4-4970-B6E2-C7F25ACF5254}" dt="2020-04-23T17:39:03.022" v="27" actId="20577"/>
+          <ac:spMkLst>
+            <pc:docMk/>
+            <pc:sldMk cId="4021827594" sldId="266"/>
+            <ac:spMk id="2" creationId="{829164BB-36E7-4DFC-80DD-537323C0C4F3}"/>
           </ac:spMkLst>
         </pc:spChg>
       </pc:sldChg>
@@ -1481,13 +1570,6 @@
         </dgm:presLayoutVars>
       </dgm:prSet>
       <dgm:spPr/>
-      <dgm:t>
-        <a:bodyPr/>
-        <a:lstStyle/>
-        <a:p>
-          <a:endParaRPr lang="en-US"/>
-        </a:p>
-      </dgm:t>
     </dgm:pt>
     <dgm:pt modelId="{A45A1493-68AB-4A62-9A3F-CE6D62FFF1C7}" type="pres">
       <dgm:prSet presAssocID="{47A09193-EA7E-49DD-B4C4-8CEF7FCD27ED}" presName="boxAndChildren" presStyleCnt="0"/>
@@ -1496,24 +1578,10 @@
     <dgm:pt modelId="{8A0C5EA9-C8EF-47D1-A10F-D8D38FFA5BB1}" type="pres">
       <dgm:prSet presAssocID="{47A09193-EA7E-49DD-B4C4-8CEF7FCD27ED}" presName="parentTextBox" presStyleLbl="node1" presStyleIdx="0" presStyleCnt="2"/>
       <dgm:spPr/>
-      <dgm:t>
-        <a:bodyPr/>
-        <a:lstStyle/>
-        <a:p>
-          <a:endParaRPr lang="en-US"/>
-        </a:p>
-      </dgm:t>
     </dgm:pt>
     <dgm:pt modelId="{5DBF9901-22CE-4310-8EB0-6E87BB81C94A}" type="pres">
       <dgm:prSet presAssocID="{47A09193-EA7E-49DD-B4C4-8CEF7FCD27ED}" presName="entireBox" presStyleLbl="node1" presStyleIdx="0" presStyleCnt="2"/>
       <dgm:spPr/>
-      <dgm:t>
-        <a:bodyPr/>
-        <a:lstStyle/>
-        <a:p>
-          <a:endParaRPr lang="en-US"/>
-        </a:p>
-      </dgm:t>
     </dgm:pt>
     <dgm:pt modelId="{F64AD54A-BFD5-4ACB-BEFD-9552A48ED27B}" type="pres">
       <dgm:prSet presAssocID="{47A09193-EA7E-49DD-B4C4-8CEF7FCD27ED}" presName="descendantBox" presStyleCnt="0"/>
@@ -1526,13 +1594,6 @@
         </dgm:presLayoutVars>
       </dgm:prSet>
       <dgm:spPr/>
-      <dgm:t>
-        <a:bodyPr/>
-        <a:lstStyle/>
-        <a:p>
-          <a:endParaRPr lang="en-US"/>
-        </a:p>
-      </dgm:t>
     </dgm:pt>
     <dgm:pt modelId="{3384AE85-7420-4E9B-BD1A-FB17B4A8CDA7}" type="pres">
       <dgm:prSet presAssocID="{718585A8-65A5-47C4-9895-9528411EED62}" presName="childTextBox" presStyleLbl="fgAccFollowNode1" presStyleIdx="1" presStyleCnt="3">
@@ -1541,13 +1602,6 @@
         </dgm:presLayoutVars>
       </dgm:prSet>
       <dgm:spPr/>
-      <dgm:t>
-        <a:bodyPr/>
-        <a:lstStyle/>
-        <a:p>
-          <a:endParaRPr lang="en-US"/>
-        </a:p>
-      </dgm:t>
     </dgm:pt>
     <dgm:pt modelId="{289AB2F1-C237-414A-98EF-B0142E5C5A00}" type="pres">
       <dgm:prSet presAssocID="{900F67B6-BE4C-4A7B-ADFE-8061CF8ED3B4}" presName="childTextBox" presStyleLbl="fgAccFollowNode1" presStyleIdx="2" presStyleCnt="3">
@@ -1556,13 +1610,6 @@
         </dgm:presLayoutVars>
       </dgm:prSet>
       <dgm:spPr/>
-      <dgm:t>
-        <a:bodyPr/>
-        <a:lstStyle/>
-        <a:p>
-          <a:endParaRPr lang="en-US"/>
-        </a:p>
-      </dgm:t>
     </dgm:pt>
     <dgm:pt modelId="{A2AADE88-7519-436E-9E52-F37BD55C6BC0}" type="pres">
       <dgm:prSet presAssocID="{92B3A2E8-C347-4B1B-80BF-890745446DB5}" presName="sp" presStyleCnt="0"/>
@@ -1575,28 +1622,21 @@
     <dgm:pt modelId="{91E7C29C-9F68-4556-8A0C-868E749204E6}" type="pres">
       <dgm:prSet presAssocID="{A78191AB-D268-40CF-B3A9-6D47308C097E}" presName="parentTextArrow" presStyleLbl="node1" presStyleIdx="1" presStyleCnt="2"/>
       <dgm:spPr/>
-      <dgm:t>
-        <a:bodyPr/>
-        <a:lstStyle/>
-        <a:p>
-          <a:endParaRPr lang="en-US"/>
-        </a:p>
-      </dgm:t>
     </dgm:pt>
   </dgm:ptLst>
   <dgm:cxnLst>
+    <dgm:cxn modelId="{76F8A200-2616-41EA-BCAA-4618690C0378}" type="presOf" srcId="{A78191AB-D268-40CF-B3A9-6D47308C097E}" destId="{91E7C29C-9F68-4556-8A0C-868E749204E6}" srcOrd="0" destOrd="0" presId="urn:microsoft.com/office/officeart/2005/8/layout/process4"/>
+    <dgm:cxn modelId="{FE38D41E-B44F-4877-BA33-5BBC778AB6A4}" srcId="{47A09193-EA7E-49DD-B4C4-8CEF7FCD27ED}" destId="{900F67B6-BE4C-4A7B-ADFE-8061CF8ED3B4}" srcOrd="2" destOrd="0" parTransId="{9646ECAC-BD35-4E7F-B866-D4943E2C538B}" sibTransId="{546E833D-75E3-4DA8-A894-61AE58429088}"/>
+    <dgm:cxn modelId="{DC107D31-8E45-4C6D-98AC-E68BF10F8114}" type="presOf" srcId="{E83EEE88-46D8-492B-809C-435D120E4E26}" destId="{7BED000D-42D0-4255-905E-89E203072B54}" srcOrd="0" destOrd="0" presId="urn:microsoft.com/office/officeart/2005/8/layout/process4"/>
+    <dgm:cxn modelId="{31E8065F-2020-459B-8A16-DA7E5FDA2DBE}" srcId="{47A09193-EA7E-49DD-B4C4-8CEF7FCD27ED}" destId="{718585A8-65A5-47C4-9895-9528411EED62}" srcOrd="1" destOrd="0" parTransId="{32F41769-BE4B-41AB-8900-607F60B900CF}" sibTransId="{F55F25D6-0E20-4726-8C11-19AB5DA86EDD}"/>
     <dgm:cxn modelId="{10B48263-5383-4A5A-B0A5-8804E0FE2435}" srcId="{292D9468-647E-4641-AA8F-CA609A2AFF87}" destId="{47A09193-EA7E-49DD-B4C4-8CEF7FCD27ED}" srcOrd="1" destOrd="0" parTransId="{CFC26AA0-7367-4275-9C49-C993B86BD172}" sibTransId="{1D2D7CFB-DC45-4D19-BDB1-E72090D9BD5C}"/>
     <dgm:cxn modelId="{8F9CBC55-7705-4859-A879-B134A3E6E81D}" type="presOf" srcId="{292D9468-647E-4641-AA8F-CA609A2AFF87}" destId="{76BED14D-E2A8-444C-A763-FF6259FF78B9}" srcOrd="0" destOrd="0" presId="urn:microsoft.com/office/officeart/2005/8/layout/process4"/>
-    <dgm:cxn modelId="{31E8065F-2020-459B-8A16-DA7E5FDA2DBE}" srcId="{47A09193-EA7E-49DD-B4C4-8CEF7FCD27ED}" destId="{718585A8-65A5-47C4-9895-9528411EED62}" srcOrd="1" destOrd="0" parTransId="{32F41769-BE4B-41AB-8900-607F60B900CF}" sibTransId="{F55F25D6-0E20-4726-8C11-19AB5DA86EDD}"/>
     <dgm:cxn modelId="{A9714A77-5A8B-48E2-A37B-ACCC6F8A9557}" type="presOf" srcId="{900F67B6-BE4C-4A7B-ADFE-8061CF8ED3B4}" destId="{289AB2F1-C237-414A-98EF-B0142E5C5A00}" srcOrd="0" destOrd="0" presId="urn:microsoft.com/office/officeart/2005/8/layout/process4"/>
     <dgm:cxn modelId="{DE1BE278-CE49-43D0-A6BA-AF5E08C95DF2}" type="presOf" srcId="{47A09193-EA7E-49DD-B4C4-8CEF7FCD27ED}" destId="{8A0C5EA9-C8EF-47D1-A10F-D8D38FFA5BB1}" srcOrd="0" destOrd="0" presId="urn:microsoft.com/office/officeart/2005/8/layout/process4"/>
-    <dgm:cxn modelId="{76F8A200-2616-41EA-BCAA-4618690C0378}" type="presOf" srcId="{A78191AB-D268-40CF-B3A9-6D47308C097E}" destId="{91E7C29C-9F68-4556-8A0C-868E749204E6}" srcOrd="0" destOrd="0" presId="urn:microsoft.com/office/officeart/2005/8/layout/process4"/>
+    <dgm:cxn modelId="{AEACF299-6151-4556-BD74-67C8C34B92BA}" srcId="{292D9468-647E-4641-AA8F-CA609A2AFF87}" destId="{A78191AB-D268-40CF-B3A9-6D47308C097E}" srcOrd="0" destOrd="0" parTransId="{E36F00D3-2B2F-46F5-8F23-57A094CC1AED}" sibTransId="{92B3A2E8-C347-4B1B-80BF-890745446DB5}"/>
+    <dgm:cxn modelId="{AE1CB5D8-F62F-439F-9000-20E94AE25D6C}" type="presOf" srcId="{718585A8-65A5-47C4-9895-9528411EED62}" destId="{3384AE85-7420-4E9B-BD1A-FB17B4A8CDA7}" srcOrd="0" destOrd="0" presId="urn:microsoft.com/office/officeart/2005/8/layout/process4"/>
+    <dgm:cxn modelId="{EED6DBE4-8233-4CBE-8925-B736579178F8}" type="presOf" srcId="{47A09193-EA7E-49DD-B4C4-8CEF7FCD27ED}" destId="{5DBF9901-22CE-4310-8EB0-6E87BB81C94A}" srcOrd="1" destOrd="0" presId="urn:microsoft.com/office/officeart/2005/8/layout/process4"/>
     <dgm:cxn modelId="{2CD2F8FE-17B0-419D-998C-D7C20682175E}" srcId="{47A09193-EA7E-49DD-B4C4-8CEF7FCD27ED}" destId="{E83EEE88-46D8-492B-809C-435D120E4E26}" srcOrd="0" destOrd="0" parTransId="{149B68FA-6BD8-44BD-9CCF-BDFFFA6CF6E5}" sibTransId="{C30B868B-1CC0-428C-ACB3-7BD49A17DFB5}"/>
-    <dgm:cxn modelId="{EED6DBE4-8233-4CBE-8925-B736579178F8}" type="presOf" srcId="{47A09193-EA7E-49DD-B4C4-8CEF7FCD27ED}" destId="{5DBF9901-22CE-4310-8EB0-6E87BB81C94A}" srcOrd="1" destOrd="0" presId="urn:microsoft.com/office/officeart/2005/8/layout/process4"/>
-    <dgm:cxn modelId="{FE38D41E-B44F-4877-BA33-5BBC778AB6A4}" srcId="{47A09193-EA7E-49DD-B4C4-8CEF7FCD27ED}" destId="{900F67B6-BE4C-4A7B-ADFE-8061CF8ED3B4}" srcOrd="2" destOrd="0" parTransId="{9646ECAC-BD35-4E7F-B866-D4943E2C538B}" sibTransId="{546E833D-75E3-4DA8-A894-61AE58429088}"/>
-    <dgm:cxn modelId="{AE1CB5D8-F62F-439F-9000-20E94AE25D6C}" type="presOf" srcId="{718585A8-65A5-47C4-9895-9528411EED62}" destId="{3384AE85-7420-4E9B-BD1A-FB17B4A8CDA7}" srcOrd="0" destOrd="0" presId="urn:microsoft.com/office/officeart/2005/8/layout/process4"/>
-    <dgm:cxn modelId="{DC107D31-8E45-4C6D-98AC-E68BF10F8114}" type="presOf" srcId="{E83EEE88-46D8-492B-809C-435D120E4E26}" destId="{7BED000D-42D0-4255-905E-89E203072B54}" srcOrd="0" destOrd="0" presId="urn:microsoft.com/office/officeart/2005/8/layout/process4"/>
-    <dgm:cxn modelId="{AEACF299-6151-4556-BD74-67C8C34B92BA}" srcId="{292D9468-647E-4641-AA8F-CA609A2AFF87}" destId="{A78191AB-D268-40CF-B3A9-6D47308C097E}" srcOrd="0" destOrd="0" parTransId="{E36F00D3-2B2F-46F5-8F23-57A094CC1AED}" sibTransId="{92B3A2E8-C347-4B1B-80BF-890745446DB5}"/>
     <dgm:cxn modelId="{0FE20C40-10BD-46A4-A50E-B06020254A22}" type="presParOf" srcId="{76BED14D-E2A8-444C-A763-FF6259FF78B9}" destId="{A45A1493-68AB-4A62-9A3F-CE6D62FFF1C7}" srcOrd="0" destOrd="0" presId="urn:microsoft.com/office/officeart/2005/8/layout/process4"/>
     <dgm:cxn modelId="{B16424D8-3283-4652-96AC-AD43C30E613A}" type="presParOf" srcId="{A45A1493-68AB-4A62-9A3F-CE6D62FFF1C7}" destId="{8A0C5EA9-C8EF-47D1-A10F-D8D38FFA5BB1}" srcOrd="0" destOrd="0" presId="urn:microsoft.com/office/officeart/2005/8/layout/process4"/>
     <dgm:cxn modelId="{6E9CBBA6-E6AF-4358-95A5-2045839A23E8}" type="presParOf" srcId="{A45A1493-68AB-4A62-9A3F-CE6D62FFF1C7}" destId="{5DBF9901-22CE-4310-8EB0-6E87BB81C94A}" srcOrd="1" destOrd="0" presId="urn:microsoft.com/office/officeart/2005/8/layout/process4"/>
@@ -1680,7 +1720,7 @@
         </a:bodyPr>
         <a:lstStyle/>
         <a:p>
-          <a:pPr lvl="0" algn="ctr" defTabSz="1022350">
+          <a:pPr marL="0" lvl="0" indent="0" algn="ctr" defTabSz="1022350">
             <a:lnSpc>
               <a:spcPct val="90000"/>
             </a:lnSpc>
@@ -1690,6 +1730,7 @@
             <a:spcAft>
               <a:spcPct val="35000"/>
             </a:spcAft>
+            <a:buNone/>
           </a:pPr>
           <a:r>
             <a:rPr lang="en-US" sz="2300" kern="1200"/>
@@ -1758,7 +1799,7 @@
         </a:bodyPr>
         <a:lstStyle/>
         <a:p>
-          <a:pPr lvl="0" algn="ctr" defTabSz="889000">
+          <a:pPr marL="0" lvl="0" indent="0" algn="ctr" defTabSz="889000">
             <a:lnSpc>
               <a:spcPct val="90000"/>
             </a:lnSpc>
@@ -1768,6 +1809,7 @@
             <a:spcAft>
               <a:spcPct val="35000"/>
             </a:spcAft>
+            <a:buNone/>
           </a:pPr>
           <a:r>
             <a:rPr lang="en-US" sz="2000" kern="1200" dirty="0"/>
@@ -1836,7 +1878,7 @@
         </a:bodyPr>
         <a:lstStyle/>
         <a:p>
-          <a:pPr lvl="0" algn="ctr" defTabSz="889000">
+          <a:pPr marL="0" lvl="0" indent="0" algn="ctr" defTabSz="889000">
             <a:lnSpc>
               <a:spcPct val="90000"/>
             </a:lnSpc>
@@ -1846,6 +1888,7 @@
             <a:spcAft>
               <a:spcPct val="35000"/>
             </a:spcAft>
+            <a:buNone/>
           </a:pPr>
           <a:r>
             <a:rPr lang="en-US" sz="2000" kern="1200" dirty="0"/>
@@ -1875,7 +1918,7 @@
           <a:schemeClr val="accent2">
             <a:tint val="40000"/>
             <a:alpha val="90000"/>
-            <a:hueOff val="247197"/>
+            <a:hueOff val="247198"/>
             <a:satOff val="-23816"/>
             <a:lumOff val="-2511"/>
             <a:alphaOff val="0"/>
@@ -1886,7 +1929,7 @@
             <a:schemeClr val="accent2">
               <a:tint val="40000"/>
               <a:alpha val="90000"/>
-              <a:hueOff val="247197"/>
+              <a:hueOff val="247198"/>
               <a:satOff val="-23816"/>
               <a:lumOff val="-2511"/>
               <a:alphaOff val="0"/>
@@ -1914,7 +1957,7 @@
         </a:bodyPr>
         <a:lstStyle/>
         <a:p>
-          <a:pPr lvl="0" algn="ctr" defTabSz="889000">
+          <a:pPr marL="0" lvl="0" indent="0" algn="ctr" defTabSz="889000">
             <a:lnSpc>
               <a:spcPct val="90000"/>
             </a:lnSpc>
@@ -1924,6 +1967,7 @@
             <a:spcAft>
               <a:spcPct val="35000"/>
             </a:spcAft>
+            <a:buNone/>
           </a:pPr>
           <a:r>
             <a:rPr lang="en-US" sz="2000" kern="1200" dirty="0"/>
@@ -1952,7 +1996,7 @@
         <a:solidFill>
           <a:schemeClr val="accent2">
             <a:hueOff val="39038"/>
-            <a:satOff val="-26877"/>
+            <a:satOff val="-26876"/>
             <a:lumOff val="-6863"/>
             <a:alphaOff val="0"/>
           </a:schemeClr>
@@ -1990,7 +2034,7 @@
         </a:bodyPr>
         <a:lstStyle/>
         <a:p>
-          <a:pPr lvl="0" algn="ctr" defTabSz="1022350">
+          <a:pPr marL="0" lvl="0" indent="0" algn="ctr" defTabSz="1022350">
             <a:lnSpc>
               <a:spcPct val="90000"/>
             </a:lnSpc>
@@ -2000,6 +2044,7 @@
             <a:spcAft>
               <a:spcPct val="35000"/>
             </a:spcAft>
+            <a:buNone/>
           </a:pPr>
           <a:r>
             <a:rPr lang="en-US" sz="2300" kern="1200"/>
@@ -3636,7 +3681,7 @@
           <a:p>
             <a:fld id="{834A63CA-F0FB-4BD0-B08D-6B974D1D6577}" type="datetimeFigureOut">
               <a:rPr lang="en-US" smtClean="0"/>
-              <a:t>4/23/20</a:t>
+              <a:t>4/23/2020</a:t>
             </a:fld>
             <a:endParaRPr lang="en-US"/>
           </a:p>
@@ -3806,7 +3851,7 @@
           <a:p>
             <a:fld id="{834A63CA-F0FB-4BD0-B08D-6B974D1D6577}" type="datetimeFigureOut">
               <a:rPr lang="en-US" smtClean="0"/>
-              <a:t>4/23/20</a:t>
+              <a:t>4/23/2020</a:t>
             </a:fld>
             <a:endParaRPr lang="en-US"/>
           </a:p>
@@ -4029,7 +4074,7 @@
           <a:p>
             <a:fld id="{834A63CA-F0FB-4BD0-B08D-6B974D1D6577}" type="datetimeFigureOut">
               <a:rPr lang="en-US" smtClean="0"/>
-              <a:t>4/23/20</a:t>
+              <a:t>4/23/2020</a:t>
             </a:fld>
             <a:endParaRPr lang="en-US"/>
           </a:p>
@@ -4209,7 +4254,7 @@
           <a:p>
             <a:fld id="{834A63CA-F0FB-4BD0-B08D-6B974D1D6577}" type="datetimeFigureOut">
               <a:rPr lang="en-US" smtClean="0"/>
-              <a:t>4/23/20</a:t>
+              <a:t>4/23/2020</a:t>
             </a:fld>
             <a:endParaRPr lang="en-US"/>
           </a:p>
@@ -4553,7 +4598,7 @@
           <a:p>
             <a:fld id="{834A63CA-F0FB-4BD0-B08D-6B974D1D6577}" type="datetimeFigureOut">
               <a:rPr lang="en-US" smtClean="0"/>
-              <a:t>4/23/20</a:t>
+              <a:t>4/23/2020</a:t>
             </a:fld>
             <a:endParaRPr lang="en-US"/>
           </a:p>
@@ -4857,7 +4902,7 @@
           <a:p>
             <a:fld id="{834A63CA-F0FB-4BD0-B08D-6B974D1D6577}" type="datetimeFigureOut">
               <a:rPr lang="en-US" smtClean="0"/>
-              <a:t>4/23/20</a:t>
+              <a:t>4/23/2020</a:t>
             </a:fld>
             <a:endParaRPr lang="en-US"/>
           </a:p>
@@ -5279,7 +5324,7 @@
           <a:p>
             <a:fld id="{834A63CA-F0FB-4BD0-B08D-6B974D1D6577}" type="datetimeFigureOut">
               <a:rPr lang="en-US" smtClean="0"/>
-              <a:t>4/23/20</a:t>
+              <a:t>4/23/2020</a:t>
             </a:fld>
             <a:endParaRPr lang="en-US"/>
           </a:p>
@@ -5397,7 +5442,7 @@
           <a:p>
             <a:fld id="{834A63CA-F0FB-4BD0-B08D-6B974D1D6577}" type="datetimeFigureOut">
               <a:rPr lang="en-US" smtClean="0"/>
-              <a:t>4/23/20</a:t>
+              <a:t>4/23/2020</a:t>
             </a:fld>
             <a:endParaRPr lang="en-US"/>
           </a:p>
@@ -5492,7 +5537,7 @@
           <a:p>
             <a:fld id="{834A63CA-F0FB-4BD0-B08D-6B974D1D6577}" type="datetimeFigureOut">
               <a:rPr lang="en-US" smtClean="0"/>
-              <a:t>4/23/20</a:t>
+              <a:t>4/23/2020</a:t>
             </a:fld>
             <a:endParaRPr lang="en-US"/>
           </a:p>
@@ -5765,7 +5810,7 @@
           <a:p>
             <a:fld id="{834A63CA-F0FB-4BD0-B08D-6B974D1D6577}" type="datetimeFigureOut">
               <a:rPr lang="en-US" smtClean="0"/>
-              <a:t>4/23/20</a:t>
+              <a:t>4/23/2020</a:t>
             </a:fld>
             <a:endParaRPr lang="en-US"/>
           </a:p>
@@ -6030,7 +6075,7 @@
           <a:p>
             <a:fld id="{834A63CA-F0FB-4BD0-B08D-6B974D1D6577}" type="datetimeFigureOut">
               <a:rPr lang="en-US" smtClean="0"/>
-              <a:t>4/23/20</a:t>
+              <a:t>4/23/2020</a:t>
             </a:fld>
             <a:endParaRPr lang="en-US"/>
           </a:p>
@@ -6279,7 +6324,7 @@
           <a:p>
             <a:fld id="{834A63CA-F0FB-4BD0-B08D-6B974D1D6577}" type="datetimeFigureOut">
               <a:rPr lang="en-US" smtClean="0"/>
-              <a:t>4/23/20</a:t>
+              <a:t>4/23/2020</a:t>
             </a:fld>
             <a:endParaRPr lang="en-US"/>
           </a:p>
@@ -6747,7 +6792,7 @@
           <p:cNvPr id="1026" name="Picture 2" descr="Stonks Meme, Explained: What Can It Teach You About Actual Stocks?">
             <a:extLst>
               <a:ext uri="{FF2B5EF4-FFF2-40B4-BE49-F238E27FC236}">
-                <a16:creationId xmlns:a16="http://schemas.microsoft.com/office/drawing/2014/main" xmlns="" id="{18062B0F-B46A-4EAB-9123-90B768A656C3}"/>
+                <a16:creationId xmlns:a16="http://schemas.microsoft.com/office/drawing/2014/main" id="{18062B0F-B46A-4EAB-9123-90B768A656C3}"/>
               </a:ext>
             </a:extLst>
           </p:cNvPr>
@@ -6778,7 +6823,7 @@
           <a:noFill/>
           <a:extLst>
             <a:ext uri="{909E8E84-426E-40dd-AFC4-6F175D3DCCD1}">
-              <a14:hiddenFill xmlns:a14="http://schemas.microsoft.com/office/drawing/2010/main">
+              <a14:hiddenFill xmlns:a14="http://schemas.microsoft.com/office/drawing/2010/main" xmlns="">
                 <a:solidFill>
                   <a:srgbClr val="FFFFFF"/>
                 </a:solidFill>
@@ -6792,10 +6837,10 @@
           <p:cNvPr id="1031" name="Rectangle 70">
             <a:extLst>
               <a:ext uri="{FF2B5EF4-FFF2-40B4-BE49-F238E27FC236}">
-                <a16:creationId xmlns:a16="http://schemas.microsoft.com/office/drawing/2014/main" xmlns="" id="{0B747386-D4D7-4F75-8EA2-DF7F89C385AE}"/>
+                <a16:creationId xmlns:a16="http://schemas.microsoft.com/office/drawing/2014/main" id="{0B747386-D4D7-4F75-8EA2-DF7F89C385AE}"/>
               </a:ext>
               <a:ext uri="{C183D7F6-B498-43B3-948B-1728B52AA6E4}">
-                <adec:decorative xmlns:adec="http://schemas.microsoft.com/office/drawing/2017/decorative" xmlns="" val="1"/>
+                <adec:decorative xmlns:adec="http://schemas.microsoft.com/office/drawing/2017/decorative" val="1"/>
               </a:ext>
             </a:extLst>
           </p:cNvPr>
@@ -6805,7 +6850,7 @@
           <p:nvPr>
             <p:extLst>
               <p:ext uri="{386F3935-93C4-4BCD-93E2-E3B085C9AB24}">
-                <p16:designElem xmlns:p16="http://schemas.microsoft.com/office/powerpoint/2015/main" xmlns="" val="1"/>
+                <p16:designElem xmlns:p16="http://schemas.microsoft.com/office/powerpoint/2015/main" val="1"/>
               </p:ext>
             </p:extLst>
           </p:nvPr>
@@ -6955,10 +7000,10 @@
           <p:cNvPr id="1032" name="Rectangle 72">
             <a:extLst>
               <a:ext uri="{FF2B5EF4-FFF2-40B4-BE49-F238E27FC236}">
-                <a16:creationId xmlns:a16="http://schemas.microsoft.com/office/drawing/2014/main" xmlns="" id="{27D08544-84F0-43AA-B817-DB8B5749A43F}"/>
+                <a16:creationId xmlns:a16="http://schemas.microsoft.com/office/drawing/2014/main" id="{27D08544-84F0-43AA-B817-DB8B5749A43F}"/>
               </a:ext>
               <a:ext uri="{C183D7F6-B498-43B3-948B-1728B52AA6E4}">
-                <adec:decorative xmlns:adec="http://schemas.microsoft.com/office/drawing/2017/decorative" xmlns="" val="1"/>
+                <adec:decorative xmlns:adec="http://schemas.microsoft.com/office/drawing/2017/decorative" val="1"/>
               </a:ext>
             </a:extLst>
           </p:cNvPr>
@@ -6968,7 +7013,7 @@
           <p:nvPr>
             <p:extLst>
               <p:ext uri="{386F3935-93C4-4BCD-93E2-E3B085C9AB24}">
-                <p16:designElem xmlns:p16="http://schemas.microsoft.com/office/powerpoint/2015/main" xmlns="" val="1"/>
+                <p16:designElem xmlns:p16="http://schemas.microsoft.com/office/powerpoint/2015/main" val="1"/>
               </p:ext>
             </p:extLst>
           </p:nvPr>
@@ -7118,7 +7163,7 @@
           <p:cNvPr id="2" name="Title 1">
             <a:extLst>
               <a:ext uri="{FF2B5EF4-FFF2-40B4-BE49-F238E27FC236}">
-                <a16:creationId xmlns:a16="http://schemas.microsoft.com/office/drawing/2014/main" xmlns="" id="{B4706935-1E0C-4D16-A9E2-70BFA2AA8483}"/>
+                <a16:creationId xmlns:a16="http://schemas.microsoft.com/office/drawing/2014/main" id="{B4706935-1E0C-4D16-A9E2-70BFA2AA8483}"/>
               </a:ext>
             </a:extLst>
           </p:cNvPr>
@@ -7157,7 +7202,7 @@
           <p:cNvPr id="3" name="Subtitle 2">
             <a:extLst>
               <a:ext uri="{FF2B5EF4-FFF2-40B4-BE49-F238E27FC236}">
-                <a16:creationId xmlns:a16="http://schemas.microsoft.com/office/drawing/2014/main" xmlns="" id="{8DEE8918-7D24-4A5F-950E-4074575D6264}"/>
+                <a16:creationId xmlns:a16="http://schemas.microsoft.com/office/drawing/2014/main" id="{8DEE8918-7D24-4A5F-950E-4074575D6264}"/>
               </a:ext>
             </a:extLst>
           </p:cNvPr>
@@ -7235,10 +7280,10 @@
           <p:cNvPr id="35" name="Rectangle 8">
             <a:extLst>
               <a:ext uri="{FF2B5EF4-FFF2-40B4-BE49-F238E27FC236}">
-                <a16:creationId xmlns:a16="http://schemas.microsoft.com/office/drawing/2014/main" xmlns="" id="{FFE914B7-3BC6-4FC9-A677-80AD94BB1177}"/>
+                <a16:creationId xmlns:a16="http://schemas.microsoft.com/office/drawing/2014/main" id="{FFE914B7-3BC6-4FC9-A677-80AD94BB1177}"/>
               </a:ext>
               <a:ext uri="{C183D7F6-B498-43B3-948B-1728B52AA6E4}">
-                <adec:decorative xmlns:adec="http://schemas.microsoft.com/office/drawing/2017/decorative" xmlns="" val="1"/>
+                <adec:decorative xmlns:adec="http://schemas.microsoft.com/office/drawing/2017/decorative" val="1"/>
               </a:ext>
             </a:extLst>
           </p:cNvPr>
@@ -7248,7 +7293,7 @@
           <p:nvPr>
             <p:extLst>
               <p:ext uri="{386F3935-93C4-4BCD-93E2-E3B085C9AB24}">
-                <p16:designElem xmlns:p16="http://schemas.microsoft.com/office/powerpoint/2015/main" xmlns="" val="1"/>
+                <p16:designElem xmlns:p16="http://schemas.microsoft.com/office/powerpoint/2015/main" val="1"/>
               </p:ext>
             </p:extLst>
           </p:nvPr>
@@ -7290,10 +7335,10 @@
           <p:cNvPr id="36" name="Rectangle 10">
             <a:extLst>
               <a:ext uri="{FF2B5EF4-FFF2-40B4-BE49-F238E27FC236}">
-                <a16:creationId xmlns:a16="http://schemas.microsoft.com/office/drawing/2014/main" xmlns="" id="{3CA87076-A77D-41A2-B164-887E97A69D18}"/>
+                <a16:creationId xmlns:a16="http://schemas.microsoft.com/office/drawing/2014/main" id="{3CA87076-A77D-41A2-B164-887E97A69D18}"/>
               </a:ext>
               <a:ext uri="{C183D7F6-B498-43B3-948B-1728B52AA6E4}">
-                <adec:decorative xmlns:adec="http://schemas.microsoft.com/office/drawing/2017/decorative" xmlns="" val="1"/>
+                <adec:decorative xmlns:adec="http://schemas.microsoft.com/office/drawing/2017/decorative" val="1"/>
               </a:ext>
             </a:extLst>
           </p:cNvPr>
@@ -7303,7 +7348,7 @@
           <p:nvPr>
             <p:extLst>
               <p:ext uri="{386F3935-93C4-4BCD-93E2-E3B085C9AB24}">
-                <p16:designElem xmlns:p16="http://schemas.microsoft.com/office/powerpoint/2015/main" xmlns="" val="1"/>
+                <p16:designElem xmlns:p16="http://schemas.microsoft.com/office/powerpoint/2015/main" val="1"/>
               </p:ext>
             </p:extLst>
           </p:nvPr>
@@ -7345,10 +7390,10 @@
           <p:cNvPr id="37" name="Rectangle 12">
             <a:extLst>
               <a:ext uri="{FF2B5EF4-FFF2-40B4-BE49-F238E27FC236}">
-                <a16:creationId xmlns:a16="http://schemas.microsoft.com/office/drawing/2014/main" xmlns="" id="{928FACD9-3A64-4492-9A3D-9F915391CA64}"/>
+                <a16:creationId xmlns:a16="http://schemas.microsoft.com/office/drawing/2014/main" id="{928FACD9-3A64-4492-9A3D-9F915391CA64}"/>
               </a:ext>
               <a:ext uri="{C183D7F6-B498-43B3-948B-1728B52AA6E4}">
-                <adec:decorative xmlns:adec="http://schemas.microsoft.com/office/drawing/2017/decorative" xmlns="" val="1"/>
+                <adec:decorative xmlns:adec="http://schemas.microsoft.com/office/drawing/2017/decorative" val="1"/>
               </a:ext>
             </a:extLst>
           </p:cNvPr>
@@ -7358,7 +7403,7 @@
           <p:nvPr>
             <p:extLst>
               <p:ext uri="{386F3935-93C4-4BCD-93E2-E3B085C9AB24}">
-                <p16:designElem xmlns:p16="http://schemas.microsoft.com/office/powerpoint/2015/main" xmlns="" val="1"/>
+                <p16:designElem xmlns:p16="http://schemas.microsoft.com/office/powerpoint/2015/main" val="1"/>
               </p:ext>
             </p:extLst>
           </p:nvPr>
@@ -7400,10 +7445,10 @@
           <p:cNvPr id="38" name="Rectangle 14">
             <a:extLst>
               <a:ext uri="{FF2B5EF4-FFF2-40B4-BE49-F238E27FC236}">
-                <a16:creationId xmlns:a16="http://schemas.microsoft.com/office/drawing/2014/main" xmlns="" id="{379C6802-099E-47E9-BB39-1A766CC92141}"/>
+                <a16:creationId xmlns:a16="http://schemas.microsoft.com/office/drawing/2014/main" id="{379C6802-099E-47E9-BB39-1A766CC92141}"/>
               </a:ext>
               <a:ext uri="{C183D7F6-B498-43B3-948B-1728B52AA6E4}">
-                <adec:decorative xmlns:adec="http://schemas.microsoft.com/office/drawing/2017/decorative" xmlns="" val="1"/>
+                <adec:decorative xmlns:adec="http://schemas.microsoft.com/office/drawing/2017/decorative" val="1"/>
               </a:ext>
             </a:extLst>
           </p:cNvPr>
@@ -7413,7 +7458,7 @@
           <p:nvPr>
             <p:extLst>
               <p:ext uri="{386F3935-93C4-4BCD-93E2-E3B085C9AB24}">
-                <p16:designElem xmlns:p16="http://schemas.microsoft.com/office/powerpoint/2015/main" xmlns="" val="1"/>
+                <p16:designElem xmlns:p16="http://schemas.microsoft.com/office/powerpoint/2015/main" val="1"/>
               </p:ext>
             </p:extLst>
           </p:nvPr>
@@ -7561,7 +7606,7 @@
           <p:cNvPr id="2" name="Title 1">
             <a:extLst>
               <a:ext uri="{FF2B5EF4-FFF2-40B4-BE49-F238E27FC236}">
-                <a16:creationId xmlns:a16="http://schemas.microsoft.com/office/drawing/2014/main" xmlns="" id="{935B50FF-7F9B-40FD-B67A-63F5BE2FA8C9}"/>
+                <a16:creationId xmlns:a16="http://schemas.microsoft.com/office/drawing/2014/main" id="{935B50FF-7F9B-40FD-B67A-63F5BE2FA8C9}"/>
               </a:ext>
             </a:extLst>
           </p:cNvPr>
@@ -7605,7 +7650,7 @@
           <p:cNvPr id="39" name="Picture 4">
             <a:extLst>
               <a:ext uri="{FF2B5EF4-FFF2-40B4-BE49-F238E27FC236}">
-                <a16:creationId xmlns:a16="http://schemas.microsoft.com/office/drawing/2014/main" xmlns="" id="{30DEAA71-52E1-43A4-9BFB-A6E16B7EB5C4}"/>
+                <a16:creationId xmlns:a16="http://schemas.microsoft.com/office/drawing/2014/main" id="{30DEAA71-52E1-43A4-9BFB-A6E16B7EB5C4}"/>
               </a:ext>
             </a:extLst>
           </p:cNvPr>
@@ -7639,13 +7684,6 @@
   <p:clrMapOvr>
     <a:masterClrMapping/>
   </p:clrMapOvr>
-  <p:timing>
-    <p:tnLst>
-      <p:par>
-        <p:cTn xmlns:p14="http://schemas.microsoft.com/office/powerpoint/2010/main" id="1" dur="indefinite" restart="never" nodeType="tmRoot"/>
-      </p:par>
-    </p:tnLst>
-  </p:timing>
 </p:sld>
 </file>
 
@@ -7679,7 +7717,7 @@
           <p:cNvPr id="2" name="Title 1">
             <a:extLst>
               <a:ext uri="{FF2B5EF4-FFF2-40B4-BE49-F238E27FC236}">
-                <a16:creationId xmlns:a16="http://schemas.microsoft.com/office/drawing/2014/main" xmlns="" id="{008E0CFC-F7B5-4089-9410-099DCAB5AB10}"/>
+                <a16:creationId xmlns:a16="http://schemas.microsoft.com/office/drawing/2014/main" id="{008E0CFC-F7B5-4089-9410-099DCAB5AB10}"/>
               </a:ext>
             </a:extLst>
           </p:cNvPr>
@@ -7714,7 +7752,7 @@
           <p:cNvPr id="5" name="Content Placeholder 2">
             <a:extLst>
               <a:ext uri="{FF2B5EF4-FFF2-40B4-BE49-F238E27FC236}">
-                <a16:creationId xmlns:a16="http://schemas.microsoft.com/office/drawing/2014/main" xmlns="" id="{E4F39CFD-BE5B-4D3C-BDE0-81F009B1A840}"/>
+                <a16:creationId xmlns:a16="http://schemas.microsoft.com/office/drawing/2014/main" id="{E4F39CFD-BE5B-4D3C-BDE0-81F009B1A840}"/>
               </a:ext>
             </a:extLst>
           </p:cNvPr>
@@ -7783,10 +7821,10 @@
           <p:cNvPr id="14" name="Rectangle 13">
             <a:extLst>
               <a:ext uri="{FF2B5EF4-FFF2-40B4-BE49-F238E27FC236}">
-                <a16:creationId xmlns:a16="http://schemas.microsoft.com/office/drawing/2014/main" xmlns="" id="{ACE0B6C6-23FB-4AED-A84E-3A43F4F58069}"/>
+                <a16:creationId xmlns:a16="http://schemas.microsoft.com/office/drawing/2014/main" id="{ACE0B6C6-23FB-4AED-A84E-3A43F4F58069}"/>
               </a:ext>
               <a:ext uri="{C183D7F6-B498-43B3-948B-1728B52AA6E4}">
-                <adec:decorative xmlns:adec="http://schemas.microsoft.com/office/drawing/2017/decorative" xmlns="" val="1"/>
+                <adec:decorative xmlns:adec="http://schemas.microsoft.com/office/drawing/2017/decorative" val="1"/>
               </a:ext>
             </a:extLst>
           </p:cNvPr>
@@ -7796,7 +7834,7 @@
           <p:nvPr>
             <p:extLst>
               <p:ext uri="{386F3935-93C4-4BCD-93E2-E3B085C9AB24}">
-                <p16:designElem xmlns:p16="http://schemas.microsoft.com/office/powerpoint/2015/main" xmlns="" val="1"/>
+                <p16:designElem xmlns:p16="http://schemas.microsoft.com/office/powerpoint/2015/main" val="1"/>
               </p:ext>
             </p:extLst>
           </p:nvPr>
@@ -7843,7 +7881,7 @@
           <p:cNvPr id="2" name="Title 1">
             <a:extLst>
               <a:ext uri="{FF2B5EF4-FFF2-40B4-BE49-F238E27FC236}">
-                <a16:creationId xmlns:a16="http://schemas.microsoft.com/office/drawing/2014/main" xmlns="" id="{02ABB9C2-5E1A-4E58-98C5-1291ECF53633}"/>
+                <a16:creationId xmlns:a16="http://schemas.microsoft.com/office/drawing/2014/main" id="{02ABB9C2-5E1A-4E58-98C5-1291ECF53633}"/>
               </a:ext>
             </a:extLst>
           </p:cNvPr>
@@ -7927,10 +7965,10 @@
           <p:cNvPr id="16" name="Rectangle 15">
             <a:extLst>
               <a:ext uri="{FF2B5EF4-FFF2-40B4-BE49-F238E27FC236}">
-                <a16:creationId xmlns:a16="http://schemas.microsoft.com/office/drawing/2014/main" xmlns="" id="{2C086639-06AF-4CBA-893B-5D4CA38F92F1}"/>
+                <a16:creationId xmlns:a16="http://schemas.microsoft.com/office/drawing/2014/main" id="{2C086639-06AF-4CBA-893B-5D4CA38F92F1}"/>
               </a:ext>
               <a:ext uri="{C183D7F6-B498-43B3-948B-1728B52AA6E4}">
-                <adec:decorative xmlns:adec="http://schemas.microsoft.com/office/drawing/2017/decorative" xmlns="" val="1"/>
+                <adec:decorative xmlns:adec="http://schemas.microsoft.com/office/drawing/2017/decorative" val="1"/>
               </a:ext>
             </a:extLst>
           </p:cNvPr>
@@ -7940,7 +7978,7 @@
           <p:nvPr>
             <p:extLst>
               <p:ext uri="{386F3935-93C4-4BCD-93E2-E3B085C9AB24}">
-                <p16:designElem xmlns:p16="http://schemas.microsoft.com/office/powerpoint/2015/main" xmlns="" val="1"/>
+                <p16:designElem xmlns:p16="http://schemas.microsoft.com/office/powerpoint/2015/main" val="1"/>
               </p:ext>
             </p:extLst>
           </p:nvPr>
@@ -7982,10 +8020,10 @@
           <p:cNvPr id="18" name="Rectangle 17">
             <a:extLst>
               <a:ext uri="{FF2B5EF4-FFF2-40B4-BE49-F238E27FC236}">
-                <a16:creationId xmlns:a16="http://schemas.microsoft.com/office/drawing/2014/main" xmlns="" id="{655BB7C8-9C4A-4523-8A89-13FA01544CF0}"/>
+                <a16:creationId xmlns:a16="http://schemas.microsoft.com/office/drawing/2014/main" id="{655BB7C8-9C4A-4523-8A89-13FA01544CF0}"/>
               </a:ext>
               <a:ext uri="{C183D7F6-B498-43B3-948B-1728B52AA6E4}">
-                <adec:decorative xmlns:adec="http://schemas.microsoft.com/office/drawing/2017/decorative" xmlns="" val="1"/>
+                <adec:decorative xmlns:adec="http://schemas.microsoft.com/office/drawing/2017/decorative" val="1"/>
               </a:ext>
             </a:extLst>
           </p:cNvPr>
@@ -7995,7 +8033,7 @@
           <p:nvPr>
             <p:extLst>
               <p:ext uri="{386F3935-93C4-4BCD-93E2-E3B085C9AB24}">
-                <p16:designElem xmlns:p16="http://schemas.microsoft.com/office/powerpoint/2015/main" xmlns="" val="1"/>
+                <p16:designElem xmlns:p16="http://schemas.microsoft.com/office/powerpoint/2015/main" val="1"/>
               </p:ext>
             </p:extLst>
           </p:nvPr>
@@ -8046,7 +8084,7 @@
           <p:cNvPr id="7" name="Picture 6">
             <a:extLst>
               <a:ext uri="{FF2B5EF4-FFF2-40B4-BE49-F238E27FC236}">
-                <a16:creationId xmlns:a16="http://schemas.microsoft.com/office/drawing/2014/main" xmlns="" id="{8BCF54EF-6C4D-449F-8006-16BF583B38C3}"/>
+                <a16:creationId xmlns:a16="http://schemas.microsoft.com/office/drawing/2014/main" id="{8BCF54EF-6C4D-449F-8006-16BF583B38C3}"/>
               </a:ext>
             </a:extLst>
           </p:cNvPr>
@@ -8076,10 +8114,10 @@
           <p:cNvPr id="20" name="Rectangle 19">
             <a:extLst>
               <a:ext uri="{FF2B5EF4-FFF2-40B4-BE49-F238E27FC236}">
-                <a16:creationId xmlns:a16="http://schemas.microsoft.com/office/drawing/2014/main" xmlns="" id="{CFA01898-9E68-4951-977D-90E1031312C4}"/>
+                <a16:creationId xmlns:a16="http://schemas.microsoft.com/office/drawing/2014/main" id="{CFA01898-9E68-4951-977D-90E1031312C4}"/>
               </a:ext>
               <a:ext uri="{C183D7F6-B498-43B3-948B-1728B52AA6E4}">
-                <adec:decorative xmlns:adec="http://schemas.microsoft.com/office/drawing/2017/decorative" xmlns="" val="1"/>
+                <adec:decorative xmlns:adec="http://schemas.microsoft.com/office/drawing/2017/decorative" val="1"/>
               </a:ext>
             </a:extLst>
           </p:cNvPr>
@@ -8089,7 +8127,7 @@
           <p:nvPr>
             <p:extLst>
               <p:ext uri="{386F3935-93C4-4BCD-93E2-E3B085C9AB24}">
-                <p16:designElem xmlns:p16="http://schemas.microsoft.com/office/powerpoint/2015/main" xmlns="" val="1"/>
+                <p16:designElem xmlns:p16="http://schemas.microsoft.com/office/powerpoint/2015/main" val="1"/>
               </p:ext>
             </p:extLst>
           </p:nvPr>
@@ -8140,7 +8178,7 @@
           <p:cNvPr id="5" name="Picture 4">
             <a:extLst>
               <a:ext uri="{FF2B5EF4-FFF2-40B4-BE49-F238E27FC236}">
-                <a16:creationId xmlns:a16="http://schemas.microsoft.com/office/drawing/2014/main" xmlns="" id="{0C467E5A-9A5B-4B77-A965-CA086D45699A}"/>
+                <a16:creationId xmlns:a16="http://schemas.microsoft.com/office/drawing/2014/main" id="{0C467E5A-9A5B-4B77-A965-CA086D45699A}"/>
               </a:ext>
             </a:extLst>
           </p:cNvPr>
@@ -8169,10 +8207,10 @@
           <p:cNvPr id="22" name="Rectangle 21">
             <a:extLst>
               <a:ext uri="{FF2B5EF4-FFF2-40B4-BE49-F238E27FC236}">
-                <a16:creationId xmlns:a16="http://schemas.microsoft.com/office/drawing/2014/main" xmlns="" id="{7BE2D561-3633-4B37-94F3-DCCAF51570AB}"/>
+                <a16:creationId xmlns:a16="http://schemas.microsoft.com/office/drawing/2014/main" id="{7BE2D561-3633-4B37-94F3-DCCAF51570AB}"/>
               </a:ext>
               <a:ext uri="{C183D7F6-B498-43B3-948B-1728B52AA6E4}">
-                <adec:decorative xmlns:adec="http://schemas.microsoft.com/office/drawing/2017/decorative" xmlns="" val="1"/>
+                <adec:decorative xmlns:adec="http://schemas.microsoft.com/office/drawing/2017/decorative" val="1"/>
               </a:ext>
             </a:extLst>
           </p:cNvPr>
@@ -8182,7 +8220,7 @@
           <p:nvPr>
             <p:extLst>
               <p:ext uri="{386F3935-93C4-4BCD-93E2-E3B085C9AB24}">
-                <p16:designElem xmlns:p16="http://schemas.microsoft.com/office/powerpoint/2015/main" xmlns="" val="1"/>
+                <p16:designElem xmlns:p16="http://schemas.microsoft.com/office/powerpoint/2015/main" val="1"/>
               </p:ext>
             </p:extLst>
           </p:nvPr>
@@ -8233,10 +8271,10 @@
           <p:cNvPr id="24" name="Rectangle 23">
             <a:extLst>
               <a:ext uri="{FF2B5EF4-FFF2-40B4-BE49-F238E27FC236}">
-                <a16:creationId xmlns:a16="http://schemas.microsoft.com/office/drawing/2014/main" xmlns="" id="{E3860AE2-D963-4317-974D-15AB45BA7997}"/>
+                <a16:creationId xmlns:a16="http://schemas.microsoft.com/office/drawing/2014/main" id="{E3860AE2-D963-4317-974D-15AB45BA7997}"/>
               </a:ext>
               <a:ext uri="{C183D7F6-B498-43B3-948B-1728B52AA6E4}">
-                <adec:decorative xmlns:adec="http://schemas.microsoft.com/office/drawing/2017/decorative" xmlns="" val="1"/>
+                <adec:decorative xmlns:adec="http://schemas.microsoft.com/office/drawing/2017/decorative" val="1"/>
               </a:ext>
             </a:extLst>
           </p:cNvPr>
@@ -8246,7 +8284,7 @@
           <p:nvPr>
             <p:extLst>
               <p:ext uri="{386F3935-93C4-4BCD-93E2-E3B085C9AB24}">
-                <p16:designElem xmlns:p16="http://schemas.microsoft.com/office/powerpoint/2015/main" xmlns="" val="1"/>
+                <p16:designElem xmlns:p16="http://schemas.microsoft.com/office/powerpoint/2015/main" val="1"/>
               </p:ext>
             </p:extLst>
           </p:nvPr>
@@ -8297,7 +8335,7 @@
           <p:cNvPr id="11" name="Content Placeholder 10">
             <a:extLst>
               <a:ext uri="{FF2B5EF4-FFF2-40B4-BE49-F238E27FC236}">
-                <a16:creationId xmlns:a16="http://schemas.microsoft.com/office/drawing/2014/main" xmlns="" id="{0CD11659-6AEF-457C-A8EE-A5ADF0B6F2A9}"/>
+                <a16:creationId xmlns:a16="http://schemas.microsoft.com/office/drawing/2014/main" id="{0CD11659-6AEF-457C-A8EE-A5ADF0B6F2A9}"/>
               </a:ext>
             </a:extLst>
           </p:cNvPr>
@@ -8396,7 +8434,7 @@
           <p:cNvPr id="15" name="Content Placeholder 10">
             <a:extLst>
               <a:ext uri="{FF2B5EF4-FFF2-40B4-BE49-F238E27FC236}">
-                <a16:creationId xmlns:a16="http://schemas.microsoft.com/office/drawing/2014/main" xmlns="" id="{B18F3D55-CA15-4D70-9C46-A3C441E37E48}"/>
+                <a16:creationId xmlns:a16="http://schemas.microsoft.com/office/drawing/2014/main" id="{B18F3D55-CA15-4D70-9C46-A3C441E37E48}"/>
               </a:ext>
             </a:extLst>
           </p:cNvPr>
@@ -8675,7 +8713,7 @@
           <p:cNvPr id="1026" name="Picture 2" descr="Tesla Logo, Png, Meaning">
             <a:extLst>
               <a:ext uri="{FF2B5EF4-FFF2-40B4-BE49-F238E27FC236}">
-                <a16:creationId xmlns:a16="http://schemas.microsoft.com/office/drawing/2014/main" xmlns="" id="{09A04AEC-80F3-4444-90F8-874AFF0EB0EF}"/>
+                <a16:creationId xmlns:a16="http://schemas.microsoft.com/office/drawing/2014/main" id="{09A04AEC-80F3-4444-90F8-874AFF0EB0EF}"/>
               </a:ext>
             </a:extLst>
           </p:cNvPr>
@@ -8708,7 +8746,7 @@
           <a:noFill/>
           <a:extLst>
             <a:ext uri="{909E8E84-426E-40dd-AFC4-6F175D3DCCD1}">
-              <a14:hiddenFill xmlns:a14="http://schemas.microsoft.com/office/drawing/2010/main">
+              <a14:hiddenFill xmlns:a14="http://schemas.microsoft.com/office/drawing/2010/main" xmlns="">
                 <a:solidFill>
                   <a:srgbClr val="FFFFFF"/>
                 </a:solidFill>
@@ -8722,7 +8760,7 @@
           <p:cNvPr id="3" name="Picture 2" descr="Netflix logo | Dwglogo">
             <a:extLst>
               <a:ext uri="{FF2B5EF4-FFF2-40B4-BE49-F238E27FC236}">
-                <a16:creationId xmlns:a16="http://schemas.microsoft.com/office/drawing/2014/main" xmlns="" id="{38A774CD-BAB5-48FD-95AA-E7ADD7198918}"/>
+                <a16:creationId xmlns:a16="http://schemas.microsoft.com/office/drawing/2014/main" id="{38A774CD-BAB5-48FD-95AA-E7ADD7198918}"/>
               </a:ext>
             </a:extLst>
           </p:cNvPr>
@@ -8755,7 +8793,7 @@
           <a:noFill/>
           <a:extLst>
             <a:ext uri="{909E8E84-426E-40dd-AFC4-6F175D3DCCD1}">
-              <a14:hiddenFill xmlns:a14="http://schemas.microsoft.com/office/drawing/2010/main">
+              <a14:hiddenFill xmlns:a14="http://schemas.microsoft.com/office/drawing/2010/main" xmlns="">
                 <a:solidFill>
                   <a:srgbClr val="FFFFFF"/>
                 </a:solidFill>
@@ -8799,7 +8837,7 @@
           <p:cNvPr id="2" name="Title 1">
             <a:extLst>
               <a:ext uri="{FF2B5EF4-FFF2-40B4-BE49-F238E27FC236}">
-                <a16:creationId xmlns:a16="http://schemas.microsoft.com/office/drawing/2014/main" xmlns="" id="{829164BB-36E7-4DFC-80DD-537323C0C4F3}"/>
+                <a16:creationId xmlns:a16="http://schemas.microsoft.com/office/drawing/2014/main" id="{829164BB-36E7-4DFC-80DD-537323C0C4F3}"/>
               </a:ext>
             </a:extLst>
           </p:cNvPr>
@@ -8816,12 +8854,12 @@
           <a:lstStyle/>
           <a:p>
             <a:r>
-              <a:rPr lang="en-US" dirty="0" err="1"/>
-              <a:t>Api’s</a:t>
+              <a:rPr lang="en-US"/>
+              <a:t>Packages </a:t>
             </a:r>
             <a:r>
               <a:rPr lang="en-US" dirty="0"/>
-              <a:t> Used</a:t>
+              <a:t>Used</a:t>
             </a:r>
           </a:p>
         </p:txBody>
@@ -8831,7 +8869,7 @@
           <p:cNvPr id="3" name="Content Placeholder 2">
             <a:extLst>
               <a:ext uri="{FF2B5EF4-FFF2-40B4-BE49-F238E27FC236}">
-                <a16:creationId xmlns:a16="http://schemas.microsoft.com/office/drawing/2014/main" xmlns="" id="{A78C3714-175E-41AC-9210-6E500DD37FEC}"/>
+                <a16:creationId xmlns:a16="http://schemas.microsoft.com/office/drawing/2014/main" id="{A78C3714-175E-41AC-9210-6E500DD37FEC}"/>
               </a:ext>
             </a:extLst>
           </p:cNvPr>
@@ -8948,7 +8986,7 @@
           <p:cNvPr id="2" name="Title 1">
             <a:extLst>
               <a:ext uri="{FF2B5EF4-FFF2-40B4-BE49-F238E27FC236}">
-                <a16:creationId xmlns:a16="http://schemas.microsoft.com/office/drawing/2014/main" xmlns="" id="{FAEA37A0-F237-4446-B04E-4F1E2FEC635F}"/>
+                <a16:creationId xmlns:a16="http://schemas.microsoft.com/office/drawing/2014/main" id="{FAEA37A0-F237-4446-B04E-4F1E2FEC635F}"/>
               </a:ext>
             </a:extLst>
           </p:cNvPr>
@@ -8976,7 +9014,7 @@
           <p:cNvPr id="3" name="Content Placeholder 2">
             <a:extLst>
               <a:ext uri="{FF2B5EF4-FFF2-40B4-BE49-F238E27FC236}">
-                <a16:creationId xmlns:a16="http://schemas.microsoft.com/office/drawing/2014/main" xmlns="" id="{C4E2DFF6-87F6-4BC5-8281-2593F17C287D}"/>
+                <a16:creationId xmlns:a16="http://schemas.microsoft.com/office/drawing/2014/main" id="{C4E2DFF6-87F6-4BC5-8281-2593F17C287D}"/>
               </a:ext>
             </a:extLst>
           </p:cNvPr>
@@ -9001,7 +9039,7 @@
           <p:cNvPr id="4" name="Content Placeholder 4" descr="A screenshot of a cell phone&#10;&#10;Description automatically generated">
             <a:extLst>
               <a:ext uri="{FF2B5EF4-FFF2-40B4-BE49-F238E27FC236}">
-                <a16:creationId xmlns:a16="http://schemas.microsoft.com/office/drawing/2014/main" xmlns="" id="{C343B09C-C01C-4A92-BB2B-CACFE278573F}"/>
+                <a16:creationId xmlns:a16="http://schemas.microsoft.com/office/drawing/2014/main" id="{C343B09C-C01C-4A92-BB2B-CACFE278573F}"/>
               </a:ext>
             </a:extLst>
           </p:cNvPr>
@@ -9081,7 +9119,7 @@
           <p:cNvPr id="2" name="Title 1">
             <a:extLst>
               <a:ext uri="{FF2B5EF4-FFF2-40B4-BE49-F238E27FC236}">
-                <a16:creationId xmlns:a16="http://schemas.microsoft.com/office/drawing/2014/main" xmlns="" id="{ED7A9617-FF23-44C6-9A2A-0C9C08F58FAC}"/>
+                <a16:creationId xmlns:a16="http://schemas.microsoft.com/office/drawing/2014/main" id="{ED7A9617-FF23-44C6-9A2A-0C9C08F58FAC}"/>
               </a:ext>
             </a:extLst>
           </p:cNvPr>
@@ -9116,7 +9154,7 @@
           <p:cNvPr id="9" name="Content Placeholder 8">
             <a:extLst>
               <a:ext uri="{FF2B5EF4-FFF2-40B4-BE49-F238E27FC236}">
-                <a16:creationId xmlns:a16="http://schemas.microsoft.com/office/drawing/2014/main" xmlns="" id="{9CA1DE06-78BF-4008-802E-67B59ACFF41A}"/>
+                <a16:creationId xmlns:a16="http://schemas.microsoft.com/office/drawing/2014/main" id="{9CA1DE06-78BF-4008-802E-67B59ACFF41A}"/>
               </a:ext>
             </a:extLst>
           </p:cNvPr>
@@ -9163,10 +9201,10 @@
           <p:cNvPr id="12" name="Rectangle 11">
             <a:extLst>
               <a:ext uri="{FF2B5EF4-FFF2-40B4-BE49-F238E27FC236}">
-                <a16:creationId xmlns:a16="http://schemas.microsoft.com/office/drawing/2014/main" xmlns="" id="{9792BD17-FF40-4EE5-AC8E-7AE823BAE9D4}"/>
+                <a16:creationId xmlns:a16="http://schemas.microsoft.com/office/drawing/2014/main" id="{9792BD17-FF40-4EE5-AC8E-7AE823BAE9D4}"/>
               </a:ext>
               <a:ext uri="{C183D7F6-B498-43B3-948B-1728B52AA6E4}">
-                <adec:decorative xmlns:adec="http://schemas.microsoft.com/office/drawing/2017/decorative" xmlns="" val="1"/>
+                <adec:decorative xmlns:adec="http://schemas.microsoft.com/office/drawing/2017/decorative" val="1"/>
               </a:ext>
             </a:extLst>
           </p:cNvPr>
@@ -9176,7 +9214,7 @@
           <p:nvPr>
             <p:extLst>
               <p:ext uri="{386F3935-93C4-4BCD-93E2-E3B085C9AB24}">
-                <p16:designElem xmlns:p16="http://schemas.microsoft.com/office/powerpoint/2015/main" xmlns="" val="1"/>
+                <p16:designElem xmlns:p16="http://schemas.microsoft.com/office/powerpoint/2015/main" val="1"/>
               </p:ext>
             </p:extLst>
           </p:nvPr>
@@ -9226,7 +9264,7 @@
           <p:cNvPr id="5" name="Content Placeholder 4" descr="A screenshot of a cell phone&#10;&#10;Description automatically generated">
             <a:extLst>
               <a:ext uri="{FF2B5EF4-FFF2-40B4-BE49-F238E27FC236}">
-                <a16:creationId xmlns:a16="http://schemas.microsoft.com/office/drawing/2014/main" xmlns="" id="{C937F8E8-7450-4995-86C8-139D93D5D6BE}"/>
+                <a16:creationId xmlns:a16="http://schemas.microsoft.com/office/drawing/2014/main" id="{C937F8E8-7450-4995-86C8-139D93D5D6BE}"/>
               </a:ext>
             </a:extLst>
           </p:cNvPr>
@@ -9292,7 +9330,7 @@
           <p:cNvPr id="2" name="Title 1">
             <a:extLst>
               <a:ext uri="{FF2B5EF4-FFF2-40B4-BE49-F238E27FC236}">
-                <a16:creationId xmlns:a16="http://schemas.microsoft.com/office/drawing/2014/main" xmlns="" id="{E5578DBB-2585-4478-A31B-3FC36620F2BB}"/>
+                <a16:creationId xmlns:a16="http://schemas.microsoft.com/office/drawing/2014/main" id="{E5578DBB-2585-4478-A31B-3FC36620F2BB}"/>
               </a:ext>
             </a:extLst>
           </p:cNvPr>
@@ -9320,7 +9358,7 @@
           <p:cNvPr id="5" name="Content Placeholder 4">
             <a:extLst>
               <a:ext uri="{FF2B5EF4-FFF2-40B4-BE49-F238E27FC236}">
-                <a16:creationId xmlns:a16="http://schemas.microsoft.com/office/drawing/2014/main" xmlns="" id="{ED9D6787-122C-4042-B684-C2473C6B783D}"/>
+                <a16:creationId xmlns:a16="http://schemas.microsoft.com/office/drawing/2014/main" id="{ED9D6787-122C-4042-B684-C2473C6B783D}"/>
               </a:ext>
             </a:extLst>
           </p:cNvPr>
@@ -9371,7 +9409,7 @@
           <p:cNvPr id="7" name="Picture 6">
             <a:extLst>
               <a:ext uri="{FF2B5EF4-FFF2-40B4-BE49-F238E27FC236}">
-                <a16:creationId xmlns:a16="http://schemas.microsoft.com/office/drawing/2014/main" xmlns="" id="{EE2D4862-EACE-456C-B672-7463EE791D4F}"/>
+                <a16:creationId xmlns:a16="http://schemas.microsoft.com/office/drawing/2014/main" id="{EE2D4862-EACE-456C-B672-7463EE791D4F}"/>
               </a:ext>
             </a:extLst>
           </p:cNvPr>
@@ -9420,7 +9458,7 @@
           <p:cNvPr id="9" name="Picture 8">
             <a:extLst>
               <a:ext uri="{FF2B5EF4-FFF2-40B4-BE49-F238E27FC236}">
-                <a16:creationId xmlns:a16="http://schemas.microsoft.com/office/drawing/2014/main" xmlns="" id="{E95119FB-50DF-49E7-82CC-1DCABF479FDA}"/>
+                <a16:creationId xmlns:a16="http://schemas.microsoft.com/office/drawing/2014/main" id="{E95119FB-50DF-49E7-82CC-1DCABF479FDA}"/>
               </a:ext>
             </a:extLst>
           </p:cNvPr>
@@ -9489,9 +9527,22 @@
             <a:off x="1565301" y="2038017"/>
             <a:ext cx="8963566" cy="930398"/>
           </a:xfrm>
-          <a:prstGeom prst="rect">
-            <a:avLst/>
+          <a:prstGeom prst="roundRect">
+            <a:avLst>
+              <a:gd name="adj" fmla="val 8594"/>
+            </a:avLst>
           </a:prstGeom>
+          <a:solidFill>
+            <a:srgbClr val="FFFFFF">
+              <a:shade val="85000"/>
+            </a:srgbClr>
+          </a:solidFill>
+          <a:ln>
+            <a:noFill/>
+          </a:ln>
+          <a:effectLst>
+            <a:reflection blurRad="12700" stA="38000" endPos="28000" dist="5000" dir="5400000" sy="-100000" algn="bl" rotWithShape="0"/>
+          </a:effectLst>
         </p:spPr>
       </p:pic>
     </p:spTree>
@@ -9529,7 +9580,7 @@
           <p:cNvPr id="2" name="Title 1">
             <a:extLst>
               <a:ext uri="{FF2B5EF4-FFF2-40B4-BE49-F238E27FC236}">
-                <a16:creationId xmlns:a16="http://schemas.microsoft.com/office/drawing/2014/main" xmlns="" id="{909AB05C-1377-471B-888F-DAF636268E07}"/>
+                <a16:creationId xmlns:a16="http://schemas.microsoft.com/office/drawing/2014/main" id="{909AB05C-1377-471B-888F-DAF636268E07}"/>
               </a:ext>
             </a:extLst>
           </p:cNvPr>
@@ -9561,7 +9612,7 @@
           <p:cNvPr id="9" name="Content Placeholder 8" descr="A screenshot of a social media post&#10;&#10;Description automatically generated">
             <a:extLst>
               <a:ext uri="{FF2B5EF4-FFF2-40B4-BE49-F238E27FC236}">
-                <a16:creationId xmlns:a16="http://schemas.microsoft.com/office/drawing/2014/main" xmlns="" id="{5BD8D7D6-270C-40D2-8AA9-21BD519A8CF2}"/>
+                <a16:creationId xmlns:a16="http://schemas.microsoft.com/office/drawing/2014/main" id="{5BD8D7D6-270C-40D2-8AA9-21BD519A8CF2}"/>
               </a:ext>
             </a:extLst>
           </p:cNvPr>
@@ -9610,13 +9661,6 @@
   <p:clrMapOvr>
     <a:masterClrMapping/>
   </p:clrMapOvr>
-  <p:timing>
-    <p:tnLst>
-      <p:par>
-        <p:cTn xmlns:p14="http://schemas.microsoft.com/office/powerpoint/2010/main" id="1" dur="indefinite" restart="never" nodeType="tmRoot"/>
-      </p:par>
-    </p:tnLst>
-  </p:timing>
 </p:sld>
 </file>
 
@@ -9642,7 +9686,7 @@
           <p:cNvPr id="2" name="Title 1">
             <a:extLst>
               <a:ext uri="{FF2B5EF4-FFF2-40B4-BE49-F238E27FC236}">
-                <a16:creationId xmlns:a16="http://schemas.microsoft.com/office/drawing/2014/main" xmlns="" id="{0D369ADB-E128-498D-9C75-1F27528F35D9}"/>
+                <a16:creationId xmlns:a16="http://schemas.microsoft.com/office/drawing/2014/main" id="{0D369ADB-E128-498D-9C75-1F27528F35D9}"/>
               </a:ext>
             </a:extLst>
           </p:cNvPr>
@@ -9670,7 +9714,7 @@
           <p:cNvPr id="12" name="TextBox 11">
             <a:extLst>
               <a:ext uri="{FF2B5EF4-FFF2-40B4-BE49-F238E27FC236}">
-                <a16:creationId xmlns:a16="http://schemas.microsoft.com/office/drawing/2014/main" xmlns="" id="{3F4E1B9B-73CE-49AA-AAF1-4D56D782CF8D}"/>
+                <a16:creationId xmlns:a16="http://schemas.microsoft.com/office/drawing/2014/main" id="{3F4E1B9B-73CE-49AA-AAF1-4D56D782CF8D}"/>
               </a:ext>
             </a:extLst>
           </p:cNvPr>
@@ -9706,7 +9750,7 @@
           <p:cNvPr id="15" name="TextBox 14">
             <a:extLst>
               <a:ext uri="{FF2B5EF4-FFF2-40B4-BE49-F238E27FC236}">
-                <a16:creationId xmlns:a16="http://schemas.microsoft.com/office/drawing/2014/main" xmlns="" id="{67750CD9-782A-4669-AFCF-38E0FFA079ED}"/>
+                <a16:creationId xmlns:a16="http://schemas.microsoft.com/office/drawing/2014/main" id="{67750CD9-782A-4669-AFCF-38E0FFA079ED}"/>
               </a:ext>
             </a:extLst>
           </p:cNvPr>
@@ -9742,7 +9786,7 @@
           <p:cNvPr id="10" name="TextBox 9">
             <a:extLst>
               <a:ext uri="{FF2B5EF4-FFF2-40B4-BE49-F238E27FC236}">
-                <a16:creationId xmlns:a16="http://schemas.microsoft.com/office/drawing/2014/main" xmlns="" id="{F887C935-091E-44D6-B8A3-BB02D7718829}"/>
+                <a16:creationId xmlns:a16="http://schemas.microsoft.com/office/drawing/2014/main" id="{F887C935-091E-44D6-B8A3-BB02D7718829}"/>
               </a:ext>
             </a:extLst>
           </p:cNvPr>
@@ -9778,7 +9822,7 @@
           <p:cNvPr id="11" name="TextBox 10">
             <a:extLst>
               <a:ext uri="{FF2B5EF4-FFF2-40B4-BE49-F238E27FC236}">
-                <a16:creationId xmlns:a16="http://schemas.microsoft.com/office/drawing/2014/main" xmlns="" id="{7817F760-8EA7-4C23-B80D-2590E17B5653}"/>
+                <a16:creationId xmlns:a16="http://schemas.microsoft.com/office/drawing/2014/main" id="{7817F760-8EA7-4C23-B80D-2590E17B5653}"/>
               </a:ext>
             </a:extLst>
           </p:cNvPr>
@@ -9814,7 +9858,7 @@
           <p:cNvPr id="3" name="TextBox 2">
             <a:extLst>
               <a:ext uri="{FF2B5EF4-FFF2-40B4-BE49-F238E27FC236}">
-                <a16:creationId xmlns:a16="http://schemas.microsoft.com/office/drawing/2014/main" xmlns="" id="{6783449B-4419-4DE5-96F5-4B37028210D2}"/>
+                <a16:creationId xmlns:a16="http://schemas.microsoft.com/office/drawing/2014/main" id="{6783449B-4419-4DE5-96F5-4B37028210D2}"/>
               </a:ext>
             </a:extLst>
           </p:cNvPr>
@@ -9895,12 +9939,36 @@
         </p:blipFill>
         <p:spPr>
           <a:xfrm>
-            <a:off x="206738" y="1860797"/>
+            <a:off x="93768" y="1872633"/>
             <a:ext cx="4862775" cy="1905103"/>
           </a:xfrm>
-          <a:prstGeom prst="rect">
-            <a:avLst/>
+          <a:prstGeom prst="roundRect">
+            <a:avLst>
+              <a:gd name="adj" fmla="val 16667"/>
+            </a:avLst>
           </a:prstGeom>
+          <a:ln>
+            <a:noFill/>
+          </a:ln>
+          <a:effectLst>
+            <a:outerShdw blurRad="76200" dist="38100" dir="7800000" algn="tl" rotWithShape="0">
+              <a:srgbClr val="000000">
+                <a:alpha val="40000"/>
+              </a:srgbClr>
+            </a:outerShdw>
+          </a:effectLst>
+          <a:scene3d>
+            <a:camera prst="orthographicFront"/>
+            <a:lightRig rig="contrasting" dir="t">
+              <a:rot lat="0" lon="0" rev="4200000"/>
+            </a:lightRig>
+          </a:scene3d>
+          <a:sp3d prstMaterial="plastic">
+            <a:bevelT w="381000" h="114300" prst="relaxedInset"/>
+            <a:contourClr>
+              <a:srgbClr val="969696"/>
+            </a:contourClr>
+          </a:sp3d>
         </p:spPr>
       </p:pic>
       <p:pic>
@@ -9925,12 +9993,36 @@
         </p:blipFill>
         <p:spPr>
           <a:xfrm>
-            <a:off x="0" y="4124344"/>
-            <a:ext cx="5050313" cy="2032319"/>
+            <a:off x="93767" y="4136868"/>
+            <a:ext cx="4862776" cy="1956851"/>
           </a:xfrm>
-          <a:prstGeom prst="rect">
-            <a:avLst/>
+          <a:prstGeom prst="roundRect">
+            <a:avLst>
+              <a:gd name="adj" fmla="val 16667"/>
+            </a:avLst>
           </a:prstGeom>
+          <a:ln>
+            <a:noFill/>
+          </a:ln>
+          <a:effectLst>
+            <a:outerShdw blurRad="76200" dist="38100" dir="7800000" algn="tl" rotWithShape="0">
+              <a:srgbClr val="000000">
+                <a:alpha val="40000"/>
+              </a:srgbClr>
+            </a:outerShdw>
+          </a:effectLst>
+          <a:scene3d>
+            <a:camera prst="orthographicFront"/>
+            <a:lightRig rig="contrasting" dir="t">
+              <a:rot lat="0" lon="0" rev="4200000"/>
+            </a:lightRig>
+          </a:scene3d>
+          <a:sp3d prstMaterial="plastic">
+            <a:bevelT w="381000" h="114300" prst="relaxedInset"/>
+            <a:contourClr>
+              <a:srgbClr val="969696"/>
+            </a:contourClr>
+          </a:sp3d>
         </p:spPr>
       </p:pic>
       <p:pic>
@@ -9955,12 +10047,36 @@
         </p:blipFill>
         <p:spPr>
           <a:xfrm>
-            <a:off x="7210011" y="1816494"/>
-            <a:ext cx="4981989" cy="1978943"/>
+            <a:off x="7221060" y="1859389"/>
+            <a:ext cx="4862775" cy="1931589"/>
           </a:xfrm>
-          <a:prstGeom prst="rect">
-            <a:avLst/>
+          <a:prstGeom prst="roundRect">
+            <a:avLst>
+              <a:gd name="adj" fmla="val 16667"/>
+            </a:avLst>
           </a:prstGeom>
+          <a:ln>
+            <a:noFill/>
+          </a:ln>
+          <a:effectLst>
+            <a:outerShdw blurRad="76200" dist="38100" dir="7800000" algn="tl" rotWithShape="0">
+              <a:srgbClr val="000000">
+                <a:alpha val="40000"/>
+              </a:srgbClr>
+            </a:outerShdw>
+          </a:effectLst>
+          <a:scene3d>
+            <a:camera prst="orthographicFront"/>
+            <a:lightRig rig="contrasting" dir="t">
+              <a:rot lat="0" lon="0" rev="4200000"/>
+            </a:lightRig>
+          </a:scene3d>
+          <a:sp3d prstMaterial="plastic">
+            <a:bevelT w="381000" h="114300" prst="relaxedInset"/>
+            <a:contourClr>
+              <a:srgbClr val="969696"/>
+            </a:contourClr>
+          </a:sp3d>
         </p:spPr>
       </p:pic>
       <p:pic>
@@ -9985,12 +10101,36 @@
         </p:blipFill>
         <p:spPr>
           <a:xfrm>
-            <a:off x="7221060" y="4031728"/>
-            <a:ext cx="4867571" cy="2073091"/>
+            <a:off x="7221060" y="4079770"/>
+            <a:ext cx="4862774" cy="2071048"/>
           </a:xfrm>
-          <a:prstGeom prst="rect">
-            <a:avLst/>
+          <a:prstGeom prst="roundRect">
+            <a:avLst>
+              <a:gd name="adj" fmla="val 16667"/>
+            </a:avLst>
           </a:prstGeom>
+          <a:ln>
+            <a:noFill/>
+          </a:ln>
+          <a:effectLst>
+            <a:outerShdw blurRad="76200" dist="38100" dir="7800000" algn="tl" rotWithShape="0">
+              <a:srgbClr val="000000">
+                <a:alpha val="40000"/>
+              </a:srgbClr>
+            </a:outerShdw>
+          </a:effectLst>
+          <a:scene3d>
+            <a:camera prst="orthographicFront"/>
+            <a:lightRig rig="contrasting" dir="t">
+              <a:rot lat="0" lon="0" rev="4200000"/>
+            </a:lightRig>
+          </a:scene3d>
+          <a:sp3d prstMaterial="plastic">
+            <a:bevelT w="381000" h="114300" prst="relaxedInset"/>
+            <a:contourClr>
+              <a:srgbClr val="969696"/>
+            </a:contourClr>
+          </a:sp3d>
         </p:spPr>
       </p:pic>
     </p:spTree>
@@ -10003,13 +10143,6 @@
   <p:clrMapOvr>
     <a:masterClrMapping/>
   </p:clrMapOvr>
-  <p:timing>
-    <p:tnLst>
-      <p:par>
-        <p:cTn xmlns:p14="http://schemas.microsoft.com/office/powerpoint/2010/main" id="1" dur="indefinite" restart="never" nodeType="tmRoot"/>
-      </p:par>
-    </p:tnLst>
-  </p:timing>
 </p:sld>
 </file>
 
@@ -10269,7 +10402,7 @@
   <a:extraClrSchemeLst/>
   <a:extLst>
     <a:ext uri="{05A4C25C-085E-4340-85A3-A5531E510DB2}">
-      <thm15:themeFamily xmlns:thm15="http://schemas.microsoft.com/office/thememl/2012/main" xmlns="" name="Banded" id="{98DFF888-2449-4D28-977C-6306C017633E}" vid="{B7CF026C-957E-4F4E-893C-D02C23AB6317}"/>
+      <thm15:themeFamily xmlns:thm15="http://schemas.microsoft.com/office/thememl/2012/main" name="Banded" id="{98DFF888-2449-4D28-977C-6306C017633E}" vid="{B7CF026C-957E-4F4E-893C-D02C23AB6317}"/>
     </a:ext>
   </a:extLst>
 </a:theme>
